--- a/13th Study/Optimized C++ Study - Chapter 13, Optimize Memory Management.pptx
+++ b/13th Study/Optimized C++ Study - Chapter 13, Optimize Memory Management.pptx
@@ -35,7 +35,11 @@
     <p:sldId id="275" r:id="rId29"/>
     <p:sldId id="278" r:id="rId30"/>
     <p:sldId id="277" r:id="rId31"/>
-    <p:sldId id="264" r:id="rId32"/>
+    <p:sldId id="287" r:id="rId32"/>
+    <p:sldId id="288" r:id="rId33"/>
+    <p:sldId id="289" r:id="rId34"/>
+    <p:sldId id="290" r:id="rId35"/>
+    <p:sldId id="264" r:id="rId36"/>
   </p:sldIdLst>
   <p:sldSz cx="12192000" cy="6858000"/>
   <p:notesSz cx="6858000" cy="9144000"/>
@@ -168,7 +172,7 @@
           <p:cNvPr id="2" name="제목 1">
             <a:extLst>
               <a:ext uri="{FF2B5EF4-FFF2-40B4-BE49-F238E27FC236}">
-                <a16:creationId xmlns:a16="http://schemas.microsoft.com/office/drawing/2014/main" xmlns="" id="{30258E76-246B-4EA0-B75D-3050D60DAB16}"/>
+                <a16:creationId xmlns:a16="http://schemas.microsoft.com/office/drawing/2014/main" id="{30258E76-246B-4EA0-B75D-3050D60DAB16}"/>
               </a:ext>
             </a:extLst>
           </p:cNvPr>
@@ -205,7 +209,7 @@
           <p:cNvPr id="3" name="부제목 2">
             <a:extLst>
               <a:ext uri="{FF2B5EF4-FFF2-40B4-BE49-F238E27FC236}">
-                <a16:creationId xmlns:a16="http://schemas.microsoft.com/office/drawing/2014/main" xmlns="" id="{9E80C1B9-6C1F-41D6-A24E-E77D35638866}"/>
+                <a16:creationId xmlns:a16="http://schemas.microsoft.com/office/drawing/2014/main" id="{9E80C1B9-6C1F-41D6-A24E-E77D35638866}"/>
               </a:ext>
             </a:extLst>
           </p:cNvPr>
@@ -275,7 +279,7 @@
           <p:cNvPr id="4" name="날짜 개체 틀 3">
             <a:extLst>
               <a:ext uri="{FF2B5EF4-FFF2-40B4-BE49-F238E27FC236}">
-                <a16:creationId xmlns:a16="http://schemas.microsoft.com/office/drawing/2014/main" xmlns="" id="{F8D8EFFD-07B3-4F7A-BA24-4BC323F9C0CB}"/>
+                <a16:creationId xmlns:a16="http://schemas.microsoft.com/office/drawing/2014/main" id="{F8D8EFFD-07B3-4F7A-BA24-4BC323F9C0CB}"/>
               </a:ext>
             </a:extLst>
           </p:cNvPr>
@@ -293,9 +297,9 @@
           <a:p>
             <a:fld id="{574B5CE0-A72C-4312-A71B-1E10A8986C95}" type="datetimeFigureOut">
               <a:rPr lang="ko-KR" altLang="en-US" smtClean="0"/>
-              <a:t>2017-07-31</a:t>
+              <a:t>2017-08-01</a:t>
             </a:fld>
-            <a:endParaRPr lang="ko-KR" altLang="en-US"/>
+            <a:endParaRPr lang="ko-KR" altLang="en-US" dirty="0"/>
           </a:p>
         </p:txBody>
       </p:sp>
@@ -304,7 +308,7 @@
           <p:cNvPr id="5" name="바닥글 개체 틀 4">
             <a:extLst>
               <a:ext uri="{FF2B5EF4-FFF2-40B4-BE49-F238E27FC236}">
-                <a16:creationId xmlns:a16="http://schemas.microsoft.com/office/drawing/2014/main" xmlns="" id="{7D67BF70-7450-48A3-B0CD-3F776BB86C2A}"/>
+                <a16:creationId xmlns:a16="http://schemas.microsoft.com/office/drawing/2014/main" id="{7D67BF70-7450-48A3-B0CD-3F776BB86C2A}"/>
               </a:ext>
             </a:extLst>
           </p:cNvPr>
@@ -320,7 +324,7 @@
           <a:bodyPr/>
           <a:lstStyle/>
           <a:p>
-            <a:endParaRPr lang="ko-KR" altLang="en-US"/>
+            <a:endParaRPr lang="ko-KR" altLang="en-US" dirty="0"/>
           </a:p>
         </p:txBody>
       </p:sp>
@@ -329,7 +333,7 @@
           <p:cNvPr id="6" name="슬라이드 번호 개체 틀 5">
             <a:extLst>
               <a:ext uri="{FF2B5EF4-FFF2-40B4-BE49-F238E27FC236}">
-                <a16:creationId xmlns:a16="http://schemas.microsoft.com/office/drawing/2014/main" xmlns="" id="{B08670EF-575A-4236-B478-ED6B4DF01C13}"/>
+                <a16:creationId xmlns:a16="http://schemas.microsoft.com/office/drawing/2014/main" id="{B08670EF-575A-4236-B478-ED6B4DF01C13}"/>
               </a:ext>
             </a:extLst>
           </p:cNvPr>
@@ -349,7 +353,7 @@
               <a:rPr lang="ko-KR" altLang="en-US" smtClean="0"/>
               <a:t>‹#›</a:t>
             </a:fld>
-            <a:endParaRPr lang="ko-KR" altLang="en-US"/>
+            <a:endParaRPr lang="ko-KR" altLang="en-US" dirty="0"/>
           </a:p>
         </p:txBody>
       </p:sp>
@@ -388,7 +392,7 @@
           <p:cNvPr id="2" name="제목 1">
             <a:extLst>
               <a:ext uri="{FF2B5EF4-FFF2-40B4-BE49-F238E27FC236}">
-                <a16:creationId xmlns:a16="http://schemas.microsoft.com/office/drawing/2014/main" xmlns="" id="{5D9D566C-E257-4494-8385-D85D7C40AD22}"/>
+                <a16:creationId xmlns:a16="http://schemas.microsoft.com/office/drawing/2014/main" id="{5D9D566C-E257-4494-8385-D85D7C40AD22}"/>
               </a:ext>
             </a:extLst>
           </p:cNvPr>
@@ -416,7 +420,7 @@
           <p:cNvPr id="3" name="세로 텍스트 개체 틀 2">
             <a:extLst>
               <a:ext uri="{FF2B5EF4-FFF2-40B4-BE49-F238E27FC236}">
-                <a16:creationId xmlns:a16="http://schemas.microsoft.com/office/drawing/2014/main" xmlns="" id="{41197200-C209-49F6-A819-D90B5446A42E}"/>
+                <a16:creationId xmlns:a16="http://schemas.microsoft.com/office/drawing/2014/main" id="{41197200-C209-49F6-A819-D90B5446A42E}"/>
               </a:ext>
             </a:extLst>
           </p:cNvPr>
@@ -473,7 +477,7 @@
           <p:cNvPr id="4" name="날짜 개체 틀 3">
             <a:extLst>
               <a:ext uri="{FF2B5EF4-FFF2-40B4-BE49-F238E27FC236}">
-                <a16:creationId xmlns:a16="http://schemas.microsoft.com/office/drawing/2014/main" xmlns="" id="{CE9A7BC4-9159-4057-B3E6-792307AD9E59}"/>
+                <a16:creationId xmlns:a16="http://schemas.microsoft.com/office/drawing/2014/main" id="{CE9A7BC4-9159-4057-B3E6-792307AD9E59}"/>
               </a:ext>
             </a:extLst>
           </p:cNvPr>
@@ -491,9 +495,9 @@
           <a:p>
             <a:fld id="{574B5CE0-A72C-4312-A71B-1E10A8986C95}" type="datetimeFigureOut">
               <a:rPr lang="ko-KR" altLang="en-US" smtClean="0"/>
-              <a:t>2017-07-31</a:t>
+              <a:t>2017-08-01</a:t>
             </a:fld>
-            <a:endParaRPr lang="ko-KR" altLang="en-US"/>
+            <a:endParaRPr lang="ko-KR" altLang="en-US" dirty="0"/>
           </a:p>
         </p:txBody>
       </p:sp>
@@ -502,7 +506,7 @@
           <p:cNvPr id="5" name="바닥글 개체 틀 4">
             <a:extLst>
               <a:ext uri="{FF2B5EF4-FFF2-40B4-BE49-F238E27FC236}">
-                <a16:creationId xmlns:a16="http://schemas.microsoft.com/office/drawing/2014/main" xmlns="" id="{D1733D0B-9EA9-4887-B49B-5E0F50A0E881}"/>
+                <a16:creationId xmlns:a16="http://schemas.microsoft.com/office/drawing/2014/main" id="{D1733D0B-9EA9-4887-B49B-5E0F50A0E881}"/>
               </a:ext>
             </a:extLst>
           </p:cNvPr>
@@ -518,7 +522,7 @@
           <a:bodyPr/>
           <a:lstStyle/>
           <a:p>
-            <a:endParaRPr lang="ko-KR" altLang="en-US"/>
+            <a:endParaRPr lang="ko-KR" altLang="en-US" dirty="0"/>
           </a:p>
         </p:txBody>
       </p:sp>
@@ -527,7 +531,7 @@
           <p:cNvPr id="6" name="슬라이드 번호 개체 틀 5">
             <a:extLst>
               <a:ext uri="{FF2B5EF4-FFF2-40B4-BE49-F238E27FC236}">
-                <a16:creationId xmlns:a16="http://schemas.microsoft.com/office/drawing/2014/main" xmlns="" id="{64CC9EFE-3AB1-4D05-8B45-EE72A2978970}"/>
+                <a16:creationId xmlns:a16="http://schemas.microsoft.com/office/drawing/2014/main" id="{64CC9EFE-3AB1-4D05-8B45-EE72A2978970}"/>
               </a:ext>
             </a:extLst>
           </p:cNvPr>
@@ -547,7 +551,7 @@
               <a:rPr lang="ko-KR" altLang="en-US" smtClean="0"/>
               <a:t>‹#›</a:t>
             </a:fld>
-            <a:endParaRPr lang="ko-KR" altLang="en-US"/>
+            <a:endParaRPr lang="ko-KR" altLang="en-US" dirty="0"/>
           </a:p>
         </p:txBody>
       </p:sp>
@@ -586,7 +590,7 @@
           <p:cNvPr id="2" name="세로 제목 1">
             <a:extLst>
               <a:ext uri="{FF2B5EF4-FFF2-40B4-BE49-F238E27FC236}">
-                <a16:creationId xmlns:a16="http://schemas.microsoft.com/office/drawing/2014/main" xmlns="" id="{334DA6D4-2050-47E2-975E-474D7F70E17F}"/>
+                <a16:creationId xmlns:a16="http://schemas.microsoft.com/office/drawing/2014/main" id="{334DA6D4-2050-47E2-975E-474D7F70E17F}"/>
               </a:ext>
             </a:extLst>
           </p:cNvPr>
@@ -619,7 +623,7 @@
           <p:cNvPr id="3" name="세로 텍스트 개체 틀 2">
             <a:extLst>
               <a:ext uri="{FF2B5EF4-FFF2-40B4-BE49-F238E27FC236}">
-                <a16:creationId xmlns:a16="http://schemas.microsoft.com/office/drawing/2014/main" xmlns="" id="{954E99F8-3C91-43E1-A8A4-9A451CABC643}"/>
+                <a16:creationId xmlns:a16="http://schemas.microsoft.com/office/drawing/2014/main" id="{954E99F8-3C91-43E1-A8A4-9A451CABC643}"/>
               </a:ext>
             </a:extLst>
           </p:cNvPr>
@@ -681,7 +685,7 @@
           <p:cNvPr id="4" name="날짜 개체 틀 3">
             <a:extLst>
               <a:ext uri="{FF2B5EF4-FFF2-40B4-BE49-F238E27FC236}">
-                <a16:creationId xmlns:a16="http://schemas.microsoft.com/office/drawing/2014/main" xmlns="" id="{D112E548-BEDC-44C9-8343-D5E6110B3196}"/>
+                <a16:creationId xmlns:a16="http://schemas.microsoft.com/office/drawing/2014/main" id="{D112E548-BEDC-44C9-8343-D5E6110B3196}"/>
               </a:ext>
             </a:extLst>
           </p:cNvPr>
@@ -699,9 +703,9 @@
           <a:p>
             <a:fld id="{574B5CE0-A72C-4312-A71B-1E10A8986C95}" type="datetimeFigureOut">
               <a:rPr lang="ko-KR" altLang="en-US" smtClean="0"/>
-              <a:t>2017-07-31</a:t>
+              <a:t>2017-08-01</a:t>
             </a:fld>
-            <a:endParaRPr lang="ko-KR" altLang="en-US"/>
+            <a:endParaRPr lang="ko-KR" altLang="en-US" dirty="0"/>
           </a:p>
         </p:txBody>
       </p:sp>
@@ -710,7 +714,7 @@
           <p:cNvPr id="5" name="바닥글 개체 틀 4">
             <a:extLst>
               <a:ext uri="{FF2B5EF4-FFF2-40B4-BE49-F238E27FC236}">
-                <a16:creationId xmlns:a16="http://schemas.microsoft.com/office/drawing/2014/main" xmlns="" id="{18864674-5376-4633-89A0-953FC6EA1C84}"/>
+                <a16:creationId xmlns:a16="http://schemas.microsoft.com/office/drawing/2014/main" id="{18864674-5376-4633-89A0-953FC6EA1C84}"/>
               </a:ext>
             </a:extLst>
           </p:cNvPr>
@@ -726,7 +730,7 @@
           <a:bodyPr/>
           <a:lstStyle/>
           <a:p>
-            <a:endParaRPr lang="ko-KR" altLang="en-US"/>
+            <a:endParaRPr lang="ko-KR" altLang="en-US" dirty="0"/>
           </a:p>
         </p:txBody>
       </p:sp>
@@ -735,7 +739,7 @@
           <p:cNvPr id="6" name="슬라이드 번호 개체 틀 5">
             <a:extLst>
               <a:ext uri="{FF2B5EF4-FFF2-40B4-BE49-F238E27FC236}">
-                <a16:creationId xmlns:a16="http://schemas.microsoft.com/office/drawing/2014/main" xmlns="" id="{AC52449F-090A-4F35-9FE8-479A18F8ED52}"/>
+                <a16:creationId xmlns:a16="http://schemas.microsoft.com/office/drawing/2014/main" id="{AC52449F-090A-4F35-9FE8-479A18F8ED52}"/>
               </a:ext>
             </a:extLst>
           </p:cNvPr>
@@ -755,7 +759,7 @@
               <a:rPr lang="ko-KR" altLang="en-US" smtClean="0"/>
               <a:t>‹#›</a:t>
             </a:fld>
-            <a:endParaRPr lang="ko-KR" altLang="en-US"/>
+            <a:endParaRPr lang="ko-KR" altLang="en-US" dirty="0"/>
           </a:p>
         </p:txBody>
       </p:sp>
@@ -794,7 +798,7 @@
           <p:cNvPr id="2" name="제목 1">
             <a:extLst>
               <a:ext uri="{FF2B5EF4-FFF2-40B4-BE49-F238E27FC236}">
-                <a16:creationId xmlns:a16="http://schemas.microsoft.com/office/drawing/2014/main" xmlns="" id="{2A9D9961-B89F-476C-A341-24FB7BDCB70F}"/>
+                <a16:creationId xmlns:a16="http://schemas.microsoft.com/office/drawing/2014/main" id="{2A9D9961-B89F-476C-A341-24FB7BDCB70F}"/>
               </a:ext>
             </a:extLst>
           </p:cNvPr>
@@ -822,7 +826,7 @@
           <p:cNvPr id="3" name="내용 개체 틀 2">
             <a:extLst>
               <a:ext uri="{FF2B5EF4-FFF2-40B4-BE49-F238E27FC236}">
-                <a16:creationId xmlns:a16="http://schemas.microsoft.com/office/drawing/2014/main" xmlns="" id="{59E2F89F-FE43-4767-BBCC-998BC34AC4BA}"/>
+                <a16:creationId xmlns:a16="http://schemas.microsoft.com/office/drawing/2014/main" id="{59E2F89F-FE43-4767-BBCC-998BC34AC4BA}"/>
               </a:ext>
             </a:extLst>
           </p:cNvPr>
@@ -879,7 +883,7 @@
           <p:cNvPr id="4" name="날짜 개체 틀 3">
             <a:extLst>
               <a:ext uri="{FF2B5EF4-FFF2-40B4-BE49-F238E27FC236}">
-                <a16:creationId xmlns:a16="http://schemas.microsoft.com/office/drawing/2014/main" xmlns="" id="{EC098483-F4E1-4D5F-AD6B-7FFFAEEF89A6}"/>
+                <a16:creationId xmlns:a16="http://schemas.microsoft.com/office/drawing/2014/main" id="{EC098483-F4E1-4D5F-AD6B-7FFFAEEF89A6}"/>
               </a:ext>
             </a:extLst>
           </p:cNvPr>
@@ -897,9 +901,9 @@
           <a:p>
             <a:fld id="{574B5CE0-A72C-4312-A71B-1E10A8986C95}" type="datetimeFigureOut">
               <a:rPr lang="ko-KR" altLang="en-US" smtClean="0"/>
-              <a:t>2017-07-31</a:t>
+              <a:t>2017-08-01</a:t>
             </a:fld>
-            <a:endParaRPr lang="ko-KR" altLang="en-US"/>
+            <a:endParaRPr lang="ko-KR" altLang="en-US" dirty="0"/>
           </a:p>
         </p:txBody>
       </p:sp>
@@ -908,7 +912,7 @@
           <p:cNvPr id="5" name="바닥글 개체 틀 4">
             <a:extLst>
               <a:ext uri="{FF2B5EF4-FFF2-40B4-BE49-F238E27FC236}">
-                <a16:creationId xmlns:a16="http://schemas.microsoft.com/office/drawing/2014/main" xmlns="" id="{C4BAD3FC-6852-487A-8C01-62A964D5D13A}"/>
+                <a16:creationId xmlns:a16="http://schemas.microsoft.com/office/drawing/2014/main" id="{C4BAD3FC-6852-487A-8C01-62A964D5D13A}"/>
               </a:ext>
             </a:extLst>
           </p:cNvPr>
@@ -924,7 +928,7 @@
           <a:bodyPr/>
           <a:lstStyle/>
           <a:p>
-            <a:endParaRPr lang="ko-KR" altLang="en-US"/>
+            <a:endParaRPr lang="ko-KR" altLang="en-US" dirty="0"/>
           </a:p>
         </p:txBody>
       </p:sp>
@@ -933,7 +937,7 @@
           <p:cNvPr id="6" name="슬라이드 번호 개체 틀 5">
             <a:extLst>
               <a:ext uri="{FF2B5EF4-FFF2-40B4-BE49-F238E27FC236}">
-                <a16:creationId xmlns:a16="http://schemas.microsoft.com/office/drawing/2014/main" xmlns="" id="{0B78D9E8-E753-4A69-AD8E-3D52C0831406}"/>
+                <a16:creationId xmlns:a16="http://schemas.microsoft.com/office/drawing/2014/main" id="{0B78D9E8-E753-4A69-AD8E-3D52C0831406}"/>
               </a:ext>
             </a:extLst>
           </p:cNvPr>
@@ -953,7 +957,7 @@
               <a:rPr lang="ko-KR" altLang="en-US" smtClean="0"/>
               <a:t>‹#›</a:t>
             </a:fld>
-            <a:endParaRPr lang="ko-KR" altLang="en-US"/>
+            <a:endParaRPr lang="ko-KR" altLang="en-US" dirty="0"/>
           </a:p>
         </p:txBody>
       </p:sp>
@@ -992,7 +996,7 @@
           <p:cNvPr id="2" name="제목 1">
             <a:extLst>
               <a:ext uri="{FF2B5EF4-FFF2-40B4-BE49-F238E27FC236}">
-                <a16:creationId xmlns:a16="http://schemas.microsoft.com/office/drawing/2014/main" xmlns="" id="{9D89E6F3-A263-476B-A32B-945E08DA5AB6}"/>
+                <a16:creationId xmlns:a16="http://schemas.microsoft.com/office/drawing/2014/main" id="{9D89E6F3-A263-476B-A32B-945E08DA5AB6}"/>
               </a:ext>
             </a:extLst>
           </p:cNvPr>
@@ -1029,7 +1033,7 @@
           <p:cNvPr id="3" name="텍스트 개체 틀 2">
             <a:extLst>
               <a:ext uri="{FF2B5EF4-FFF2-40B4-BE49-F238E27FC236}">
-                <a16:creationId xmlns:a16="http://schemas.microsoft.com/office/drawing/2014/main" xmlns="" id="{9AFD8206-DF75-4BB4-B72B-03BCE6664EAE}"/>
+                <a16:creationId xmlns:a16="http://schemas.microsoft.com/office/drawing/2014/main" id="{9AFD8206-DF75-4BB4-B72B-03BCE6664EAE}"/>
               </a:ext>
             </a:extLst>
           </p:cNvPr>
@@ -1154,7 +1158,7 @@
           <p:cNvPr id="4" name="날짜 개체 틀 3">
             <a:extLst>
               <a:ext uri="{FF2B5EF4-FFF2-40B4-BE49-F238E27FC236}">
-                <a16:creationId xmlns:a16="http://schemas.microsoft.com/office/drawing/2014/main" xmlns="" id="{FF2A2F69-1648-4651-8B53-0AEDE37C3444}"/>
+                <a16:creationId xmlns:a16="http://schemas.microsoft.com/office/drawing/2014/main" id="{FF2A2F69-1648-4651-8B53-0AEDE37C3444}"/>
               </a:ext>
             </a:extLst>
           </p:cNvPr>
@@ -1172,9 +1176,9 @@
           <a:p>
             <a:fld id="{574B5CE0-A72C-4312-A71B-1E10A8986C95}" type="datetimeFigureOut">
               <a:rPr lang="ko-KR" altLang="en-US" smtClean="0"/>
-              <a:t>2017-07-31</a:t>
+              <a:t>2017-08-01</a:t>
             </a:fld>
-            <a:endParaRPr lang="ko-KR" altLang="en-US"/>
+            <a:endParaRPr lang="ko-KR" altLang="en-US" dirty="0"/>
           </a:p>
         </p:txBody>
       </p:sp>
@@ -1183,7 +1187,7 @@
           <p:cNvPr id="5" name="바닥글 개체 틀 4">
             <a:extLst>
               <a:ext uri="{FF2B5EF4-FFF2-40B4-BE49-F238E27FC236}">
-                <a16:creationId xmlns:a16="http://schemas.microsoft.com/office/drawing/2014/main" xmlns="" id="{E7BE778C-3FC9-4976-83B4-C935E2384252}"/>
+                <a16:creationId xmlns:a16="http://schemas.microsoft.com/office/drawing/2014/main" id="{E7BE778C-3FC9-4976-83B4-C935E2384252}"/>
               </a:ext>
             </a:extLst>
           </p:cNvPr>
@@ -1199,7 +1203,7 @@
           <a:bodyPr/>
           <a:lstStyle/>
           <a:p>
-            <a:endParaRPr lang="ko-KR" altLang="en-US"/>
+            <a:endParaRPr lang="ko-KR" altLang="en-US" dirty="0"/>
           </a:p>
         </p:txBody>
       </p:sp>
@@ -1208,7 +1212,7 @@
           <p:cNvPr id="6" name="슬라이드 번호 개체 틀 5">
             <a:extLst>
               <a:ext uri="{FF2B5EF4-FFF2-40B4-BE49-F238E27FC236}">
-                <a16:creationId xmlns:a16="http://schemas.microsoft.com/office/drawing/2014/main" xmlns="" id="{38AEDD2A-9ACC-4C96-9BB2-C1E40067542A}"/>
+                <a16:creationId xmlns:a16="http://schemas.microsoft.com/office/drawing/2014/main" id="{38AEDD2A-9ACC-4C96-9BB2-C1E40067542A}"/>
               </a:ext>
             </a:extLst>
           </p:cNvPr>
@@ -1228,7 +1232,7 @@
               <a:rPr lang="ko-KR" altLang="en-US" smtClean="0"/>
               <a:t>‹#›</a:t>
             </a:fld>
-            <a:endParaRPr lang="ko-KR" altLang="en-US"/>
+            <a:endParaRPr lang="ko-KR" altLang="en-US" dirty="0"/>
           </a:p>
         </p:txBody>
       </p:sp>
@@ -1267,7 +1271,7 @@
           <p:cNvPr id="2" name="제목 1">
             <a:extLst>
               <a:ext uri="{FF2B5EF4-FFF2-40B4-BE49-F238E27FC236}">
-                <a16:creationId xmlns:a16="http://schemas.microsoft.com/office/drawing/2014/main" xmlns="" id="{A54DAA2E-8168-4BD6-923B-A155B40687AB}"/>
+                <a16:creationId xmlns:a16="http://schemas.microsoft.com/office/drawing/2014/main" id="{A54DAA2E-8168-4BD6-923B-A155B40687AB}"/>
               </a:ext>
             </a:extLst>
           </p:cNvPr>
@@ -1295,7 +1299,7 @@
           <p:cNvPr id="3" name="내용 개체 틀 2">
             <a:extLst>
               <a:ext uri="{FF2B5EF4-FFF2-40B4-BE49-F238E27FC236}">
-                <a16:creationId xmlns:a16="http://schemas.microsoft.com/office/drawing/2014/main" xmlns="" id="{D59F3495-ACCF-46B4-B9D6-C3476F57908C}"/>
+                <a16:creationId xmlns:a16="http://schemas.microsoft.com/office/drawing/2014/main" id="{D59F3495-ACCF-46B4-B9D6-C3476F57908C}"/>
               </a:ext>
             </a:extLst>
           </p:cNvPr>
@@ -1357,7 +1361,7 @@
           <p:cNvPr id="4" name="내용 개체 틀 3">
             <a:extLst>
               <a:ext uri="{FF2B5EF4-FFF2-40B4-BE49-F238E27FC236}">
-                <a16:creationId xmlns:a16="http://schemas.microsoft.com/office/drawing/2014/main" xmlns="" id="{DD2B4D47-4E20-408F-A3F0-99CE85430FCD}"/>
+                <a16:creationId xmlns:a16="http://schemas.microsoft.com/office/drawing/2014/main" id="{DD2B4D47-4E20-408F-A3F0-99CE85430FCD}"/>
               </a:ext>
             </a:extLst>
           </p:cNvPr>
@@ -1419,7 +1423,7 @@
           <p:cNvPr id="5" name="날짜 개체 틀 4">
             <a:extLst>
               <a:ext uri="{FF2B5EF4-FFF2-40B4-BE49-F238E27FC236}">
-                <a16:creationId xmlns:a16="http://schemas.microsoft.com/office/drawing/2014/main" xmlns="" id="{B3B9B1A5-F3A6-4F7B-BD4F-F51734E05A69}"/>
+                <a16:creationId xmlns:a16="http://schemas.microsoft.com/office/drawing/2014/main" id="{B3B9B1A5-F3A6-4F7B-BD4F-F51734E05A69}"/>
               </a:ext>
             </a:extLst>
           </p:cNvPr>
@@ -1437,9 +1441,9 @@
           <a:p>
             <a:fld id="{574B5CE0-A72C-4312-A71B-1E10A8986C95}" type="datetimeFigureOut">
               <a:rPr lang="ko-KR" altLang="en-US" smtClean="0"/>
-              <a:t>2017-07-31</a:t>
+              <a:t>2017-08-01</a:t>
             </a:fld>
-            <a:endParaRPr lang="ko-KR" altLang="en-US"/>
+            <a:endParaRPr lang="ko-KR" altLang="en-US" dirty="0"/>
           </a:p>
         </p:txBody>
       </p:sp>
@@ -1448,7 +1452,7 @@
           <p:cNvPr id="6" name="바닥글 개체 틀 5">
             <a:extLst>
               <a:ext uri="{FF2B5EF4-FFF2-40B4-BE49-F238E27FC236}">
-                <a16:creationId xmlns:a16="http://schemas.microsoft.com/office/drawing/2014/main" xmlns="" id="{E24DCED4-57F3-48AE-936A-499DC33606B1}"/>
+                <a16:creationId xmlns:a16="http://schemas.microsoft.com/office/drawing/2014/main" id="{E24DCED4-57F3-48AE-936A-499DC33606B1}"/>
               </a:ext>
             </a:extLst>
           </p:cNvPr>
@@ -1464,7 +1468,7 @@
           <a:bodyPr/>
           <a:lstStyle/>
           <a:p>
-            <a:endParaRPr lang="ko-KR" altLang="en-US"/>
+            <a:endParaRPr lang="ko-KR" altLang="en-US" dirty="0"/>
           </a:p>
         </p:txBody>
       </p:sp>
@@ -1473,7 +1477,7 @@
           <p:cNvPr id="7" name="슬라이드 번호 개체 틀 6">
             <a:extLst>
               <a:ext uri="{FF2B5EF4-FFF2-40B4-BE49-F238E27FC236}">
-                <a16:creationId xmlns:a16="http://schemas.microsoft.com/office/drawing/2014/main" xmlns="" id="{57C436B4-AC0D-4CC3-A989-C8C7D2E05ACE}"/>
+                <a16:creationId xmlns:a16="http://schemas.microsoft.com/office/drawing/2014/main" id="{57C436B4-AC0D-4CC3-A989-C8C7D2E05ACE}"/>
               </a:ext>
             </a:extLst>
           </p:cNvPr>
@@ -1493,7 +1497,7 @@
               <a:rPr lang="ko-KR" altLang="en-US" smtClean="0"/>
               <a:t>‹#›</a:t>
             </a:fld>
-            <a:endParaRPr lang="ko-KR" altLang="en-US"/>
+            <a:endParaRPr lang="ko-KR" altLang="en-US" dirty="0"/>
           </a:p>
         </p:txBody>
       </p:sp>
@@ -1532,7 +1536,7 @@
           <p:cNvPr id="2" name="제목 1">
             <a:extLst>
               <a:ext uri="{FF2B5EF4-FFF2-40B4-BE49-F238E27FC236}">
-                <a16:creationId xmlns:a16="http://schemas.microsoft.com/office/drawing/2014/main" xmlns="" id="{96B1DAC2-C247-4B80-8723-10CA671E38D8}"/>
+                <a16:creationId xmlns:a16="http://schemas.microsoft.com/office/drawing/2014/main" id="{96B1DAC2-C247-4B80-8723-10CA671E38D8}"/>
               </a:ext>
             </a:extLst>
           </p:cNvPr>
@@ -1565,7 +1569,7 @@
           <p:cNvPr id="3" name="텍스트 개체 틀 2">
             <a:extLst>
               <a:ext uri="{FF2B5EF4-FFF2-40B4-BE49-F238E27FC236}">
-                <a16:creationId xmlns:a16="http://schemas.microsoft.com/office/drawing/2014/main" xmlns="" id="{0FE8E949-EEC1-439C-B5D8-8E1CB98A8EBB}"/>
+                <a16:creationId xmlns:a16="http://schemas.microsoft.com/office/drawing/2014/main" id="{0FE8E949-EEC1-439C-B5D8-8E1CB98A8EBB}"/>
               </a:ext>
             </a:extLst>
           </p:cNvPr>
@@ -1636,7 +1640,7 @@
           <p:cNvPr id="4" name="내용 개체 틀 3">
             <a:extLst>
               <a:ext uri="{FF2B5EF4-FFF2-40B4-BE49-F238E27FC236}">
-                <a16:creationId xmlns:a16="http://schemas.microsoft.com/office/drawing/2014/main" xmlns="" id="{D3A925CF-7E4D-4857-B8C0-54882D486AC1}"/>
+                <a16:creationId xmlns:a16="http://schemas.microsoft.com/office/drawing/2014/main" id="{D3A925CF-7E4D-4857-B8C0-54882D486AC1}"/>
               </a:ext>
             </a:extLst>
           </p:cNvPr>
@@ -1698,7 +1702,7 @@
           <p:cNvPr id="5" name="텍스트 개체 틀 4">
             <a:extLst>
               <a:ext uri="{FF2B5EF4-FFF2-40B4-BE49-F238E27FC236}">
-                <a16:creationId xmlns:a16="http://schemas.microsoft.com/office/drawing/2014/main" xmlns="" id="{BC75975C-E2D8-4D0F-BF0B-4ED179134E99}"/>
+                <a16:creationId xmlns:a16="http://schemas.microsoft.com/office/drawing/2014/main" id="{BC75975C-E2D8-4D0F-BF0B-4ED179134E99}"/>
               </a:ext>
             </a:extLst>
           </p:cNvPr>
@@ -1769,7 +1773,7 @@
           <p:cNvPr id="6" name="내용 개체 틀 5">
             <a:extLst>
               <a:ext uri="{FF2B5EF4-FFF2-40B4-BE49-F238E27FC236}">
-                <a16:creationId xmlns:a16="http://schemas.microsoft.com/office/drawing/2014/main" xmlns="" id="{AE8C1105-E691-43F6-8FA5-30C387DDDBC0}"/>
+                <a16:creationId xmlns:a16="http://schemas.microsoft.com/office/drawing/2014/main" id="{AE8C1105-E691-43F6-8FA5-30C387DDDBC0}"/>
               </a:ext>
             </a:extLst>
           </p:cNvPr>
@@ -1831,7 +1835,7 @@
           <p:cNvPr id="7" name="날짜 개체 틀 6">
             <a:extLst>
               <a:ext uri="{FF2B5EF4-FFF2-40B4-BE49-F238E27FC236}">
-                <a16:creationId xmlns:a16="http://schemas.microsoft.com/office/drawing/2014/main" xmlns="" id="{F33B446F-3612-4C15-B53C-791B80FC570E}"/>
+                <a16:creationId xmlns:a16="http://schemas.microsoft.com/office/drawing/2014/main" id="{F33B446F-3612-4C15-B53C-791B80FC570E}"/>
               </a:ext>
             </a:extLst>
           </p:cNvPr>
@@ -1849,9 +1853,9 @@
           <a:p>
             <a:fld id="{574B5CE0-A72C-4312-A71B-1E10A8986C95}" type="datetimeFigureOut">
               <a:rPr lang="ko-KR" altLang="en-US" smtClean="0"/>
-              <a:t>2017-07-31</a:t>
+              <a:t>2017-08-01</a:t>
             </a:fld>
-            <a:endParaRPr lang="ko-KR" altLang="en-US"/>
+            <a:endParaRPr lang="ko-KR" altLang="en-US" dirty="0"/>
           </a:p>
         </p:txBody>
       </p:sp>
@@ -1860,7 +1864,7 @@
           <p:cNvPr id="8" name="바닥글 개체 틀 7">
             <a:extLst>
               <a:ext uri="{FF2B5EF4-FFF2-40B4-BE49-F238E27FC236}">
-                <a16:creationId xmlns:a16="http://schemas.microsoft.com/office/drawing/2014/main" xmlns="" id="{0DCBD388-1B09-4588-B55B-F7B32A5B901B}"/>
+                <a16:creationId xmlns:a16="http://schemas.microsoft.com/office/drawing/2014/main" id="{0DCBD388-1B09-4588-B55B-F7B32A5B901B}"/>
               </a:ext>
             </a:extLst>
           </p:cNvPr>
@@ -1876,7 +1880,7 @@
           <a:bodyPr/>
           <a:lstStyle/>
           <a:p>
-            <a:endParaRPr lang="ko-KR" altLang="en-US"/>
+            <a:endParaRPr lang="ko-KR" altLang="en-US" dirty="0"/>
           </a:p>
         </p:txBody>
       </p:sp>
@@ -1885,7 +1889,7 @@
           <p:cNvPr id="9" name="슬라이드 번호 개체 틀 8">
             <a:extLst>
               <a:ext uri="{FF2B5EF4-FFF2-40B4-BE49-F238E27FC236}">
-                <a16:creationId xmlns:a16="http://schemas.microsoft.com/office/drawing/2014/main" xmlns="" id="{51D83566-4982-48B5-B735-FDF04F053155}"/>
+                <a16:creationId xmlns:a16="http://schemas.microsoft.com/office/drawing/2014/main" id="{51D83566-4982-48B5-B735-FDF04F053155}"/>
               </a:ext>
             </a:extLst>
           </p:cNvPr>
@@ -1905,7 +1909,7 @@
               <a:rPr lang="ko-KR" altLang="en-US" smtClean="0"/>
               <a:t>‹#›</a:t>
             </a:fld>
-            <a:endParaRPr lang="ko-KR" altLang="en-US"/>
+            <a:endParaRPr lang="ko-KR" altLang="en-US" dirty="0"/>
           </a:p>
         </p:txBody>
       </p:sp>
@@ -1944,7 +1948,7 @@
           <p:cNvPr id="2" name="제목 1">
             <a:extLst>
               <a:ext uri="{FF2B5EF4-FFF2-40B4-BE49-F238E27FC236}">
-                <a16:creationId xmlns:a16="http://schemas.microsoft.com/office/drawing/2014/main" xmlns="" id="{6792A161-2252-4A3D-AA3C-A06EB3040EFF}"/>
+                <a16:creationId xmlns:a16="http://schemas.microsoft.com/office/drawing/2014/main" id="{6792A161-2252-4A3D-AA3C-A06EB3040EFF}"/>
               </a:ext>
             </a:extLst>
           </p:cNvPr>
@@ -1972,7 +1976,7 @@
           <p:cNvPr id="3" name="날짜 개체 틀 2">
             <a:extLst>
               <a:ext uri="{FF2B5EF4-FFF2-40B4-BE49-F238E27FC236}">
-                <a16:creationId xmlns:a16="http://schemas.microsoft.com/office/drawing/2014/main" xmlns="" id="{857FDD11-308A-47FE-8C1F-843657645D80}"/>
+                <a16:creationId xmlns:a16="http://schemas.microsoft.com/office/drawing/2014/main" id="{857FDD11-308A-47FE-8C1F-843657645D80}"/>
               </a:ext>
             </a:extLst>
           </p:cNvPr>
@@ -1990,9 +1994,9 @@
           <a:p>
             <a:fld id="{574B5CE0-A72C-4312-A71B-1E10A8986C95}" type="datetimeFigureOut">
               <a:rPr lang="ko-KR" altLang="en-US" smtClean="0"/>
-              <a:t>2017-07-31</a:t>
+              <a:t>2017-08-01</a:t>
             </a:fld>
-            <a:endParaRPr lang="ko-KR" altLang="en-US"/>
+            <a:endParaRPr lang="ko-KR" altLang="en-US" dirty="0"/>
           </a:p>
         </p:txBody>
       </p:sp>
@@ -2001,7 +2005,7 @@
           <p:cNvPr id="4" name="바닥글 개체 틀 3">
             <a:extLst>
               <a:ext uri="{FF2B5EF4-FFF2-40B4-BE49-F238E27FC236}">
-                <a16:creationId xmlns:a16="http://schemas.microsoft.com/office/drawing/2014/main" xmlns="" id="{EFEBFE82-359E-44DF-953B-9751862C1C26}"/>
+                <a16:creationId xmlns:a16="http://schemas.microsoft.com/office/drawing/2014/main" id="{EFEBFE82-359E-44DF-953B-9751862C1C26}"/>
               </a:ext>
             </a:extLst>
           </p:cNvPr>
@@ -2017,7 +2021,7 @@
           <a:bodyPr/>
           <a:lstStyle/>
           <a:p>
-            <a:endParaRPr lang="ko-KR" altLang="en-US"/>
+            <a:endParaRPr lang="ko-KR" altLang="en-US" dirty="0"/>
           </a:p>
         </p:txBody>
       </p:sp>
@@ -2026,7 +2030,7 @@
           <p:cNvPr id="5" name="슬라이드 번호 개체 틀 4">
             <a:extLst>
               <a:ext uri="{FF2B5EF4-FFF2-40B4-BE49-F238E27FC236}">
-                <a16:creationId xmlns:a16="http://schemas.microsoft.com/office/drawing/2014/main" xmlns="" id="{C2DA95E7-65D4-4F93-9443-8BDF0C7F24BC}"/>
+                <a16:creationId xmlns:a16="http://schemas.microsoft.com/office/drawing/2014/main" id="{C2DA95E7-65D4-4F93-9443-8BDF0C7F24BC}"/>
               </a:ext>
             </a:extLst>
           </p:cNvPr>
@@ -2046,7 +2050,7 @@
               <a:rPr lang="ko-KR" altLang="en-US" smtClean="0"/>
               <a:t>‹#›</a:t>
             </a:fld>
-            <a:endParaRPr lang="ko-KR" altLang="en-US"/>
+            <a:endParaRPr lang="ko-KR" altLang="en-US" dirty="0"/>
           </a:p>
         </p:txBody>
       </p:sp>
@@ -2085,7 +2089,7 @@
           <p:cNvPr id="2" name="날짜 개체 틀 1">
             <a:extLst>
               <a:ext uri="{FF2B5EF4-FFF2-40B4-BE49-F238E27FC236}">
-                <a16:creationId xmlns:a16="http://schemas.microsoft.com/office/drawing/2014/main" xmlns="" id="{0BCE07C6-3267-445E-B9D2-5A66B0D3C649}"/>
+                <a16:creationId xmlns:a16="http://schemas.microsoft.com/office/drawing/2014/main" id="{0BCE07C6-3267-445E-B9D2-5A66B0D3C649}"/>
               </a:ext>
             </a:extLst>
           </p:cNvPr>
@@ -2103,9 +2107,9 @@
           <a:p>
             <a:fld id="{574B5CE0-A72C-4312-A71B-1E10A8986C95}" type="datetimeFigureOut">
               <a:rPr lang="ko-KR" altLang="en-US" smtClean="0"/>
-              <a:t>2017-07-31</a:t>
+              <a:t>2017-08-01</a:t>
             </a:fld>
-            <a:endParaRPr lang="ko-KR" altLang="en-US"/>
+            <a:endParaRPr lang="ko-KR" altLang="en-US" dirty="0"/>
           </a:p>
         </p:txBody>
       </p:sp>
@@ -2114,7 +2118,7 @@
           <p:cNvPr id="3" name="바닥글 개체 틀 2">
             <a:extLst>
               <a:ext uri="{FF2B5EF4-FFF2-40B4-BE49-F238E27FC236}">
-                <a16:creationId xmlns:a16="http://schemas.microsoft.com/office/drawing/2014/main" xmlns="" id="{3297574A-AE44-4BC3-AF7A-241715D76328}"/>
+                <a16:creationId xmlns:a16="http://schemas.microsoft.com/office/drawing/2014/main" id="{3297574A-AE44-4BC3-AF7A-241715D76328}"/>
               </a:ext>
             </a:extLst>
           </p:cNvPr>
@@ -2130,7 +2134,7 @@
           <a:bodyPr/>
           <a:lstStyle/>
           <a:p>
-            <a:endParaRPr lang="ko-KR" altLang="en-US"/>
+            <a:endParaRPr lang="ko-KR" altLang="en-US" dirty="0"/>
           </a:p>
         </p:txBody>
       </p:sp>
@@ -2139,7 +2143,7 @@
           <p:cNvPr id="4" name="슬라이드 번호 개체 틀 3">
             <a:extLst>
               <a:ext uri="{FF2B5EF4-FFF2-40B4-BE49-F238E27FC236}">
-                <a16:creationId xmlns:a16="http://schemas.microsoft.com/office/drawing/2014/main" xmlns="" id="{3EF42156-F18C-43B0-8118-030915FC6F27}"/>
+                <a16:creationId xmlns:a16="http://schemas.microsoft.com/office/drawing/2014/main" id="{3EF42156-F18C-43B0-8118-030915FC6F27}"/>
               </a:ext>
             </a:extLst>
           </p:cNvPr>
@@ -2159,7 +2163,7 @@
               <a:rPr lang="ko-KR" altLang="en-US" smtClean="0"/>
               <a:t>‹#›</a:t>
             </a:fld>
-            <a:endParaRPr lang="ko-KR" altLang="en-US"/>
+            <a:endParaRPr lang="ko-KR" altLang="en-US" dirty="0"/>
           </a:p>
         </p:txBody>
       </p:sp>
@@ -2198,7 +2202,7 @@
           <p:cNvPr id="2" name="제목 1">
             <a:extLst>
               <a:ext uri="{FF2B5EF4-FFF2-40B4-BE49-F238E27FC236}">
-                <a16:creationId xmlns:a16="http://schemas.microsoft.com/office/drawing/2014/main" xmlns="" id="{36AC389C-3133-4309-A32A-90B990740F33}"/>
+                <a16:creationId xmlns:a16="http://schemas.microsoft.com/office/drawing/2014/main" id="{36AC389C-3133-4309-A32A-90B990740F33}"/>
               </a:ext>
             </a:extLst>
           </p:cNvPr>
@@ -2235,7 +2239,7 @@
           <p:cNvPr id="3" name="내용 개체 틀 2">
             <a:extLst>
               <a:ext uri="{FF2B5EF4-FFF2-40B4-BE49-F238E27FC236}">
-                <a16:creationId xmlns:a16="http://schemas.microsoft.com/office/drawing/2014/main" xmlns="" id="{F7726478-FFE0-422A-9DF1-4E96F6E73796}"/>
+                <a16:creationId xmlns:a16="http://schemas.microsoft.com/office/drawing/2014/main" id="{F7726478-FFE0-422A-9DF1-4E96F6E73796}"/>
               </a:ext>
             </a:extLst>
           </p:cNvPr>
@@ -2325,7 +2329,7 @@
           <p:cNvPr id="4" name="텍스트 개체 틀 3">
             <a:extLst>
               <a:ext uri="{FF2B5EF4-FFF2-40B4-BE49-F238E27FC236}">
-                <a16:creationId xmlns:a16="http://schemas.microsoft.com/office/drawing/2014/main" xmlns="" id="{8C9A6A8C-CB2F-4F23-AFA9-DF2E211905FF}"/>
+                <a16:creationId xmlns:a16="http://schemas.microsoft.com/office/drawing/2014/main" id="{8C9A6A8C-CB2F-4F23-AFA9-DF2E211905FF}"/>
               </a:ext>
             </a:extLst>
           </p:cNvPr>
@@ -2396,7 +2400,7 @@
           <p:cNvPr id="5" name="날짜 개체 틀 4">
             <a:extLst>
               <a:ext uri="{FF2B5EF4-FFF2-40B4-BE49-F238E27FC236}">
-                <a16:creationId xmlns:a16="http://schemas.microsoft.com/office/drawing/2014/main" xmlns="" id="{0CF2101A-7601-4B7D-9BAE-D782E428998B}"/>
+                <a16:creationId xmlns:a16="http://schemas.microsoft.com/office/drawing/2014/main" id="{0CF2101A-7601-4B7D-9BAE-D782E428998B}"/>
               </a:ext>
             </a:extLst>
           </p:cNvPr>
@@ -2414,9 +2418,9 @@
           <a:p>
             <a:fld id="{574B5CE0-A72C-4312-A71B-1E10A8986C95}" type="datetimeFigureOut">
               <a:rPr lang="ko-KR" altLang="en-US" smtClean="0"/>
-              <a:t>2017-07-31</a:t>
+              <a:t>2017-08-01</a:t>
             </a:fld>
-            <a:endParaRPr lang="ko-KR" altLang="en-US"/>
+            <a:endParaRPr lang="ko-KR" altLang="en-US" dirty="0"/>
           </a:p>
         </p:txBody>
       </p:sp>
@@ -2425,7 +2429,7 @@
           <p:cNvPr id="6" name="바닥글 개체 틀 5">
             <a:extLst>
               <a:ext uri="{FF2B5EF4-FFF2-40B4-BE49-F238E27FC236}">
-                <a16:creationId xmlns:a16="http://schemas.microsoft.com/office/drawing/2014/main" xmlns="" id="{58353646-B1C4-4802-A32B-5F85CAD63D99}"/>
+                <a16:creationId xmlns:a16="http://schemas.microsoft.com/office/drawing/2014/main" id="{58353646-B1C4-4802-A32B-5F85CAD63D99}"/>
               </a:ext>
             </a:extLst>
           </p:cNvPr>
@@ -2441,7 +2445,7 @@
           <a:bodyPr/>
           <a:lstStyle/>
           <a:p>
-            <a:endParaRPr lang="ko-KR" altLang="en-US"/>
+            <a:endParaRPr lang="ko-KR" altLang="en-US" dirty="0"/>
           </a:p>
         </p:txBody>
       </p:sp>
@@ -2450,7 +2454,7 @@
           <p:cNvPr id="7" name="슬라이드 번호 개체 틀 6">
             <a:extLst>
               <a:ext uri="{FF2B5EF4-FFF2-40B4-BE49-F238E27FC236}">
-                <a16:creationId xmlns:a16="http://schemas.microsoft.com/office/drawing/2014/main" xmlns="" id="{58546F2B-4E2E-484D-8C90-11B4DA20946C}"/>
+                <a16:creationId xmlns:a16="http://schemas.microsoft.com/office/drawing/2014/main" id="{58546F2B-4E2E-484D-8C90-11B4DA20946C}"/>
               </a:ext>
             </a:extLst>
           </p:cNvPr>
@@ -2470,7 +2474,7 @@
               <a:rPr lang="ko-KR" altLang="en-US" smtClean="0"/>
               <a:t>‹#›</a:t>
             </a:fld>
-            <a:endParaRPr lang="ko-KR" altLang="en-US"/>
+            <a:endParaRPr lang="ko-KR" altLang="en-US" dirty="0"/>
           </a:p>
         </p:txBody>
       </p:sp>
@@ -2509,7 +2513,7 @@
           <p:cNvPr id="2" name="제목 1">
             <a:extLst>
               <a:ext uri="{FF2B5EF4-FFF2-40B4-BE49-F238E27FC236}">
-                <a16:creationId xmlns:a16="http://schemas.microsoft.com/office/drawing/2014/main" xmlns="" id="{91C1A24F-1861-4635-8CA6-89976BAB9355}"/>
+                <a16:creationId xmlns:a16="http://schemas.microsoft.com/office/drawing/2014/main" id="{91C1A24F-1861-4635-8CA6-89976BAB9355}"/>
               </a:ext>
             </a:extLst>
           </p:cNvPr>
@@ -2546,7 +2550,7 @@
           <p:cNvPr id="3" name="그림 개체 틀 2">
             <a:extLst>
               <a:ext uri="{FF2B5EF4-FFF2-40B4-BE49-F238E27FC236}">
-                <a16:creationId xmlns:a16="http://schemas.microsoft.com/office/drawing/2014/main" xmlns="" id="{9E2C7027-AFDA-4FC2-8550-F1B4C4C815DC}"/>
+                <a16:creationId xmlns:a16="http://schemas.microsoft.com/office/drawing/2014/main" id="{9E2C7027-AFDA-4FC2-8550-F1B4C4C815DC}"/>
               </a:ext>
             </a:extLst>
           </p:cNvPr>
@@ -2604,7 +2608,7 @@
             </a:lvl9pPr>
           </a:lstStyle>
           <a:p>
-            <a:endParaRPr lang="ko-KR" altLang="en-US"/>
+            <a:endParaRPr lang="ko-KR" altLang="en-US" dirty="0"/>
           </a:p>
         </p:txBody>
       </p:sp>
@@ -2613,7 +2617,7 @@
           <p:cNvPr id="4" name="텍스트 개체 틀 3">
             <a:extLst>
               <a:ext uri="{FF2B5EF4-FFF2-40B4-BE49-F238E27FC236}">
-                <a16:creationId xmlns:a16="http://schemas.microsoft.com/office/drawing/2014/main" xmlns="" id="{DBC79E2B-7677-4CAD-90E4-D429950508D1}"/>
+                <a16:creationId xmlns:a16="http://schemas.microsoft.com/office/drawing/2014/main" id="{DBC79E2B-7677-4CAD-90E4-D429950508D1}"/>
               </a:ext>
             </a:extLst>
           </p:cNvPr>
@@ -2684,7 +2688,7 @@
           <p:cNvPr id="5" name="날짜 개체 틀 4">
             <a:extLst>
               <a:ext uri="{FF2B5EF4-FFF2-40B4-BE49-F238E27FC236}">
-                <a16:creationId xmlns:a16="http://schemas.microsoft.com/office/drawing/2014/main" xmlns="" id="{8923EC67-4BF3-43BA-8309-47EDE4BDBFCC}"/>
+                <a16:creationId xmlns:a16="http://schemas.microsoft.com/office/drawing/2014/main" id="{8923EC67-4BF3-43BA-8309-47EDE4BDBFCC}"/>
               </a:ext>
             </a:extLst>
           </p:cNvPr>
@@ -2702,9 +2706,9 @@
           <a:p>
             <a:fld id="{574B5CE0-A72C-4312-A71B-1E10A8986C95}" type="datetimeFigureOut">
               <a:rPr lang="ko-KR" altLang="en-US" smtClean="0"/>
-              <a:t>2017-07-31</a:t>
+              <a:t>2017-08-01</a:t>
             </a:fld>
-            <a:endParaRPr lang="ko-KR" altLang="en-US"/>
+            <a:endParaRPr lang="ko-KR" altLang="en-US" dirty="0"/>
           </a:p>
         </p:txBody>
       </p:sp>
@@ -2713,7 +2717,7 @@
           <p:cNvPr id="6" name="바닥글 개체 틀 5">
             <a:extLst>
               <a:ext uri="{FF2B5EF4-FFF2-40B4-BE49-F238E27FC236}">
-                <a16:creationId xmlns:a16="http://schemas.microsoft.com/office/drawing/2014/main" xmlns="" id="{CC3B1580-DCA9-4274-B80B-2930D737293D}"/>
+                <a16:creationId xmlns:a16="http://schemas.microsoft.com/office/drawing/2014/main" id="{CC3B1580-DCA9-4274-B80B-2930D737293D}"/>
               </a:ext>
             </a:extLst>
           </p:cNvPr>
@@ -2729,7 +2733,7 @@
           <a:bodyPr/>
           <a:lstStyle/>
           <a:p>
-            <a:endParaRPr lang="ko-KR" altLang="en-US"/>
+            <a:endParaRPr lang="ko-KR" altLang="en-US" dirty="0"/>
           </a:p>
         </p:txBody>
       </p:sp>
@@ -2738,7 +2742,7 @@
           <p:cNvPr id="7" name="슬라이드 번호 개체 틀 6">
             <a:extLst>
               <a:ext uri="{FF2B5EF4-FFF2-40B4-BE49-F238E27FC236}">
-                <a16:creationId xmlns:a16="http://schemas.microsoft.com/office/drawing/2014/main" xmlns="" id="{F6DE2D7F-A2B6-4512-A8E0-EFAEC9C53700}"/>
+                <a16:creationId xmlns:a16="http://schemas.microsoft.com/office/drawing/2014/main" id="{F6DE2D7F-A2B6-4512-A8E0-EFAEC9C53700}"/>
               </a:ext>
             </a:extLst>
           </p:cNvPr>
@@ -2758,7 +2762,7 @@
               <a:rPr lang="ko-KR" altLang="en-US" smtClean="0"/>
               <a:t>‹#›</a:t>
             </a:fld>
-            <a:endParaRPr lang="ko-KR" altLang="en-US"/>
+            <a:endParaRPr lang="ko-KR" altLang="en-US" dirty="0"/>
           </a:p>
         </p:txBody>
       </p:sp>
@@ -2802,7 +2806,7 @@
           <p:cNvPr id="2" name="제목 개체 틀 1">
             <a:extLst>
               <a:ext uri="{FF2B5EF4-FFF2-40B4-BE49-F238E27FC236}">
-                <a16:creationId xmlns:a16="http://schemas.microsoft.com/office/drawing/2014/main" xmlns="" id="{87E6547A-E146-414F-A1F7-8F6BFF301B2F}"/>
+                <a16:creationId xmlns:a16="http://schemas.microsoft.com/office/drawing/2014/main" id="{87E6547A-E146-414F-A1F7-8F6BFF301B2F}"/>
               </a:ext>
             </a:extLst>
           </p:cNvPr>
@@ -2840,7 +2844,7 @@
           <p:cNvPr id="3" name="텍스트 개체 틀 2">
             <a:extLst>
               <a:ext uri="{FF2B5EF4-FFF2-40B4-BE49-F238E27FC236}">
-                <a16:creationId xmlns:a16="http://schemas.microsoft.com/office/drawing/2014/main" xmlns="" id="{733583D6-1594-4318-84E3-ED7B3A0E64F9}"/>
+                <a16:creationId xmlns:a16="http://schemas.microsoft.com/office/drawing/2014/main" id="{733583D6-1594-4318-84E3-ED7B3A0E64F9}"/>
               </a:ext>
             </a:extLst>
           </p:cNvPr>
@@ -2907,7 +2911,7 @@
           <p:cNvPr id="4" name="날짜 개체 틀 3">
             <a:extLst>
               <a:ext uri="{FF2B5EF4-FFF2-40B4-BE49-F238E27FC236}">
-                <a16:creationId xmlns:a16="http://schemas.microsoft.com/office/drawing/2014/main" xmlns="" id="{69B1F794-D065-4472-B73B-7BCC00A1FE17}"/>
+                <a16:creationId xmlns:a16="http://schemas.microsoft.com/office/drawing/2014/main" id="{69B1F794-D065-4472-B73B-7BCC00A1FE17}"/>
               </a:ext>
             </a:extLst>
           </p:cNvPr>
@@ -2943,9 +2947,9 @@
           <a:p>
             <a:fld id="{574B5CE0-A72C-4312-A71B-1E10A8986C95}" type="datetimeFigureOut">
               <a:rPr lang="ko-KR" altLang="en-US" smtClean="0"/>
-              <a:t>2017-07-31</a:t>
+              <a:t>2017-08-01</a:t>
             </a:fld>
-            <a:endParaRPr lang="ko-KR" altLang="en-US"/>
+            <a:endParaRPr lang="ko-KR" altLang="en-US" dirty="0"/>
           </a:p>
         </p:txBody>
       </p:sp>
@@ -2954,7 +2958,7 @@
           <p:cNvPr id="5" name="바닥글 개체 틀 4">
             <a:extLst>
               <a:ext uri="{FF2B5EF4-FFF2-40B4-BE49-F238E27FC236}">
-                <a16:creationId xmlns:a16="http://schemas.microsoft.com/office/drawing/2014/main" xmlns="" id="{1C3862AC-4FDA-456D-843D-FE6A1B806417}"/>
+                <a16:creationId xmlns:a16="http://schemas.microsoft.com/office/drawing/2014/main" id="{1C3862AC-4FDA-456D-843D-FE6A1B806417}"/>
               </a:ext>
             </a:extLst>
           </p:cNvPr>
@@ -2988,7 +2992,7 @@
             </a:lvl1pPr>
           </a:lstStyle>
           <a:p>
-            <a:endParaRPr lang="ko-KR" altLang="en-US"/>
+            <a:endParaRPr lang="ko-KR" altLang="en-US" dirty="0"/>
           </a:p>
         </p:txBody>
       </p:sp>
@@ -2997,7 +3001,7 @@
           <p:cNvPr id="6" name="슬라이드 번호 개체 틀 5">
             <a:extLst>
               <a:ext uri="{FF2B5EF4-FFF2-40B4-BE49-F238E27FC236}">
-                <a16:creationId xmlns:a16="http://schemas.microsoft.com/office/drawing/2014/main" xmlns="" id="{AEFA32A4-D738-45EA-8955-7083F008255C}"/>
+                <a16:creationId xmlns:a16="http://schemas.microsoft.com/office/drawing/2014/main" id="{AEFA32A4-D738-45EA-8955-7083F008255C}"/>
               </a:ext>
             </a:extLst>
           </p:cNvPr>
@@ -3035,7 +3039,7 @@
               <a:rPr lang="ko-KR" altLang="en-US" smtClean="0"/>
               <a:t>‹#›</a:t>
             </a:fld>
-            <a:endParaRPr lang="ko-KR" altLang="en-US"/>
+            <a:endParaRPr lang="ko-KR" altLang="en-US" dirty="0"/>
           </a:p>
         </p:txBody>
       </p:sp>
@@ -3365,7 +3369,7 @@
           <p:cNvPr id="2" name="제목 1">
             <a:extLst>
               <a:ext uri="{FF2B5EF4-FFF2-40B4-BE49-F238E27FC236}">
-                <a16:creationId xmlns:a16="http://schemas.microsoft.com/office/drawing/2014/main" xmlns="" id="{DE938470-D5B9-47B5-9356-902610971B86}"/>
+                <a16:creationId xmlns:a16="http://schemas.microsoft.com/office/drawing/2014/main" id="{DE938470-D5B9-47B5-9356-902610971B86}"/>
               </a:ext>
             </a:extLst>
           </p:cNvPr>
@@ -3400,7 +3404,7 @@
           <p:cNvPr id="3" name="부제목 2">
             <a:extLst>
               <a:ext uri="{FF2B5EF4-FFF2-40B4-BE49-F238E27FC236}">
-                <a16:creationId xmlns:a16="http://schemas.microsoft.com/office/drawing/2014/main" xmlns="" id="{7135E3CC-0384-4CDE-8F1D-C29734627E92}"/>
+                <a16:creationId xmlns:a16="http://schemas.microsoft.com/office/drawing/2014/main" id="{7135E3CC-0384-4CDE-8F1D-C29734627E92}"/>
               </a:ext>
             </a:extLst>
           </p:cNvPr>
@@ -3465,7 +3469,7 @@
           <p:cNvPr id="2" name="제목 1">
             <a:extLst>
               <a:ext uri="{FF2B5EF4-FFF2-40B4-BE49-F238E27FC236}">
-                <a16:creationId xmlns:a16="http://schemas.microsoft.com/office/drawing/2014/main" xmlns="" id="{DE938470-D5B9-47B5-9356-902610971B86}"/>
+                <a16:creationId xmlns:a16="http://schemas.microsoft.com/office/drawing/2014/main" id="{DE938470-D5B9-47B5-9356-902610971B86}"/>
               </a:ext>
             </a:extLst>
           </p:cNvPr>
@@ -3500,7 +3504,7 @@
           <p:cNvPr id="3" name="부제목 2">
             <a:extLst>
               <a:ext uri="{FF2B5EF4-FFF2-40B4-BE49-F238E27FC236}">
-                <a16:creationId xmlns:a16="http://schemas.microsoft.com/office/drawing/2014/main" xmlns="" id="{7135E3CC-0384-4CDE-8F1D-C29734627E92}"/>
+                <a16:creationId xmlns:a16="http://schemas.microsoft.com/office/drawing/2014/main" id="{7135E3CC-0384-4CDE-8F1D-C29734627E92}"/>
               </a:ext>
             </a:extLst>
           </p:cNvPr>
@@ -3566,7 +3570,7 @@
           <p:cNvPr id="4" name="표 3">
             <a:extLst>
               <a:ext uri="{FF2B5EF4-FFF2-40B4-BE49-F238E27FC236}">
-                <a16:creationId xmlns:a16="http://schemas.microsoft.com/office/drawing/2014/main" xmlns="" id="{7E4FBB53-7966-4F4F-ACE8-F806499CDFE7}"/>
+                <a16:creationId xmlns:a16="http://schemas.microsoft.com/office/drawing/2014/main" id="{7E4FBB53-7966-4F4F-ACE8-F806499CDFE7}"/>
               </a:ext>
             </a:extLst>
           </p:cNvPr>
@@ -3595,14 +3599,14 @@
                 <a:gridCol w="790956">
                   <a:extLst>
                     <a:ext uri="{9D8B030D-6E8A-4147-A177-3AD203B41FA5}">
-                      <a16:colId xmlns:a16="http://schemas.microsoft.com/office/drawing/2014/main" xmlns="" val="2934588266"/>
+                      <a16:colId xmlns:a16="http://schemas.microsoft.com/office/drawing/2014/main" val="2934588266"/>
                     </a:ext>
                   </a:extLst>
                 </a:gridCol>
                 <a:gridCol w="790956">
                   <a:extLst>
                     <a:ext uri="{9D8B030D-6E8A-4147-A177-3AD203B41FA5}">
-                      <a16:colId xmlns:a16="http://schemas.microsoft.com/office/drawing/2014/main" xmlns="" val="2169116691"/>
+                      <a16:colId xmlns:a16="http://schemas.microsoft.com/office/drawing/2014/main" val="2169116691"/>
                     </a:ext>
                   </a:extLst>
                 </a:gridCol>
@@ -3666,7 +3670,7 @@
                 </a:tc>
                 <a:extLst>
                   <a:ext uri="{0D108BD9-81ED-4DB2-BD59-A6C34878D82A}">
-                    <a16:rowId xmlns:a16="http://schemas.microsoft.com/office/drawing/2014/main" xmlns="" val="21906834"/>
+                    <a16:rowId xmlns:a16="http://schemas.microsoft.com/office/drawing/2014/main" val="21906834"/>
                   </a:ext>
                 </a:extLst>
               </a:tr>
@@ -3745,7 +3749,7 @@
                 </a:tc>
                 <a:extLst>
                   <a:ext uri="{0D108BD9-81ED-4DB2-BD59-A6C34878D82A}">
-                    <a16:rowId xmlns:a16="http://schemas.microsoft.com/office/drawing/2014/main" xmlns="" val="1336737938"/>
+                    <a16:rowId xmlns:a16="http://schemas.microsoft.com/office/drawing/2014/main" val="1336737938"/>
                   </a:ext>
                 </a:extLst>
               </a:tr>
@@ -3824,7 +3828,7 @@
                 </a:tc>
                 <a:extLst>
                   <a:ext uri="{0D108BD9-81ED-4DB2-BD59-A6C34878D82A}">
-                    <a16:rowId xmlns:a16="http://schemas.microsoft.com/office/drawing/2014/main" xmlns="" val="968133542"/>
+                    <a16:rowId xmlns:a16="http://schemas.microsoft.com/office/drawing/2014/main" val="968133542"/>
                   </a:ext>
                 </a:extLst>
               </a:tr>
@@ -3903,7 +3907,7 @@
                 </a:tc>
                 <a:extLst>
                   <a:ext uri="{0D108BD9-81ED-4DB2-BD59-A6C34878D82A}">
-                    <a16:rowId xmlns:a16="http://schemas.microsoft.com/office/drawing/2014/main" xmlns="" val="207363911"/>
+                    <a16:rowId xmlns:a16="http://schemas.microsoft.com/office/drawing/2014/main" val="207363911"/>
                   </a:ext>
                 </a:extLst>
               </a:tr>
@@ -3981,7 +3985,7 @@
                 </a:tc>
                 <a:extLst>
                   <a:ext uri="{0D108BD9-81ED-4DB2-BD59-A6C34878D82A}">
-                    <a16:rowId xmlns:a16="http://schemas.microsoft.com/office/drawing/2014/main" xmlns="" val="3817277478"/>
+                    <a16:rowId xmlns:a16="http://schemas.microsoft.com/office/drawing/2014/main" val="3817277478"/>
                   </a:ext>
                 </a:extLst>
               </a:tr>
@@ -4060,7 +4064,7 @@
                 </a:tc>
                 <a:extLst>
                   <a:ext uri="{0D108BD9-81ED-4DB2-BD59-A6C34878D82A}">
-                    <a16:rowId xmlns:a16="http://schemas.microsoft.com/office/drawing/2014/main" xmlns="" val="2838691927"/>
+                    <a16:rowId xmlns:a16="http://schemas.microsoft.com/office/drawing/2014/main" val="2838691927"/>
                   </a:ext>
                 </a:extLst>
               </a:tr>
@@ -4139,7 +4143,7 @@
                 </a:tc>
                 <a:extLst>
                   <a:ext uri="{0D108BD9-81ED-4DB2-BD59-A6C34878D82A}">
-                    <a16:rowId xmlns:a16="http://schemas.microsoft.com/office/drawing/2014/main" xmlns="" val="2340299197"/>
+                    <a16:rowId xmlns:a16="http://schemas.microsoft.com/office/drawing/2014/main" val="2340299197"/>
                   </a:ext>
                 </a:extLst>
               </a:tr>
@@ -4211,7 +4215,7 @@
                 </a:tc>
                 <a:extLst>
                   <a:ext uri="{0D108BD9-81ED-4DB2-BD59-A6C34878D82A}">
-                    <a16:rowId xmlns:a16="http://schemas.microsoft.com/office/drawing/2014/main" xmlns="" val="2058073306"/>
+                    <a16:rowId xmlns:a16="http://schemas.microsoft.com/office/drawing/2014/main" val="2058073306"/>
                   </a:ext>
                 </a:extLst>
               </a:tr>
@@ -4224,7 +4228,7 @@
           <p:cNvPr id="9" name="표 8">
             <a:extLst>
               <a:ext uri="{FF2B5EF4-FFF2-40B4-BE49-F238E27FC236}">
-                <a16:creationId xmlns:a16="http://schemas.microsoft.com/office/drawing/2014/main" xmlns="" id="{B8BBC990-9DD0-4FF5-AC6E-AC29ECF66F66}"/>
+                <a16:creationId xmlns:a16="http://schemas.microsoft.com/office/drawing/2014/main" id="{B8BBC990-9DD0-4FF5-AC6E-AC29ECF66F66}"/>
               </a:ext>
             </a:extLst>
           </p:cNvPr>
@@ -4253,14 +4257,14 @@
                 <a:gridCol w="790956">
                   <a:extLst>
                     <a:ext uri="{9D8B030D-6E8A-4147-A177-3AD203B41FA5}">
-                      <a16:colId xmlns:a16="http://schemas.microsoft.com/office/drawing/2014/main" xmlns="" val="2934588266"/>
+                      <a16:colId xmlns:a16="http://schemas.microsoft.com/office/drawing/2014/main" val="2934588266"/>
                     </a:ext>
                   </a:extLst>
                 </a:gridCol>
                 <a:gridCol w="790956">
                   <a:extLst>
                     <a:ext uri="{9D8B030D-6E8A-4147-A177-3AD203B41FA5}">
-                      <a16:colId xmlns:a16="http://schemas.microsoft.com/office/drawing/2014/main" xmlns="" val="2169116691"/>
+                      <a16:colId xmlns:a16="http://schemas.microsoft.com/office/drawing/2014/main" val="2169116691"/>
                     </a:ext>
                   </a:extLst>
                 </a:gridCol>
@@ -4324,7 +4328,7 @@
                 </a:tc>
                 <a:extLst>
                   <a:ext uri="{0D108BD9-81ED-4DB2-BD59-A6C34878D82A}">
-                    <a16:rowId xmlns:a16="http://schemas.microsoft.com/office/drawing/2014/main" xmlns="" val="21906834"/>
+                    <a16:rowId xmlns:a16="http://schemas.microsoft.com/office/drawing/2014/main" val="21906834"/>
                   </a:ext>
                 </a:extLst>
               </a:tr>
@@ -4403,7 +4407,7 @@
                 </a:tc>
                 <a:extLst>
                   <a:ext uri="{0D108BD9-81ED-4DB2-BD59-A6C34878D82A}">
-                    <a16:rowId xmlns:a16="http://schemas.microsoft.com/office/drawing/2014/main" xmlns="" val="1336737938"/>
+                    <a16:rowId xmlns:a16="http://schemas.microsoft.com/office/drawing/2014/main" val="1336737938"/>
                   </a:ext>
                 </a:extLst>
               </a:tr>
@@ -4477,7 +4481,7 @@
                 </a:tc>
                 <a:extLst>
                   <a:ext uri="{0D108BD9-81ED-4DB2-BD59-A6C34878D82A}">
-                    <a16:rowId xmlns:a16="http://schemas.microsoft.com/office/drawing/2014/main" xmlns="" val="968133542"/>
+                    <a16:rowId xmlns:a16="http://schemas.microsoft.com/office/drawing/2014/main" val="968133542"/>
                   </a:ext>
                 </a:extLst>
               </a:tr>
@@ -4556,7 +4560,7 @@
                 </a:tc>
                 <a:extLst>
                   <a:ext uri="{0D108BD9-81ED-4DB2-BD59-A6C34878D82A}">
-                    <a16:rowId xmlns:a16="http://schemas.microsoft.com/office/drawing/2014/main" xmlns="" val="207363911"/>
+                    <a16:rowId xmlns:a16="http://schemas.microsoft.com/office/drawing/2014/main" val="207363911"/>
                   </a:ext>
                 </a:extLst>
               </a:tr>
@@ -4630,7 +4634,7 @@
                 </a:tc>
                 <a:extLst>
                   <a:ext uri="{0D108BD9-81ED-4DB2-BD59-A6C34878D82A}">
-                    <a16:rowId xmlns:a16="http://schemas.microsoft.com/office/drawing/2014/main" xmlns="" val="3817277478"/>
+                    <a16:rowId xmlns:a16="http://schemas.microsoft.com/office/drawing/2014/main" val="3817277478"/>
                   </a:ext>
                 </a:extLst>
               </a:tr>
@@ -4709,7 +4713,7 @@
                 </a:tc>
                 <a:extLst>
                   <a:ext uri="{0D108BD9-81ED-4DB2-BD59-A6C34878D82A}">
-                    <a16:rowId xmlns:a16="http://schemas.microsoft.com/office/drawing/2014/main" xmlns="" val="2838691927"/>
+                    <a16:rowId xmlns:a16="http://schemas.microsoft.com/office/drawing/2014/main" val="2838691927"/>
                   </a:ext>
                 </a:extLst>
               </a:tr>
@@ -4788,7 +4792,7 @@
                 </a:tc>
                 <a:extLst>
                   <a:ext uri="{0D108BD9-81ED-4DB2-BD59-A6C34878D82A}">
-                    <a16:rowId xmlns:a16="http://schemas.microsoft.com/office/drawing/2014/main" xmlns="" val="2340299197"/>
+                    <a16:rowId xmlns:a16="http://schemas.microsoft.com/office/drawing/2014/main" val="2340299197"/>
                   </a:ext>
                 </a:extLst>
               </a:tr>
@@ -4860,7 +4864,7 @@
                 </a:tc>
                 <a:extLst>
                   <a:ext uri="{0D108BD9-81ED-4DB2-BD59-A6C34878D82A}">
-                    <a16:rowId xmlns:a16="http://schemas.microsoft.com/office/drawing/2014/main" xmlns="" val="2058073306"/>
+                    <a16:rowId xmlns:a16="http://schemas.microsoft.com/office/drawing/2014/main" val="2058073306"/>
                   </a:ext>
                 </a:extLst>
               </a:tr>
@@ -4873,7 +4877,7 @@
           <p:cNvPr id="11" name="직선 화살표 연결선 10">
             <a:extLst>
               <a:ext uri="{FF2B5EF4-FFF2-40B4-BE49-F238E27FC236}">
-                <a16:creationId xmlns:a16="http://schemas.microsoft.com/office/drawing/2014/main" xmlns="" id="{69BF1C9F-D7B0-40AB-915D-C26812E95E90}"/>
+                <a16:creationId xmlns:a16="http://schemas.microsoft.com/office/drawing/2014/main" id="{69BF1C9F-D7B0-40AB-915D-C26812E95E90}"/>
               </a:ext>
             </a:extLst>
           </p:cNvPr>
@@ -4917,7 +4921,7 @@
           <p:cNvPr id="12" name="TextBox 11">
             <a:extLst>
               <a:ext uri="{FF2B5EF4-FFF2-40B4-BE49-F238E27FC236}">
-                <a16:creationId xmlns:a16="http://schemas.microsoft.com/office/drawing/2014/main" xmlns="" id="{F3DA737C-82E0-4630-B901-0C2816A2A71D}"/>
+                <a16:creationId xmlns:a16="http://schemas.microsoft.com/office/drawing/2014/main" id="{F3DA737C-82E0-4630-B901-0C2816A2A71D}"/>
               </a:ext>
             </a:extLst>
           </p:cNvPr>
@@ -4956,7 +4960,7 @@
           <p:cNvPr id="14" name="TextBox 13">
             <a:extLst>
               <a:ext uri="{FF2B5EF4-FFF2-40B4-BE49-F238E27FC236}">
-                <a16:creationId xmlns:a16="http://schemas.microsoft.com/office/drawing/2014/main" xmlns="" id="{8B15597D-4F2A-41DB-B1D8-CC64129E7BCF}"/>
+                <a16:creationId xmlns:a16="http://schemas.microsoft.com/office/drawing/2014/main" id="{8B15597D-4F2A-41DB-B1D8-CC64129E7BCF}"/>
               </a:ext>
             </a:extLst>
           </p:cNvPr>
@@ -5043,7 +5047,7 @@
           <p:cNvPr id="2" name="제목 1">
             <a:extLst>
               <a:ext uri="{FF2B5EF4-FFF2-40B4-BE49-F238E27FC236}">
-                <a16:creationId xmlns:a16="http://schemas.microsoft.com/office/drawing/2014/main" xmlns="" id="{DE938470-D5B9-47B5-9356-902610971B86}"/>
+                <a16:creationId xmlns:a16="http://schemas.microsoft.com/office/drawing/2014/main" id="{DE938470-D5B9-47B5-9356-902610971B86}"/>
               </a:ext>
             </a:extLst>
           </p:cNvPr>
@@ -5078,7 +5082,7 @@
           <p:cNvPr id="3" name="부제목 2">
             <a:extLst>
               <a:ext uri="{FF2B5EF4-FFF2-40B4-BE49-F238E27FC236}">
-                <a16:creationId xmlns:a16="http://schemas.microsoft.com/office/drawing/2014/main" xmlns="" id="{7135E3CC-0384-4CDE-8F1D-C29734627E92}"/>
+                <a16:creationId xmlns:a16="http://schemas.microsoft.com/office/drawing/2014/main" id="{7135E3CC-0384-4CDE-8F1D-C29734627E92}"/>
               </a:ext>
             </a:extLst>
           </p:cNvPr>
@@ -5104,14 +5108,7 @@
                 <a:latin typeface="BusanBada" panose="02000603000000000000" pitchFamily="2" charset="-127"/>
                 <a:ea typeface="BusanBada" panose="02000603000000000000" pitchFamily="2" charset="-127"/>
               </a:rPr>
-              <a:t>단편화를 피하기 위한 </a:t>
-            </a:r>
-            <a:r>
-              <a:rPr lang="ko-KR" altLang="en-US" sz="2400" dirty="0" err="1">
-                <a:latin typeface="BusanBada" panose="02000603000000000000" pitchFamily="2" charset="-127"/>
-                <a:ea typeface="BusanBada" panose="02000603000000000000" pitchFamily="2" charset="-127"/>
-              </a:rPr>
-              <a:t>할당자</a:t>
+              <a:t>단편화를 피하기 위한 할당자</a:t>
             </a:r>
             <a:r>
               <a:rPr lang="en-US" altLang="ko-KR" sz="2400" dirty="0">
@@ -5226,7 +5223,7 @@
           <p:cNvPr id="5" name="표 4">
             <a:extLst>
               <a:ext uri="{FF2B5EF4-FFF2-40B4-BE49-F238E27FC236}">
-                <a16:creationId xmlns:a16="http://schemas.microsoft.com/office/drawing/2014/main" xmlns="" id="{B3A9190A-66BD-4DF8-B4E8-5C68B537E5AF}"/>
+                <a16:creationId xmlns:a16="http://schemas.microsoft.com/office/drawing/2014/main" id="{B3A9190A-66BD-4DF8-B4E8-5C68B537E5AF}"/>
               </a:ext>
             </a:extLst>
           </p:cNvPr>
@@ -5251,21 +5248,21 @@
                 <a:gridCol w="1545336">
                   <a:extLst>
                     <a:ext uri="{9D8B030D-6E8A-4147-A177-3AD203B41FA5}">
-                      <a16:colId xmlns:a16="http://schemas.microsoft.com/office/drawing/2014/main" xmlns="" val="936219715"/>
+                      <a16:colId xmlns:a16="http://schemas.microsoft.com/office/drawing/2014/main" val="936219715"/>
                     </a:ext>
                   </a:extLst>
                 </a:gridCol>
                 <a:gridCol w="1545336">
                   <a:extLst>
                     <a:ext uri="{9D8B030D-6E8A-4147-A177-3AD203B41FA5}">
-                      <a16:colId xmlns:a16="http://schemas.microsoft.com/office/drawing/2014/main" xmlns="" val="1455705854"/>
+                      <a16:colId xmlns:a16="http://schemas.microsoft.com/office/drawing/2014/main" val="1455705854"/>
                     </a:ext>
                   </a:extLst>
                 </a:gridCol>
                 <a:gridCol w="1545336">
                   <a:extLst>
                     <a:ext uri="{9D8B030D-6E8A-4147-A177-3AD203B41FA5}">
-                      <a16:colId xmlns:a16="http://schemas.microsoft.com/office/drawing/2014/main" xmlns="" val="4250718947"/>
+                      <a16:colId xmlns:a16="http://schemas.microsoft.com/office/drawing/2014/main" val="4250718947"/>
                     </a:ext>
                   </a:extLst>
                 </a:gridCol>
@@ -5447,7 +5444,7 @@
                 </a:tc>
                 <a:extLst>
                   <a:ext uri="{0D108BD9-81ED-4DB2-BD59-A6C34878D82A}">
-                    <a16:rowId xmlns:a16="http://schemas.microsoft.com/office/drawing/2014/main" xmlns="" val="344937718"/>
+                    <a16:rowId xmlns:a16="http://schemas.microsoft.com/office/drawing/2014/main" val="344937718"/>
                   </a:ext>
                 </a:extLst>
               </a:tr>
@@ -5610,7 +5607,7 @@
                 </a:tc>
                 <a:extLst>
                   <a:ext uri="{0D108BD9-81ED-4DB2-BD59-A6C34878D82A}">
-                    <a16:rowId xmlns:a16="http://schemas.microsoft.com/office/drawing/2014/main" xmlns="" val="4130508404"/>
+                    <a16:rowId xmlns:a16="http://schemas.microsoft.com/office/drawing/2014/main" val="4130508404"/>
                   </a:ext>
                 </a:extLst>
               </a:tr>
@@ -5773,7 +5770,7 @@
                 </a:tc>
                 <a:extLst>
                   <a:ext uri="{0D108BD9-81ED-4DB2-BD59-A6C34878D82A}">
-                    <a16:rowId xmlns:a16="http://schemas.microsoft.com/office/drawing/2014/main" xmlns="" val="2816269849"/>
+                    <a16:rowId xmlns:a16="http://schemas.microsoft.com/office/drawing/2014/main" val="2816269849"/>
                   </a:ext>
                 </a:extLst>
               </a:tr>
@@ -5936,7 +5933,7 @@
                 </a:tc>
                 <a:extLst>
                   <a:ext uri="{0D108BD9-81ED-4DB2-BD59-A6C34878D82A}">
-                    <a16:rowId xmlns:a16="http://schemas.microsoft.com/office/drawing/2014/main" xmlns="" val="2165668136"/>
+                    <a16:rowId xmlns:a16="http://schemas.microsoft.com/office/drawing/2014/main" val="2165668136"/>
                   </a:ext>
                 </a:extLst>
               </a:tr>
@@ -6099,7 +6096,7 @@
                 </a:tc>
                 <a:extLst>
                   <a:ext uri="{0D108BD9-81ED-4DB2-BD59-A6C34878D82A}">
-                    <a16:rowId xmlns:a16="http://schemas.microsoft.com/office/drawing/2014/main" xmlns="" val="1131881925"/>
+                    <a16:rowId xmlns:a16="http://schemas.microsoft.com/office/drawing/2014/main" val="1131881925"/>
                   </a:ext>
                 </a:extLst>
               </a:tr>
@@ -6262,7 +6259,7 @@
                 </a:tc>
                 <a:extLst>
                   <a:ext uri="{0D108BD9-81ED-4DB2-BD59-A6C34878D82A}">
-                    <a16:rowId xmlns:a16="http://schemas.microsoft.com/office/drawing/2014/main" xmlns="" val="1000777007"/>
+                    <a16:rowId xmlns:a16="http://schemas.microsoft.com/office/drawing/2014/main" val="1000777007"/>
                   </a:ext>
                 </a:extLst>
               </a:tr>
@@ -6425,7 +6422,7 @@
                 </a:tc>
                 <a:extLst>
                   <a:ext uri="{0D108BD9-81ED-4DB2-BD59-A6C34878D82A}">
-                    <a16:rowId xmlns:a16="http://schemas.microsoft.com/office/drawing/2014/main" xmlns="" val="3112110299"/>
+                    <a16:rowId xmlns:a16="http://schemas.microsoft.com/office/drawing/2014/main" val="3112110299"/>
                   </a:ext>
                 </a:extLst>
               </a:tr>
@@ -6588,7 +6585,7 @@
                 </a:tc>
                 <a:extLst>
                   <a:ext uri="{0D108BD9-81ED-4DB2-BD59-A6C34878D82A}">
-                    <a16:rowId xmlns:a16="http://schemas.microsoft.com/office/drawing/2014/main" xmlns="" val="2132364734"/>
+                    <a16:rowId xmlns:a16="http://schemas.microsoft.com/office/drawing/2014/main" val="2132364734"/>
                   </a:ext>
                 </a:extLst>
               </a:tr>
@@ -6631,7 +6628,7 @@
           <p:cNvPr id="2" name="제목 1">
             <a:extLst>
               <a:ext uri="{FF2B5EF4-FFF2-40B4-BE49-F238E27FC236}">
-                <a16:creationId xmlns:a16="http://schemas.microsoft.com/office/drawing/2014/main" xmlns="" id="{DE938470-D5B9-47B5-9356-902610971B86}"/>
+                <a16:creationId xmlns:a16="http://schemas.microsoft.com/office/drawing/2014/main" id="{DE938470-D5B9-47B5-9356-902610971B86}"/>
               </a:ext>
             </a:extLst>
           </p:cNvPr>
@@ -6666,7 +6663,7 @@
           <p:cNvPr id="3" name="부제목 2">
             <a:extLst>
               <a:ext uri="{FF2B5EF4-FFF2-40B4-BE49-F238E27FC236}">
-                <a16:creationId xmlns:a16="http://schemas.microsoft.com/office/drawing/2014/main" xmlns="" id="{7135E3CC-0384-4CDE-8F1D-C29734627E92}"/>
+                <a16:creationId xmlns:a16="http://schemas.microsoft.com/office/drawing/2014/main" id="{7135E3CC-0384-4CDE-8F1D-C29734627E92}"/>
               </a:ext>
             </a:extLst>
           </p:cNvPr>
@@ -6746,21 +6743,7 @@
                 <a:latin typeface="BusanBada" panose="02000603000000000000" pitchFamily="2" charset="-127"/>
                 <a:ea typeface="BusanBada" panose="02000603000000000000" pitchFamily="2" charset="-127"/>
               </a:rPr>
-              <a:t>혹은 고정크기로 생성된 </a:t>
-            </a:r>
-            <a:r>
-              <a:rPr lang="ko-KR" altLang="en-US" sz="2400" dirty="0" err="1">
-                <a:latin typeface="BusanBada" panose="02000603000000000000" pitchFamily="2" charset="-127"/>
-                <a:ea typeface="BusanBada" panose="02000603000000000000" pitchFamily="2" charset="-127"/>
-              </a:rPr>
-              <a:t>힙에는</a:t>
-            </a:r>
-            <a:r>
-              <a:rPr lang="ko-KR" altLang="en-US" sz="2400" dirty="0">
-                <a:latin typeface="BusanBada" panose="02000603000000000000" pitchFamily="2" charset="-127"/>
-                <a:ea typeface="BusanBada" panose="02000603000000000000" pitchFamily="2" charset="-127"/>
-              </a:rPr>
-              <a:t> 적용되지 않음</a:t>
+              <a:t>혹은 고정크기로 생성된 힙에는 적용되지 않음</a:t>
             </a:r>
             <a:r>
               <a:rPr lang="en-US" altLang="ko-KR" sz="2400" dirty="0">
@@ -6787,21 +6770,7 @@
                 <a:latin typeface="BusanBada" panose="02000603000000000000" pitchFamily="2" charset="-127"/>
                 <a:ea typeface="BusanBada" panose="02000603000000000000" pitchFamily="2" charset="-127"/>
               </a:rPr>
-              <a:t>를 </a:t>
-            </a:r>
-            <a:r>
-              <a:rPr lang="ko-KR" altLang="en-US" sz="2400" dirty="0" err="1">
-                <a:latin typeface="BusanBada" panose="02000603000000000000" pitchFamily="2" charset="-127"/>
-                <a:ea typeface="BusanBada" panose="02000603000000000000" pitchFamily="2" charset="-127"/>
-              </a:rPr>
-              <a:t>힙에</a:t>
-            </a:r>
-            <a:r>
-              <a:rPr lang="ko-KR" altLang="en-US" sz="2400" dirty="0">
-                <a:latin typeface="BusanBada" panose="02000603000000000000" pitchFamily="2" charset="-127"/>
-                <a:ea typeface="BusanBada" panose="02000603000000000000" pitchFamily="2" charset="-127"/>
-              </a:rPr>
-              <a:t> 적용했을 경우 다시 끌 수 없음</a:t>
+              <a:t>를 힙에 적용했을 경우 다시 끌 수 없음</a:t>
             </a:r>
             <a:r>
               <a:rPr lang="en-US" altLang="ko-KR" sz="2400" dirty="0">
@@ -6852,7 +6821,7 @@
           <p:cNvPr id="2" name="제목 1">
             <a:extLst>
               <a:ext uri="{FF2B5EF4-FFF2-40B4-BE49-F238E27FC236}">
-                <a16:creationId xmlns:a16="http://schemas.microsoft.com/office/drawing/2014/main" xmlns="" id="{DE938470-D5B9-47B5-9356-902610971B86}"/>
+                <a16:creationId xmlns:a16="http://schemas.microsoft.com/office/drawing/2014/main" id="{DE938470-D5B9-47B5-9356-902610971B86}"/>
               </a:ext>
             </a:extLst>
           </p:cNvPr>
@@ -6887,7 +6856,7 @@
           <p:cNvPr id="3" name="부제목 2">
             <a:extLst>
               <a:ext uri="{FF2B5EF4-FFF2-40B4-BE49-F238E27FC236}">
-                <a16:creationId xmlns:a16="http://schemas.microsoft.com/office/drawing/2014/main" xmlns="" id="{7135E3CC-0384-4CDE-8F1D-C29734627E92}"/>
+                <a16:creationId xmlns:a16="http://schemas.microsoft.com/office/drawing/2014/main" id="{7135E3CC-0384-4CDE-8F1D-C29734627E92}"/>
               </a:ext>
             </a:extLst>
           </p:cNvPr>
@@ -6921,14 +6890,7 @@
                 <a:latin typeface="BusanBada" panose="02000603000000000000" pitchFamily="2" charset="-127"/>
                 <a:ea typeface="BusanBada" panose="02000603000000000000" pitchFamily="2" charset="-127"/>
               </a:rPr>
-              <a:t>가 할당 할 수 없는 요청을 처리하는 </a:t>
-            </a:r>
-            <a:r>
-              <a:rPr lang="ko-KR" altLang="en-US" sz="2400" dirty="0" err="1">
-                <a:latin typeface="BusanBada" panose="02000603000000000000" pitchFamily="2" charset="-127"/>
-                <a:ea typeface="BusanBada" panose="02000603000000000000" pitchFamily="2" charset="-127"/>
-              </a:rPr>
-              <a:t>할당자</a:t>
+              <a:t>가 할당 할 수 없는 요청을 처리하는 할당자</a:t>
             </a:r>
             <a:r>
               <a:rPr lang="en-US" altLang="ko-KR" sz="2400" dirty="0">
@@ -6998,7 +6960,7 @@
           <p:cNvPr id="4" name="표 3">
             <a:extLst>
               <a:ext uri="{FF2B5EF4-FFF2-40B4-BE49-F238E27FC236}">
-                <a16:creationId xmlns:a16="http://schemas.microsoft.com/office/drawing/2014/main" xmlns="" id="{570EE8F6-47BB-43D3-B79D-5A1DD63C05EE}"/>
+                <a16:creationId xmlns:a16="http://schemas.microsoft.com/office/drawing/2014/main" id="{570EE8F6-47BB-43D3-B79D-5A1DD63C05EE}"/>
               </a:ext>
             </a:extLst>
           </p:cNvPr>
@@ -7027,14 +6989,14 @@
                 <a:gridCol w="374904">
                   <a:extLst>
                     <a:ext uri="{9D8B030D-6E8A-4147-A177-3AD203B41FA5}">
-                      <a16:colId xmlns:a16="http://schemas.microsoft.com/office/drawing/2014/main" xmlns="" val="2134599374"/>
+                      <a16:colId xmlns:a16="http://schemas.microsoft.com/office/drawing/2014/main" val="2134599374"/>
                     </a:ext>
                   </a:extLst>
                 </a:gridCol>
                 <a:gridCol w="374904">
                   <a:extLst>
                     <a:ext uri="{9D8B030D-6E8A-4147-A177-3AD203B41FA5}">
-                      <a16:colId xmlns:a16="http://schemas.microsoft.com/office/drawing/2014/main" xmlns="" val="410325505"/>
+                      <a16:colId xmlns:a16="http://schemas.microsoft.com/office/drawing/2014/main" val="410325505"/>
                     </a:ext>
                   </a:extLst>
                 </a:gridCol>
@@ -7077,7 +7039,7 @@
                 </a:tc>
                 <a:extLst>
                   <a:ext uri="{0D108BD9-81ED-4DB2-BD59-A6C34878D82A}">
-                    <a16:rowId xmlns:a16="http://schemas.microsoft.com/office/drawing/2014/main" xmlns="" val="3825275025"/>
+                    <a16:rowId xmlns:a16="http://schemas.microsoft.com/office/drawing/2014/main" val="3825275025"/>
                   </a:ext>
                 </a:extLst>
               </a:tr>
@@ -7119,7 +7081,7 @@
                 </a:tc>
                 <a:extLst>
                   <a:ext uri="{0D108BD9-81ED-4DB2-BD59-A6C34878D82A}">
-                    <a16:rowId xmlns:a16="http://schemas.microsoft.com/office/drawing/2014/main" xmlns="" val="397078326"/>
+                    <a16:rowId xmlns:a16="http://schemas.microsoft.com/office/drawing/2014/main" val="397078326"/>
                   </a:ext>
                 </a:extLst>
               </a:tr>
@@ -7161,7 +7123,7 @@
                 </a:tc>
                 <a:extLst>
                   <a:ext uri="{0D108BD9-81ED-4DB2-BD59-A6C34878D82A}">
-                    <a16:rowId xmlns:a16="http://schemas.microsoft.com/office/drawing/2014/main" xmlns="" val="2170258339"/>
+                    <a16:rowId xmlns:a16="http://schemas.microsoft.com/office/drawing/2014/main" val="2170258339"/>
                   </a:ext>
                 </a:extLst>
               </a:tr>
@@ -7203,7 +7165,7 @@
                 </a:tc>
                 <a:extLst>
                   <a:ext uri="{0D108BD9-81ED-4DB2-BD59-A6C34878D82A}">
-                    <a16:rowId xmlns:a16="http://schemas.microsoft.com/office/drawing/2014/main" xmlns="" val="2772242555"/>
+                    <a16:rowId xmlns:a16="http://schemas.microsoft.com/office/drawing/2014/main" val="2772242555"/>
                   </a:ext>
                 </a:extLst>
               </a:tr>
@@ -7245,7 +7207,7 @@
                 </a:tc>
                 <a:extLst>
                   <a:ext uri="{0D108BD9-81ED-4DB2-BD59-A6C34878D82A}">
-                    <a16:rowId xmlns:a16="http://schemas.microsoft.com/office/drawing/2014/main" xmlns="" val="2971861151"/>
+                    <a16:rowId xmlns:a16="http://schemas.microsoft.com/office/drawing/2014/main" val="2971861151"/>
                   </a:ext>
                 </a:extLst>
               </a:tr>
@@ -7258,7 +7220,7 @@
           <p:cNvPr id="5" name="TextBox 4">
             <a:extLst>
               <a:ext uri="{FF2B5EF4-FFF2-40B4-BE49-F238E27FC236}">
-                <a16:creationId xmlns:a16="http://schemas.microsoft.com/office/drawing/2014/main" xmlns="" id="{E75367A5-A08D-484D-BC8B-3CE882262B2D}"/>
+                <a16:creationId xmlns:a16="http://schemas.microsoft.com/office/drawing/2014/main" id="{E75367A5-A08D-484D-BC8B-3CE882262B2D}"/>
               </a:ext>
             </a:extLst>
           </p:cNvPr>
@@ -7306,7 +7268,7 @@
           <p:cNvPr id="6" name="TextBox 5">
             <a:extLst>
               <a:ext uri="{FF2B5EF4-FFF2-40B4-BE49-F238E27FC236}">
-                <a16:creationId xmlns:a16="http://schemas.microsoft.com/office/drawing/2014/main" xmlns="" id="{8BA301C8-A0A1-4BAF-ADC5-426EE2E13A1E}"/>
+                <a16:creationId xmlns:a16="http://schemas.microsoft.com/office/drawing/2014/main" id="{8BA301C8-A0A1-4BAF-ADC5-426EE2E13A1E}"/>
               </a:ext>
             </a:extLst>
           </p:cNvPr>
@@ -7354,7 +7316,7 @@
           <p:cNvPr id="7" name="TextBox 6">
             <a:extLst>
               <a:ext uri="{FF2B5EF4-FFF2-40B4-BE49-F238E27FC236}">
-                <a16:creationId xmlns:a16="http://schemas.microsoft.com/office/drawing/2014/main" xmlns="" id="{46067A1C-E482-47CD-9688-0171A7387B0D}"/>
+                <a16:creationId xmlns:a16="http://schemas.microsoft.com/office/drawing/2014/main" id="{46067A1C-E482-47CD-9688-0171A7387B0D}"/>
               </a:ext>
             </a:extLst>
           </p:cNvPr>
@@ -7402,7 +7364,7 @@
           <p:cNvPr id="8" name="직선 화살표 연결선 7">
             <a:extLst>
               <a:ext uri="{FF2B5EF4-FFF2-40B4-BE49-F238E27FC236}">
-                <a16:creationId xmlns:a16="http://schemas.microsoft.com/office/drawing/2014/main" xmlns="" id="{819945BC-085E-4F8F-9064-E24E1E978766}"/>
+                <a16:creationId xmlns:a16="http://schemas.microsoft.com/office/drawing/2014/main" id="{819945BC-085E-4F8F-9064-E24E1E978766}"/>
               </a:ext>
             </a:extLst>
           </p:cNvPr>
@@ -7446,7 +7408,7 @@
           <p:cNvPr id="9" name="직선 화살표 연결선 8">
             <a:extLst>
               <a:ext uri="{FF2B5EF4-FFF2-40B4-BE49-F238E27FC236}">
-                <a16:creationId xmlns:a16="http://schemas.microsoft.com/office/drawing/2014/main" xmlns="" id="{6784448F-02F1-41E2-8754-55525E18E3BB}"/>
+                <a16:creationId xmlns:a16="http://schemas.microsoft.com/office/drawing/2014/main" id="{6784448F-02F1-41E2-8754-55525E18E3BB}"/>
               </a:ext>
             </a:extLst>
           </p:cNvPr>
@@ -7491,7 +7453,7 @@
           <p:cNvPr id="10" name="직선 화살표 연결선 9">
             <a:extLst>
               <a:ext uri="{FF2B5EF4-FFF2-40B4-BE49-F238E27FC236}">
-                <a16:creationId xmlns:a16="http://schemas.microsoft.com/office/drawing/2014/main" xmlns="" id="{9CF6BBE7-1D12-48F7-BE3F-7D707F79C8FF}"/>
+                <a16:creationId xmlns:a16="http://schemas.microsoft.com/office/drawing/2014/main" id="{9CF6BBE7-1D12-48F7-BE3F-7D707F79C8FF}"/>
               </a:ext>
             </a:extLst>
           </p:cNvPr>
@@ -7536,7 +7498,7 @@
           <p:cNvPr id="15" name="TextBox 14">
             <a:extLst>
               <a:ext uri="{FF2B5EF4-FFF2-40B4-BE49-F238E27FC236}">
-                <a16:creationId xmlns:a16="http://schemas.microsoft.com/office/drawing/2014/main" xmlns="" id="{34B2ACE7-74E8-42ED-B373-E08CC3CCD68F}"/>
+                <a16:creationId xmlns:a16="http://schemas.microsoft.com/office/drawing/2014/main" id="{34B2ACE7-74E8-42ED-B373-E08CC3CCD68F}"/>
               </a:ext>
             </a:extLst>
           </p:cNvPr>
@@ -7584,7 +7546,7 @@
           <p:cNvPr id="16" name="TextBox 15">
             <a:extLst>
               <a:ext uri="{FF2B5EF4-FFF2-40B4-BE49-F238E27FC236}">
-                <a16:creationId xmlns:a16="http://schemas.microsoft.com/office/drawing/2014/main" xmlns="" id="{E0C0E382-D693-4E89-A2B9-2AE627580FE2}"/>
+                <a16:creationId xmlns:a16="http://schemas.microsoft.com/office/drawing/2014/main" id="{E0C0E382-D693-4E89-A2B9-2AE627580FE2}"/>
               </a:ext>
             </a:extLst>
           </p:cNvPr>
@@ -7632,7 +7594,7 @@
           <p:cNvPr id="17" name="TextBox 16">
             <a:extLst>
               <a:ext uri="{FF2B5EF4-FFF2-40B4-BE49-F238E27FC236}">
-                <a16:creationId xmlns:a16="http://schemas.microsoft.com/office/drawing/2014/main" xmlns="" id="{1BBCA3CB-FAED-4155-952E-F3A76CA189DE}"/>
+                <a16:creationId xmlns:a16="http://schemas.microsoft.com/office/drawing/2014/main" id="{1BBCA3CB-FAED-4155-952E-F3A76CA189DE}"/>
               </a:ext>
             </a:extLst>
           </p:cNvPr>
@@ -7680,7 +7642,7 @@
           <p:cNvPr id="18" name="직선 화살표 연결선 17">
             <a:extLst>
               <a:ext uri="{FF2B5EF4-FFF2-40B4-BE49-F238E27FC236}">
-                <a16:creationId xmlns:a16="http://schemas.microsoft.com/office/drawing/2014/main" xmlns="" id="{0F6C5A2C-840B-451F-A01B-DC2F301FE9CF}"/>
+                <a16:creationId xmlns:a16="http://schemas.microsoft.com/office/drawing/2014/main" id="{0F6C5A2C-840B-451F-A01B-DC2F301FE9CF}"/>
               </a:ext>
             </a:extLst>
           </p:cNvPr>
@@ -7725,7 +7687,7 @@
           <p:cNvPr id="19" name="직선 화살표 연결선 18">
             <a:extLst>
               <a:ext uri="{FF2B5EF4-FFF2-40B4-BE49-F238E27FC236}">
-                <a16:creationId xmlns:a16="http://schemas.microsoft.com/office/drawing/2014/main" xmlns="" id="{C3582EB5-F4B0-489F-A3BF-AFDD004818D3}"/>
+                <a16:creationId xmlns:a16="http://schemas.microsoft.com/office/drawing/2014/main" id="{C3582EB5-F4B0-489F-A3BF-AFDD004818D3}"/>
               </a:ext>
             </a:extLst>
           </p:cNvPr>
@@ -7771,7 +7733,7 @@
           <p:cNvPr id="20" name="직선 화살표 연결선 19">
             <a:extLst>
               <a:ext uri="{FF2B5EF4-FFF2-40B4-BE49-F238E27FC236}">
-                <a16:creationId xmlns:a16="http://schemas.microsoft.com/office/drawing/2014/main" xmlns="" id="{49AD0378-B294-4CD6-B478-3FD346B84410}"/>
+                <a16:creationId xmlns:a16="http://schemas.microsoft.com/office/drawing/2014/main" id="{49AD0378-B294-4CD6-B478-3FD346B84410}"/>
               </a:ext>
             </a:extLst>
           </p:cNvPr>
@@ -7817,7 +7779,7 @@
           <p:cNvPr id="33" name="표 32">
             <a:extLst>
               <a:ext uri="{FF2B5EF4-FFF2-40B4-BE49-F238E27FC236}">
-                <a16:creationId xmlns:a16="http://schemas.microsoft.com/office/drawing/2014/main" xmlns="" id="{14CCC22A-5BD5-4E34-B8F3-485E50B6E88B}"/>
+                <a16:creationId xmlns:a16="http://schemas.microsoft.com/office/drawing/2014/main" id="{14CCC22A-5BD5-4E34-B8F3-485E50B6E88B}"/>
               </a:ext>
             </a:extLst>
           </p:cNvPr>
@@ -7846,35 +7808,35 @@
                 <a:gridCol w="369722">
                   <a:extLst>
                     <a:ext uri="{9D8B030D-6E8A-4147-A177-3AD203B41FA5}">
-                      <a16:colId xmlns:a16="http://schemas.microsoft.com/office/drawing/2014/main" xmlns="" val="2134599374"/>
+                      <a16:colId xmlns:a16="http://schemas.microsoft.com/office/drawing/2014/main" val="2134599374"/>
                     </a:ext>
                   </a:extLst>
                 </a:gridCol>
                 <a:gridCol w="369722">
                   <a:extLst>
                     <a:ext uri="{9D8B030D-6E8A-4147-A177-3AD203B41FA5}">
-                      <a16:colId xmlns:a16="http://schemas.microsoft.com/office/drawing/2014/main" xmlns="" val="410325505"/>
+                      <a16:colId xmlns:a16="http://schemas.microsoft.com/office/drawing/2014/main" val="410325505"/>
                     </a:ext>
                   </a:extLst>
                 </a:gridCol>
                 <a:gridCol w="369722">
                   <a:extLst>
                     <a:ext uri="{9D8B030D-6E8A-4147-A177-3AD203B41FA5}">
-                      <a16:colId xmlns:a16="http://schemas.microsoft.com/office/drawing/2014/main" xmlns="" val="3793515396"/>
+                      <a16:colId xmlns:a16="http://schemas.microsoft.com/office/drawing/2014/main" val="3793515396"/>
                     </a:ext>
                   </a:extLst>
                 </a:gridCol>
                 <a:gridCol w="369722">
                   <a:extLst>
                     <a:ext uri="{9D8B030D-6E8A-4147-A177-3AD203B41FA5}">
-                      <a16:colId xmlns:a16="http://schemas.microsoft.com/office/drawing/2014/main" xmlns="" val="1081105507"/>
+                      <a16:colId xmlns:a16="http://schemas.microsoft.com/office/drawing/2014/main" val="1081105507"/>
                     </a:ext>
                   </a:extLst>
                 </a:gridCol>
                 <a:gridCol w="369722">
                   <a:extLst>
                     <a:ext uri="{9D8B030D-6E8A-4147-A177-3AD203B41FA5}">
-                      <a16:colId xmlns:a16="http://schemas.microsoft.com/office/drawing/2014/main" xmlns="" val="3946034779"/>
+                      <a16:colId xmlns:a16="http://schemas.microsoft.com/office/drawing/2014/main" val="3946034779"/>
                     </a:ext>
                   </a:extLst>
                 </a:gridCol>
@@ -7999,7 +7961,7 @@
                 </a:tc>
                 <a:extLst>
                   <a:ext uri="{0D108BD9-81ED-4DB2-BD59-A6C34878D82A}">
-                    <a16:rowId xmlns:a16="http://schemas.microsoft.com/office/drawing/2014/main" xmlns="" val="3825275025"/>
+                    <a16:rowId xmlns:a16="http://schemas.microsoft.com/office/drawing/2014/main" val="3825275025"/>
                   </a:ext>
                 </a:extLst>
               </a:tr>
@@ -8123,7 +8085,7 @@
                 </a:tc>
                 <a:extLst>
                   <a:ext uri="{0D108BD9-81ED-4DB2-BD59-A6C34878D82A}">
-                    <a16:rowId xmlns:a16="http://schemas.microsoft.com/office/drawing/2014/main" xmlns="" val="397078326"/>
+                    <a16:rowId xmlns:a16="http://schemas.microsoft.com/office/drawing/2014/main" val="397078326"/>
                   </a:ext>
                 </a:extLst>
               </a:tr>
@@ -8166,7 +8128,7 @@
           <p:cNvPr id="2" name="제목 1">
             <a:extLst>
               <a:ext uri="{FF2B5EF4-FFF2-40B4-BE49-F238E27FC236}">
-                <a16:creationId xmlns:a16="http://schemas.microsoft.com/office/drawing/2014/main" xmlns="" id="{DE938470-D5B9-47B5-9356-902610971B86}"/>
+                <a16:creationId xmlns:a16="http://schemas.microsoft.com/office/drawing/2014/main" id="{DE938470-D5B9-47B5-9356-902610971B86}"/>
               </a:ext>
             </a:extLst>
           </p:cNvPr>
@@ -8201,7 +8163,7 @@
           <p:cNvPr id="3" name="부제목 2">
             <a:extLst>
               <a:ext uri="{FF2B5EF4-FFF2-40B4-BE49-F238E27FC236}">
-                <a16:creationId xmlns:a16="http://schemas.microsoft.com/office/drawing/2014/main" xmlns="" id="{7135E3CC-0384-4CDE-8F1D-C29734627E92}"/>
+                <a16:creationId xmlns:a16="http://schemas.microsoft.com/office/drawing/2014/main" id="{7135E3CC-0384-4CDE-8F1D-C29734627E92}"/>
               </a:ext>
             </a:extLst>
           </p:cNvPr>
@@ -8232,21 +8194,7 @@
                 <a:latin typeface="BusanBada" panose="02000603000000000000" pitchFamily="2" charset="-127"/>
                 <a:ea typeface="BusanBada" panose="02000603000000000000" pitchFamily="2" charset="-127"/>
               </a:rPr>
-              <a:t>요청 받은 크기의 프리 </a:t>
-            </a:r>
-            <a:r>
-              <a:rPr lang="ko-KR" altLang="en-US" sz="2400" dirty="0" err="1">
-                <a:latin typeface="BusanBada" panose="02000603000000000000" pitchFamily="2" charset="-127"/>
-                <a:ea typeface="BusanBada" panose="02000603000000000000" pitchFamily="2" charset="-127"/>
-              </a:rPr>
-              <a:t>힙</a:t>
-            </a:r>
-            <a:r>
-              <a:rPr lang="ko-KR" altLang="en-US" sz="2400" dirty="0">
-                <a:latin typeface="BusanBada" panose="02000603000000000000" pitchFamily="2" charset="-127"/>
-                <a:ea typeface="BusanBada" panose="02000603000000000000" pitchFamily="2" charset="-127"/>
-              </a:rPr>
-              <a:t> 블록을 찾을 수 없을 경우 </a:t>
+              <a:t>요청 받은 크기의 프리 힙 블록을 찾을 수 없을 경우 </a:t>
             </a:r>
             <a:r>
               <a:rPr lang="en-US" altLang="ko-KR" sz="2400" dirty="0">
@@ -8282,7 +8230,7 @@
           <p:cNvPr id="4" name="표 3">
             <a:extLst>
               <a:ext uri="{FF2B5EF4-FFF2-40B4-BE49-F238E27FC236}">
-                <a16:creationId xmlns:a16="http://schemas.microsoft.com/office/drawing/2014/main" xmlns="" id="{570EE8F6-47BB-43D3-B79D-5A1DD63C05EE}"/>
+                <a16:creationId xmlns:a16="http://schemas.microsoft.com/office/drawing/2014/main" id="{570EE8F6-47BB-43D3-B79D-5A1DD63C05EE}"/>
               </a:ext>
             </a:extLst>
           </p:cNvPr>
@@ -8311,14 +8259,14 @@
                 <a:gridCol w="374904">
                   <a:extLst>
                     <a:ext uri="{9D8B030D-6E8A-4147-A177-3AD203B41FA5}">
-                      <a16:colId xmlns:a16="http://schemas.microsoft.com/office/drawing/2014/main" xmlns="" val="2134599374"/>
+                      <a16:colId xmlns:a16="http://schemas.microsoft.com/office/drawing/2014/main" val="2134599374"/>
                     </a:ext>
                   </a:extLst>
                 </a:gridCol>
                 <a:gridCol w="374904">
                   <a:extLst>
                     <a:ext uri="{9D8B030D-6E8A-4147-A177-3AD203B41FA5}">
-                      <a16:colId xmlns:a16="http://schemas.microsoft.com/office/drawing/2014/main" xmlns="" val="410325505"/>
+                      <a16:colId xmlns:a16="http://schemas.microsoft.com/office/drawing/2014/main" val="410325505"/>
                     </a:ext>
                   </a:extLst>
                 </a:gridCol>
@@ -8361,7 +8309,7 @@
                 </a:tc>
                 <a:extLst>
                   <a:ext uri="{0D108BD9-81ED-4DB2-BD59-A6C34878D82A}">
-                    <a16:rowId xmlns:a16="http://schemas.microsoft.com/office/drawing/2014/main" xmlns="" val="3825275025"/>
+                    <a16:rowId xmlns:a16="http://schemas.microsoft.com/office/drawing/2014/main" val="3825275025"/>
                   </a:ext>
                 </a:extLst>
               </a:tr>
@@ -8403,7 +8351,7 @@
                 </a:tc>
                 <a:extLst>
                   <a:ext uri="{0D108BD9-81ED-4DB2-BD59-A6C34878D82A}">
-                    <a16:rowId xmlns:a16="http://schemas.microsoft.com/office/drawing/2014/main" xmlns="" val="397078326"/>
+                    <a16:rowId xmlns:a16="http://schemas.microsoft.com/office/drawing/2014/main" val="397078326"/>
                   </a:ext>
                 </a:extLst>
               </a:tr>
@@ -8445,7 +8393,7 @@
                 </a:tc>
                 <a:extLst>
                   <a:ext uri="{0D108BD9-81ED-4DB2-BD59-A6C34878D82A}">
-                    <a16:rowId xmlns:a16="http://schemas.microsoft.com/office/drawing/2014/main" xmlns="" val="2170258339"/>
+                    <a16:rowId xmlns:a16="http://schemas.microsoft.com/office/drawing/2014/main" val="2170258339"/>
                   </a:ext>
                 </a:extLst>
               </a:tr>
@@ -8487,7 +8435,7 @@
                 </a:tc>
                 <a:extLst>
                   <a:ext uri="{0D108BD9-81ED-4DB2-BD59-A6C34878D82A}">
-                    <a16:rowId xmlns:a16="http://schemas.microsoft.com/office/drawing/2014/main" xmlns="" val="2772242555"/>
+                    <a16:rowId xmlns:a16="http://schemas.microsoft.com/office/drawing/2014/main" val="2772242555"/>
                   </a:ext>
                 </a:extLst>
               </a:tr>
@@ -8529,7 +8477,7 @@
                 </a:tc>
                 <a:extLst>
                   <a:ext uri="{0D108BD9-81ED-4DB2-BD59-A6C34878D82A}">
-                    <a16:rowId xmlns:a16="http://schemas.microsoft.com/office/drawing/2014/main" xmlns="" val="2971861151"/>
+                    <a16:rowId xmlns:a16="http://schemas.microsoft.com/office/drawing/2014/main" val="2971861151"/>
                   </a:ext>
                 </a:extLst>
               </a:tr>
@@ -8571,7 +8519,7 @@
                 </a:tc>
                 <a:extLst>
                   <a:ext uri="{0D108BD9-81ED-4DB2-BD59-A6C34878D82A}">
-                    <a16:rowId xmlns:a16="http://schemas.microsoft.com/office/drawing/2014/main" xmlns="" val="1110059740"/>
+                    <a16:rowId xmlns:a16="http://schemas.microsoft.com/office/drawing/2014/main" val="1110059740"/>
                   </a:ext>
                 </a:extLst>
               </a:tr>
@@ -8584,7 +8532,7 @@
           <p:cNvPr id="5" name="TextBox 4">
             <a:extLst>
               <a:ext uri="{FF2B5EF4-FFF2-40B4-BE49-F238E27FC236}">
-                <a16:creationId xmlns:a16="http://schemas.microsoft.com/office/drawing/2014/main" xmlns="" id="{E75367A5-A08D-484D-BC8B-3CE882262B2D}"/>
+                <a16:creationId xmlns:a16="http://schemas.microsoft.com/office/drawing/2014/main" id="{E75367A5-A08D-484D-BC8B-3CE882262B2D}"/>
               </a:ext>
             </a:extLst>
           </p:cNvPr>
@@ -8632,7 +8580,7 @@
           <p:cNvPr id="6" name="TextBox 5">
             <a:extLst>
               <a:ext uri="{FF2B5EF4-FFF2-40B4-BE49-F238E27FC236}">
-                <a16:creationId xmlns:a16="http://schemas.microsoft.com/office/drawing/2014/main" xmlns="" id="{8BA301C8-A0A1-4BAF-ADC5-426EE2E13A1E}"/>
+                <a16:creationId xmlns:a16="http://schemas.microsoft.com/office/drawing/2014/main" id="{8BA301C8-A0A1-4BAF-ADC5-426EE2E13A1E}"/>
               </a:ext>
             </a:extLst>
           </p:cNvPr>
@@ -8680,7 +8628,7 @@
           <p:cNvPr id="7" name="TextBox 6">
             <a:extLst>
               <a:ext uri="{FF2B5EF4-FFF2-40B4-BE49-F238E27FC236}">
-                <a16:creationId xmlns:a16="http://schemas.microsoft.com/office/drawing/2014/main" xmlns="" id="{46067A1C-E482-47CD-9688-0171A7387B0D}"/>
+                <a16:creationId xmlns:a16="http://schemas.microsoft.com/office/drawing/2014/main" id="{46067A1C-E482-47CD-9688-0171A7387B0D}"/>
               </a:ext>
             </a:extLst>
           </p:cNvPr>
@@ -8728,7 +8676,7 @@
           <p:cNvPr id="8" name="직선 화살표 연결선 7">
             <a:extLst>
               <a:ext uri="{FF2B5EF4-FFF2-40B4-BE49-F238E27FC236}">
-                <a16:creationId xmlns:a16="http://schemas.microsoft.com/office/drawing/2014/main" xmlns="" id="{819945BC-085E-4F8F-9064-E24E1E978766}"/>
+                <a16:creationId xmlns:a16="http://schemas.microsoft.com/office/drawing/2014/main" id="{819945BC-085E-4F8F-9064-E24E1E978766}"/>
               </a:ext>
             </a:extLst>
           </p:cNvPr>
@@ -8772,7 +8720,7 @@
           <p:cNvPr id="9" name="직선 화살표 연결선 8">
             <a:extLst>
               <a:ext uri="{FF2B5EF4-FFF2-40B4-BE49-F238E27FC236}">
-                <a16:creationId xmlns:a16="http://schemas.microsoft.com/office/drawing/2014/main" xmlns="" id="{6784448F-02F1-41E2-8754-55525E18E3BB}"/>
+                <a16:creationId xmlns:a16="http://schemas.microsoft.com/office/drawing/2014/main" id="{6784448F-02F1-41E2-8754-55525E18E3BB}"/>
               </a:ext>
             </a:extLst>
           </p:cNvPr>
@@ -8817,7 +8765,7 @@
           <p:cNvPr id="10" name="직선 화살표 연결선 9">
             <a:extLst>
               <a:ext uri="{FF2B5EF4-FFF2-40B4-BE49-F238E27FC236}">
-                <a16:creationId xmlns:a16="http://schemas.microsoft.com/office/drawing/2014/main" xmlns="" id="{9CF6BBE7-1D12-48F7-BE3F-7D707F79C8FF}"/>
+                <a16:creationId xmlns:a16="http://schemas.microsoft.com/office/drawing/2014/main" id="{9CF6BBE7-1D12-48F7-BE3F-7D707F79C8FF}"/>
               </a:ext>
             </a:extLst>
           </p:cNvPr>
@@ -8862,7 +8810,7 @@
           <p:cNvPr id="15" name="TextBox 14">
             <a:extLst>
               <a:ext uri="{FF2B5EF4-FFF2-40B4-BE49-F238E27FC236}">
-                <a16:creationId xmlns:a16="http://schemas.microsoft.com/office/drawing/2014/main" xmlns="" id="{34B2ACE7-74E8-42ED-B373-E08CC3CCD68F}"/>
+                <a16:creationId xmlns:a16="http://schemas.microsoft.com/office/drawing/2014/main" id="{34B2ACE7-74E8-42ED-B373-E08CC3CCD68F}"/>
               </a:ext>
             </a:extLst>
           </p:cNvPr>
@@ -8910,7 +8858,7 @@
           <p:cNvPr id="16" name="TextBox 15">
             <a:extLst>
               <a:ext uri="{FF2B5EF4-FFF2-40B4-BE49-F238E27FC236}">
-                <a16:creationId xmlns:a16="http://schemas.microsoft.com/office/drawing/2014/main" xmlns="" id="{E0C0E382-D693-4E89-A2B9-2AE627580FE2}"/>
+                <a16:creationId xmlns:a16="http://schemas.microsoft.com/office/drawing/2014/main" id="{E0C0E382-D693-4E89-A2B9-2AE627580FE2}"/>
               </a:ext>
             </a:extLst>
           </p:cNvPr>
@@ -8958,7 +8906,7 @@
           <p:cNvPr id="17" name="TextBox 16">
             <a:extLst>
               <a:ext uri="{FF2B5EF4-FFF2-40B4-BE49-F238E27FC236}">
-                <a16:creationId xmlns:a16="http://schemas.microsoft.com/office/drawing/2014/main" xmlns="" id="{1BBCA3CB-FAED-4155-952E-F3A76CA189DE}"/>
+                <a16:creationId xmlns:a16="http://schemas.microsoft.com/office/drawing/2014/main" id="{1BBCA3CB-FAED-4155-952E-F3A76CA189DE}"/>
               </a:ext>
             </a:extLst>
           </p:cNvPr>
@@ -9006,7 +8954,7 @@
           <p:cNvPr id="18" name="직선 화살표 연결선 17">
             <a:extLst>
               <a:ext uri="{FF2B5EF4-FFF2-40B4-BE49-F238E27FC236}">
-                <a16:creationId xmlns:a16="http://schemas.microsoft.com/office/drawing/2014/main" xmlns="" id="{0F6C5A2C-840B-451F-A01B-DC2F301FE9CF}"/>
+                <a16:creationId xmlns:a16="http://schemas.microsoft.com/office/drawing/2014/main" id="{0F6C5A2C-840B-451F-A01B-DC2F301FE9CF}"/>
               </a:ext>
             </a:extLst>
           </p:cNvPr>
@@ -9051,7 +8999,7 @@
           <p:cNvPr id="19" name="직선 화살표 연결선 18">
             <a:extLst>
               <a:ext uri="{FF2B5EF4-FFF2-40B4-BE49-F238E27FC236}">
-                <a16:creationId xmlns:a16="http://schemas.microsoft.com/office/drawing/2014/main" xmlns="" id="{C3582EB5-F4B0-489F-A3BF-AFDD004818D3}"/>
+                <a16:creationId xmlns:a16="http://schemas.microsoft.com/office/drawing/2014/main" id="{C3582EB5-F4B0-489F-A3BF-AFDD004818D3}"/>
               </a:ext>
             </a:extLst>
           </p:cNvPr>
@@ -9097,7 +9045,7 @@
           <p:cNvPr id="20" name="직선 화살표 연결선 19">
             <a:extLst>
               <a:ext uri="{FF2B5EF4-FFF2-40B4-BE49-F238E27FC236}">
-                <a16:creationId xmlns:a16="http://schemas.microsoft.com/office/drawing/2014/main" xmlns="" id="{49AD0378-B294-4CD6-B478-3FD346B84410}"/>
+                <a16:creationId xmlns:a16="http://schemas.microsoft.com/office/drawing/2014/main" id="{49AD0378-B294-4CD6-B478-3FD346B84410}"/>
               </a:ext>
             </a:extLst>
           </p:cNvPr>
@@ -9143,7 +9091,7 @@
           <p:cNvPr id="33" name="표 32">
             <a:extLst>
               <a:ext uri="{FF2B5EF4-FFF2-40B4-BE49-F238E27FC236}">
-                <a16:creationId xmlns:a16="http://schemas.microsoft.com/office/drawing/2014/main" xmlns="" id="{14CCC22A-5BD5-4E34-B8F3-485E50B6E88B}"/>
+                <a16:creationId xmlns:a16="http://schemas.microsoft.com/office/drawing/2014/main" id="{14CCC22A-5BD5-4E34-B8F3-485E50B6E88B}"/>
               </a:ext>
             </a:extLst>
           </p:cNvPr>
@@ -9172,42 +9120,42 @@
                 <a:gridCol w="308102">
                   <a:extLst>
                     <a:ext uri="{9D8B030D-6E8A-4147-A177-3AD203B41FA5}">
-                      <a16:colId xmlns:a16="http://schemas.microsoft.com/office/drawing/2014/main" xmlns="" val="2134599374"/>
+                      <a16:colId xmlns:a16="http://schemas.microsoft.com/office/drawing/2014/main" val="2134599374"/>
                     </a:ext>
                   </a:extLst>
                 </a:gridCol>
                 <a:gridCol w="308102">
                   <a:extLst>
                     <a:ext uri="{9D8B030D-6E8A-4147-A177-3AD203B41FA5}">
-                      <a16:colId xmlns:a16="http://schemas.microsoft.com/office/drawing/2014/main" xmlns="" val="410325505"/>
+                      <a16:colId xmlns:a16="http://schemas.microsoft.com/office/drawing/2014/main" val="410325505"/>
                     </a:ext>
                   </a:extLst>
                 </a:gridCol>
                 <a:gridCol w="308102">
                   <a:extLst>
                     <a:ext uri="{9D8B030D-6E8A-4147-A177-3AD203B41FA5}">
-                      <a16:colId xmlns:a16="http://schemas.microsoft.com/office/drawing/2014/main" xmlns="" val="3793515396"/>
+                      <a16:colId xmlns:a16="http://schemas.microsoft.com/office/drawing/2014/main" val="3793515396"/>
                     </a:ext>
                   </a:extLst>
                 </a:gridCol>
                 <a:gridCol w="308102">
                   <a:extLst>
                     <a:ext uri="{9D8B030D-6E8A-4147-A177-3AD203B41FA5}">
-                      <a16:colId xmlns:a16="http://schemas.microsoft.com/office/drawing/2014/main" xmlns="" val="1081105507"/>
+                      <a16:colId xmlns:a16="http://schemas.microsoft.com/office/drawing/2014/main" val="1081105507"/>
                     </a:ext>
                   </a:extLst>
                 </a:gridCol>
                 <a:gridCol w="308102">
                   <a:extLst>
                     <a:ext uri="{9D8B030D-6E8A-4147-A177-3AD203B41FA5}">
-                      <a16:colId xmlns:a16="http://schemas.microsoft.com/office/drawing/2014/main" xmlns="" val="193833749"/>
+                      <a16:colId xmlns:a16="http://schemas.microsoft.com/office/drawing/2014/main" val="193833749"/>
                     </a:ext>
                   </a:extLst>
                 </a:gridCol>
                 <a:gridCol w="308102">
                   <a:extLst>
                     <a:ext uri="{9D8B030D-6E8A-4147-A177-3AD203B41FA5}">
-                      <a16:colId xmlns:a16="http://schemas.microsoft.com/office/drawing/2014/main" xmlns="" val="3946034779"/>
+                      <a16:colId xmlns:a16="http://schemas.microsoft.com/office/drawing/2014/main" val="3946034779"/>
                     </a:ext>
                   </a:extLst>
                 </a:gridCol>
@@ -9357,7 +9305,7 @@
                 </a:tc>
                 <a:extLst>
                   <a:ext uri="{0D108BD9-81ED-4DB2-BD59-A6C34878D82A}">
-                    <a16:rowId xmlns:a16="http://schemas.microsoft.com/office/drawing/2014/main" xmlns="" val="3825275025"/>
+                    <a16:rowId xmlns:a16="http://schemas.microsoft.com/office/drawing/2014/main" val="3825275025"/>
                   </a:ext>
                 </a:extLst>
               </a:tr>
@@ -9506,7 +9454,7 @@
                 </a:tc>
                 <a:extLst>
                   <a:ext uri="{0D108BD9-81ED-4DB2-BD59-A6C34878D82A}">
-                    <a16:rowId xmlns:a16="http://schemas.microsoft.com/office/drawing/2014/main" xmlns="" val="397078326"/>
+                    <a16:rowId xmlns:a16="http://schemas.microsoft.com/office/drawing/2014/main" val="397078326"/>
                   </a:ext>
                 </a:extLst>
               </a:tr>
@@ -9519,7 +9467,7 @@
           <p:cNvPr id="22" name="표 21">
             <a:extLst>
               <a:ext uri="{FF2B5EF4-FFF2-40B4-BE49-F238E27FC236}">
-                <a16:creationId xmlns:a16="http://schemas.microsoft.com/office/drawing/2014/main" xmlns="" id="{12BB61FE-0978-46E4-B596-B4C2351862A3}"/>
+                <a16:creationId xmlns:a16="http://schemas.microsoft.com/office/drawing/2014/main" id="{12BB61FE-0978-46E4-B596-B4C2351862A3}"/>
               </a:ext>
             </a:extLst>
           </p:cNvPr>
@@ -9548,14 +9496,14 @@
                 <a:gridCol w="374904">
                   <a:extLst>
                     <a:ext uri="{9D8B030D-6E8A-4147-A177-3AD203B41FA5}">
-                      <a16:colId xmlns:a16="http://schemas.microsoft.com/office/drawing/2014/main" xmlns="" val="2134599374"/>
+                      <a16:colId xmlns:a16="http://schemas.microsoft.com/office/drawing/2014/main" val="2134599374"/>
                     </a:ext>
                   </a:extLst>
                 </a:gridCol>
                 <a:gridCol w="374904">
                   <a:extLst>
                     <a:ext uri="{9D8B030D-6E8A-4147-A177-3AD203B41FA5}">
-                      <a16:colId xmlns:a16="http://schemas.microsoft.com/office/drawing/2014/main" xmlns="" val="410325505"/>
+                      <a16:colId xmlns:a16="http://schemas.microsoft.com/office/drawing/2014/main" val="410325505"/>
                     </a:ext>
                   </a:extLst>
                 </a:gridCol>
@@ -9598,7 +9546,7 @@
                 </a:tc>
                 <a:extLst>
                   <a:ext uri="{0D108BD9-81ED-4DB2-BD59-A6C34878D82A}">
-                    <a16:rowId xmlns:a16="http://schemas.microsoft.com/office/drawing/2014/main" xmlns="" val="3825275025"/>
+                    <a16:rowId xmlns:a16="http://schemas.microsoft.com/office/drawing/2014/main" val="3825275025"/>
                   </a:ext>
                 </a:extLst>
               </a:tr>
@@ -9640,7 +9588,7 @@
                 </a:tc>
                 <a:extLst>
                   <a:ext uri="{0D108BD9-81ED-4DB2-BD59-A6C34878D82A}">
-                    <a16:rowId xmlns:a16="http://schemas.microsoft.com/office/drawing/2014/main" xmlns="" val="397078326"/>
+                    <a16:rowId xmlns:a16="http://schemas.microsoft.com/office/drawing/2014/main" val="397078326"/>
                   </a:ext>
                 </a:extLst>
               </a:tr>
@@ -9682,7 +9630,7 @@
                 </a:tc>
                 <a:extLst>
                   <a:ext uri="{0D108BD9-81ED-4DB2-BD59-A6C34878D82A}">
-                    <a16:rowId xmlns:a16="http://schemas.microsoft.com/office/drawing/2014/main" xmlns="" val="2170258339"/>
+                    <a16:rowId xmlns:a16="http://schemas.microsoft.com/office/drawing/2014/main" val="2170258339"/>
                   </a:ext>
                 </a:extLst>
               </a:tr>
@@ -9724,7 +9672,7 @@
                 </a:tc>
                 <a:extLst>
                   <a:ext uri="{0D108BD9-81ED-4DB2-BD59-A6C34878D82A}">
-                    <a16:rowId xmlns:a16="http://schemas.microsoft.com/office/drawing/2014/main" xmlns="" val="2772242555"/>
+                    <a16:rowId xmlns:a16="http://schemas.microsoft.com/office/drawing/2014/main" val="2772242555"/>
                   </a:ext>
                 </a:extLst>
               </a:tr>
@@ -9773,7 +9721,7 @@
                 </a:tc>
                 <a:extLst>
                   <a:ext uri="{0D108BD9-81ED-4DB2-BD59-A6C34878D82A}">
-                    <a16:rowId xmlns:a16="http://schemas.microsoft.com/office/drawing/2014/main" xmlns="" val="551738027"/>
+                    <a16:rowId xmlns:a16="http://schemas.microsoft.com/office/drawing/2014/main" val="551738027"/>
                   </a:ext>
                 </a:extLst>
               </a:tr>
@@ -9815,7 +9763,7 @@
                 </a:tc>
                 <a:extLst>
                   <a:ext uri="{0D108BD9-81ED-4DB2-BD59-A6C34878D82A}">
-                    <a16:rowId xmlns:a16="http://schemas.microsoft.com/office/drawing/2014/main" xmlns="" val="2971861151"/>
+                    <a16:rowId xmlns:a16="http://schemas.microsoft.com/office/drawing/2014/main" val="2971861151"/>
                   </a:ext>
                 </a:extLst>
               </a:tr>
@@ -9828,7 +9776,7 @@
           <p:cNvPr id="23" name="TextBox 22">
             <a:extLst>
               <a:ext uri="{FF2B5EF4-FFF2-40B4-BE49-F238E27FC236}">
-                <a16:creationId xmlns:a16="http://schemas.microsoft.com/office/drawing/2014/main" xmlns="" id="{F45A06E5-190F-4569-BE8D-3573E3D074AC}"/>
+                <a16:creationId xmlns:a16="http://schemas.microsoft.com/office/drawing/2014/main" id="{F45A06E5-190F-4569-BE8D-3573E3D074AC}"/>
               </a:ext>
             </a:extLst>
           </p:cNvPr>
@@ -9876,7 +9824,7 @@
           <p:cNvPr id="24" name="TextBox 23">
             <a:extLst>
               <a:ext uri="{FF2B5EF4-FFF2-40B4-BE49-F238E27FC236}">
-                <a16:creationId xmlns:a16="http://schemas.microsoft.com/office/drawing/2014/main" xmlns="" id="{1663672D-7D24-4643-A475-4ABDE019431E}"/>
+                <a16:creationId xmlns:a16="http://schemas.microsoft.com/office/drawing/2014/main" id="{1663672D-7D24-4643-A475-4ABDE019431E}"/>
               </a:ext>
             </a:extLst>
           </p:cNvPr>
@@ -9924,7 +9872,7 @@
           <p:cNvPr id="25" name="TextBox 24">
             <a:extLst>
               <a:ext uri="{FF2B5EF4-FFF2-40B4-BE49-F238E27FC236}">
-                <a16:creationId xmlns:a16="http://schemas.microsoft.com/office/drawing/2014/main" xmlns="" id="{BB5E448B-CA85-4DE7-B4EC-CA2986E2DA8A}"/>
+                <a16:creationId xmlns:a16="http://schemas.microsoft.com/office/drawing/2014/main" id="{BB5E448B-CA85-4DE7-B4EC-CA2986E2DA8A}"/>
               </a:ext>
             </a:extLst>
           </p:cNvPr>
@@ -9972,7 +9920,7 @@
           <p:cNvPr id="26" name="직선 화살표 연결선 25">
             <a:extLst>
               <a:ext uri="{FF2B5EF4-FFF2-40B4-BE49-F238E27FC236}">
-                <a16:creationId xmlns:a16="http://schemas.microsoft.com/office/drawing/2014/main" xmlns="" id="{10B9874C-C02B-4344-AC20-D70826A71EFB}"/>
+                <a16:creationId xmlns:a16="http://schemas.microsoft.com/office/drawing/2014/main" id="{10B9874C-C02B-4344-AC20-D70826A71EFB}"/>
               </a:ext>
             </a:extLst>
           </p:cNvPr>
@@ -10016,7 +9964,7 @@
           <p:cNvPr id="27" name="직선 화살표 연결선 26">
             <a:extLst>
               <a:ext uri="{FF2B5EF4-FFF2-40B4-BE49-F238E27FC236}">
-                <a16:creationId xmlns:a16="http://schemas.microsoft.com/office/drawing/2014/main" xmlns="" id="{A46588F3-71DB-4E54-AA04-CB9F5D70277E}"/>
+                <a16:creationId xmlns:a16="http://schemas.microsoft.com/office/drawing/2014/main" id="{A46588F3-71DB-4E54-AA04-CB9F5D70277E}"/>
               </a:ext>
             </a:extLst>
           </p:cNvPr>
@@ -10061,7 +10009,7 @@
           <p:cNvPr id="28" name="직선 화살표 연결선 27">
             <a:extLst>
               <a:ext uri="{FF2B5EF4-FFF2-40B4-BE49-F238E27FC236}">
-                <a16:creationId xmlns:a16="http://schemas.microsoft.com/office/drawing/2014/main" xmlns="" id="{96345BE7-E0CA-4D67-9AB3-6FDE8389C719}"/>
+                <a16:creationId xmlns:a16="http://schemas.microsoft.com/office/drawing/2014/main" id="{96345BE7-E0CA-4D67-9AB3-6FDE8389C719}"/>
               </a:ext>
             </a:extLst>
           </p:cNvPr>
@@ -10107,7 +10055,7 @@
           <p:cNvPr id="29" name="TextBox 28">
             <a:extLst>
               <a:ext uri="{FF2B5EF4-FFF2-40B4-BE49-F238E27FC236}">
-                <a16:creationId xmlns:a16="http://schemas.microsoft.com/office/drawing/2014/main" xmlns="" id="{6F188B8B-24F4-4E55-A71A-5FF9DE437085}"/>
+                <a16:creationId xmlns:a16="http://schemas.microsoft.com/office/drawing/2014/main" id="{6F188B8B-24F4-4E55-A71A-5FF9DE437085}"/>
               </a:ext>
             </a:extLst>
           </p:cNvPr>
@@ -10155,7 +10103,7 @@
           <p:cNvPr id="30" name="TextBox 29">
             <a:extLst>
               <a:ext uri="{FF2B5EF4-FFF2-40B4-BE49-F238E27FC236}">
-                <a16:creationId xmlns:a16="http://schemas.microsoft.com/office/drawing/2014/main" xmlns="" id="{BB6848C1-67BE-4973-9568-2D2A8641EAD5}"/>
+                <a16:creationId xmlns:a16="http://schemas.microsoft.com/office/drawing/2014/main" id="{BB6848C1-67BE-4973-9568-2D2A8641EAD5}"/>
               </a:ext>
             </a:extLst>
           </p:cNvPr>
@@ -10203,7 +10151,7 @@
           <p:cNvPr id="31" name="TextBox 30">
             <a:extLst>
               <a:ext uri="{FF2B5EF4-FFF2-40B4-BE49-F238E27FC236}">
-                <a16:creationId xmlns:a16="http://schemas.microsoft.com/office/drawing/2014/main" xmlns="" id="{B97AF5CA-4442-4AE3-A541-385519F89CF5}"/>
+                <a16:creationId xmlns:a16="http://schemas.microsoft.com/office/drawing/2014/main" id="{B97AF5CA-4442-4AE3-A541-385519F89CF5}"/>
               </a:ext>
             </a:extLst>
           </p:cNvPr>
@@ -10251,7 +10199,7 @@
           <p:cNvPr id="32" name="직선 화살표 연결선 31">
             <a:extLst>
               <a:ext uri="{FF2B5EF4-FFF2-40B4-BE49-F238E27FC236}">
-                <a16:creationId xmlns:a16="http://schemas.microsoft.com/office/drawing/2014/main" xmlns="" id="{0CA296E5-C0C0-4717-92DB-D3D1152FAF69}"/>
+                <a16:creationId xmlns:a16="http://schemas.microsoft.com/office/drawing/2014/main" id="{0CA296E5-C0C0-4717-92DB-D3D1152FAF69}"/>
               </a:ext>
             </a:extLst>
           </p:cNvPr>
@@ -10296,7 +10244,7 @@
           <p:cNvPr id="34" name="직선 화살표 연결선 33">
             <a:extLst>
               <a:ext uri="{FF2B5EF4-FFF2-40B4-BE49-F238E27FC236}">
-                <a16:creationId xmlns:a16="http://schemas.microsoft.com/office/drawing/2014/main" xmlns="" id="{2DCA60C4-DCE2-4F42-9768-F2981C14A8F8}"/>
+                <a16:creationId xmlns:a16="http://schemas.microsoft.com/office/drawing/2014/main" id="{2DCA60C4-DCE2-4F42-9768-F2981C14A8F8}"/>
               </a:ext>
             </a:extLst>
           </p:cNvPr>
@@ -10342,7 +10290,7 @@
           <p:cNvPr id="35" name="직선 화살표 연결선 34">
             <a:extLst>
               <a:ext uri="{FF2B5EF4-FFF2-40B4-BE49-F238E27FC236}">
-                <a16:creationId xmlns:a16="http://schemas.microsoft.com/office/drawing/2014/main" xmlns="" id="{18EE8AB6-C9AE-41D9-8374-878626BAC340}"/>
+                <a16:creationId xmlns:a16="http://schemas.microsoft.com/office/drawing/2014/main" id="{18EE8AB6-C9AE-41D9-8374-878626BAC340}"/>
               </a:ext>
             </a:extLst>
           </p:cNvPr>
@@ -10388,7 +10336,7 @@
           <p:cNvPr id="55" name="직선 화살표 연결선 54">
             <a:extLst>
               <a:ext uri="{FF2B5EF4-FFF2-40B4-BE49-F238E27FC236}">
-                <a16:creationId xmlns:a16="http://schemas.microsoft.com/office/drawing/2014/main" xmlns="" id="{F86784DC-50F8-4D5A-B86B-8CFBB8AED36A}"/>
+                <a16:creationId xmlns:a16="http://schemas.microsoft.com/office/drawing/2014/main" id="{F86784DC-50F8-4D5A-B86B-8CFBB8AED36A}"/>
               </a:ext>
             </a:extLst>
           </p:cNvPr>
@@ -10430,7 +10378,7 @@
           <p:cNvPr id="56" name="TextBox 55">
             <a:extLst>
               <a:ext uri="{FF2B5EF4-FFF2-40B4-BE49-F238E27FC236}">
-                <a16:creationId xmlns:a16="http://schemas.microsoft.com/office/drawing/2014/main" xmlns="" id="{D4E969CD-43D2-4DFE-8718-335B4B0BA577}"/>
+                <a16:creationId xmlns:a16="http://schemas.microsoft.com/office/drawing/2014/main" id="{D4E969CD-43D2-4DFE-8718-335B4B0BA577}"/>
               </a:ext>
             </a:extLst>
           </p:cNvPr>
@@ -10503,7 +10451,7 @@
           <p:cNvPr id="61" name="표 60">
             <a:extLst>
               <a:ext uri="{FF2B5EF4-FFF2-40B4-BE49-F238E27FC236}">
-                <a16:creationId xmlns:a16="http://schemas.microsoft.com/office/drawing/2014/main" xmlns="" id="{08C603CE-65F1-4348-BA12-70C00B5DDF8D}"/>
+                <a16:creationId xmlns:a16="http://schemas.microsoft.com/office/drawing/2014/main" id="{08C603CE-65F1-4348-BA12-70C00B5DDF8D}"/>
               </a:ext>
             </a:extLst>
           </p:cNvPr>
@@ -10532,42 +10480,42 @@
                 <a:gridCol w="308102">
                   <a:extLst>
                     <a:ext uri="{9D8B030D-6E8A-4147-A177-3AD203B41FA5}">
-                      <a16:colId xmlns:a16="http://schemas.microsoft.com/office/drawing/2014/main" xmlns="" val="2134599374"/>
+                      <a16:colId xmlns:a16="http://schemas.microsoft.com/office/drawing/2014/main" val="2134599374"/>
                     </a:ext>
                   </a:extLst>
                 </a:gridCol>
                 <a:gridCol w="308102">
                   <a:extLst>
                     <a:ext uri="{9D8B030D-6E8A-4147-A177-3AD203B41FA5}">
-                      <a16:colId xmlns:a16="http://schemas.microsoft.com/office/drawing/2014/main" xmlns="" val="410325505"/>
+                      <a16:colId xmlns:a16="http://schemas.microsoft.com/office/drawing/2014/main" val="410325505"/>
                     </a:ext>
                   </a:extLst>
                 </a:gridCol>
                 <a:gridCol w="308102">
                   <a:extLst>
                     <a:ext uri="{9D8B030D-6E8A-4147-A177-3AD203B41FA5}">
-                      <a16:colId xmlns:a16="http://schemas.microsoft.com/office/drawing/2014/main" xmlns="" val="3793515396"/>
+                      <a16:colId xmlns:a16="http://schemas.microsoft.com/office/drawing/2014/main" val="3793515396"/>
                     </a:ext>
                   </a:extLst>
                 </a:gridCol>
                 <a:gridCol w="308102">
                   <a:extLst>
                     <a:ext uri="{9D8B030D-6E8A-4147-A177-3AD203B41FA5}">
-                      <a16:colId xmlns:a16="http://schemas.microsoft.com/office/drawing/2014/main" xmlns="" val="1081105507"/>
+                      <a16:colId xmlns:a16="http://schemas.microsoft.com/office/drawing/2014/main" val="1081105507"/>
                     </a:ext>
                   </a:extLst>
                 </a:gridCol>
                 <a:gridCol w="308102">
                   <a:extLst>
                     <a:ext uri="{9D8B030D-6E8A-4147-A177-3AD203B41FA5}">
-                      <a16:colId xmlns:a16="http://schemas.microsoft.com/office/drawing/2014/main" xmlns="" val="193833749"/>
+                      <a16:colId xmlns:a16="http://schemas.microsoft.com/office/drawing/2014/main" val="193833749"/>
                     </a:ext>
                   </a:extLst>
                 </a:gridCol>
                 <a:gridCol w="308102">
                   <a:extLst>
                     <a:ext uri="{9D8B030D-6E8A-4147-A177-3AD203B41FA5}">
-                      <a16:colId xmlns:a16="http://schemas.microsoft.com/office/drawing/2014/main" xmlns="" val="3946034779"/>
+                      <a16:colId xmlns:a16="http://schemas.microsoft.com/office/drawing/2014/main" val="3946034779"/>
                     </a:ext>
                   </a:extLst>
                 </a:gridCol>
@@ -10721,7 +10669,7 @@
                 </a:tc>
                 <a:extLst>
                   <a:ext uri="{0D108BD9-81ED-4DB2-BD59-A6C34878D82A}">
-                    <a16:rowId xmlns:a16="http://schemas.microsoft.com/office/drawing/2014/main" xmlns="" val="3825275025"/>
+                    <a16:rowId xmlns:a16="http://schemas.microsoft.com/office/drawing/2014/main" val="3825275025"/>
                   </a:ext>
                 </a:extLst>
               </a:tr>
@@ -10874,7 +10822,7 @@
                 </a:tc>
                 <a:extLst>
                   <a:ext uri="{0D108BD9-81ED-4DB2-BD59-A6C34878D82A}">
-                    <a16:rowId xmlns:a16="http://schemas.microsoft.com/office/drawing/2014/main" xmlns="" val="397078326"/>
+                    <a16:rowId xmlns:a16="http://schemas.microsoft.com/office/drawing/2014/main" val="397078326"/>
                   </a:ext>
                 </a:extLst>
               </a:tr>
@@ -10917,7 +10865,7 @@
           <p:cNvPr id="2" name="제목 1">
             <a:extLst>
               <a:ext uri="{FF2B5EF4-FFF2-40B4-BE49-F238E27FC236}">
-                <a16:creationId xmlns:a16="http://schemas.microsoft.com/office/drawing/2014/main" xmlns="" id="{DE938470-D5B9-47B5-9356-902610971B86}"/>
+                <a16:creationId xmlns:a16="http://schemas.microsoft.com/office/drawing/2014/main" id="{DE938470-D5B9-47B5-9356-902610971B86}"/>
               </a:ext>
             </a:extLst>
           </p:cNvPr>
@@ -10952,7 +10900,7 @@
           <p:cNvPr id="3" name="부제목 2">
             <a:extLst>
               <a:ext uri="{FF2B5EF4-FFF2-40B4-BE49-F238E27FC236}">
-                <a16:creationId xmlns:a16="http://schemas.microsoft.com/office/drawing/2014/main" xmlns="" id="{7135E3CC-0384-4CDE-8F1D-C29734627E92}"/>
+                <a16:creationId xmlns:a16="http://schemas.microsoft.com/office/drawing/2014/main" id="{7135E3CC-0384-4CDE-8F1D-C29734627E92}"/>
               </a:ext>
             </a:extLst>
           </p:cNvPr>
@@ -10978,21 +10926,7 @@
                 <a:latin typeface="BusanBada" panose="02000603000000000000" pitchFamily="2" charset="-127"/>
                 <a:ea typeface="BusanBada" panose="02000603000000000000" pitchFamily="2" charset="-127"/>
               </a:rPr>
-              <a:t>메모리 해제시에는 주변의 프리 블록을 살펴보고 </a:t>
-            </a:r>
-            <a:r>
-              <a:rPr lang="ko-KR" altLang="en-US" sz="2400" dirty="0" err="1">
-                <a:latin typeface="BusanBada" panose="02000603000000000000" pitchFamily="2" charset="-127"/>
-                <a:ea typeface="BusanBada" panose="02000603000000000000" pitchFamily="2" charset="-127"/>
-              </a:rPr>
-              <a:t>힙을</a:t>
-            </a:r>
-            <a:r>
-              <a:rPr lang="ko-KR" altLang="en-US" sz="2400" dirty="0">
-                <a:latin typeface="BusanBada" panose="02000603000000000000" pitchFamily="2" charset="-127"/>
-                <a:ea typeface="BusanBada" panose="02000603000000000000" pitchFamily="2" charset="-127"/>
-              </a:rPr>
-              <a:t> 합병함</a:t>
+              <a:t>메모리 해제시에는 주변의 프리 블록을 살펴보고 힙을 합병함</a:t>
             </a:r>
             <a:r>
               <a:rPr lang="en-US" altLang="ko-KR" sz="2400" dirty="0">
@@ -11072,7 +11006,7 @@
           <p:cNvPr id="37" name="표 36">
             <a:extLst>
               <a:ext uri="{FF2B5EF4-FFF2-40B4-BE49-F238E27FC236}">
-                <a16:creationId xmlns:a16="http://schemas.microsoft.com/office/drawing/2014/main" xmlns="" id="{B6C313BC-B947-414A-986D-BE0350D96072}"/>
+                <a16:creationId xmlns:a16="http://schemas.microsoft.com/office/drawing/2014/main" id="{B6C313BC-B947-414A-986D-BE0350D96072}"/>
               </a:ext>
             </a:extLst>
           </p:cNvPr>
@@ -11101,14 +11035,14 @@
                 <a:gridCol w="374904">
                   <a:extLst>
                     <a:ext uri="{9D8B030D-6E8A-4147-A177-3AD203B41FA5}">
-                      <a16:colId xmlns:a16="http://schemas.microsoft.com/office/drawing/2014/main" xmlns="" val="2134599374"/>
+                      <a16:colId xmlns:a16="http://schemas.microsoft.com/office/drawing/2014/main" val="2134599374"/>
                     </a:ext>
                   </a:extLst>
                 </a:gridCol>
                 <a:gridCol w="374904">
                   <a:extLst>
                     <a:ext uri="{9D8B030D-6E8A-4147-A177-3AD203B41FA5}">
-                      <a16:colId xmlns:a16="http://schemas.microsoft.com/office/drawing/2014/main" xmlns="" val="410325505"/>
+                      <a16:colId xmlns:a16="http://schemas.microsoft.com/office/drawing/2014/main" val="410325505"/>
                     </a:ext>
                   </a:extLst>
                 </a:gridCol>
@@ -11151,7 +11085,7 @@
                 </a:tc>
                 <a:extLst>
                   <a:ext uri="{0D108BD9-81ED-4DB2-BD59-A6C34878D82A}">
-                    <a16:rowId xmlns:a16="http://schemas.microsoft.com/office/drawing/2014/main" xmlns="" val="3825275025"/>
+                    <a16:rowId xmlns:a16="http://schemas.microsoft.com/office/drawing/2014/main" val="3825275025"/>
                   </a:ext>
                 </a:extLst>
               </a:tr>
@@ -11193,7 +11127,7 @@
                 </a:tc>
                 <a:extLst>
                   <a:ext uri="{0D108BD9-81ED-4DB2-BD59-A6C34878D82A}">
-                    <a16:rowId xmlns:a16="http://schemas.microsoft.com/office/drawing/2014/main" xmlns="" val="397078326"/>
+                    <a16:rowId xmlns:a16="http://schemas.microsoft.com/office/drawing/2014/main" val="397078326"/>
                   </a:ext>
                 </a:extLst>
               </a:tr>
@@ -11235,7 +11169,7 @@
                 </a:tc>
                 <a:extLst>
                   <a:ext uri="{0D108BD9-81ED-4DB2-BD59-A6C34878D82A}">
-                    <a16:rowId xmlns:a16="http://schemas.microsoft.com/office/drawing/2014/main" xmlns="" val="2170258339"/>
+                    <a16:rowId xmlns:a16="http://schemas.microsoft.com/office/drawing/2014/main" val="2170258339"/>
                   </a:ext>
                 </a:extLst>
               </a:tr>
@@ -11277,7 +11211,7 @@
                 </a:tc>
                 <a:extLst>
                   <a:ext uri="{0D108BD9-81ED-4DB2-BD59-A6C34878D82A}">
-                    <a16:rowId xmlns:a16="http://schemas.microsoft.com/office/drawing/2014/main" xmlns="" val="2772242555"/>
+                    <a16:rowId xmlns:a16="http://schemas.microsoft.com/office/drawing/2014/main" val="2772242555"/>
                   </a:ext>
                 </a:extLst>
               </a:tr>
@@ -11319,7 +11253,7 @@
                 </a:tc>
                 <a:extLst>
                   <a:ext uri="{0D108BD9-81ED-4DB2-BD59-A6C34878D82A}">
-                    <a16:rowId xmlns:a16="http://schemas.microsoft.com/office/drawing/2014/main" xmlns="" val="1051777330"/>
+                    <a16:rowId xmlns:a16="http://schemas.microsoft.com/office/drawing/2014/main" val="1051777330"/>
                   </a:ext>
                 </a:extLst>
               </a:tr>
@@ -11361,7 +11295,7 @@
                 </a:tc>
                 <a:extLst>
                   <a:ext uri="{0D108BD9-81ED-4DB2-BD59-A6C34878D82A}">
-                    <a16:rowId xmlns:a16="http://schemas.microsoft.com/office/drawing/2014/main" xmlns="" val="2971861151"/>
+                    <a16:rowId xmlns:a16="http://schemas.microsoft.com/office/drawing/2014/main" val="2971861151"/>
                   </a:ext>
                 </a:extLst>
               </a:tr>
@@ -11374,7 +11308,7 @@
           <p:cNvPr id="38" name="TextBox 37">
             <a:extLst>
               <a:ext uri="{FF2B5EF4-FFF2-40B4-BE49-F238E27FC236}">
-                <a16:creationId xmlns:a16="http://schemas.microsoft.com/office/drawing/2014/main" xmlns="" id="{C2768016-7CEC-4EFB-8032-6E58A840F176}"/>
+                <a16:creationId xmlns:a16="http://schemas.microsoft.com/office/drawing/2014/main" id="{C2768016-7CEC-4EFB-8032-6E58A840F176}"/>
               </a:ext>
             </a:extLst>
           </p:cNvPr>
@@ -11422,7 +11356,7 @@
           <p:cNvPr id="39" name="TextBox 38">
             <a:extLst>
               <a:ext uri="{FF2B5EF4-FFF2-40B4-BE49-F238E27FC236}">
-                <a16:creationId xmlns:a16="http://schemas.microsoft.com/office/drawing/2014/main" xmlns="" id="{07C40973-5B3A-4D01-8B74-8620ACA3C32B}"/>
+                <a16:creationId xmlns:a16="http://schemas.microsoft.com/office/drawing/2014/main" id="{07C40973-5B3A-4D01-8B74-8620ACA3C32B}"/>
               </a:ext>
             </a:extLst>
           </p:cNvPr>
@@ -11470,7 +11404,7 @@
           <p:cNvPr id="40" name="TextBox 39">
             <a:extLst>
               <a:ext uri="{FF2B5EF4-FFF2-40B4-BE49-F238E27FC236}">
-                <a16:creationId xmlns:a16="http://schemas.microsoft.com/office/drawing/2014/main" xmlns="" id="{D3CC7048-47C5-420E-83F8-13E286CCFD5D}"/>
+                <a16:creationId xmlns:a16="http://schemas.microsoft.com/office/drawing/2014/main" id="{D3CC7048-47C5-420E-83F8-13E286CCFD5D}"/>
               </a:ext>
             </a:extLst>
           </p:cNvPr>
@@ -11518,7 +11452,7 @@
           <p:cNvPr id="41" name="직선 화살표 연결선 40">
             <a:extLst>
               <a:ext uri="{FF2B5EF4-FFF2-40B4-BE49-F238E27FC236}">
-                <a16:creationId xmlns:a16="http://schemas.microsoft.com/office/drawing/2014/main" xmlns="" id="{E70221C4-6582-4B21-A277-53AF323E4C40}"/>
+                <a16:creationId xmlns:a16="http://schemas.microsoft.com/office/drawing/2014/main" id="{E70221C4-6582-4B21-A277-53AF323E4C40}"/>
               </a:ext>
             </a:extLst>
           </p:cNvPr>
@@ -11562,7 +11496,7 @@
           <p:cNvPr id="42" name="직선 화살표 연결선 41">
             <a:extLst>
               <a:ext uri="{FF2B5EF4-FFF2-40B4-BE49-F238E27FC236}">
-                <a16:creationId xmlns:a16="http://schemas.microsoft.com/office/drawing/2014/main" xmlns="" id="{B17E8442-5B86-4B4E-A713-C5428FAB0DD6}"/>
+                <a16:creationId xmlns:a16="http://schemas.microsoft.com/office/drawing/2014/main" id="{B17E8442-5B86-4B4E-A713-C5428FAB0DD6}"/>
               </a:ext>
             </a:extLst>
           </p:cNvPr>
@@ -11607,7 +11541,7 @@
           <p:cNvPr id="43" name="직선 화살표 연결선 42">
             <a:extLst>
               <a:ext uri="{FF2B5EF4-FFF2-40B4-BE49-F238E27FC236}">
-                <a16:creationId xmlns:a16="http://schemas.microsoft.com/office/drawing/2014/main" xmlns="" id="{43F2F3B8-ACDB-49B8-B649-9D22EB58969F}"/>
+                <a16:creationId xmlns:a16="http://schemas.microsoft.com/office/drawing/2014/main" id="{43F2F3B8-ACDB-49B8-B649-9D22EB58969F}"/>
               </a:ext>
             </a:extLst>
           </p:cNvPr>
@@ -11653,7 +11587,7 @@
           <p:cNvPr id="44" name="TextBox 43">
             <a:extLst>
               <a:ext uri="{FF2B5EF4-FFF2-40B4-BE49-F238E27FC236}">
-                <a16:creationId xmlns:a16="http://schemas.microsoft.com/office/drawing/2014/main" xmlns="" id="{13862AAB-FD06-4F1A-90FD-FEF5AF406B33}"/>
+                <a16:creationId xmlns:a16="http://schemas.microsoft.com/office/drawing/2014/main" id="{13862AAB-FD06-4F1A-90FD-FEF5AF406B33}"/>
               </a:ext>
             </a:extLst>
           </p:cNvPr>
@@ -11701,7 +11635,7 @@
           <p:cNvPr id="45" name="TextBox 44">
             <a:extLst>
               <a:ext uri="{FF2B5EF4-FFF2-40B4-BE49-F238E27FC236}">
-                <a16:creationId xmlns:a16="http://schemas.microsoft.com/office/drawing/2014/main" xmlns="" id="{59E155A1-5BE7-4A68-9954-BDAACFDC238B}"/>
+                <a16:creationId xmlns:a16="http://schemas.microsoft.com/office/drawing/2014/main" id="{59E155A1-5BE7-4A68-9954-BDAACFDC238B}"/>
               </a:ext>
             </a:extLst>
           </p:cNvPr>
@@ -11749,7 +11683,7 @@
           <p:cNvPr id="46" name="TextBox 45">
             <a:extLst>
               <a:ext uri="{FF2B5EF4-FFF2-40B4-BE49-F238E27FC236}">
-                <a16:creationId xmlns:a16="http://schemas.microsoft.com/office/drawing/2014/main" xmlns="" id="{BCBF5F39-9E20-4BAF-9125-D0C0A12C44EC}"/>
+                <a16:creationId xmlns:a16="http://schemas.microsoft.com/office/drawing/2014/main" id="{BCBF5F39-9E20-4BAF-9125-D0C0A12C44EC}"/>
               </a:ext>
             </a:extLst>
           </p:cNvPr>
@@ -11797,7 +11731,7 @@
           <p:cNvPr id="47" name="직선 화살표 연결선 46">
             <a:extLst>
               <a:ext uri="{FF2B5EF4-FFF2-40B4-BE49-F238E27FC236}">
-                <a16:creationId xmlns:a16="http://schemas.microsoft.com/office/drawing/2014/main" xmlns="" id="{D8B2E4B7-E9EF-46FC-A5A6-B40954352FE0}"/>
+                <a16:creationId xmlns:a16="http://schemas.microsoft.com/office/drawing/2014/main" id="{D8B2E4B7-E9EF-46FC-A5A6-B40954352FE0}"/>
               </a:ext>
             </a:extLst>
           </p:cNvPr>
@@ -11842,7 +11776,7 @@
           <p:cNvPr id="48" name="직선 화살표 연결선 47">
             <a:extLst>
               <a:ext uri="{FF2B5EF4-FFF2-40B4-BE49-F238E27FC236}">
-                <a16:creationId xmlns:a16="http://schemas.microsoft.com/office/drawing/2014/main" xmlns="" id="{B2005B32-1816-456A-85CF-004C7E0EC3EA}"/>
+                <a16:creationId xmlns:a16="http://schemas.microsoft.com/office/drawing/2014/main" id="{B2005B32-1816-456A-85CF-004C7E0EC3EA}"/>
               </a:ext>
             </a:extLst>
           </p:cNvPr>
@@ -11888,7 +11822,7 @@
           <p:cNvPr id="49" name="직선 화살표 연결선 48">
             <a:extLst>
               <a:ext uri="{FF2B5EF4-FFF2-40B4-BE49-F238E27FC236}">
-                <a16:creationId xmlns:a16="http://schemas.microsoft.com/office/drawing/2014/main" xmlns="" id="{34255F9D-4FE2-48B6-A7F1-79D9903A7FC8}"/>
+                <a16:creationId xmlns:a16="http://schemas.microsoft.com/office/drawing/2014/main" id="{34255F9D-4FE2-48B6-A7F1-79D9903A7FC8}"/>
               </a:ext>
             </a:extLst>
           </p:cNvPr>
@@ -11934,7 +11868,7 @@
           <p:cNvPr id="50" name="표 49">
             <a:extLst>
               <a:ext uri="{FF2B5EF4-FFF2-40B4-BE49-F238E27FC236}">
-                <a16:creationId xmlns:a16="http://schemas.microsoft.com/office/drawing/2014/main" xmlns="" id="{49DF3AD9-97DA-4B76-9EF4-51E41096D099}"/>
+                <a16:creationId xmlns:a16="http://schemas.microsoft.com/office/drawing/2014/main" id="{49DF3AD9-97DA-4B76-9EF4-51E41096D099}"/>
               </a:ext>
             </a:extLst>
           </p:cNvPr>
@@ -11963,42 +11897,42 @@
                 <a:gridCol w="338906">
                   <a:extLst>
                     <a:ext uri="{9D8B030D-6E8A-4147-A177-3AD203B41FA5}">
-                      <a16:colId xmlns:a16="http://schemas.microsoft.com/office/drawing/2014/main" xmlns="" val="2134599374"/>
+                      <a16:colId xmlns:a16="http://schemas.microsoft.com/office/drawing/2014/main" val="2134599374"/>
                     </a:ext>
                   </a:extLst>
                 </a:gridCol>
                 <a:gridCol w="338906">
                   <a:extLst>
                     <a:ext uri="{9D8B030D-6E8A-4147-A177-3AD203B41FA5}">
-                      <a16:colId xmlns:a16="http://schemas.microsoft.com/office/drawing/2014/main" xmlns="" val="410325505"/>
+                      <a16:colId xmlns:a16="http://schemas.microsoft.com/office/drawing/2014/main" val="410325505"/>
                     </a:ext>
                   </a:extLst>
                 </a:gridCol>
                 <a:gridCol w="338906">
                   <a:extLst>
                     <a:ext uri="{9D8B030D-6E8A-4147-A177-3AD203B41FA5}">
-                      <a16:colId xmlns:a16="http://schemas.microsoft.com/office/drawing/2014/main" xmlns="" val="3793515396"/>
+                      <a16:colId xmlns:a16="http://schemas.microsoft.com/office/drawing/2014/main" val="3793515396"/>
                     </a:ext>
                   </a:extLst>
                 </a:gridCol>
                 <a:gridCol w="338906">
                   <a:extLst>
                     <a:ext uri="{9D8B030D-6E8A-4147-A177-3AD203B41FA5}">
-                      <a16:colId xmlns:a16="http://schemas.microsoft.com/office/drawing/2014/main" xmlns="" val="1081105507"/>
+                      <a16:colId xmlns:a16="http://schemas.microsoft.com/office/drawing/2014/main" val="1081105507"/>
                     </a:ext>
                   </a:extLst>
                 </a:gridCol>
                 <a:gridCol w="338906">
                   <a:extLst>
                     <a:ext uri="{9D8B030D-6E8A-4147-A177-3AD203B41FA5}">
-                      <a16:colId xmlns:a16="http://schemas.microsoft.com/office/drawing/2014/main" xmlns="" val="2690177972"/>
+                      <a16:colId xmlns:a16="http://schemas.microsoft.com/office/drawing/2014/main" val="2690177972"/>
                     </a:ext>
                   </a:extLst>
                 </a:gridCol>
                 <a:gridCol w="338906">
                   <a:extLst>
                     <a:ext uri="{9D8B030D-6E8A-4147-A177-3AD203B41FA5}">
-                      <a16:colId xmlns:a16="http://schemas.microsoft.com/office/drawing/2014/main" xmlns="" val="3946034779"/>
+                      <a16:colId xmlns:a16="http://schemas.microsoft.com/office/drawing/2014/main" val="3946034779"/>
                     </a:ext>
                   </a:extLst>
                 </a:gridCol>
@@ -12152,7 +12086,7 @@
                 </a:tc>
                 <a:extLst>
                   <a:ext uri="{0D108BD9-81ED-4DB2-BD59-A6C34878D82A}">
-                    <a16:rowId xmlns:a16="http://schemas.microsoft.com/office/drawing/2014/main" xmlns="" val="3825275025"/>
+                    <a16:rowId xmlns:a16="http://schemas.microsoft.com/office/drawing/2014/main" val="3825275025"/>
                   </a:ext>
                 </a:extLst>
               </a:tr>
@@ -12305,7 +12239,7 @@
                 </a:tc>
                 <a:extLst>
                   <a:ext uri="{0D108BD9-81ED-4DB2-BD59-A6C34878D82A}">
-                    <a16:rowId xmlns:a16="http://schemas.microsoft.com/office/drawing/2014/main" xmlns="" val="397078326"/>
+                    <a16:rowId xmlns:a16="http://schemas.microsoft.com/office/drawing/2014/main" val="397078326"/>
                   </a:ext>
                 </a:extLst>
               </a:tr>
@@ -12318,7 +12252,7 @@
           <p:cNvPr id="51" name="TextBox 50">
             <a:extLst>
               <a:ext uri="{FF2B5EF4-FFF2-40B4-BE49-F238E27FC236}">
-                <a16:creationId xmlns:a16="http://schemas.microsoft.com/office/drawing/2014/main" xmlns="" id="{A5A5F198-1A3A-4921-BB1B-4A26360D92AB}"/>
+                <a16:creationId xmlns:a16="http://schemas.microsoft.com/office/drawing/2014/main" id="{A5A5F198-1A3A-4921-BB1B-4A26360D92AB}"/>
               </a:ext>
             </a:extLst>
           </p:cNvPr>
@@ -12366,7 +12300,7 @@
           <p:cNvPr id="12" name="연결선: 구부러짐 11">
             <a:extLst>
               <a:ext uri="{FF2B5EF4-FFF2-40B4-BE49-F238E27FC236}">
-                <a16:creationId xmlns:a16="http://schemas.microsoft.com/office/drawing/2014/main" xmlns="" id="{3044ADA7-E16F-4680-BDE0-B60135962FC4}"/>
+                <a16:creationId xmlns:a16="http://schemas.microsoft.com/office/drawing/2014/main" id="{3044ADA7-E16F-4680-BDE0-B60135962FC4}"/>
               </a:ext>
             </a:extLst>
           </p:cNvPr>
@@ -12412,7 +12346,7 @@
           <p:cNvPr id="58" name="TextBox 57">
             <a:extLst>
               <a:ext uri="{FF2B5EF4-FFF2-40B4-BE49-F238E27FC236}">
-                <a16:creationId xmlns:a16="http://schemas.microsoft.com/office/drawing/2014/main" xmlns="" id="{96B60F7E-E009-4DE1-AEA3-D860AA76C63C}"/>
+                <a16:creationId xmlns:a16="http://schemas.microsoft.com/office/drawing/2014/main" id="{96B60F7E-E009-4DE1-AEA3-D860AA76C63C}"/>
               </a:ext>
             </a:extLst>
           </p:cNvPr>
@@ -12460,7 +12394,7 @@
           <p:cNvPr id="59" name="직선 화살표 연결선 58">
             <a:extLst>
               <a:ext uri="{FF2B5EF4-FFF2-40B4-BE49-F238E27FC236}">
-                <a16:creationId xmlns:a16="http://schemas.microsoft.com/office/drawing/2014/main" xmlns="" id="{563F03DE-2CD7-4B92-8565-C5301405FB1B}"/>
+                <a16:creationId xmlns:a16="http://schemas.microsoft.com/office/drawing/2014/main" id="{563F03DE-2CD7-4B92-8565-C5301405FB1B}"/>
               </a:ext>
             </a:extLst>
           </p:cNvPr>
@@ -12506,7 +12440,7 @@
           <p:cNvPr id="24" name="표 23">
             <a:extLst>
               <a:ext uri="{FF2B5EF4-FFF2-40B4-BE49-F238E27FC236}">
-                <a16:creationId xmlns:a16="http://schemas.microsoft.com/office/drawing/2014/main" xmlns="" id="{3B39F66B-48A8-496F-B109-F82F13967FC8}"/>
+                <a16:creationId xmlns:a16="http://schemas.microsoft.com/office/drawing/2014/main" id="{3B39F66B-48A8-496F-B109-F82F13967FC8}"/>
               </a:ext>
             </a:extLst>
           </p:cNvPr>
@@ -12535,42 +12469,42 @@
                 <a:gridCol w="338906">
                   <a:extLst>
                     <a:ext uri="{9D8B030D-6E8A-4147-A177-3AD203B41FA5}">
-                      <a16:colId xmlns:a16="http://schemas.microsoft.com/office/drawing/2014/main" xmlns="" val="2134599374"/>
+                      <a16:colId xmlns:a16="http://schemas.microsoft.com/office/drawing/2014/main" val="2134599374"/>
                     </a:ext>
                   </a:extLst>
                 </a:gridCol>
                 <a:gridCol w="338906">
                   <a:extLst>
                     <a:ext uri="{9D8B030D-6E8A-4147-A177-3AD203B41FA5}">
-                      <a16:colId xmlns:a16="http://schemas.microsoft.com/office/drawing/2014/main" xmlns="" val="410325505"/>
+                      <a16:colId xmlns:a16="http://schemas.microsoft.com/office/drawing/2014/main" val="410325505"/>
                     </a:ext>
                   </a:extLst>
                 </a:gridCol>
                 <a:gridCol w="338906">
                   <a:extLst>
                     <a:ext uri="{9D8B030D-6E8A-4147-A177-3AD203B41FA5}">
-                      <a16:colId xmlns:a16="http://schemas.microsoft.com/office/drawing/2014/main" xmlns="" val="3793515396"/>
+                      <a16:colId xmlns:a16="http://schemas.microsoft.com/office/drawing/2014/main" val="3793515396"/>
                     </a:ext>
                   </a:extLst>
                 </a:gridCol>
                 <a:gridCol w="338906">
                   <a:extLst>
                     <a:ext uri="{9D8B030D-6E8A-4147-A177-3AD203B41FA5}">
-                      <a16:colId xmlns:a16="http://schemas.microsoft.com/office/drawing/2014/main" xmlns="" val="1081105507"/>
+                      <a16:colId xmlns:a16="http://schemas.microsoft.com/office/drawing/2014/main" val="1081105507"/>
                     </a:ext>
                   </a:extLst>
                 </a:gridCol>
                 <a:gridCol w="338906">
                   <a:extLst>
                     <a:ext uri="{9D8B030D-6E8A-4147-A177-3AD203B41FA5}">
-                      <a16:colId xmlns:a16="http://schemas.microsoft.com/office/drawing/2014/main" xmlns="" val="2690177972"/>
+                      <a16:colId xmlns:a16="http://schemas.microsoft.com/office/drawing/2014/main" val="2690177972"/>
                     </a:ext>
                   </a:extLst>
                 </a:gridCol>
                 <a:gridCol w="338906">
                   <a:extLst>
                     <a:ext uri="{9D8B030D-6E8A-4147-A177-3AD203B41FA5}">
-                      <a16:colId xmlns:a16="http://schemas.microsoft.com/office/drawing/2014/main" xmlns="" val="3946034779"/>
+                      <a16:colId xmlns:a16="http://schemas.microsoft.com/office/drawing/2014/main" val="3946034779"/>
                     </a:ext>
                   </a:extLst>
                 </a:gridCol>
@@ -12720,7 +12654,7 @@
                 </a:tc>
                 <a:extLst>
                   <a:ext uri="{0D108BD9-81ED-4DB2-BD59-A6C34878D82A}">
-                    <a16:rowId xmlns:a16="http://schemas.microsoft.com/office/drawing/2014/main" xmlns="" val="3825275025"/>
+                    <a16:rowId xmlns:a16="http://schemas.microsoft.com/office/drawing/2014/main" val="3825275025"/>
                   </a:ext>
                 </a:extLst>
               </a:tr>
@@ -12869,7 +12803,7 @@
                 </a:tc>
                 <a:extLst>
                   <a:ext uri="{0D108BD9-81ED-4DB2-BD59-A6C34878D82A}">
-                    <a16:rowId xmlns:a16="http://schemas.microsoft.com/office/drawing/2014/main" xmlns="" val="397078326"/>
+                    <a16:rowId xmlns:a16="http://schemas.microsoft.com/office/drawing/2014/main" val="397078326"/>
                   </a:ext>
                 </a:extLst>
               </a:tr>
@@ -13375,7 +13309,7 @@
           <p:cNvPr id="2" name="제목 1">
             <a:extLst>
               <a:ext uri="{FF2B5EF4-FFF2-40B4-BE49-F238E27FC236}">
-                <a16:creationId xmlns:a16="http://schemas.microsoft.com/office/drawing/2014/main" xmlns="" id="{DE938470-D5B9-47B5-9356-902610971B86}"/>
+                <a16:creationId xmlns:a16="http://schemas.microsoft.com/office/drawing/2014/main" id="{DE938470-D5B9-47B5-9356-902610971B86}"/>
               </a:ext>
             </a:extLst>
           </p:cNvPr>
@@ -13410,7 +13344,7 @@
           <p:cNvPr id="3" name="부제목 2">
             <a:extLst>
               <a:ext uri="{FF2B5EF4-FFF2-40B4-BE49-F238E27FC236}">
-                <a16:creationId xmlns:a16="http://schemas.microsoft.com/office/drawing/2014/main" xmlns="" id="{7135E3CC-0384-4CDE-8F1D-C29734627E92}"/>
+                <a16:creationId xmlns:a16="http://schemas.microsoft.com/office/drawing/2014/main" id="{7135E3CC-0384-4CDE-8F1D-C29734627E92}"/>
               </a:ext>
             </a:extLst>
           </p:cNvPr>
@@ -13475,7 +13409,7 @@
           <p:cNvPr id="4" name="그림 3">
             <a:extLst>
               <a:ext uri="{FF2B5EF4-FFF2-40B4-BE49-F238E27FC236}">
-                <a16:creationId xmlns:a16="http://schemas.microsoft.com/office/drawing/2014/main" xmlns="" id="{F0E6EC65-BC25-4AB2-B925-102B741A6D47}"/>
+                <a16:creationId xmlns:a16="http://schemas.microsoft.com/office/drawing/2014/main" id="{F0E6EC65-BC25-4AB2-B925-102B741A6D47}"/>
               </a:ext>
             </a:extLst>
           </p:cNvPr>
@@ -13535,7 +13469,7 @@
           <p:cNvPr id="2" name="제목 1">
             <a:extLst>
               <a:ext uri="{FF2B5EF4-FFF2-40B4-BE49-F238E27FC236}">
-                <a16:creationId xmlns:a16="http://schemas.microsoft.com/office/drawing/2014/main" xmlns="" id="{DE938470-D5B9-47B5-9356-902610971B86}"/>
+                <a16:creationId xmlns:a16="http://schemas.microsoft.com/office/drawing/2014/main" id="{DE938470-D5B9-47B5-9356-902610971B86}"/>
               </a:ext>
             </a:extLst>
           </p:cNvPr>
@@ -13570,7 +13504,7 @@
           <p:cNvPr id="3" name="부제목 2">
             <a:extLst>
               <a:ext uri="{FF2B5EF4-FFF2-40B4-BE49-F238E27FC236}">
-                <a16:creationId xmlns:a16="http://schemas.microsoft.com/office/drawing/2014/main" xmlns="" id="{7135E3CC-0384-4CDE-8F1D-C29734627E92}"/>
+                <a16:creationId xmlns:a16="http://schemas.microsoft.com/office/drawing/2014/main" id="{7135E3CC-0384-4CDE-8F1D-C29734627E92}"/>
               </a:ext>
             </a:extLst>
           </p:cNvPr>
@@ -13629,7 +13563,7 @@
           <p:cNvPr id="5" name="그림 4">
             <a:extLst>
               <a:ext uri="{FF2B5EF4-FFF2-40B4-BE49-F238E27FC236}">
-                <a16:creationId xmlns:a16="http://schemas.microsoft.com/office/drawing/2014/main" xmlns="" id="{D5647C66-66FA-49FE-916E-3B3E728FA014}"/>
+                <a16:creationId xmlns:a16="http://schemas.microsoft.com/office/drawing/2014/main" id="{D5647C66-66FA-49FE-916E-3B3E728FA014}"/>
               </a:ext>
             </a:extLst>
           </p:cNvPr>
@@ -13689,7 +13623,7 @@
           <p:cNvPr id="2" name="제목 1">
             <a:extLst>
               <a:ext uri="{FF2B5EF4-FFF2-40B4-BE49-F238E27FC236}">
-                <a16:creationId xmlns:a16="http://schemas.microsoft.com/office/drawing/2014/main" xmlns="" id="{DE938470-D5B9-47B5-9356-902610971B86}"/>
+                <a16:creationId xmlns:a16="http://schemas.microsoft.com/office/drawing/2014/main" id="{DE938470-D5B9-47B5-9356-902610971B86}"/>
               </a:ext>
             </a:extLst>
           </p:cNvPr>
@@ -13724,7 +13658,7 @@
           <p:cNvPr id="3" name="부제목 2">
             <a:extLst>
               <a:ext uri="{FF2B5EF4-FFF2-40B4-BE49-F238E27FC236}">
-                <a16:creationId xmlns:a16="http://schemas.microsoft.com/office/drawing/2014/main" xmlns="" id="{7135E3CC-0384-4CDE-8F1D-C29734627E92}"/>
+                <a16:creationId xmlns:a16="http://schemas.microsoft.com/office/drawing/2014/main" id="{7135E3CC-0384-4CDE-8F1D-C29734627E92}"/>
               </a:ext>
             </a:extLst>
           </p:cNvPr>
@@ -13927,7 +13861,7 @@
           <p:cNvPr id="4" name="직사각형 3">
             <a:extLst>
               <a:ext uri="{FF2B5EF4-FFF2-40B4-BE49-F238E27FC236}">
-                <a16:creationId xmlns:a16="http://schemas.microsoft.com/office/drawing/2014/main" xmlns="" id="{FCAB6475-1012-4E50-BE0C-2913ACEC3BBF}"/>
+                <a16:creationId xmlns:a16="http://schemas.microsoft.com/office/drawing/2014/main" id="{FCAB6475-1012-4E50-BE0C-2913ACEC3BBF}"/>
               </a:ext>
             </a:extLst>
           </p:cNvPr>
@@ -13955,22 +13889,13 @@
           <a:lstStyle/>
           <a:p>
             <a:r>
-              <a:rPr lang="en-US" altLang="ko-KR" dirty="0" err="1">
+              <a:rPr lang="en-US" altLang="ko-KR" dirty="0">
                 <a:solidFill>
                   <a:srgbClr val="000000"/>
                 </a:solidFill>
                 <a:latin typeface="Consolas" panose="020B0609020204030204" pitchFamily="49" charset="0"/>
               </a:rPr>
-              <a:t>HeapCreate</a:t>
-            </a:r>
-            <a:r>
-              <a:rPr lang="en-US" altLang="ko-KR" dirty="0">
-                <a:solidFill>
-                  <a:srgbClr val="000000"/>
-                </a:solidFill>
-                <a:latin typeface="Consolas" panose="020B0609020204030204" pitchFamily="49" charset="0"/>
-              </a:rPr>
-              <a:t>( </a:t>
+              <a:t>HeapCreate( </a:t>
             </a:r>
             <a:r>
               <a:rPr lang="en-US" altLang="ko-KR" dirty="0">
@@ -14029,7 +13954,7 @@
           <p:cNvPr id="2" name="제목 1">
             <a:extLst>
               <a:ext uri="{FF2B5EF4-FFF2-40B4-BE49-F238E27FC236}">
-                <a16:creationId xmlns:a16="http://schemas.microsoft.com/office/drawing/2014/main" xmlns="" id="{DE938470-D5B9-47B5-9356-902610971B86}"/>
+                <a16:creationId xmlns:a16="http://schemas.microsoft.com/office/drawing/2014/main" id="{DE938470-D5B9-47B5-9356-902610971B86}"/>
               </a:ext>
             </a:extLst>
           </p:cNvPr>
@@ -14046,7 +13971,7 @@
           <a:lstStyle/>
           <a:p>
             <a:r>
-              <a:rPr lang="en-US" altLang="ko-KR" dirty="0" err="1">
+              <a:rPr lang="en-US" altLang="ko-KR" dirty="0">
                 <a:latin typeface="FrankRuehl" panose="020E0503060101010101" pitchFamily="34" charset="-79"/>
                 <a:cs typeface="FrankRuehl" panose="020E0503060101010101" pitchFamily="34" charset="-79"/>
               </a:rPr>
@@ -14064,7 +13989,7 @@
           <p:cNvPr id="3" name="부제목 2">
             <a:extLst>
               <a:ext uri="{FF2B5EF4-FFF2-40B4-BE49-F238E27FC236}">
-                <a16:creationId xmlns:a16="http://schemas.microsoft.com/office/drawing/2014/main" xmlns="" id="{7135E3CC-0384-4CDE-8F1D-C29734627E92}"/>
+                <a16:creationId xmlns:a16="http://schemas.microsoft.com/office/drawing/2014/main" id="{7135E3CC-0384-4CDE-8F1D-C29734627E92}"/>
               </a:ext>
             </a:extLst>
           </p:cNvPr>
@@ -14118,34 +14043,19 @@
               <a:t> </a:t>
             </a:r>
             <a:r>
-              <a:rPr lang="en-US" altLang="ko-KR" sz="2400" dirty="0" err="1">
-                <a:latin typeface="FrankRuehl" panose="020E0503060101010101" pitchFamily="34" charset="-79"/>
-                <a:ea typeface="BusanBada" panose="02000603000000000000" pitchFamily="2" charset="-127"/>
-                <a:cs typeface="FrankRuehl" panose="020E0503060101010101" pitchFamily="34" charset="-79"/>
-              </a:rPr>
-              <a:t>Redis</a:t>
-            </a:r>
-            <a:r>
               <a:rPr lang="en-US" altLang="ko-KR" sz="2400" dirty="0">
                 <a:latin typeface="FrankRuehl" panose="020E0503060101010101" pitchFamily="34" charset="-79"/>
                 <a:ea typeface="BusanBada" panose="02000603000000000000" pitchFamily="2" charset="-127"/>
                 <a:cs typeface="FrankRuehl" panose="020E0503060101010101" pitchFamily="34" charset="-79"/>
               </a:rPr>
-              <a:t> </a:t>
+              <a:t>Redis </a:t>
             </a:r>
             <a:r>
               <a:rPr lang="ko-KR" altLang="en-US" sz="2400" dirty="0">
                 <a:latin typeface="BusanBada" panose="02000603000000000000" pitchFamily="2" charset="-127"/>
                 <a:ea typeface="BusanBada" panose="02000603000000000000" pitchFamily="2" charset="-127"/>
               </a:rPr>
-              <a:t>에서 사용하는 메모리 </a:t>
-            </a:r>
-            <a:r>
-              <a:rPr lang="ko-KR" altLang="en-US" sz="2400" dirty="0" err="1">
-                <a:latin typeface="BusanBada" panose="02000603000000000000" pitchFamily="2" charset="-127"/>
-                <a:ea typeface="BusanBada" panose="02000603000000000000" pitchFamily="2" charset="-127"/>
-              </a:rPr>
-              <a:t>할당자</a:t>
+              <a:t>에서 사용하는 메모리 할당자</a:t>
             </a:r>
             <a:r>
               <a:rPr lang="en-US" altLang="ko-KR" sz="2400" dirty="0">
@@ -14219,7 +14129,7 @@
               <a:t>보편적으로 쓰이는지 모르겠지만 책에는 </a:t>
             </a:r>
             <a:r>
-              <a:rPr lang="en-US" altLang="ko-KR" sz="2400" dirty="0" err="1">
+              <a:rPr lang="en-US" altLang="ko-KR" sz="2400" dirty="0">
                 <a:latin typeface="FrankRuehl" panose="020E0503060101010101" pitchFamily="34" charset="-79"/>
                 <a:ea typeface="BusanBada" panose="02000603000000000000" pitchFamily="2" charset="-127"/>
                 <a:cs typeface="FrankRuehl" panose="020E0503060101010101" pitchFamily="34" charset="-79"/>
@@ -14278,7 +14188,7 @@
           <p:cNvPr id="2" name="제목 1">
             <a:extLst>
               <a:ext uri="{FF2B5EF4-FFF2-40B4-BE49-F238E27FC236}">
-                <a16:creationId xmlns:a16="http://schemas.microsoft.com/office/drawing/2014/main" xmlns="" id="{DE938470-D5B9-47B5-9356-902610971B86}"/>
+                <a16:creationId xmlns:a16="http://schemas.microsoft.com/office/drawing/2014/main" id="{DE938470-D5B9-47B5-9356-902610971B86}"/>
               </a:ext>
             </a:extLst>
           </p:cNvPr>
@@ -14313,7 +14223,7 @@
           <p:cNvPr id="3" name="부제목 2">
             <a:extLst>
               <a:ext uri="{FF2B5EF4-FFF2-40B4-BE49-F238E27FC236}">
-                <a16:creationId xmlns:a16="http://schemas.microsoft.com/office/drawing/2014/main" xmlns="" id="{7135E3CC-0384-4CDE-8F1D-C29734627E92}"/>
+                <a16:creationId xmlns:a16="http://schemas.microsoft.com/office/drawing/2014/main" id="{7135E3CC-0384-4CDE-8F1D-C29734627E92}"/>
               </a:ext>
             </a:extLst>
           </p:cNvPr>
@@ -14341,7 +14251,7 @@
           <p:cNvPr id="1026" name="Picture 2" descr="http://www.c-sharpcorner.com/UploadFile/FreeBookArticles/addisonwesley/2009Aug19232329PM/Heaps/Images/Figure-6.1.gif">
             <a:extLst>
               <a:ext uri="{FF2B5EF4-FFF2-40B4-BE49-F238E27FC236}">
-                <a16:creationId xmlns:a16="http://schemas.microsoft.com/office/drawing/2014/main" xmlns="" id="{1148E7F7-3AC0-4498-873F-43D6DFE06004}"/>
+                <a16:creationId xmlns:a16="http://schemas.microsoft.com/office/drawing/2014/main" id="{1148E7F7-3AC0-4498-873F-43D6DFE06004}"/>
               </a:ext>
             </a:extLst>
           </p:cNvPr>
@@ -14430,7 +14340,7 @@
           <p:cNvPr id="2" name="제목 1">
             <a:extLst>
               <a:ext uri="{FF2B5EF4-FFF2-40B4-BE49-F238E27FC236}">
-                <a16:creationId xmlns:a16="http://schemas.microsoft.com/office/drawing/2014/main" xmlns="" id="{DE938470-D5B9-47B5-9356-902610971B86}"/>
+                <a16:creationId xmlns:a16="http://schemas.microsoft.com/office/drawing/2014/main" id="{DE938470-D5B9-47B5-9356-902610971B86}"/>
               </a:ext>
             </a:extLst>
           </p:cNvPr>
@@ -14447,7 +14357,7 @@
           <a:lstStyle/>
           <a:p>
             <a:r>
-              <a:rPr lang="en-US" altLang="ko-KR" dirty="0" err="1">
+              <a:rPr lang="en-US" altLang="ko-KR" dirty="0">
                 <a:latin typeface="FrankRuehl" panose="020E0503060101010101" pitchFamily="34" charset="-79"/>
                 <a:cs typeface="FrankRuehl" panose="020E0503060101010101" pitchFamily="34" charset="-79"/>
               </a:rPr>
@@ -14465,7 +14375,7 @@
           <p:cNvPr id="3" name="부제목 2">
             <a:extLst>
               <a:ext uri="{FF2B5EF4-FFF2-40B4-BE49-F238E27FC236}">
-                <a16:creationId xmlns:a16="http://schemas.microsoft.com/office/drawing/2014/main" xmlns="" id="{7135E3CC-0384-4CDE-8F1D-C29734627E92}"/>
+                <a16:creationId xmlns:a16="http://schemas.microsoft.com/office/drawing/2014/main" id="{7135E3CC-0384-4CDE-8F1D-C29734627E92}"/>
               </a:ext>
             </a:extLst>
           </p:cNvPr>
@@ -14487,7 +14397,7 @@
               <a:buNone/>
             </a:pPr>
             <a:r>
-              <a:rPr lang="en-US" altLang="ko-KR" sz="2400" dirty="0" err="1">
+              <a:rPr lang="en-US" altLang="ko-KR" sz="2400" dirty="0">
                 <a:latin typeface="FrankRuehl" panose="020E0503060101010101" pitchFamily="34" charset="-79"/>
                 <a:ea typeface="BusanBada" panose="02000603000000000000" pitchFamily="2" charset="-127"/>
                 <a:cs typeface="FrankRuehl" panose="020E0503060101010101" pitchFamily="34" charset="-79"/>
@@ -14557,14 +14467,6 @@
                 <a:cs typeface="FrankRuehl" panose="020E0503060101010101" pitchFamily="34" charset="-79"/>
               </a:rPr>
               <a:t> 메모리 단편화를 피하기 </a:t>
-            </a:r>
-            <a:r>
-              <a:rPr lang="en-US" altLang="ko-KR" sz="2400" dirty="0">
-                <a:latin typeface="BusanBada" panose="02000603000000000000" pitchFamily="2" charset="-127"/>
-                <a:ea typeface="BusanBada" panose="02000603000000000000" pitchFamily="2" charset="-127"/>
-                <a:cs typeface="FrankRuehl" panose="020E0503060101010101" pitchFamily="34" charset="-79"/>
-              </a:rPr>
-              <a:t/>
             </a:r>
             <a:br>
               <a:rPr lang="en-US" altLang="ko-KR" sz="2400" dirty="0">
@@ -14647,7 +14549,7 @@
           <p:cNvPr id="6" name="표 5">
             <a:extLst>
               <a:ext uri="{FF2B5EF4-FFF2-40B4-BE49-F238E27FC236}">
-                <a16:creationId xmlns:a16="http://schemas.microsoft.com/office/drawing/2014/main" xmlns="" id="{67F93C37-1736-4E0A-869C-B3F4C7BF1197}"/>
+                <a16:creationId xmlns:a16="http://schemas.microsoft.com/office/drawing/2014/main" id="{67F93C37-1736-4E0A-869C-B3F4C7BF1197}"/>
               </a:ext>
             </a:extLst>
           </p:cNvPr>
@@ -14676,21 +14578,21 @@
                 <a:gridCol w="2318327">
                   <a:extLst>
                     <a:ext uri="{9D8B030D-6E8A-4147-A177-3AD203B41FA5}">
-                      <a16:colId xmlns:a16="http://schemas.microsoft.com/office/drawing/2014/main" xmlns="" val="1032139255"/>
+                      <a16:colId xmlns:a16="http://schemas.microsoft.com/office/drawing/2014/main" val="1032139255"/>
                     </a:ext>
                   </a:extLst>
                 </a:gridCol>
                 <a:gridCol w="2318327">
                   <a:extLst>
                     <a:ext uri="{9D8B030D-6E8A-4147-A177-3AD203B41FA5}">
-                      <a16:colId xmlns:a16="http://schemas.microsoft.com/office/drawing/2014/main" xmlns="" val="1746951517"/>
+                      <a16:colId xmlns:a16="http://schemas.microsoft.com/office/drawing/2014/main" val="1746951517"/>
                     </a:ext>
                   </a:extLst>
                 </a:gridCol>
                 <a:gridCol w="2318327">
                   <a:extLst>
                     <a:ext uri="{9D8B030D-6E8A-4147-A177-3AD203B41FA5}">
-                      <a16:colId xmlns:a16="http://schemas.microsoft.com/office/drawing/2014/main" xmlns="" val="905518998"/>
+                      <a16:colId xmlns:a16="http://schemas.microsoft.com/office/drawing/2014/main" val="905518998"/>
                     </a:ext>
                   </a:extLst>
                 </a:gridCol>
@@ -14761,7 +14663,7 @@
                 </a:tc>
                 <a:extLst>
                   <a:ext uri="{0D108BD9-81ED-4DB2-BD59-A6C34878D82A}">
-                    <a16:rowId xmlns:a16="http://schemas.microsoft.com/office/drawing/2014/main" xmlns="" val="3632708825"/>
+                    <a16:rowId xmlns:a16="http://schemas.microsoft.com/office/drawing/2014/main" val="3632708825"/>
                   </a:ext>
                 </a:extLst>
               </a:tr>
@@ -14794,7 +14696,7 @@
                     <a:p>
                       <a:pPr latinLnBrk="1"/>
                       <a:r>
-                        <a:rPr lang="en-US" altLang="ko-KR" dirty="0" err="1"/>
+                        <a:rPr lang="en-US" altLang="ko-KR" dirty="0"/>
                         <a:t>lg</a:t>
                       </a:r>
                       <a:endParaRPr lang="ko-KR" altLang="en-US" dirty="0"/>
@@ -14819,7 +14721,7 @@
                 </a:tc>
                 <a:extLst>
                   <a:ext uri="{0D108BD9-81ED-4DB2-BD59-A6C34878D82A}">
-                    <a16:rowId xmlns:a16="http://schemas.microsoft.com/office/drawing/2014/main" xmlns="" val="1754679489"/>
+                    <a16:rowId xmlns:a16="http://schemas.microsoft.com/office/drawing/2014/main" val="1754679489"/>
                   </a:ext>
                 </a:extLst>
               </a:tr>
@@ -14867,7 +14769,7 @@
                 </a:tc>
                 <a:extLst>
                   <a:ext uri="{0D108BD9-81ED-4DB2-BD59-A6C34878D82A}">
-                    <a16:rowId xmlns:a16="http://schemas.microsoft.com/office/drawing/2014/main" xmlns="" val="887236710"/>
+                    <a16:rowId xmlns:a16="http://schemas.microsoft.com/office/drawing/2014/main" val="887236710"/>
                   </a:ext>
                 </a:extLst>
               </a:tr>
@@ -14915,7 +14817,7 @@
                 </a:tc>
                 <a:extLst>
                   <a:ext uri="{0D108BD9-81ED-4DB2-BD59-A6C34878D82A}">
-                    <a16:rowId xmlns:a16="http://schemas.microsoft.com/office/drawing/2014/main" xmlns="" val="1213504385"/>
+                    <a16:rowId xmlns:a16="http://schemas.microsoft.com/office/drawing/2014/main" val="1213504385"/>
                   </a:ext>
                 </a:extLst>
               </a:tr>
@@ -14973,7 +14875,7 @@
                 </a:tc>
                 <a:extLst>
                   <a:ext uri="{0D108BD9-81ED-4DB2-BD59-A6C34878D82A}">
-                    <a16:rowId xmlns:a16="http://schemas.microsoft.com/office/drawing/2014/main" xmlns="" val="811585665"/>
+                    <a16:rowId xmlns:a16="http://schemas.microsoft.com/office/drawing/2014/main" val="811585665"/>
                   </a:ext>
                 </a:extLst>
               </a:tr>
@@ -15021,7 +14923,7 @@
                 </a:tc>
                 <a:extLst>
                   <a:ext uri="{0D108BD9-81ED-4DB2-BD59-A6C34878D82A}">
-                    <a16:rowId xmlns:a16="http://schemas.microsoft.com/office/drawing/2014/main" xmlns="" val="4207234673"/>
+                    <a16:rowId xmlns:a16="http://schemas.microsoft.com/office/drawing/2014/main" val="4207234673"/>
                   </a:ext>
                 </a:extLst>
               </a:tr>
@@ -15069,7 +14971,7 @@
                 </a:tc>
                 <a:extLst>
                   <a:ext uri="{0D108BD9-81ED-4DB2-BD59-A6C34878D82A}">
-                    <a16:rowId xmlns:a16="http://schemas.microsoft.com/office/drawing/2014/main" xmlns="" val="2884270507"/>
+                    <a16:rowId xmlns:a16="http://schemas.microsoft.com/office/drawing/2014/main" val="2884270507"/>
                   </a:ext>
                 </a:extLst>
               </a:tr>
@@ -15118,15 +15020,7 @@
                       <a:pPr latinLnBrk="1"/>
                       <a:r>
                         <a:rPr lang="en-US" altLang="ko-KR" dirty="0"/>
-                        <a:t>[2 </a:t>
-                      </a:r>
-                      <a:r>
-                        <a:rPr lang="en-US" altLang="ko-KR" dirty="0" err="1"/>
-                        <a:t>MiB</a:t>
-                      </a:r>
-                      <a:r>
-                        <a:rPr lang="en-US" altLang="ko-KR" dirty="0"/>
-                        <a:t>]</a:t>
+                        <a:t>[2 MiB]</a:t>
                       </a:r>
                       <a:endParaRPr lang="ko-KR" altLang="en-US" dirty="0"/>
                     </a:p>
@@ -15135,7 +15029,7 @@
                 </a:tc>
                 <a:extLst>
                   <a:ext uri="{0D108BD9-81ED-4DB2-BD59-A6C34878D82A}">
-                    <a16:rowId xmlns:a16="http://schemas.microsoft.com/office/drawing/2014/main" xmlns="" val="619411671"/>
+                    <a16:rowId xmlns:a16="http://schemas.microsoft.com/office/drawing/2014/main" val="619411671"/>
                   </a:ext>
                 </a:extLst>
               </a:tr>
@@ -15174,15 +15068,7 @@
                       <a:pPr latinLnBrk="1"/>
                       <a:r>
                         <a:rPr lang="en-US" altLang="ko-KR" dirty="0"/>
-                        <a:t>[2560 KiB, 3 </a:t>
-                      </a:r>
-                      <a:r>
-                        <a:rPr lang="en-US" altLang="ko-KR" dirty="0" err="1"/>
-                        <a:t>MiB</a:t>
-                      </a:r>
-                      <a:r>
-                        <a:rPr lang="en-US" altLang="ko-KR" dirty="0"/>
-                        <a:t>, …]</a:t>
+                        <a:t>[2560 KiB, 3 MiB, …]</a:t>
                       </a:r>
                       <a:endParaRPr lang="ko-KR" altLang="en-US" dirty="0"/>
                     </a:p>
@@ -15191,7 +15077,7 @@
                 </a:tc>
                 <a:extLst>
                   <a:ext uri="{0D108BD9-81ED-4DB2-BD59-A6C34878D82A}">
-                    <a16:rowId xmlns:a16="http://schemas.microsoft.com/office/drawing/2014/main" xmlns="" val="1571029452"/>
+                    <a16:rowId xmlns:a16="http://schemas.microsoft.com/office/drawing/2014/main" val="1571029452"/>
                   </a:ext>
                 </a:extLst>
               </a:tr>
@@ -15234,7 +15120,7 @@
           <p:cNvPr id="2" name="제목 1">
             <a:extLst>
               <a:ext uri="{FF2B5EF4-FFF2-40B4-BE49-F238E27FC236}">
-                <a16:creationId xmlns:a16="http://schemas.microsoft.com/office/drawing/2014/main" xmlns="" id="{DE938470-D5B9-47B5-9356-902610971B86}"/>
+                <a16:creationId xmlns:a16="http://schemas.microsoft.com/office/drawing/2014/main" id="{DE938470-D5B9-47B5-9356-902610971B86}"/>
               </a:ext>
             </a:extLst>
           </p:cNvPr>
@@ -15251,7 +15137,7 @@
           <a:lstStyle/>
           <a:p>
             <a:r>
-              <a:rPr lang="en-US" altLang="ko-KR" dirty="0" err="1">
+              <a:rPr lang="en-US" altLang="ko-KR" dirty="0">
                 <a:latin typeface="FrankRuehl" panose="020E0503060101010101" pitchFamily="34" charset="-79"/>
                 <a:cs typeface="FrankRuehl" panose="020E0503060101010101" pitchFamily="34" charset="-79"/>
               </a:rPr>
@@ -15269,7 +15155,7 @@
           <p:cNvPr id="3" name="부제목 2">
             <a:extLst>
               <a:ext uri="{FF2B5EF4-FFF2-40B4-BE49-F238E27FC236}">
-                <a16:creationId xmlns:a16="http://schemas.microsoft.com/office/drawing/2014/main" xmlns="" id="{7135E3CC-0384-4CDE-8F1D-C29734627E92}"/>
+                <a16:creationId xmlns:a16="http://schemas.microsoft.com/office/drawing/2014/main" id="{7135E3CC-0384-4CDE-8F1D-C29734627E92}"/>
               </a:ext>
             </a:extLst>
           </p:cNvPr>
@@ -15479,7 +15365,7 @@
           <p:cNvPr id="4" name="직사각형 3">
             <a:extLst>
               <a:ext uri="{FF2B5EF4-FFF2-40B4-BE49-F238E27FC236}">
-                <a16:creationId xmlns:a16="http://schemas.microsoft.com/office/drawing/2014/main" xmlns="" id="{1B5F1BFE-F17B-4A7A-A276-229FCBA28702}"/>
+                <a16:creationId xmlns:a16="http://schemas.microsoft.com/office/drawing/2014/main" id="{1B5F1BFE-F17B-4A7A-A276-229FCBA28702}"/>
               </a:ext>
             </a:extLst>
           </p:cNvPr>
@@ -15507,7 +15393,7 @@
           <a:lstStyle/>
           <a:p>
             <a:r>
-              <a:rPr lang="en-US" altLang="ko-KR" dirty="0" err="1">
+              <a:rPr lang="en-US" altLang="ko-KR" dirty="0">
                 <a:solidFill>
                   <a:srgbClr val="6F008A"/>
                 </a:solidFill>
@@ -15526,29 +15412,7 @@
                 <a:ea typeface="돋움체" panose="020B0609000101010101" pitchFamily="49" charset="-127"/>
                 <a:cs typeface="Consolas" panose="020B0609020204030204" pitchFamily="49" charset="0"/>
               </a:rPr>
-              <a:t> = </a:t>
-            </a:r>
-            <a:r>
-              <a:rPr lang="en-US" altLang="ko-KR" dirty="0" err="1">
-                <a:solidFill>
-                  <a:srgbClr val="000000"/>
-                </a:solidFill>
-                <a:latin typeface="Consolas" panose="020B0609020204030204" pitchFamily="49" charset="0"/>
-                <a:ea typeface="돋움체" panose="020B0609000101010101" pitchFamily="49" charset="-127"/>
-                <a:cs typeface="Consolas" panose="020B0609020204030204" pitchFamily="49" charset="0"/>
-              </a:rPr>
-              <a:t>malloc_ncpus</a:t>
-            </a:r>
-            <a:r>
-              <a:rPr lang="en-US" altLang="ko-KR" dirty="0">
-                <a:solidFill>
-                  <a:srgbClr val="000000"/>
-                </a:solidFill>
-                <a:latin typeface="Consolas" panose="020B0609020204030204" pitchFamily="49" charset="0"/>
-                <a:ea typeface="돋움체" panose="020B0609000101010101" pitchFamily="49" charset="-127"/>
-                <a:cs typeface="Consolas" panose="020B0609020204030204" pitchFamily="49" charset="0"/>
-              </a:rPr>
-              <a:t>();</a:t>
+              <a:t> = malloc_ncpus();</a:t>
             </a:r>
           </a:p>
           <a:p>
@@ -15608,7 +15472,7 @@
               <a:t> (</a:t>
             </a:r>
             <a:r>
-              <a:rPr lang="en-US" altLang="ko-KR" dirty="0" err="1">
+              <a:rPr lang="en-US" altLang="ko-KR" dirty="0">
                 <a:solidFill>
                   <a:srgbClr val="6F008A"/>
                 </a:solidFill>
@@ -15655,7 +15519,7 @@
               <a:t> (</a:t>
             </a:r>
             <a:r>
-              <a:rPr lang="en-US" altLang="ko-KR" dirty="0" err="1">
+              <a:rPr lang="en-US" altLang="ko-KR" dirty="0">
                 <a:solidFill>
                   <a:srgbClr val="6F008A"/>
                 </a:solidFill>
@@ -15688,18 +15552,7 @@
                 <a:ea typeface="돋움체" panose="020B0609000101010101" pitchFamily="49" charset="-127"/>
                 <a:cs typeface="Consolas" panose="020B0609020204030204" pitchFamily="49" charset="0"/>
               </a:rPr>
-              <a:t>	</a:t>
-            </a:r>
-            <a:r>
-              <a:rPr lang="en-US" altLang="ko-KR" dirty="0" err="1">
-                <a:solidFill>
-                  <a:srgbClr val="6F008A"/>
-                </a:solidFill>
-                <a:latin typeface="Consolas" panose="020B0609020204030204" pitchFamily="49" charset="0"/>
-                <a:ea typeface="돋움체" panose="020B0609000101010101" pitchFamily="49" charset="-127"/>
-                <a:cs typeface="Consolas" panose="020B0609020204030204" pitchFamily="49" charset="0"/>
-              </a:rPr>
-              <a:t>opt_narenas</a:t>
+              <a:t>	opt_narenas</a:t>
             </a:r>
             <a:r>
               <a:rPr lang="en-US" altLang="ko-KR" dirty="0">
@@ -15713,7 +15566,7 @@
               <a:t> = </a:t>
             </a:r>
             <a:r>
-              <a:rPr lang="en-US" altLang="ko-KR" dirty="0" err="1">
+              <a:rPr lang="en-US" altLang="ko-KR" dirty="0">
                 <a:solidFill>
                   <a:srgbClr val="6F008A"/>
                 </a:solidFill>
@@ -15768,18 +15621,7 @@
                 <a:ea typeface="돋움체" panose="020B0609000101010101" pitchFamily="49" charset="-127"/>
                 <a:cs typeface="Consolas" panose="020B0609020204030204" pitchFamily="49" charset="0"/>
               </a:rPr>
-              <a:t>	</a:t>
-            </a:r>
-            <a:r>
-              <a:rPr lang="en-US" altLang="ko-KR" dirty="0" err="1">
-                <a:solidFill>
-                  <a:srgbClr val="6F008A"/>
-                </a:solidFill>
-                <a:latin typeface="Consolas" panose="020B0609020204030204" pitchFamily="49" charset="0"/>
-                <a:ea typeface="돋움체" panose="020B0609000101010101" pitchFamily="49" charset="-127"/>
-                <a:cs typeface="Consolas" panose="020B0609020204030204" pitchFamily="49" charset="0"/>
-              </a:rPr>
-              <a:t>opt_narenas</a:t>
+              <a:t>	opt_narenas</a:t>
             </a:r>
             <a:r>
               <a:rPr lang="en-US" altLang="ko-KR" dirty="0">
@@ -15847,7 +15689,7 @@
           <p:cNvPr id="2" name="제목 1">
             <a:extLst>
               <a:ext uri="{FF2B5EF4-FFF2-40B4-BE49-F238E27FC236}">
-                <a16:creationId xmlns:a16="http://schemas.microsoft.com/office/drawing/2014/main" xmlns="" id="{DE938470-D5B9-47B5-9356-902610971B86}"/>
+                <a16:creationId xmlns:a16="http://schemas.microsoft.com/office/drawing/2014/main" id="{DE938470-D5B9-47B5-9356-902610971B86}"/>
               </a:ext>
             </a:extLst>
           </p:cNvPr>
@@ -15864,7 +15706,7 @@
           <a:lstStyle/>
           <a:p>
             <a:r>
-              <a:rPr lang="en-US" altLang="ko-KR" dirty="0" err="1">
+              <a:rPr lang="en-US" altLang="ko-KR" dirty="0">
                 <a:latin typeface="FrankRuehl" panose="020E0503060101010101" pitchFamily="34" charset="-79"/>
                 <a:cs typeface="FrankRuehl" panose="020E0503060101010101" pitchFamily="34" charset="-79"/>
               </a:rPr>
@@ -15882,7 +15724,7 @@
           <p:cNvPr id="3" name="부제목 2">
             <a:extLst>
               <a:ext uri="{FF2B5EF4-FFF2-40B4-BE49-F238E27FC236}">
-                <a16:creationId xmlns:a16="http://schemas.microsoft.com/office/drawing/2014/main" xmlns="" id="{7135E3CC-0384-4CDE-8F1D-C29734627E92}"/>
+                <a16:creationId xmlns:a16="http://schemas.microsoft.com/office/drawing/2014/main" id="{7135E3CC-0384-4CDE-8F1D-C29734627E92}"/>
               </a:ext>
             </a:extLst>
           </p:cNvPr>
@@ -15904,7 +15746,7 @@
               <a:buNone/>
             </a:pPr>
             <a:r>
-              <a:rPr lang="en-US" altLang="ko-KR" sz="2400" dirty="0" smtClean="0">
+              <a:rPr lang="en-US" altLang="ko-KR" sz="2400" dirty="0">
                 <a:latin typeface="FrankRuehl" panose="020E0503060101010101" pitchFamily="34" charset="-79"/>
                 <a:ea typeface="BusanBada" panose="02000603000000000000" pitchFamily="2" charset="-127"/>
                 <a:cs typeface="FrankRuehl" panose="020E0503060101010101" pitchFamily="34" charset="-79"/>
@@ -15912,14 +15754,14 @@
               <a:t>Arena</a:t>
             </a:r>
             <a:r>
-              <a:rPr lang="ko-KR" altLang="en-US" sz="2400" smtClean="0">
+              <a:rPr lang="ko-KR" altLang="en-US" sz="2400" dirty="0">
                 <a:latin typeface="BusanBada" panose="02000603000000000000" pitchFamily="2" charset="-127"/>
                 <a:ea typeface="BusanBada" panose="02000603000000000000" pitchFamily="2" charset="-127"/>
               </a:rPr>
               <a:t>는 </a:t>
             </a:r>
             <a:r>
-              <a:rPr lang="en-US" altLang="ko-KR" sz="2400" dirty="0" smtClean="0">
+              <a:rPr lang="en-US" altLang="ko-KR" sz="2400" dirty="0">
                 <a:latin typeface="FrankRuehl" panose="020E0503060101010101" pitchFamily="34" charset="-79"/>
                 <a:ea typeface="BusanBada" panose="02000603000000000000" pitchFamily="2" charset="-127"/>
                 <a:cs typeface="FrankRuehl" panose="020E0503060101010101" pitchFamily="34" charset="-79"/>
@@ -15927,14 +15769,14 @@
               <a:t>Small</a:t>
             </a:r>
             <a:r>
-              <a:rPr lang="en-US" altLang="ko-KR" sz="2400" dirty="0" smtClean="0">
+              <a:rPr lang="en-US" altLang="ko-KR" sz="2400" dirty="0">
                 <a:latin typeface="BusanBada" panose="02000603000000000000" pitchFamily="2" charset="-127"/>
                 <a:ea typeface="BusanBada" panose="02000603000000000000" pitchFamily="2" charset="-127"/>
               </a:rPr>
               <a:t>, </a:t>
             </a:r>
             <a:r>
-              <a:rPr lang="en-US" altLang="ko-KR" sz="2400" dirty="0" smtClean="0">
+              <a:rPr lang="en-US" altLang="ko-KR" sz="2400" dirty="0">
                 <a:latin typeface="FrankRuehl" panose="020E0503060101010101" pitchFamily="34" charset="-79"/>
                 <a:ea typeface="BusanBada" panose="02000603000000000000" pitchFamily="2" charset="-127"/>
                 <a:cs typeface="FrankRuehl" panose="020E0503060101010101" pitchFamily="34" charset="-79"/>
@@ -15942,21 +15784,21 @@
               <a:t>Large</a:t>
             </a:r>
             <a:r>
-              <a:rPr lang="en-US" altLang="ko-KR" sz="2400" dirty="0" smtClean="0">
+              <a:rPr lang="en-US" altLang="ko-KR" sz="2400" dirty="0">
                 <a:latin typeface="BusanBada" panose="02000603000000000000" pitchFamily="2" charset="-127"/>
                 <a:ea typeface="BusanBada" panose="02000603000000000000" pitchFamily="2" charset="-127"/>
               </a:rPr>
               <a:t> </a:t>
             </a:r>
             <a:r>
-              <a:rPr lang="ko-KR" altLang="en-US" sz="2400" smtClean="0">
+              <a:rPr lang="ko-KR" altLang="en-US" sz="2400" dirty="0">
                 <a:latin typeface="BusanBada" panose="02000603000000000000" pitchFamily="2" charset="-127"/>
                 <a:ea typeface="BusanBada" panose="02000603000000000000" pitchFamily="2" charset="-127"/>
               </a:rPr>
               <a:t>카테고리의 메모리 요청을 처리</a:t>
             </a:r>
             <a:r>
-              <a:rPr lang="en-US" altLang="ko-KR" sz="2400" dirty="0" smtClean="0">
+              <a:rPr lang="en-US" altLang="ko-KR" sz="2400" dirty="0">
                 <a:latin typeface="BusanBada" panose="02000603000000000000" pitchFamily="2" charset="-127"/>
                 <a:ea typeface="BusanBada" panose="02000603000000000000" pitchFamily="2" charset="-127"/>
               </a:rPr>
@@ -15968,7 +15810,7 @@
               <a:buNone/>
             </a:pPr>
             <a:r>
-              <a:rPr lang="en-US" altLang="ko-KR" sz="2400" dirty="0" smtClean="0">
+              <a:rPr lang="en-US" altLang="ko-KR" sz="2400" dirty="0">
                 <a:latin typeface="FrankRuehl" panose="020E0503060101010101" pitchFamily="34" charset="-79"/>
                 <a:ea typeface="BusanBada" panose="02000603000000000000" pitchFamily="2" charset="-127"/>
                 <a:cs typeface="FrankRuehl" panose="020E0503060101010101" pitchFamily="34" charset="-79"/>
@@ -15976,23 +15818,19 @@
               <a:t>Huge</a:t>
             </a:r>
             <a:r>
-              <a:rPr lang="ko-KR" altLang="en-US" sz="2400" smtClean="0">
+              <a:rPr lang="ko-KR" altLang="en-US" sz="2400" dirty="0">
                 <a:latin typeface="BusanBada" panose="02000603000000000000" pitchFamily="2" charset="-127"/>
                 <a:ea typeface="BusanBada" panose="02000603000000000000" pitchFamily="2" charset="-127"/>
               </a:rPr>
               <a:t>의 경우 별도로 관리 됨</a:t>
             </a:r>
             <a:r>
-              <a:rPr lang="en-US" altLang="ko-KR" sz="2400" dirty="0" smtClean="0">
+              <a:rPr lang="en-US" altLang="ko-KR" sz="2400" dirty="0">
                 <a:latin typeface="BusanBada" panose="02000603000000000000" pitchFamily="2" charset="-127"/>
                 <a:ea typeface="BusanBada" panose="02000603000000000000" pitchFamily="2" charset="-127"/>
               </a:rPr>
               <a:t>.</a:t>
             </a:r>
-            <a:endParaRPr lang="en-US" altLang="ko-KR" sz="2400" dirty="0">
-              <a:latin typeface="BusanBada" panose="02000603000000000000" pitchFamily="2" charset="-127"/>
-              <a:ea typeface="BusanBada" panose="02000603000000000000" pitchFamily="2" charset="-127"/>
-            </a:endParaRPr>
           </a:p>
         </p:txBody>
       </p:sp>
@@ -16047,7 +15885,7 @@
           </a:p>
           <a:p>
             <a:r>
-              <a:rPr lang="en-US" altLang="ko-KR" dirty="0" err="1">
+              <a:rPr lang="en-US" altLang="ko-KR" dirty="0">
                 <a:solidFill>
                   <a:srgbClr val="6F008A"/>
                 </a:solidFill>
@@ -16066,10 +15904,21 @@
                 <a:ea typeface="돋움체" panose="020B0609000101010101" pitchFamily="49" charset="-127"/>
                 <a:cs typeface="Consolas" panose="020B0609020204030204" pitchFamily="49" charset="0"/>
               </a:rPr>
-              <a:t>(</a:t>
-            </a:r>
-            <a:r>
-              <a:rPr lang="en-US" altLang="ko-KR" dirty="0" err="1">
+              <a:t>(size_t size, </a:t>
+            </a:r>
+            <a:r>
+              <a:rPr lang="en-US" altLang="ko-KR" dirty="0">
+                <a:solidFill>
+                  <a:srgbClr val="6F008A"/>
+                </a:solidFill>
+                <a:latin typeface="Consolas" panose="020B0609020204030204" pitchFamily="49" charset="0"/>
+                <a:ea typeface="돋움체" panose="020B0609000101010101" pitchFamily="49" charset="-127"/>
+                <a:cs typeface="Consolas" panose="020B0609020204030204" pitchFamily="49" charset="0"/>
+              </a:rPr>
+              <a:t>bool</a:t>
+            </a:r>
+            <a:r>
+              <a:rPr lang="en-US" altLang="ko-KR" dirty="0">
                 <a:solidFill>
                   <a:srgbClr val="000000"/>
                 </a:solidFill>
@@ -16077,8 +15926,10 @@
                 <a:ea typeface="돋움체" panose="020B0609000101010101" pitchFamily="49" charset="-127"/>
                 <a:cs typeface="Consolas" panose="020B0609020204030204" pitchFamily="49" charset="0"/>
               </a:rPr>
-              <a:t>size_t</a:t>
-            </a:r>
+              <a:t> try_tcache, arena_t *arena)</a:t>
+            </a:r>
+          </a:p>
+          <a:p>
             <a:r>
               <a:rPr lang="en-US" altLang="ko-KR" dirty="0">
                 <a:solidFill>
@@ -16088,8 +15939,11 @@
                 <a:ea typeface="돋움체" panose="020B0609000101010101" pitchFamily="49" charset="-127"/>
                 <a:cs typeface="Consolas" panose="020B0609020204030204" pitchFamily="49" charset="0"/>
               </a:rPr>
-              <a:t> size, </a:t>
-            </a:r>
+              <a:t>{</a:t>
+            </a:r>
+          </a:p>
+          <a:p>
+            <a:pPr lvl="1"/>
             <a:r>
               <a:rPr lang="en-US" altLang="ko-KR" dirty="0">
                 <a:solidFill>
@@ -16099,7 +15953,7 @@
                 <a:ea typeface="돋움체" panose="020B0609000101010101" pitchFamily="49" charset="-127"/>
                 <a:cs typeface="Consolas" panose="020B0609020204030204" pitchFamily="49" charset="0"/>
               </a:rPr>
-              <a:t>bool</a:t>
+              <a:t>assert</a:t>
             </a:r>
             <a:r>
               <a:rPr lang="en-US" altLang="ko-KR" dirty="0">
@@ -16110,100 +15964,7 @@
                 <a:ea typeface="돋움체" panose="020B0609000101010101" pitchFamily="49" charset="-127"/>
                 <a:cs typeface="Consolas" panose="020B0609020204030204" pitchFamily="49" charset="0"/>
               </a:rPr>
-              <a:t> </a:t>
-            </a:r>
-            <a:r>
-              <a:rPr lang="en-US" altLang="ko-KR" dirty="0" err="1">
-                <a:solidFill>
-                  <a:srgbClr val="000000"/>
-                </a:solidFill>
-                <a:latin typeface="Consolas" panose="020B0609020204030204" pitchFamily="49" charset="0"/>
-                <a:ea typeface="돋움체" panose="020B0609000101010101" pitchFamily="49" charset="-127"/>
-                <a:cs typeface="Consolas" panose="020B0609020204030204" pitchFamily="49" charset="0"/>
-              </a:rPr>
-              <a:t>try_tcache</a:t>
-            </a:r>
-            <a:r>
-              <a:rPr lang="en-US" altLang="ko-KR" dirty="0">
-                <a:solidFill>
-                  <a:srgbClr val="000000"/>
-                </a:solidFill>
-                <a:latin typeface="Consolas" panose="020B0609020204030204" pitchFamily="49" charset="0"/>
-                <a:ea typeface="돋움체" panose="020B0609000101010101" pitchFamily="49" charset="-127"/>
-                <a:cs typeface="Consolas" panose="020B0609020204030204" pitchFamily="49" charset="0"/>
-              </a:rPr>
-              <a:t>, </a:t>
-            </a:r>
-            <a:r>
-              <a:rPr lang="en-US" altLang="ko-KR" dirty="0" err="1">
-                <a:solidFill>
-                  <a:srgbClr val="000000"/>
-                </a:solidFill>
-                <a:latin typeface="Consolas" panose="020B0609020204030204" pitchFamily="49" charset="0"/>
-                <a:ea typeface="돋움체" panose="020B0609000101010101" pitchFamily="49" charset="-127"/>
-                <a:cs typeface="Consolas" panose="020B0609020204030204" pitchFamily="49" charset="0"/>
-              </a:rPr>
-              <a:t>arena_t</a:t>
-            </a:r>
-            <a:r>
-              <a:rPr lang="en-US" altLang="ko-KR" dirty="0">
-                <a:solidFill>
-                  <a:srgbClr val="000000"/>
-                </a:solidFill>
-                <a:latin typeface="Consolas" panose="020B0609020204030204" pitchFamily="49" charset="0"/>
-                <a:ea typeface="돋움체" panose="020B0609000101010101" pitchFamily="49" charset="-127"/>
-                <a:cs typeface="Consolas" panose="020B0609020204030204" pitchFamily="49" charset="0"/>
-              </a:rPr>
-              <a:t> *arena)</a:t>
-            </a:r>
-          </a:p>
-          <a:p>
-            <a:r>
-              <a:rPr lang="en-US" altLang="ko-KR" dirty="0">
-                <a:solidFill>
-                  <a:srgbClr val="000000"/>
-                </a:solidFill>
-                <a:latin typeface="Consolas" panose="020B0609020204030204" pitchFamily="49" charset="0"/>
-                <a:ea typeface="돋움체" panose="020B0609000101010101" pitchFamily="49" charset="-127"/>
-                <a:cs typeface="Consolas" panose="020B0609020204030204" pitchFamily="49" charset="0"/>
-              </a:rPr>
-              <a:t>{</a:t>
-            </a:r>
-          </a:p>
-          <a:p>
-            <a:pPr lvl="1"/>
-            <a:r>
-              <a:rPr lang="en-US" altLang="ko-KR" dirty="0" smtClean="0">
-                <a:solidFill>
-                  <a:srgbClr val="6F008A"/>
-                </a:solidFill>
-                <a:latin typeface="Consolas" panose="020B0609020204030204" pitchFamily="49" charset="0"/>
-                <a:ea typeface="돋움체" panose="020B0609000101010101" pitchFamily="49" charset="-127"/>
-                <a:cs typeface="Consolas" panose="020B0609020204030204" pitchFamily="49" charset="0"/>
-              </a:rPr>
-              <a:t>assert</a:t>
-            </a:r>
-            <a:r>
-              <a:rPr lang="en-US" altLang="ko-KR" dirty="0" smtClean="0">
-                <a:solidFill>
-                  <a:srgbClr val="000000"/>
-                </a:solidFill>
-                <a:latin typeface="Consolas" panose="020B0609020204030204" pitchFamily="49" charset="0"/>
-                <a:ea typeface="돋움체" panose="020B0609000101010101" pitchFamily="49" charset="-127"/>
-                <a:cs typeface="Consolas" panose="020B0609020204030204" pitchFamily="49" charset="0"/>
-              </a:rPr>
-              <a:t>(size </a:t>
-            </a:r>
-            <a:r>
-              <a:rPr lang="en-US" altLang="ko-KR" dirty="0">
-                <a:solidFill>
-                  <a:srgbClr val="000000"/>
-                </a:solidFill>
-                <a:latin typeface="Consolas" panose="020B0609020204030204" pitchFamily="49" charset="0"/>
-                <a:ea typeface="돋움체" panose="020B0609000101010101" pitchFamily="49" charset="-127"/>
-                <a:cs typeface="Consolas" panose="020B0609020204030204" pitchFamily="49" charset="0"/>
-              </a:rPr>
-              <a:t>!= 0);</a:t>
+              <a:t>(size != 0);</a:t>
             </a:r>
           </a:p>
           <a:p>
@@ -16220,7 +15981,7 @@
           <a:p>
             <a:pPr lvl="1"/>
             <a:r>
-              <a:rPr lang="en-US" altLang="ko-KR" dirty="0" smtClean="0">
+              <a:rPr lang="en-US" altLang="ko-KR" dirty="0">
                 <a:solidFill>
                   <a:srgbClr val="0000FF"/>
                 </a:solidFill>
@@ -16231,7 +15992,7 @@
               <a:t>if</a:t>
             </a:r>
             <a:r>
-              <a:rPr lang="en-US" altLang="ko-KR" dirty="0" smtClean="0">
+              <a:rPr lang="en-US" altLang="ko-KR" dirty="0">
                 <a:solidFill>
                   <a:srgbClr val="000000"/>
                 </a:solidFill>
@@ -16239,7 +16000,18 @@
                 <a:ea typeface="돋움체" panose="020B0609000101010101" pitchFamily="49" charset="-127"/>
                 <a:cs typeface="Consolas" panose="020B0609020204030204" pitchFamily="49" charset="0"/>
               </a:rPr>
-              <a:t> </a:t>
+              <a:t> (size &lt;= </a:t>
+            </a:r>
+            <a:r>
+              <a:rPr lang="en-US" altLang="ko-KR" dirty="0">
+                <a:solidFill>
+                  <a:srgbClr val="6F008A"/>
+                </a:solidFill>
+                <a:latin typeface="Consolas" panose="020B0609020204030204" pitchFamily="49" charset="0"/>
+                <a:ea typeface="돋움체" panose="020B0609000101010101" pitchFamily="49" charset="-127"/>
+                <a:cs typeface="Consolas" panose="020B0609020204030204" pitchFamily="49" charset="0"/>
+              </a:rPr>
+              <a:t>arena_maxclass</a:t>
             </a:r>
             <a:r>
               <a:rPr lang="en-US" altLang="ko-KR" dirty="0">
@@ -16250,10 +16022,35 @@
                 <a:ea typeface="돋움체" panose="020B0609000101010101" pitchFamily="49" charset="-127"/>
                 <a:cs typeface="Consolas" panose="020B0609020204030204" pitchFamily="49" charset="0"/>
               </a:rPr>
-              <a:t>(size &lt;= </a:t>
-            </a:r>
-            <a:r>
-              <a:rPr lang="en-US" altLang="ko-KR" dirty="0" err="1" smtClean="0">
+              <a:t>)</a:t>
+            </a:r>
+          </a:p>
+          <a:p>
+            <a:pPr lvl="1"/>
+            <a:r>
+              <a:rPr lang="en-US" altLang="ko-KR" dirty="0">
+                <a:solidFill>
+                  <a:srgbClr val="0000FF"/>
+                </a:solidFill>
+                <a:latin typeface="Consolas" panose="020B0609020204030204" pitchFamily="49" charset="0"/>
+                <a:ea typeface="돋움체" panose="020B0609000101010101" pitchFamily="49" charset="-127"/>
+                <a:cs typeface="Consolas" panose="020B0609020204030204" pitchFamily="49" charset="0"/>
+              </a:rPr>
+              <a:t>	return</a:t>
+            </a:r>
+            <a:r>
+              <a:rPr lang="en-US" altLang="ko-KR" dirty="0">
+                <a:solidFill>
+                  <a:srgbClr val="000000"/>
+                </a:solidFill>
+                <a:latin typeface="Consolas" panose="020B0609020204030204" pitchFamily="49" charset="0"/>
+                <a:ea typeface="돋움체" panose="020B0609000101010101" pitchFamily="49" charset="-127"/>
+                <a:cs typeface="Consolas" panose="020B0609020204030204" pitchFamily="49" charset="0"/>
+              </a:rPr>
+              <a:t> (</a:t>
+            </a:r>
+            <a:r>
+              <a:rPr lang="en-US" altLang="ko-KR" dirty="0">
                 <a:solidFill>
                   <a:srgbClr val="6F008A"/>
                 </a:solidFill>
@@ -16261,10 +16058,10 @@
                 <a:ea typeface="돋움체" panose="020B0609000101010101" pitchFamily="49" charset="-127"/>
                 <a:cs typeface="Consolas" panose="020B0609020204030204" pitchFamily="49" charset="0"/>
               </a:rPr>
-              <a:t>arena_maxclass</a:t>
-            </a:r>
-            <a:r>
-              <a:rPr lang="en-US" altLang="ko-KR" dirty="0" smtClean="0">
+              <a:t>arena_malloc</a:t>
+            </a:r>
+            <a:r>
+              <a:rPr lang="en-US" altLang="ko-KR" dirty="0">
                 <a:solidFill>
                   <a:srgbClr val="000000"/>
                 </a:solidFill>
@@ -16272,13 +16069,35 @@
                 <a:ea typeface="돋움체" panose="020B0609000101010101" pitchFamily="49" charset="-127"/>
                 <a:cs typeface="Consolas" panose="020B0609020204030204" pitchFamily="49" charset="0"/>
               </a:rPr>
-              <a:t>)</a:t>
+              <a:t>(arena, size, </a:t>
+            </a:r>
+            <a:r>
+              <a:rPr lang="en-US" altLang="ko-KR" dirty="0">
+                <a:solidFill>
+                  <a:srgbClr val="6F008A"/>
+                </a:solidFill>
+                <a:latin typeface="Consolas" panose="020B0609020204030204" pitchFamily="49" charset="0"/>
+                <a:ea typeface="돋움체" panose="020B0609000101010101" pitchFamily="49" charset="-127"/>
+                <a:cs typeface="Consolas" panose="020B0609020204030204" pitchFamily="49" charset="0"/>
+              </a:rPr>
+              <a:t>false</a:t>
+            </a:r>
+            <a:r>
+              <a:rPr lang="en-US" altLang="ko-KR" dirty="0">
+                <a:solidFill>
+                  <a:srgbClr val="000000"/>
+                </a:solidFill>
+                <a:latin typeface="Consolas" panose="020B0609020204030204" pitchFamily="49" charset="0"/>
+                <a:ea typeface="돋움체" panose="020B0609000101010101" pitchFamily="49" charset="-127"/>
+                <a:cs typeface="Consolas" panose="020B0609020204030204" pitchFamily="49" charset="0"/>
+              </a:rPr>
+              <a:t>, try_tcache));</a:t>
             </a:r>
           </a:p>
           <a:p>
             <a:pPr lvl="1"/>
             <a:r>
-              <a:rPr lang="en-US" altLang="ko-KR" dirty="0" smtClean="0">
+              <a:rPr lang="en-US" altLang="ko-KR" dirty="0">
                 <a:solidFill>
                   <a:srgbClr val="0000FF"/>
                 </a:solidFill>
@@ -16286,111 +16105,9 @@
                 <a:ea typeface="돋움체" panose="020B0609000101010101" pitchFamily="49" charset="-127"/>
                 <a:cs typeface="Consolas" panose="020B0609020204030204" pitchFamily="49" charset="0"/>
               </a:rPr>
-              <a:t>	return</a:t>
-            </a:r>
-            <a:r>
-              <a:rPr lang="en-US" altLang="ko-KR" dirty="0" smtClean="0">
-                <a:solidFill>
-                  <a:srgbClr val="000000"/>
-                </a:solidFill>
-                <a:latin typeface="Consolas" panose="020B0609020204030204" pitchFamily="49" charset="0"/>
-                <a:ea typeface="돋움체" panose="020B0609000101010101" pitchFamily="49" charset="-127"/>
-                <a:cs typeface="Consolas" panose="020B0609020204030204" pitchFamily="49" charset="0"/>
-              </a:rPr>
-              <a:t> </a:t>
-            </a:r>
-            <a:r>
-              <a:rPr lang="en-US" altLang="ko-KR" dirty="0">
-                <a:solidFill>
-                  <a:srgbClr val="000000"/>
-                </a:solidFill>
-                <a:latin typeface="Consolas" panose="020B0609020204030204" pitchFamily="49" charset="0"/>
-                <a:ea typeface="돋움체" panose="020B0609000101010101" pitchFamily="49" charset="-127"/>
-                <a:cs typeface="Consolas" panose="020B0609020204030204" pitchFamily="49" charset="0"/>
-              </a:rPr>
-              <a:t>(</a:t>
-            </a:r>
-            <a:r>
-              <a:rPr lang="en-US" altLang="ko-KR" dirty="0" err="1">
-                <a:solidFill>
-                  <a:srgbClr val="6F008A"/>
-                </a:solidFill>
-                <a:latin typeface="Consolas" panose="020B0609020204030204" pitchFamily="49" charset="0"/>
-                <a:ea typeface="돋움체" panose="020B0609000101010101" pitchFamily="49" charset="-127"/>
-                <a:cs typeface="Consolas" panose="020B0609020204030204" pitchFamily="49" charset="0"/>
-              </a:rPr>
-              <a:t>arena_malloc</a:t>
-            </a:r>
-            <a:r>
-              <a:rPr lang="en-US" altLang="ko-KR" dirty="0">
-                <a:solidFill>
-                  <a:srgbClr val="000000"/>
-                </a:solidFill>
-                <a:latin typeface="Consolas" panose="020B0609020204030204" pitchFamily="49" charset="0"/>
-                <a:ea typeface="돋움체" panose="020B0609000101010101" pitchFamily="49" charset="-127"/>
-                <a:cs typeface="Consolas" panose="020B0609020204030204" pitchFamily="49" charset="0"/>
-              </a:rPr>
-              <a:t>(arena, size, </a:t>
-            </a:r>
-            <a:r>
-              <a:rPr lang="en-US" altLang="ko-KR" dirty="0">
-                <a:solidFill>
-                  <a:srgbClr val="6F008A"/>
-                </a:solidFill>
-                <a:latin typeface="Consolas" panose="020B0609020204030204" pitchFamily="49" charset="0"/>
-                <a:ea typeface="돋움체" panose="020B0609000101010101" pitchFamily="49" charset="-127"/>
-                <a:cs typeface="Consolas" panose="020B0609020204030204" pitchFamily="49" charset="0"/>
-              </a:rPr>
-              <a:t>false</a:t>
-            </a:r>
-            <a:r>
-              <a:rPr lang="en-US" altLang="ko-KR" dirty="0">
-                <a:solidFill>
-                  <a:srgbClr val="000000"/>
-                </a:solidFill>
-                <a:latin typeface="Consolas" panose="020B0609020204030204" pitchFamily="49" charset="0"/>
-                <a:ea typeface="돋움체" panose="020B0609000101010101" pitchFamily="49" charset="-127"/>
-                <a:cs typeface="Consolas" panose="020B0609020204030204" pitchFamily="49" charset="0"/>
-              </a:rPr>
-              <a:t>, </a:t>
-            </a:r>
-            <a:r>
-              <a:rPr lang="en-US" altLang="ko-KR" dirty="0" err="1">
-                <a:solidFill>
-                  <a:srgbClr val="000000"/>
-                </a:solidFill>
-                <a:latin typeface="Consolas" panose="020B0609020204030204" pitchFamily="49" charset="0"/>
-                <a:ea typeface="돋움체" panose="020B0609000101010101" pitchFamily="49" charset="-127"/>
-                <a:cs typeface="Consolas" panose="020B0609020204030204" pitchFamily="49" charset="0"/>
-              </a:rPr>
-              <a:t>try_tcache</a:t>
-            </a:r>
-            <a:r>
-              <a:rPr lang="en-US" altLang="ko-KR" dirty="0" smtClean="0">
-                <a:solidFill>
-                  <a:srgbClr val="000000"/>
-                </a:solidFill>
-                <a:latin typeface="Consolas" panose="020B0609020204030204" pitchFamily="49" charset="0"/>
-                <a:ea typeface="돋움체" panose="020B0609000101010101" pitchFamily="49" charset="-127"/>
-                <a:cs typeface="Consolas" panose="020B0609020204030204" pitchFamily="49" charset="0"/>
-              </a:rPr>
-              <a:t>));</a:t>
-            </a:r>
-          </a:p>
-          <a:p>
-            <a:pPr lvl="1"/>
-            <a:r>
-              <a:rPr lang="en-US" altLang="ko-KR" dirty="0" smtClean="0">
-                <a:solidFill>
-                  <a:srgbClr val="0000FF"/>
-                </a:solidFill>
-                <a:latin typeface="Consolas" panose="020B0609020204030204" pitchFamily="49" charset="0"/>
-                <a:ea typeface="돋움체" panose="020B0609000101010101" pitchFamily="49" charset="-127"/>
-                <a:cs typeface="Consolas" panose="020B0609020204030204" pitchFamily="49" charset="0"/>
-              </a:rPr>
               <a:t>else</a:t>
             </a:r>
-            <a:endParaRPr lang="en-US" altLang="ko-KR" dirty="0" smtClean="0">
+            <a:endParaRPr lang="en-US" altLang="ko-KR" dirty="0">
               <a:solidFill>
                 <a:srgbClr val="000000"/>
               </a:solidFill>
@@ -16402,7 +16119,7 @@
           <a:p>
             <a:pPr lvl="1"/>
             <a:r>
-              <a:rPr lang="en-US" altLang="ko-KR" dirty="0" smtClean="0">
+              <a:rPr lang="en-US" altLang="ko-KR" dirty="0">
                 <a:solidFill>
                   <a:srgbClr val="0000FF"/>
                 </a:solidFill>
@@ -16413,7 +16130,7 @@
               <a:t>	return</a:t>
             </a:r>
             <a:r>
-              <a:rPr lang="en-US" altLang="ko-KR" dirty="0" smtClean="0">
+              <a:rPr lang="en-US" altLang="ko-KR" dirty="0">
                 <a:solidFill>
                   <a:srgbClr val="000000"/>
                 </a:solidFill>
@@ -16421,7 +16138,18 @@
                 <a:ea typeface="돋움체" panose="020B0609000101010101" pitchFamily="49" charset="-127"/>
                 <a:cs typeface="Consolas" panose="020B0609020204030204" pitchFamily="49" charset="0"/>
               </a:rPr>
-              <a:t> </a:t>
+              <a:t> (</a:t>
+            </a:r>
+            <a:r>
+              <a:rPr lang="en-US" altLang="ko-KR" dirty="0">
+                <a:solidFill>
+                  <a:srgbClr val="6F008A"/>
+                </a:solidFill>
+                <a:latin typeface="Consolas" panose="020B0609020204030204" pitchFamily="49" charset="0"/>
+                <a:ea typeface="돋움체" panose="020B0609000101010101" pitchFamily="49" charset="-127"/>
+                <a:cs typeface="Consolas" panose="020B0609020204030204" pitchFamily="49" charset="0"/>
+              </a:rPr>
+              <a:t>huge_malloc</a:t>
             </a:r>
             <a:r>
               <a:rPr lang="en-US" altLang="ko-KR" dirty="0">
@@ -16432,10 +16160,10 @@
                 <a:ea typeface="돋움체" panose="020B0609000101010101" pitchFamily="49" charset="-127"/>
                 <a:cs typeface="Consolas" panose="020B0609020204030204" pitchFamily="49" charset="0"/>
               </a:rPr>
-              <a:t>(</a:t>
-            </a:r>
-            <a:r>
-              <a:rPr lang="en-US" altLang="ko-KR" dirty="0" err="1">
+              <a:t>(size, </a:t>
+            </a:r>
+            <a:r>
+              <a:rPr lang="en-US" altLang="ko-KR" dirty="0">
                 <a:solidFill>
                   <a:srgbClr val="6F008A"/>
                 </a:solidFill>
@@ -16443,7 +16171,7 @@
                 <a:ea typeface="돋움체" panose="020B0609000101010101" pitchFamily="49" charset="-127"/>
                 <a:cs typeface="Consolas" panose="020B0609020204030204" pitchFamily="49" charset="0"/>
               </a:rPr>
-              <a:t>huge_malloc</a:t>
+              <a:t>false</a:t>
             </a:r>
             <a:r>
               <a:rPr lang="en-US" altLang="ko-KR" dirty="0">
@@ -16454,7 +16182,7 @@
                 <a:ea typeface="돋움체" panose="020B0609000101010101" pitchFamily="49" charset="-127"/>
                 <a:cs typeface="Consolas" panose="020B0609020204030204" pitchFamily="49" charset="0"/>
               </a:rPr>
-              <a:t>(size, </a:t>
+              <a:t>, </a:t>
             </a:r>
             <a:r>
               <a:rPr lang="en-US" altLang="ko-KR" dirty="0">
@@ -16465,7 +16193,7 @@
                 <a:ea typeface="돋움체" panose="020B0609000101010101" pitchFamily="49" charset="-127"/>
                 <a:cs typeface="Consolas" panose="020B0609020204030204" pitchFamily="49" charset="0"/>
               </a:rPr>
-              <a:t>false</a:t>
+              <a:t>huge_dss_prec_get</a:t>
             </a:r>
             <a:r>
               <a:rPr lang="en-US" altLang="ko-KR" dirty="0">
@@ -16476,19 +16204,10 @@
                 <a:ea typeface="돋움체" panose="020B0609000101010101" pitchFamily="49" charset="-127"/>
                 <a:cs typeface="Consolas" panose="020B0609020204030204" pitchFamily="49" charset="0"/>
               </a:rPr>
-              <a:t>, </a:t>
-            </a:r>
-            <a:r>
-              <a:rPr lang="en-US" altLang="ko-KR" dirty="0" err="1">
-                <a:solidFill>
-                  <a:srgbClr val="6F008A"/>
-                </a:solidFill>
-                <a:latin typeface="Consolas" panose="020B0609020204030204" pitchFamily="49" charset="0"/>
-                <a:ea typeface="돋움체" panose="020B0609000101010101" pitchFamily="49" charset="-127"/>
-                <a:cs typeface="Consolas" panose="020B0609020204030204" pitchFamily="49" charset="0"/>
-              </a:rPr>
-              <a:t>huge_dss_prec_get</a:t>
-            </a:r>
+              <a:t>(arena)));</a:t>
+            </a:r>
+          </a:p>
+          <a:p>
             <a:r>
               <a:rPr lang="en-US" altLang="ko-KR" dirty="0">
                 <a:solidFill>
@@ -16498,22 +16217,9 @@
                 <a:ea typeface="돋움체" panose="020B0609000101010101" pitchFamily="49" charset="-127"/>
                 <a:cs typeface="Consolas" panose="020B0609020204030204" pitchFamily="49" charset="0"/>
               </a:rPr>
-              <a:t>(arena)));</a:t>
-            </a:r>
-          </a:p>
-          <a:p>
-            <a:r>
-              <a:rPr lang="en-US" altLang="ko-KR" dirty="0">
-                <a:solidFill>
-                  <a:srgbClr val="000000"/>
-                </a:solidFill>
-                <a:latin typeface="Consolas" panose="020B0609020204030204" pitchFamily="49" charset="0"/>
-                <a:ea typeface="돋움체" panose="020B0609000101010101" pitchFamily="49" charset="-127"/>
-                <a:cs typeface="Consolas" panose="020B0609020204030204" pitchFamily="49" charset="0"/>
-              </a:rPr>
               <a:t>}</a:t>
             </a:r>
-            <a:endParaRPr lang="ko-KR" altLang="en-US">
+            <a:endParaRPr lang="ko-KR" altLang="en-US" dirty="0">
               <a:latin typeface="Consolas" panose="020B0609020204030204" pitchFamily="49" charset="0"/>
               <a:cs typeface="Consolas" panose="020B0609020204030204" pitchFamily="49" charset="0"/>
             </a:endParaRPr>
@@ -16555,7 +16261,7 @@
           <p:cNvPr id="2" name="제목 1">
             <a:extLst>
               <a:ext uri="{FF2B5EF4-FFF2-40B4-BE49-F238E27FC236}">
-                <a16:creationId xmlns:a16="http://schemas.microsoft.com/office/drawing/2014/main" xmlns="" id="{DE938470-D5B9-47B5-9356-902610971B86}"/>
+                <a16:creationId xmlns:a16="http://schemas.microsoft.com/office/drawing/2014/main" id="{DE938470-D5B9-47B5-9356-902610971B86}"/>
               </a:ext>
             </a:extLst>
           </p:cNvPr>
@@ -16572,7 +16278,7 @@
           <a:lstStyle/>
           <a:p>
             <a:r>
-              <a:rPr lang="en-US" altLang="ko-KR" dirty="0" err="1">
+              <a:rPr lang="en-US" altLang="ko-KR" dirty="0">
                 <a:latin typeface="FrankRuehl" panose="020E0503060101010101" pitchFamily="34" charset="-79"/>
                 <a:cs typeface="FrankRuehl" panose="020E0503060101010101" pitchFamily="34" charset="-79"/>
               </a:rPr>
@@ -16590,7 +16296,7 @@
           <p:cNvPr id="3" name="부제목 2">
             <a:extLst>
               <a:ext uri="{FF2B5EF4-FFF2-40B4-BE49-F238E27FC236}">
-                <a16:creationId xmlns:a16="http://schemas.microsoft.com/office/drawing/2014/main" xmlns="" id="{7135E3CC-0384-4CDE-8F1D-C29734627E92}"/>
+                <a16:creationId xmlns:a16="http://schemas.microsoft.com/office/drawing/2014/main" id="{7135E3CC-0384-4CDE-8F1D-C29734627E92}"/>
               </a:ext>
             </a:extLst>
           </p:cNvPr>
@@ -16612,68 +16318,36 @@
               <a:buNone/>
             </a:pPr>
             <a:r>
-              <a:rPr lang="ko-KR" altLang="en-US" sz="2400" dirty="0" err="1" smtClean="0">
+              <a:rPr lang="ko-KR" altLang="en-US" sz="2400" dirty="0">
                 <a:latin typeface="FrankRuehl" panose="020E0503060101010101" pitchFamily="34" charset="-79"/>
                 <a:ea typeface="BusanBada" panose="02000603000000000000" pitchFamily="2" charset="-127"/>
                 <a:cs typeface="FrankRuehl" panose="020E0503060101010101" pitchFamily="34" charset="-79"/>
               </a:rPr>
-              <a:t>스레드에</a:t>
-            </a:r>
-            <a:r>
-              <a:rPr lang="ko-KR" altLang="en-US" sz="2400" dirty="0" smtClean="0">
+              <a:t>스레드에 대한 </a:t>
+            </a:r>
+            <a:r>
+              <a:rPr lang="en-US" altLang="ko-KR" sz="2400" dirty="0">
                 <a:latin typeface="FrankRuehl" panose="020E0503060101010101" pitchFamily="34" charset="-79"/>
                 <a:ea typeface="BusanBada" panose="02000603000000000000" pitchFamily="2" charset="-127"/>
                 <a:cs typeface="FrankRuehl" panose="020E0503060101010101" pitchFamily="34" charset="-79"/>
               </a:rPr>
-              <a:t> 대한 </a:t>
-            </a:r>
-            <a:r>
-              <a:rPr lang="en-US" altLang="ko-KR" sz="2400" dirty="0" smtClean="0">
+              <a:t>Arena</a:t>
+            </a:r>
+            <a:r>
+              <a:rPr lang="ko-KR" altLang="en-US" sz="2400" dirty="0">
                 <a:latin typeface="FrankRuehl" panose="020E0503060101010101" pitchFamily="34" charset="-79"/>
                 <a:ea typeface="BusanBada" panose="02000603000000000000" pitchFamily="2" charset="-127"/>
                 <a:cs typeface="FrankRuehl" panose="020E0503060101010101" pitchFamily="34" charset="-79"/>
               </a:rPr>
-              <a:t>Arena</a:t>
-            </a:r>
-            <a:r>
-              <a:rPr lang="ko-KR" altLang="en-US" sz="2400" smtClean="0">
+              <a:t>의 배정은기본적으로 </a:t>
+            </a:r>
+            <a:r>
+              <a:rPr lang="en-US" altLang="ko-KR" sz="2400" dirty="0">
                 <a:latin typeface="FrankRuehl" panose="020E0503060101010101" pitchFamily="34" charset="-79"/>
                 <a:ea typeface="BusanBada" panose="02000603000000000000" pitchFamily="2" charset="-127"/>
                 <a:cs typeface="FrankRuehl" panose="020E0503060101010101" pitchFamily="34" charset="-79"/>
               </a:rPr>
-              <a:t>의 </a:t>
-            </a:r>
-            <a:r>
-              <a:rPr lang="ko-KR" altLang="en-US" sz="2400" smtClean="0">
-                <a:latin typeface="FrankRuehl" panose="020E0503060101010101" pitchFamily="34" charset="-79"/>
-                <a:ea typeface="BusanBada" panose="02000603000000000000" pitchFamily="2" charset="-127"/>
-                <a:cs typeface="FrankRuehl" panose="020E0503060101010101" pitchFamily="34" charset="-79"/>
-              </a:rPr>
-              <a:t>배정</a:t>
-            </a:r>
-            <a:r>
-              <a:rPr lang="ko-KR" altLang="en-US" sz="2400" smtClean="0">
-                <a:latin typeface="FrankRuehl" panose="020E0503060101010101" pitchFamily="34" charset="-79"/>
-                <a:ea typeface="BusanBada" panose="02000603000000000000" pitchFamily="2" charset="-127"/>
-                <a:cs typeface="FrankRuehl" panose="020E0503060101010101" pitchFamily="34" charset="-79"/>
-              </a:rPr>
-              <a:t>은기본적으로 </a:t>
-            </a:r>
-            <a:r>
-              <a:rPr lang="en-US" altLang="ko-KR" sz="2400" dirty="0" smtClean="0">
-                <a:latin typeface="FrankRuehl" panose="020E0503060101010101" pitchFamily="34" charset="-79"/>
-                <a:ea typeface="BusanBada" panose="02000603000000000000" pitchFamily="2" charset="-127"/>
-                <a:cs typeface="FrankRuehl" panose="020E0503060101010101" pitchFamily="34" charset="-79"/>
-              </a:rPr>
-              <a:t>Round Robin</a:t>
-            </a:r>
-            <a:r>
-              <a:rPr lang="en-US" altLang="ko-KR" sz="2400" dirty="0" smtClean="0">
-                <a:latin typeface="FrankRuehl" panose="020E0503060101010101" pitchFamily="34" charset="-79"/>
-                <a:ea typeface="BusanBada" panose="02000603000000000000" pitchFamily="2" charset="-127"/>
-                <a:cs typeface="FrankRuehl" panose="020E0503060101010101" pitchFamily="34" charset="-79"/>
-              </a:rPr>
-              <a:t>.</a:t>
+              <a:t>Round Robin.</a:t>
             </a:r>
           </a:p>
           <a:p>
@@ -16681,7 +16355,7 @@
               <a:buNone/>
             </a:pPr>
             <a:r>
-              <a:rPr lang="ko-KR" altLang="en-US" sz="2400" dirty="0" smtClean="0">
+              <a:rPr lang="ko-KR" altLang="en-US" sz="2400" dirty="0">
                 <a:latin typeface="FrankRuehl" panose="020E0503060101010101" pitchFamily="34" charset="-79"/>
                 <a:ea typeface="BusanBada" panose="02000603000000000000" pitchFamily="2" charset="-127"/>
                 <a:cs typeface="FrankRuehl" panose="020E0503060101010101" pitchFamily="34" charset="-79"/>
@@ -16689,31 +16363,23 @@
               <a:t>한번 배정되면 </a:t>
             </a:r>
             <a:r>
-              <a:rPr lang="en-US" altLang="ko-KR" sz="2400" dirty="0" smtClean="0">
+              <a:rPr lang="en-US" altLang="ko-KR" sz="2400" dirty="0">
                 <a:latin typeface="FrankRuehl" panose="020E0503060101010101" pitchFamily="34" charset="-79"/>
                 <a:ea typeface="BusanBada" panose="02000603000000000000" pitchFamily="2" charset="-127"/>
                 <a:cs typeface="FrankRuehl" panose="020E0503060101010101" pitchFamily="34" charset="-79"/>
               </a:rPr>
-              <a:t>T</a:t>
-            </a:r>
-            <a:r>
-              <a:rPr lang="en-US" altLang="ko-KR" sz="2400" dirty="0" smtClean="0">
+              <a:t>TSD (Thread Specific Data)</a:t>
+            </a:r>
+            <a:r>
+              <a:rPr lang="ko-KR" altLang="en-US" sz="2400" dirty="0">
                 <a:latin typeface="FrankRuehl" panose="020E0503060101010101" pitchFamily="34" charset="-79"/>
                 <a:ea typeface="BusanBada" panose="02000603000000000000" pitchFamily="2" charset="-127"/>
                 <a:cs typeface="FrankRuehl" panose="020E0503060101010101" pitchFamily="34" charset="-79"/>
               </a:rPr>
-              <a:t>SD (Thread Specific Data)</a:t>
-            </a:r>
-            <a:r>
-              <a:rPr lang="ko-KR" altLang="en-US" sz="2400" smtClean="0">
-                <a:latin typeface="FrankRuehl" panose="020E0503060101010101" pitchFamily="34" charset="-79"/>
-                <a:ea typeface="BusanBada" panose="02000603000000000000" pitchFamily="2" charset="-127"/>
-                <a:cs typeface="FrankRuehl" panose="020E0503060101010101" pitchFamily="34" charset="-79"/>
-              </a:rPr>
               <a:t>라고 불리는 전용 자료구조에 의해서 연결되어 다시 할당 받지 않음</a:t>
             </a:r>
             <a:r>
-              <a:rPr lang="en-US" altLang="ko-KR" sz="2400" dirty="0" smtClean="0">
+              <a:rPr lang="en-US" altLang="ko-KR" sz="2400" dirty="0">
                 <a:latin typeface="FrankRuehl" panose="020E0503060101010101" pitchFamily="34" charset="-79"/>
                 <a:ea typeface="BusanBada" panose="02000603000000000000" pitchFamily="2" charset="-127"/>
                 <a:cs typeface="FrankRuehl" panose="020E0503060101010101" pitchFamily="34" charset="-79"/>
@@ -16726,7 +16392,7 @@
               <a:buNone/>
             </a:pPr>
             <a:r>
-              <a:rPr lang="ko-KR" altLang="en-US" sz="2400" dirty="0" smtClean="0">
+              <a:rPr lang="ko-KR" altLang="en-US" sz="2400" dirty="0">
                 <a:latin typeface="FrankRuehl" panose="020E0503060101010101" pitchFamily="34" charset="-79"/>
                 <a:ea typeface="BusanBada" panose="02000603000000000000" pitchFamily="2" charset="-127"/>
                 <a:cs typeface="FrankRuehl" panose="020E0503060101010101" pitchFamily="34" charset="-79"/>
@@ -16734,7 +16400,7 @@
               <a:t>하나의 </a:t>
             </a:r>
             <a:r>
-              <a:rPr lang="en-US" altLang="ko-KR" sz="2400" dirty="0" smtClean="0">
+              <a:rPr lang="en-US" altLang="ko-KR" sz="2400" dirty="0">
                 <a:latin typeface="FrankRuehl" panose="020E0503060101010101" pitchFamily="34" charset="-79"/>
                 <a:ea typeface="BusanBada" panose="02000603000000000000" pitchFamily="2" charset="-127"/>
                 <a:cs typeface="FrankRuehl" panose="020E0503060101010101" pitchFamily="34" charset="-79"/>
@@ -16742,7 +16408,7 @@
               <a:t>Arena</a:t>
             </a:r>
             <a:r>
-              <a:rPr lang="ko-KR" altLang="en-US" sz="2400" smtClean="0">
+              <a:rPr lang="ko-KR" altLang="en-US" sz="2400" dirty="0">
                 <a:latin typeface="FrankRuehl" panose="020E0503060101010101" pitchFamily="34" charset="-79"/>
                 <a:ea typeface="BusanBada" panose="02000603000000000000" pitchFamily="2" charset="-127"/>
                 <a:cs typeface="FrankRuehl" panose="020E0503060101010101" pitchFamily="34" charset="-79"/>
@@ -16750,7 +16416,7 @@
               <a:t>를 여러 스레드가 배정받을 수도 있음</a:t>
             </a:r>
             <a:r>
-              <a:rPr lang="en-US" altLang="ko-KR" sz="2400" dirty="0" smtClean="0">
+              <a:rPr lang="en-US" altLang="ko-KR" sz="2400" dirty="0">
                 <a:latin typeface="FrankRuehl" panose="020E0503060101010101" pitchFamily="34" charset="-79"/>
                 <a:ea typeface="BusanBada" panose="02000603000000000000" pitchFamily="2" charset="-127"/>
                 <a:cs typeface="FrankRuehl" panose="020E0503060101010101" pitchFamily="34" charset="-79"/>
@@ -16763,7 +16429,7 @@
               <a:buNone/>
             </a:pPr>
             <a:r>
-              <a:rPr lang="ko-KR" altLang="en-US" sz="2400" dirty="0" smtClean="0">
+              <a:rPr lang="ko-KR" altLang="en-US" sz="2400" dirty="0">
                 <a:latin typeface="FrankRuehl" panose="020E0503060101010101" pitchFamily="34" charset="-79"/>
                 <a:ea typeface="BusanBada" panose="02000603000000000000" pitchFamily="2" charset="-127"/>
                 <a:cs typeface="FrankRuehl" panose="020E0503060101010101" pitchFamily="34" charset="-79"/>
@@ -16771,7 +16437,7 @@
               <a:t>따라서 </a:t>
             </a:r>
             <a:r>
-              <a:rPr lang="en-US" altLang="ko-KR" sz="2400" dirty="0" smtClean="0">
+              <a:rPr lang="en-US" altLang="ko-KR" sz="2400" dirty="0">
                 <a:latin typeface="FrankRuehl" panose="020E0503060101010101" pitchFamily="34" charset="-79"/>
                 <a:ea typeface="BusanBada" panose="02000603000000000000" pitchFamily="2" charset="-127"/>
                 <a:cs typeface="FrankRuehl" panose="020E0503060101010101" pitchFamily="34" charset="-79"/>
@@ -16779,7 +16445,7 @@
               <a:t>Arena</a:t>
             </a:r>
             <a:r>
-              <a:rPr lang="ko-KR" altLang="en-US" sz="2400" smtClean="0">
+              <a:rPr lang="ko-KR" altLang="en-US" sz="2400" dirty="0">
                 <a:latin typeface="FrankRuehl" panose="020E0503060101010101" pitchFamily="34" charset="-79"/>
                 <a:ea typeface="BusanBada" panose="02000603000000000000" pitchFamily="2" charset="-127"/>
                 <a:cs typeface="FrankRuehl" panose="020E0503060101010101" pitchFamily="34" charset="-79"/>
@@ -16787,7 +16453,7 @@
               <a:t>에 대한 할당 요청은 </a:t>
             </a:r>
             <a:r>
-              <a:rPr lang="en-US" altLang="ko-KR" sz="2400" dirty="0" smtClean="0">
+              <a:rPr lang="en-US" altLang="ko-KR" sz="2400" dirty="0">
                 <a:latin typeface="FrankRuehl" panose="020E0503060101010101" pitchFamily="34" charset="-79"/>
                 <a:ea typeface="BusanBada" panose="02000603000000000000" pitchFamily="2" charset="-127"/>
                 <a:cs typeface="FrankRuehl" panose="020E0503060101010101" pitchFamily="34" charset="-79"/>
@@ -16795,7 +16461,7 @@
               <a:t>lock</a:t>
             </a:r>
             <a:r>
-              <a:rPr lang="ko-KR" altLang="en-US" sz="2400" smtClean="0">
+              <a:rPr lang="ko-KR" altLang="en-US" sz="2400" dirty="0">
                 <a:latin typeface="FrankRuehl" panose="020E0503060101010101" pitchFamily="34" charset="-79"/>
                 <a:ea typeface="BusanBada" panose="02000603000000000000" pitchFamily="2" charset="-127"/>
                 <a:cs typeface="FrankRuehl" panose="020E0503060101010101" pitchFamily="34" charset="-79"/>
@@ -16803,7 +16469,7 @@
               <a:t>이 필요</a:t>
             </a:r>
             <a:r>
-              <a:rPr lang="en-US" altLang="ko-KR" sz="2400" dirty="0" smtClean="0">
+              <a:rPr lang="en-US" altLang="ko-KR" sz="2400" dirty="0">
                 <a:latin typeface="FrankRuehl" panose="020E0503060101010101" pitchFamily="34" charset="-79"/>
                 <a:ea typeface="BusanBada" panose="02000603000000000000" pitchFamily="2" charset="-127"/>
                 <a:cs typeface="FrankRuehl" panose="020E0503060101010101" pitchFamily="34" charset="-79"/>
@@ -16844,7 +16510,7 @@
           <a:lstStyle/>
           <a:p>
             <a:r>
-              <a:rPr lang="en-US" altLang="ko-KR" dirty="0" smtClean="0">
+              <a:rPr lang="en-US" altLang="ko-KR" dirty="0">
                 <a:solidFill>
                   <a:srgbClr val="0000FF"/>
                 </a:solidFill>
@@ -16855,7 +16521,7 @@
               <a:t>void</a:t>
             </a:r>
             <a:r>
-              <a:rPr lang="en-US" altLang="ko-KR" dirty="0" smtClean="0">
+              <a:rPr lang="en-US" altLang="ko-KR" dirty="0">
                 <a:solidFill>
                   <a:srgbClr val="000000"/>
                 </a:solidFill>
@@ -16866,7 +16532,7 @@
               <a:t>* </a:t>
             </a:r>
             <a:r>
-              <a:rPr lang="en-US" altLang="ko-KR" dirty="0" err="1" smtClean="0">
+              <a:rPr lang="en-US" altLang="ko-KR" dirty="0">
                 <a:solidFill>
                   <a:srgbClr val="6F008A"/>
                 </a:solidFill>
@@ -16877,7 +16543,7 @@
               <a:t>arena_malloc_large</a:t>
             </a:r>
             <a:r>
-              <a:rPr lang="en-US" altLang="ko-KR" dirty="0" smtClean="0">
+              <a:rPr lang="en-US" altLang="ko-KR" dirty="0">
                 <a:solidFill>
                   <a:srgbClr val="000000"/>
                 </a:solidFill>
@@ -16888,7 +16554,7 @@
               <a:t>(</a:t>
             </a:r>
             <a:r>
-              <a:rPr lang="en-US" altLang="ko-KR" dirty="0" err="1" smtClean="0">
+              <a:rPr lang="en-US" altLang="ko-KR" dirty="0">
                 <a:solidFill>
                   <a:srgbClr val="2B91AF"/>
                 </a:solidFill>
@@ -16899,7 +16565,7 @@
               <a:t>arena_t</a:t>
             </a:r>
             <a:r>
-              <a:rPr lang="en-US" altLang="ko-KR" dirty="0" smtClean="0">
+              <a:rPr lang="en-US" altLang="ko-KR" dirty="0">
                 <a:solidFill>
                   <a:srgbClr val="000000"/>
                 </a:solidFill>
@@ -16907,7 +16573,18 @@
                 <a:ea typeface="돋움체" panose="020B0609000101010101" pitchFamily="49" charset="-127"/>
                 <a:cs typeface="Consolas" panose="020B0609020204030204" pitchFamily="49" charset="0"/>
               </a:rPr>
-              <a:t> </a:t>
+              <a:t> *</a:t>
+            </a:r>
+            <a:r>
+              <a:rPr lang="en-US" altLang="ko-KR" dirty="0">
+                <a:solidFill>
+                  <a:srgbClr val="808080"/>
+                </a:solidFill>
+                <a:latin typeface="Consolas" panose="020B0609020204030204" pitchFamily="49" charset="0"/>
+                <a:ea typeface="돋움체" panose="020B0609000101010101" pitchFamily="49" charset="-127"/>
+                <a:cs typeface="Consolas" panose="020B0609020204030204" pitchFamily="49" charset="0"/>
+              </a:rPr>
+              <a:t>arena</a:t>
             </a:r>
             <a:r>
               <a:rPr lang="en-US" altLang="ko-KR" dirty="0">
@@ -16918,7 +16595,29 @@
                 <a:ea typeface="돋움체" panose="020B0609000101010101" pitchFamily="49" charset="-127"/>
                 <a:cs typeface="Consolas" panose="020B0609020204030204" pitchFamily="49" charset="0"/>
               </a:rPr>
-              <a:t>*</a:t>
+              <a:t>, </a:t>
+            </a:r>
+            <a:r>
+              <a:rPr lang="en-US" altLang="ko-KR" dirty="0">
+                <a:solidFill>
+                  <a:srgbClr val="2B91AF"/>
+                </a:solidFill>
+                <a:latin typeface="Consolas" panose="020B0609020204030204" pitchFamily="49" charset="0"/>
+                <a:ea typeface="돋움체" panose="020B0609000101010101" pitchFamily="49" charset="-127"/>
+                <a:cs typeface="Consolas" panose="020B0609020204030204" pitchFamily="49" charset="0"/>
+              </a:rPr>
+              <a:t>size_t</a:t>
+            </a:r>
+            <a:r>
+              <a:rPr lang="en-US" altLang="ko-KR" dirty="0">
+                <a:solidFill>
+                  <a:srgbClr val="000000"/>
+                </a:solidFill>
+                <a:latin typeface="Consolas" panose="020B0609020204030204" pitchFamily="49" charset="0"/>
+                <a:ea typeface="돋움체" panose="020B0609000101010101" pitchFamily="49" charset="-127"/>
+                <a:cs typeface="Consolas" panose="020B0609020204030204" pitchFamily="49" charset="0"/>
+              </a:rPr>
+              <a:t> </a:t>
             </a:r>
             <a:r>
               <a:rPr lang="en-US" altLang="ko-KR" dirty="0">
@@ -16929,7 +16628,7 @@
                 <a:ea typeface="돋움체" panose="020B0609000101010101" pitchFamily="49" charset="-127"/>
                 <a:cs typeface="Consolas" panose="020B0609020204030204" pitchFamily="49" charset="0"/>
               </a:rPr>
-              <a:t>arena</a:t>
+              <a:t>size</a:t>
             </a:r>
             <a:r>
               <a:rPr lang="en-US" altLang="ko-KR" dirty="0">
@@ -16943,15 +16642,15 @@
               <a:t>, </a:t>
             </a:r>
             <a:r>
-              <a:rPr lang="en-US" altLang="ko-KR" dirty="0" err="1">
+              <a:rPr lang="en-US" altLang="ko-KR" dirty="0">
                 <a:solidFill>
-                  <a:srgbClr val="2B91AF"/>
+                  <a:srgbClr val="6F008A"/>
                 </a:solidFill>
                 <a:latin typeface="Consolas" panose="020B0609020204030204" pitchFamily="49" charset="0"/>
                 <a:ea typeface="돋움체" panose="020B0609000101010101" pitchFamily="49" charset="-127"/>
                 <a:cs typeface="Consolas" panose="020B0609020204030204" pitchFamily="49" charset="0"/>
               </a:rPr>
-              <a:t>size_t</a:t>
+              <a:t>bool</a:t>
             </a:r>
             <a:r>
               <a:rPr lang="en-US" altLang="ko-KR" dirty="0">
@@ -16973,7 +16672,7 @@
                 <a:ea typeface="돋움체" panose="020B0609000101010101" pitchFamily="49" charset="-127"/>
                 <a:cs typeface="Consolas" panose="020B0609020204030204" pitchFamily="49" charset="0"/>
               </a:rPr>
-              <a:t>size</a:t>
+              <a:t>zero</a:t>
             </a:r>
             <a:r>
               <a:rPr lang="en-US" altLang="ko-KR" dirty="0">
@@ -16984,8 +16683,49 @@
                 <a:ea typeface="돋움체" panose="020B0609000101010101" pitchFamily="49" charset="-127"/>
                 <a:cs typeface="Consolas" panose="020B0609020204030204" pitchFamily="49" charset="0"/>
               </a:rPr>
-              <a:t>, </a:t>
-            </a:r>
+              <a:t>)</a:t>
+            </a:r>
+          </a:p>
+          <a:p>
+            <a:r>
+              <a:rPr lang="en-US" altLang="ko-KR" dirty="0">
+                <a:solidFill>
+                  <a:srgbClr val="000000"/>
+                </a:solidFill>
+                <a:latin typeface="Consolas" panose="020B0609020204030204" pitchFamily="49" charset="0"/>
+                <a:ea typeface="돋움체" panose="020B0609000101010101" pitchFamily="49" charset="-127"/>
+                <a:cs typeface="Consolas" panose="020B0609020204030204" pitchFamily="49" charset="0"/>
+              </a:rPr>
+              <a:t>{</a:t>
+            </a:r>
+          </a:p>
+          <a:p>
+            <a:pPr lvl="1"/>
+            <a:r>
+              <a:rPr lang="en-US" altLang="ko-KR" dirty="0">
+                <a:solidFill>
+                  <a:srgbClr val="0000FF"/>
+                </a:solidFill>
+                <a:latin typeface="Consolas" panose="020B0609020204030204" pitchFamily="49" charset="0"/>
+                <a:ea typeface="돋움체" panose="020B0609000101010101" pitchFamily="49" charset="-127"/>
+                <a:cs typeface="Consolas" panose="020B0609020204030204" pitchFamily="49" charset="0"/>
+              </a:rPr>
+              <a:t>void</a:t>
+            </a:r>
+            <a:r>
+              <a:rPr lang="en-US" altLang="ko-KR" dirty="0">
+                <a:solidFill>
+                  <a:srgbClr val="000000"/>
+                </a:solidFill>
+                <a:latin typeface="Consolas" panose="020B0609020204030204" pitchFamily="49" charset="0"/>
+                <a:ea typeface="돋움체" panose="020B0609000101010101" pitchFamily="49" charset="-127"/>
+                <a:cs typeface="Consolas" panose="020B0609020204030204" pitchFamily="49" charset="0"/>
+              </a:rPr>
+              <a:t> *ret;</a:t>
+            </a:r>
+          </a:p>
+          <a:p>
+            <a:pPr lvl="1"/>
             <a:r>
               <a:rPr lang="en-US" altLang="ko-KR" dirty="0">
                 <a:solidFill>
@@ -16995,7 +16735,7 @@
                 <a:ea typeface="돋움체" panose="020B0609000101010101" pitchFamily="49" charset="-127"/>
                 <a:cs typeface="Consolas" panose="020B0609020204030204" pitchFamily="49" charset="0"/>
               </a:rPr>
-              <a:t>bool</a:t>
+              <a:t>UNUSED</a:t>
             </a:r>
             <a:r>
               <a:rPr lang="en-US" altLang="ko-KR" dirty="0">
@@ -17011,13 +16751,13 @@
             <a:r>
               <a:rPr lang="en-US" altLang="ko-KR" dirty="0">
                 <a:solidFill>
-                  <a:srgbClr val="808080"/>
+                  <a:srgbClr val="6F008A"/>
                 </a:solidFill>
                 <a:latin typeface="Consolas" panose="020B0609020204030204" pitchFamily="49" charset="0"/>
                 <a:ea typeface="돋움체" panose="020B0609000101010101" pitchFamily="49" charset="-127"/>
                 <a:cs typeface="Consolas" panose="020B0609020204030204" pitchFamily="49" charset="0"/>
               </a:rPr>
-              <a:t>zero</a:t>
+              <a:t>bool</a:t>
             </a:r>
             <a:r>
               <a:rPr lang="en-US" altLang="ko-KR" dirty="0">
@@ -17028,125 +16768,7 @@
                 <a:ea typeface="돋움체" panose="020B0609000101010101" pitchFamily="49" charset="-127"/>
                 <a:cs typeface="Consolas" panose="020B0609020204030204" pitchFamily="49" charset="0"/>
               </a:rPr>
-              <a:t>)</a:t>
-            </a:r>
-          </a:p>
-          <a:p>
-            <a:r>
-              <a:rPr lang="en-US" altLang="ko-KR" dirty="0">
-                <a:solidFill>
-                  <a:srgbClr val="000000"/>
-                </a:solidFill>
-                <a:latin typeface="Consolas" panose="020B0609020204030204" pitchFamily="49" charset="0"/>
-                <a:ea typeface="돋움체" panose="020B0609000101010101" pitchFamily="49" charset="-127"/>
-                <a:cs typeface="Consolas" panose="020B0609020204030204" pitchFamily="49" charset="0"/>
-              </a:rPr>
-              <a:t>{</a:t>
-            </a:r>
-          </a:p>
-          <a:p>
-            <a:pPr lvl="1"/>
-            <a:r>
-              <a:rPr lang="en-US" altLang="ko-KR" dirty="0" smtClean="0">
-                <a:solidFill>
-                  <a:srgbClr val="0000FF"/>
-                </a:solidFill>
-                <a:latin typeface="Consolas" panose="020B0609020204030204" pitchFamily="49" charset="0"/>
-                <a:ea typeface="돋움체" panose="020B0609000101010101" pitchFamily="49" charset="-127"/>
-                <a:cs typeface="Consolas" panose="020B0609020204030204" pitchFamily="49" charset="0"/>
-              </a:rPr>
-              <a:t>void</a:t>
-            </a:r>
-            <a:r>
-              <a:rPr lang="en-US" altLang="ko-KR" dirty="0" smtClean="0">
-                <a:solidFill>
-                  <a:srgbClr val="000000"/>
-                </a:solidFill>
-                <a:latin typeface="Consolas" panose="020B0609020204030204" pitchFamily="49" charset="0"/>
-                <a:ea typeface="돋움체" panose="020B0609000101010101" pitchFamily="49" charset="-127"/>
-                <a:cs typeface="Consolas" panose="020B0609020204030204" pitchFamily="49" charset="0"/>
-              </a:rPr>
-              <a:t> </a:t>
-            </a:r>
-            <a:r>
-              <a:rPr lang="en-US" altLang="ko-KR" dirty="0">
-                <a:solidFill>
-                  <a:srgbClr val="000000"/>
-                </a:solidFill>
-                <a:latin typeface="Consolas" panose="020B0609020204030204" pitchFamily="49" charset="0"/>
-                <a:ea typeface="돋움체" panose="020B0609000101010101" pitchFamily="49" charset="-127"/>
-                <a:cs typeface="Consolas" panose="020B0609020204030204" pitchFamily="49" charset="0"/>
-              </a:rPr>
-              <a:t>*ret;</a:t>
-            </a:r>
-          </a:p>
-          <a:p>
-            <a:pPr lvl="1"/>
-            <a:r>
-              <a:rPr lang="en-US" altLang="ko-KR" dirty="0" smtClean="0">
-                <a:solidFill>
-                  <a:srgbClr val="6F008A"/>
-                </a:solidFill>
-                <a:latin typeface="Consolas" panose="020B0609020204030204" pitchFamily="49" charset="0"/>
-                <a:ea typeface="돋움체" panose="020B0609000101010101" pitchFamily="49" charset="-127"/>
-                <a:cs typeface="Consolas" panose="020B0609020204030204" pitchFamily="49" charset="0"/>
-              </a:rPr>
-              <a:t>UNUSED</a:t>
-            </a:r>
-            <a:r>
-              <a:rPr lang="en-US" altLang="ko-KR" dirty="0" smtClean="0">
-                <a:solidFill>
-                  <a:srgbClr val="000000"/>
-                </a:solidFill>
-                <a:latin typeface="Consolas" panose="020B0609020204030204" pitchFamily="49" charset="0"/>
-                <a:ea typeface="돋움체" panose="020B0609000101010101" pitchFamily="49" charset="-127"/>
-                <a:cs typeface="Consolas" panose="020B0609020204030204" pitchFamily="49" charset="0"/>
-              </a:rPr>
-              <a:t> </a:t>
-            </a:r>
-            <a:r>
-              <a:rPr lang="en-US" altLang="ko-KR" dirty="0">
-                <a:solidFill>
-                  <a:srgbClr val="6F008A"/>
-                </a:solidFill>
-                <a:latin typeface="Consolas" panose="020B0609020204030204" pitchFamily="49" charset="0"/>
-                <a:ea typeface="돋움체" panose="020B0609000101010101" pitchFamily="49" charset="-127"/>
-                <a:cs typeface="Consolas" panose="020B0609020204030204" pitchFamily="49" charset="0"/>
-              </a:rPr>
-              <a:t>bool</a:t>
-            </a:r>
-            <a:r>
-              <a:rPr lang="en-US" altLang="ko-KR" dirty="0">
-                <a:solidFill>
-                  <a:srgbClr val="000000"/>
-                </a:solidFill>
-                <a:latin typeface="Consolas" panose="020B0609020204030204" pitchFamily="49" charset="0"/>
-                <a:ea typeface="돋움체" panose="020B0609000101010101" pitchFamily="49" charset="-127"/>
-                <a:cs typeface="Consolas" panose="020B0609020204030204" pitchFamily="49" charset="0"/>
-              </a:rPr>
-              <a:t> </a:t>
-            </a:r>
-            <a:r>
-              <a:rPr lang="en-US" altLang="ko-KR" dirty="0" err="1">
-                <a:solidFill>
-                  <a:srgbClr val="000000"/>
-                </a:solidFill>
-                <a:latin typeface="Consolas" panose="020B0609020204030204" pitchFamily="49" charset="0"/>
-                <a:ea typeface="돋움체" panose="020B0609000101010101" pitchFamily="49" charset="-127"/>
-                <a:cs typeface="Consolas" panose="020B0609020204030204" pitchFamily="49" charset="0"/>
-              </a:rPr>
-              <a:t>idump</a:t>
-            </a:r>
-            <a:r>
-              <a:rPr lang="en-US" altLang="ko-KR" dirty="0">
-                <a:solidFill>
-                  <a:srgbClr val="000000"/>
-                </a:solidFill>
-                <a:latin typeface="Consolas" panose="020B0609020204030204" pitchFamily="49" charset="0"/>
-                <a:ea typeface="돋움체" panose="020B0609000101010101" pitchFamily="49" charset="-127"/>
-                <a:cs typeface="Consolas" panose="020B0609020204030204" pitchFamily="49" charset="0"/>
-              </a:rPr>
-              <a:t>;</a:t>
+              <a:t> idump;</a:t>
             </a:r>
           </a:p>
           <a:p>
@@ -17163,7 +16785,7 @@
           <a:p>
             <a:pPr lvl="1"/>
             <a:r>
-              <a:rPr lang="en-US" altLang="ko-KR" dirty="0" smtClean="0">
+              <a:rPr lang="en-US" altLang="ko-KR" dirty="0">
                 <a:solidFill>
                   <a:srgbClr val="008000"/>
                 </a:solidFill>
@@ -17171,18 +16793,7 @@
                 <a:ea typeface="돋움체" panose="020B0609000101010101" pitchFamily="49" charset="-127"/>
                 <a:cs typeface="Consolas" panose="020B0609020204030204" pitchFamily="49" charset="0"/>
               </a:rPr>
-              <a:t>/* </a:t>
-            </a:r>
-            <a:r>
-              <a:rPr lang="en-US" altLang="ko-KR" dirty="0">
-                <a:solidFill>
-                  <a:srgbClr val="008000"/>
-                </a:solidFill>
-                <a:latin typeface="Consolas" panose="020B0609020204030204" pitchFamily="49" charset="0"/>
-                <a:ea typeface="돋움체" panose="020B0609000101010101" pitchFamily="49" charset="-127"/>
-                <a:cs typeface="Consolas" panose="020B0609020204030204" pitchFamily="49" charset="0"/>
-              </a:rPr>
-              <a:t>Large allocation. */</a:t>
+              <a:t>/* Large allocation. */</a:t>
             </a:r>
             <a:endParaRPr lang="en-US" altLang="ko-KR" dirty="0">
               <a:solidFill>
@@ -17196,7 +16807,7 @@
           <a:p>
             <a:pPr lvl="1"/>
             <a:r>
-              <a:rPr lang="en-US" altLang="ko-KR" dirty="0" smtClean="0">
+              <a:rPr lang="en-US" altLang="ko-KR" dirty="0">
                 <a:solidFill>
                   <a:srgbClr val="808080"/>
                 </a:solidFill>
@@ -17207,7 +16818,7 @@
               <a:t>size</a:t>
             </a:r>
             <a:r>
-              <a:rPr lang="en-US" altLang="ko-KR" dirty="0" smtClean="0">
+              <a:rPr lang="en-US" altLang="ko-KR" dirty="0">
                 <a:solidFill>
                   <a:srgbClr val="000000"/>
                 </a:solidFill>
@@ -17215,7 +16826,18 @@
                 <a:ea typeface="돋움체" panose="020B0609000101010101" pitchFamily="49" charset="-127"/>
                 <a:cs typeface="Consolas" panose="020B0609020204030204" pitchFamily="49" charset="0"/>
               </a:rPr>
-              <a:t> </a:t>
+              <a:t> = </a:t>
+            </a:r>
+            <a:r>
+              <a:rPr lang="en-US" altLang="ko-KR" dirty="0">
+                <a:solidFill>
+                  <a:srgbClr val="6F008A"/>
+                </a:solidFill>
+                <a:latin typeface="Consolas" panose="020B0609020204030204" pitchFamily="49" charset="0"/>
+                <a:ea typeface="돋움체" panose="020B0609000101010101" pitchFamily="49" charset="-127"/>
+                <a:cs typeface="Consolas" panose="020B0609020204030204" pitchFamily="49" charset="0"/>
+              </a:rPr>
+              <a:t>PAGE_CEILING</a:t>
             </a:r>
             <a:r>
               <a:rPr lang="en-US" altLang="ko-KR" dirty="0">
@@ -17226,8 +16848,33 @@
                 <a:ea typeface="돋움체" panose="020B0609000101010101" pitchFamily="49" charset="-127"/>
                 <a:cs typeface="Consolas" panose="020B0609020204030204" pitchFamily="49" charset="0"/>
               </a:rPr>
-              <a:t>= </a:t>
-            </a:r>
+              <a:t>(</a:t>
+            </a:r>
+            <a:r>
+              <a:rPr lang="en-US" altLang="ko-KR" dirty="0">
+                <a:solidFill>
+                  <a:srgbClr val="808080"/>
+                </a:solidFill>
+                <a:latin typeface="Consolas" panose="020B0609020204030204" pitchFamily="49" charset="0"/>
+                <a:ea typeface="돋움체" panose="020B0609000101010101" pitchFamily="49" charset="-127"/>
+                <a:cs typeface="Consolas" panose="020B0609020204030204" pitchFamily="49" charset="0"/>
+              </a:rPr>
+              <a:t>size</a:t>
+            </a:r>
+            <a:r>
+              <a:rPr lang="en-US" altLang="ko-KR" dirty="0">
+                <a:solidFill>
+                  <a:srgbClr val="000000"/>
+                </a:solidFill>
+                <a:latin typeface="Consolas" panose="020B0609020204030204" pitchFamily="49" charset="0"/>
+                <a:ea typeface="돋움체" panose="020B0609000101010101" pitchFamily="49" charset="-127"/>
+                <a:cs typeface="Consolas" panose="020B0609020204030204" pitchFamily="49" charset="0"/>
+              </a:rPr>
+              <a:t>);</a:t>
+            </a:r>
+          </a:p>
+          <a:p>
+            <a:pPr lvl="1"/>
             <a:r>
               <a:rPr lang="en-US" altLang="ko-KR" dirty="0">
                 <a:solidFill>
@@ -17237,7 +16884,7 @@
                 <a:ea typeface="돋움체" panose="020B0609000101010101" pitchFamily="49" charset="-127"/>
                 <a:cs typeface="Consolas" panose="020B0609020204030204" pitchFamily="49" charset="0"/>
               </a:rPr>
-              <a:t>PAGE_CEILING</a:t>
+              <a:t>malloc_mutex_lock</a:t>
             </a:r>
             <a:r>
               <a:rPr lang="en-US" altLang="ko-KR" dirty="0">
@@ -17248,7 +16895,7 @@
                 <a:ea typeface="돋움체" panose="020B0609000101010101" pitchFamily="49" charset="-127"/>
                 <a:cs typeface="Consolas" panose="020B0609020204030204" pitchFamily="49" charset="0"/>
               </a:rPr>
-              <a:t>(</a:t>
+              <a:t>(&amp;</a:t>
             </a:r>
             <a:r>
               <a:rPr lang="en-US" altLang="ko-KR" dirty="0">
@@ -17259,7 +16906,7 @@
                 <a:ea typeface="돋움체" panose="020B0609000101010101" pitchFamily="49" charset="-127"/>
                 <a:cs typeface="Consolas" panose="020B0609020204030204" pitchFamily="49" charset="0"/>
               </a:rPr>
-              <a:t>size</a:t>
+              <a:t>arena</a:t>
             </a:r>
             <a:r>
               <a:rPr lang="en-US" altLang="ko-KR" dirty="0">
@@ -17270,22 +16917,11 @@
                 <a:ea typeface="돋움체" panose="020B0609000101010101" pitchFamily="49" charset="-127"/>
                 <a:cs typeface="Consolas" panose="020B0609020204030204" pitchFamily="49" charset="0"/>
               </a:rPr>
-              <a:t>);</a:t>
+              <a:t>-&gt;lock);</a:t>
             </a:r>
           </a:p>
           <a:p>
             <a:pPr lvl="1"/>
-            <a:r>
-              <a:rPr lang="en-US" altLang="ko-KR" dirty="0" err="1" smtClean="0">
-                <a:solidFill>
-                  <a:srgbClr val="6F008A"/>
-                </a:solidFill>
-                <a:latin typeface="Consolas" panose="020B0609020204030204" pitchFamily="49" charset="0"/>
-                <a:ea typeface="돋움체" panose="020B0609000101010101" pitchFamily="49" charset="-127"/>
-                <a:cs typeface="Consolas" panose="020B0609020204030204" pitchFamily="49" charset="0"/>
-              </a:rPr>
-              <a:t>malloc_mutex_lock</a:t>
-            </a:r>
             <a:r>
               <a:rPr lang="en-US" altLang="ko-KR" dirty="0">
                 <a:solidFill>
@@ -17295,7 +16931,29 @@
                 <a:ea typeface="돋움체" panose="020B0609000101010101" pitchFamily="49" charset="-127"/>
                 <a:cs typeface="Consolas" panose="020B0609020204030204" pitchFamily="49" charset="0"/>
               </a:rPr>
-              <a:t>(&amp;</a:t>
+              <a:t>ret = (</a:t>
+            </a:r>
+            <a:r>
+              <a:rPr lang="en-US" altLang="ko-KR" dirty="0">
+                <a:solidFill>
+                  <a:srgbClr val="0000FF"/>
+                </a:solidFill>
+                <a:latin typeface="Consolas" panose="020B0609020204030204" pitchFamily="49" charset="0"/>
+                <a:ea typeface="돋움체" panose="020B0609000101010101" pitchFamily="49" charset="-127"/>
+                <a:cs typeface="Consolas" panose="020B0609020204030204" pitchFamily="49" charset="0"/>
+              </a:rPr>
+              <a:t>void</a:t>
+            </a:r>
+            <a:r>
+              <a:rPr lang="en-US" altLang="ko-KR" dirty="0">
+                <a:solidFill>
+                  <a:srgbClr val="000000"/>
+                </a:solidFill>
+                <a:latin typeface="Consolas" panose="020B0609020204030204" pitchFamily="49" charset="0"/>
+                <a:ea typeface="돋움체" panose="020B0609000101010101" pitchFamily="49" charset="-127"/>
+                <a:cs typeface="Consolas" panose="020B0609020204030204" pitchFamily="49" charset="0"/>
+              </a:rPr>
+              <a:t> *)arena_run_alloc_large(</a:t>
             </a:r>
             <a:r>
               <a:rPr lang="en-US" altLang="ko-KR" dirty="0">
@@ -17317,13 +16975,21 @@
                 <a:ea typeface="돋움체" panose="020B0609000101010101" pitchFamily="49" charset="-127"/>
                 <a:cs typeface="Consolas" panose="020B0609020204030204" pitchFamily="49" charset="0"/>
               </a:rPr>
-              <a:t>-&gt;lock);</a:t>
-            </a:r>
-          </a:p>
-          <a:p>
-            <a:pPr lvl="1"/>
-            <a:r>
-              <a:rPr lang="en-US" altLang="ko-KR" dirty="0" smtClean="0">
+              <a:t>, </a:t>
+            </a:r>
+            <a:r>
+              <a:rPr lang="en-US" altLang="ko-KR" dirty="0">
+                <a:solidFill>
+                  <a:srgbClr val="808080"/>
+                </a:solidFill>
+                <a:latin typeface="Consolas" panose="020B0609020204030204" pitchFamily="49" charset="0"/>
+                <a:ea typeface="돋움체" panose="020B0609000101010101" pitchFamily="49" charset="-127"/>
+                <a:cs typeface="Consolas" panose="020B0609020204030204" pitchFamily="49" charset="0"/>
+              </a:rPr>
+              <a:t>size</a:t>
+            </a:r>
+            <a:r>
+              <a:rPr lang="en-US" altLang="ko-KR" dirty="0">
                 <a:solidFill>
                   <a:srgbClr val="000000"/>
                 </a:solidFill>
@@ -17331,7 +16997,18 @@
                 <a:ea typeface="돋움체" panose="020B0609000101010101" pitchFamily="49" charset="-127"/>
                 <a:cs typeface="Consolas" panose="020B0609020204030204" pitchFamily="49" charset="0"/>
               </a:rPr>
-              <a:t>ret </a:t>
+              <a:t>, </a:t>
+            </a:r>
+            <a:r>
+              <a:rPr lang="en-US" altLang="ko-KR" dirty="0">
+                <a:solidFill>
+                  <a:srgbClr val="808080"/>
+                </a:solidFill>
+                <a:latin typeface="Consolas" panose="020B0609020204030204" pitchFamily="49" charset="0"/>
+                <a:ea typeface="돋움체" panose="020B0609000101010101" pitchFamily="49" charset="-127"/>
+                <a:cs typeface="Consolas" panose="020B0609020204030204" pitchFamily="49" charset="0"/>
+              </a:rPr>
+              <a:t>zero</a:t>
             </a:r>
             <a:r>
               <a:rPr lang="en-US" altLang="ko-KR" dirty="0">
@@ -17342,19 +17019,11 @@
                 <a:ea typeface="돋움체" panose="020B0609000101010101" pitchFamily="49" charset="-127"/>
                 <a:cs typeface="Consolas" panose="020B0609020204030204" pitchFamily="49" charset="0"/>
               </a:rPr>
-              <a:t>= (</a:t>
-            </a:r>
-            <a:r>
-              <a:rPr lang="en-US" altLang="ko-KR" dirty="0">
-                <a:solidFill>
-                  <a:srgbClr val="0000FF"/>
-                </a:solidFill>
-                <a:latin typeface="Consolas" panose="020B0609020204030204" pitchFamily="49" charset="0"/>
-                <a:ea typeface="돋움체" panose="020B0609000101010101" pitchFamily="49" charset="-127"/>
-                <a:cs typeface="Consolas" panose="020B0609020204030204" pitchFamily="49" charset="0"/>
-              </a:rPr>
-              <a:t>void</a:t>
-            </a:r>
+              <a:t>);</a:t>
+            </a:r>
+          </a:p>
+          <a:p>
+            <a:pPr lvl="1"/>
             <a:r>
               <a:rPr lang="en-US" altLang="ko-KR" dirty="0">
                 <a:solidFill>
@@ -17364,118 +17033,8 @@
                 <a:ea typeface="돋움체" panose="020B0609000101010101" pitchFamily="49" charset="-127"/>
                 <a:cs typeface="Consolas" panose="020B0609020204030204" pitchFamily="49" charset="0"/>
               </a:rPr>
-              <a:t> *)</a:t>
-            </a:r>
-            <a:r>
-              <a:rPr lang="en-US" altLang="ko-KR" dirty="0" err="1">
-                <a:solidFill>
-                  <a:srgbClr val="000000"/>
-                </a:solidFill>
-                <a:latin typeface="Consolas" panose="020B0609020204030204" pitchFamily="49" charset="0"/>
-                <a:ea typeface="돋움체" panose="020B0609000101010101" pitchFamily="49" charset="-127"/>
-                <a:cs typeface="Consolas" panose="020B0609020204030204" pitchFamily="49" charset="0"/>
-              </a:rPr>
-              <a:t>arena_run_alloc_large</a:t>
-            </a:r>
-            <a:r>
-              <a:rPr lang="en-US" altLang="ko-KR" dirty="0">
-                <a:solidFill>
-                  <a:srgbClr val="000000"/>
-                </a:solidFill>
-                <a:latin typeface="Consolas" panose="020B0609020204030204" pitchFamily="49" charset="0"/>
-                <a:ea typeface="돋움체" panose="020B0609000101010101" pitchFamily="49" charset="-127"/>
-                <a:cs typeface="Consolas" panose="020B0609020204030204" pitchFamily="49" charset="0"/>
-              </a:rPr>
-              <a:t>(</a:t>
-            </a:r>
-            <a:r>
-              <a:rPr lang="en-US" altLang="ko-KR" dirty="0">
-                <a:solidFill>
-                  <a:srgbClr val="808080"/>
-                </a:solidFill>
-                <a:latin typeface="Consolas" panose="020B0609020204030204" pitchFamily="49" charset="0"/>
-                <a:ea typeface="돋움체" panose="020B0609000101010101" pitchFamily="49" charset="-127"/>
-                <a:cs typeface="Consolas" panose="020B0609020204030204" pitchFamily="49" charset="0"/>
-              </a:rPr>
-              <a:t>arena</a:t>
-            </a:r>
-            <a:r>
-              <a:rPr lang="en-US" altLang="ko-KR" dirty="0">
-                <a:solidFill>
-                  <a:srgbClr val="000000"/>
-                </a:solidFill>
-                <a:latin typeface="Consolas" panose="020B0609020204030204" pitchFamily="49" charset="0"/>
-                <a:ea typeface="돋움체" panose="020B0609000101010101" pitchFamily="49" charset="-127"/>
-                <a:cs typeface="Consolas" panose="020B0609020204030204" pitchFamily="49" charset="0"/>
-              </a:rPr>
-              <a:t>, </a:t>
-            </a:r>
-            <a:r>
-              <a:rPr lang="en-US" altLang="ko-KR" dirty="0">
-                <a:solidFill>
-                  <a:srgbClr val="808080"/>
-                </a:solidFill>
-                <a:latin typeface="Consolas" panose="020B0609020204030204" pitchFamily="49" charset="0"/>
-                <a:ea typeface="돋움체" panose="020B0609000101010101" pitchFamily="49" charset="-127"/>
-                <a:cs typeface="Consolas" panose="020B0609020204030204" pitchFamily="49" charset="0"/>
-              </a:rPr>
-              <a:t>size</a:t>
-            </a:r>
-            <a:r>
-              <a:rPr lang="en-US" altLang="ko-KR" dirty="0">
-                <a:solidFill>
-                  <a:srgbClr val="000000"/>
-                </a:solidFill>
-                <a:latin typeface="Consolas" panose="020B0609020204030204" pitchFamily="49" charset="0"/>
-                <a:ea typeface="돋움체" panose="020B0609000101010101" pitchFamily="49" charset="-127"/>
-                <a:cs typeface="Consolas" panose="020B0609020204030204" pitchFamily="49" charset="0"/>
-              </a:rPr>
-              <a:t>, </a:t>
-            </a:r>
-            <a:r>
-              <a:rPr lang="en-US" altLang="ko-KR" dirty="0">
-                <a:solidFill>
-                  <a:srgbClr val="808080"/>
-                </a:solidFill>
-                <a:latin typeface="Consolas" panose="020B0609020204030204" pitchFamily="49" charset="0"/>
-                <a:ea typeface="돋움체" panose="020B0609000101010101" pitchFamily="49" charset="-127"/>
-                <a:cs typeface="Consolas" panose="020B0609020204030204" pitchFamily="49" charset="0"/>
-              </a:rPr>
-              <a:t>zero</a:t>
-            </a:r>
-            <a:r>
-              <a:rPr lang="en-US" altLang="ko-KR" dirty="0" smtClean="0">
-                <a:solidFill>
-                  <a:srgbClr val="000000"/>
-                </a:solidFill>
-                <a:latin typeface="Consolas" panose="020B0609020204030204" pitchFamily="49" charset="0"/>
-                <a:ea typeface="돋움체" panose="020B0609000101010101" pitchFamily="49" charset="-127"/>
-                <a:cs typeface="Consolas" panose="020B0609020204030204" pitchFamily="49" charset="0"/>
-              </a:rPr>
-              <a:t>);</a:t>
-            </a:r>
-          </a:p>
-          <a:p>
-            <a:pPr lvl="1"/>
-            <a:r>
-              <a:rPr lang="en-US" altLang="ko-KR" dirty="0" smtClean="0">
-                <a:solidFill>
-                  <a:srgbClr val="000000"/>
-                </a:solidFill>
-                <a:latin typeface="Consolas" panose="020B0609020204030204" pitchFamily="49" charset="0"/>
-                <a:ea typeface="돋움체" panose="020B0609000101010101" pitchFamily="49" charset="-127"/>
-                <a:cs typeface="Consolas" panose="020B0609020204030204" pitchFamily="49" charset="0"/>
-              </a:rPr>
               <a:t>...</a:t>
             </a:r>
-            <a:endParaRPr lang="en-US" altLang="ko-KR" dirty="0">
-              <a:solidFill>
-                <a:srgbClr val="000000"/>
-              </a:solidFill>
-              <a:latin typeface="Consolas" panose="020B0609020204030204" pitchFamily="49" charset="0"/>
-              <a:ea typeface="돋움체" panose="020B0609000101010101" pitchFamily="49" charset="-127"/>
-              <a:cs typeface="Consolas" panose="020B0609020204030204" pitchFamily="49" charset="0"/>
-            </a:endParaRPr>
           </a:p>
         </p:txBody>
       </p:sp>
@@ -17514,7 +17073,7 @@
           <p:cNvPr id="2" name="제목 1">
             <a:extLst>
               <a:ext uri="{FF2B5EF4-FFF2-40B4-BE49-F238E27FC236}">
-                <a16:creationId xmlns:a16="http://schemas.microsoft.com/office/drawing/2014/main" xmlns="" id="{DE938470-D5B9-47B5-9356-902610971B86}"/>
+                <a16:creationId xmlns:a16="http://schemas.microsoft.com/office/drawing/2014/main" id="{DE938470-D5B9-47B5-9356-902610971B86}"/>
               </a:ext>
             </a:extLst>
           </p:cNvPr>
@@ -17531,7 +17090,7 @@
           <a:lstStyle/>
           <a:p>
             <a:r>
-              <a:rPr lang="en-US" altLang="ko-KR" dirty="0" err="1">
+              <a:rPr lang="en-US" altLang="ko-KR" dirty="0">
                 <a:latin typeface="FrankRuehl" panose="020E0503060101010101" pitchFamily="34" charset="-79"/>
                 <a:cs typeface="FrankRuehl" panose="020E0503060101010101" pitchFamily="34" charset="-79"/>
               </a:rPr>
@@ -17549,7 +17108,7 @@
           <p:cNvPr id="3" name="부제목 2">
             <a:extLst>
               <a:ext uri="{FF2B5EF4-FFF2-40B4-BE49-F238E27FC236}">
-                <a16:creationId xmlns:a16="http://schemas.microsoft.com/office/drawing/2014/main" xmlns="" id="{7135E3CC-0384-4CDE-8F1D-C29734627E92}"/>
+                <a16:creationId xmlns:a16="http://schemas.microsoft.com/office/drawing/2014/main" id="{7135E3CC-0384-4CDE-8F1D-C29734627E92}"/>
               </a:ext>
             </a:extLst>
           </p:cNvPr>
@@ -17571,48 +17130,48 @@
               <a:buNone/>
             </a:pPr>
             <a:r>
-              <a:rPr lang="en-US" altLang="ko-KR" sz="2400" dirty="0" err="1">
-                <a:latin typeface="FrankRuehl" panose="020E0503060101010101" pitchFamily="34" charset="-79"/>
-                <a:ea typeface="BusanBada" panose="02000603000000000000" pitchFamily="2" charset="-127"/>
-                <a:cs typeface="FrankRuehl" panose="020E0503060101010101" pitchFamily="34" charset="-79"/>
-              </a:rPr>
-              <a:t>TCMalloc</a:t>
-            </a:r>
-            <a:r>
-              <a:rPr lang="ko-KR" altLang="en-US" sz="2400" dirty="0">
-                <a:latin typeface="BusanBada" panose="02000603000000000000" pitchFamily="2" charset="-127"/>
-                <a:ea typeface="BusanBada" panose="02000603000000000000" pitchFamily="2" charset="-127"/>
-              </a:rPr>
-              <a:t>과 같이 스레드 별 캐시 자료구조를 두어</a:t>
-            </a:r>
-            <a:r>
-              <a:rPr lang="en-US" altLang="ko-KR" sz="2400" dirty="0">
-                <a:latin typeface="BusanBada" panose="02000603000000000000" pitchFamily="2" charset="-127"/>
-                <a:ea typeface="BusanBada" panose="02000603000000000000" pitchFamily="2" charset="-127"/>
-              </a:rPr>
-              <a:t>(</a:t>
-            </a:r>
-            <a:r>
-              <a:rPr lang="en-US" altLang="ko-KR" sz="2400" dirty="0" err="1">
-                <a:latin typeface="FrankRuehl" panose="020E0503060101010101" pitchFamily="34" charset="-79"/>
-                <a:ea typeface="BusanBada" panose="02000603000000000000" pitchFamily="2" charset="-127"/>
-                <a:cs typeface="FrankRuehl" panose="020E0503060101010101" pitchFamily="34" charset="-79"/>
-              </a:rPr>
-              <a:t>tCache</a:t>
-            </a:r>
-            <a:r>
-              <a:rPr lang="en-US" altLang="ko-KR" sz="2400" dirty="0">
-                <a:latin typeface="BusanBada" panose="02000603000000000000" pitchFamily="2" charset="-127"/>
-                <a:ea typeface="BusanBada" panose="02000603000000000000" pitchFamily="2" charset="-127"/>
-              </a:rPr>
-              <a:t>) </a:t>
-            </a:r>
-            <a:r>
               <a:rPr lang="en-US" altLang="ko-KR" sz="2400" dirty="0">
                 <a:latin typeface="FrankRuehl" panose="020E0503060101010101" pitchFamily="34" charset="-79"/>
                 <a:ea typeface="BusanBada" panose="02000603000000000000" pitchFamily="2" charset="-127"/>
                 <a:cs typeface="FrankRuehl" panose="020E0503060101010101" pitchFamily="34" charset="-79"/>
               </a:rPr>
+              <a:t>TCMalloc</a:t>
+            </a:r>
+            <a:r>
+              <a:rPr lang="ko-KR" altLang="en-US" sz="2400" dirty="0">
+                <a:latin typeface="BusanBada" panose="02000603000000000000" pitchFamily="2" charset="-127"/>
+                <a:ea typeface="BusanBada" panose="02000603000000000000" pitchFamily="2" charset="-127"/>
+              </a:rPr>
+              <a:t>과 같이 스레드 별 캐시 자료구조를 두어</a:t>
+            </a:r>
+            <a:r>
+              <a:rPr lang="en-US" altLang="ko-KR" sz="2400" dirty="0">
+                <a:latin typeface="BusanBada" panose="02000603000000000000" pitchFamily="2" charset="-127"/>
+                <a:ea typeface="BusanBada" panose="02000603000000000000" pitchFamily="2" charset="-127"/>
+              </a:rPr>
+              <a:t>(</a:t>
+            </a:r>
+            <a:r>
+              <a:rPr lang="en-US" altLang="ko-KR" sz="2400" dirty="0">
+                <a:latin typeface="FrankRuehl" panose="020E0503060101010101" pitchFamily="34" charset="-79"/>
+                <a:ea typeface="BusanBada" panose="02000603000000000000" pitchFamily="2" charset="-127"/>
+                <a:cs typeface="FrankRuehl" panose="020E0503060101010101" pitchFamily="34" charset="-79"/>
+              </a:rPr>
+              <a:t>tCache</a:t>
+            </a:r>
+            <a:r>
+              <a:rPr lang="en-US" altLang="ko-KR" sz="2400" dirty="0">
+                <a:latin typeface="BusanBada" panose="02000603000000000000" pitchFamily="2" charset="-127"/>
+                <a:ea typeface="BusanBada" panose="02000603000000000000" pitchFamily="2" charset="-127"/>
+              </a:rPr>
+              <a:t>) </a:t>
+            </a:r>
+            <a:r>
+              <a:rPr lang="en-US" altLang="ko-KR" sz="2400" dirty="0">
+                <a:latin typeface="FrankRuehl" panose="020E0503060101010101" pitchFamily="34" charset="-79"/>
+                <a:ea typeface="BusanBada" panose="02000603000000000000" pitchFamily="2" charset="-127"/>
+                <a:cs typeface="FrankRuehl" panose="020E0503060101010101" pitchFamily="34" charset="-79"/>
+              </a:rPr>
               <a:t>Lock</a:t>
             </a:r>
             <a:r>
@@ -17620,41 +17179,20 @@
                 <a:latin typeface="BusanBada" panose="02000603000000000000" pitchFamily="2" charset="-127"/>
                 <a:ea typeface="BusanBada" panose="02000603000000000000" pitchFamily="2" charset="-127"/>
               </a:rPr>
-              <a:t>이나 </a:t>
-            </a:r>
-            <a:r>
-              <a:rPr lang="ko-KR" altLang="en-US" sz="2400">
-                <a:latin typeface="BusanBada" panose="02000603000000000000" pitchFamily="2" charset="-127"/>
-                <a:ea typeface="BusanBada" panose="02000603000000000000" pitchFamily="2" charset="-127"/>
-              </a:rPr>
-              <a:t>아레나를 </a:t>
-            </a:r>
-            <a:r>
-              <a:rPr lang="en-US" altLang="ko-KR" sz="2400" dirty="0" smtClean="0">
-                <a:latin typeface="BusanBada" panose="02000603000000000000" pitchFamily="2" charset="-127"/>
-                <a:ea typeface="BusanBada" panose="02000603000000000000" pitchFamily="2" charset="-127"/>
-              </a:rPr>
-              <a:t/>
+              <a:t>이나 아레나를 </a:t>
             </a:r>
             <a:br>
-              <a:rPr lang="en-US" altLang="ko-KR" sz="2400" dirty="0" smtClean="0">
+              <a:rPr lang="en-US" altLang="ko-KR" sz="2400" dirty="0">
                 <a:latin typeface="BusanBada" panose="02000603000000000000" pitchFamily="2" charset="-127"/>
                 <a:ea typeface="BusanBada" panose="02000603000000000000" pitchFamily="2" charset="-127"/>
               </a:rPr>
             </a:br>
             <a:r>
-              <a:rPr lang="ko-KR" altLang="en-US" sz="2400" smtClean="0">
-                <a:latin typeface="BusanBada" panose="02000603000000000000" pitchFamily="2" charset="-127"/>
-                <a:ea typeface="BusanBada" panose="02000603000000000000" pitchFamily="2" charset="-127"/>
-              </a:rPr>
-              <a:t>탐색하지 </a:t>
-            </a:r>
-            <a:r>
               <a:rPr lang="ko-KR" altLang="en-US" sz="2400" dirty="0">
                 <a:latin typeface="BusanBada" panose="02000603000000000000" pitchFamily="2" charset="-127"/>
                 <a:ea typeface="BusanBada" panose="02000603000000000000" pitchFamily="2" charset="-127"/>
               </a:rPr>
-              <a:t>않고</a:t>
+              <a:t>탐색하지 않고</a:t>
             </a:r>
             <a:r>
               <a:rPr lang="en-US" altLang="ko-KR" sz="2400" dirty="0">
@@ -17668,17 +17206,10 @@
                 <a:latin typeface="BusanBada" panose="02000603000000000000" pitchFamily="2" charset="-127"/>
                 <a:ea typeface="BusanBada" panose="02000603000000000000" pitchFamily="2" charset="-127"/>
               </a:rPr>
-              <a:t>메모리를 할당 받을 수 있게 </a:t>
-            </a:r>
-            <a:r>
-              <a:rPr lang="ko-KR" altLang="en-US" sz="2400">
-                <a:latin typeface="BusanBada" panose="02000603000000000000" pitchFamily="2" charset="-127"/>
-                <a:ea typeface="BusanBada" panose="02000603000000000000" pitchFamily="2" charset="-127"/>
-              </a:rPr>
-              <a:t>함</a:t>
-            </a:r>
-            <a:r>
-              <a:rPr lang="en-US" altLang="ko-KR" sz="2400" dirty="0" smtClean="0">
+              <a:t>메모리를 할당 받을 수 있게 함</a:t>
+            </a:r>
+            <a:r>
+              <a:rPr lang="en-US" altLang="ko-KR" sz="2400" dirty="0">
                 <a:latin typeface="BusanBada" panose="02000603000000000000" pitchFamily="2" charset="-127"/>
                 <a:ea typeface="BusanBada" panose="02000603000000000000" pitchFamily="2" charset="-127"/>
               </a:rPr>
@@ -17698,7 +17229,7 @@
             <a:pPr marL="0" indent="0">
               <a:buNone/>
             </a:pPr>
-            <a:endParaRPr lang="en-US" altLang="ko-KR" sz="2400" dirty="0" smtClean="0">
+            <a:endParaRPr lang="en-US" altLang="ko-KR" sz="2400" dirty="0">
               <a:latin typeface="BusanBada" panose="02000603000000000000" pitchFamily="2" charset="-127"/>
               <a:ea typeface="BusanBada" panose="02000603000000000000" pitchFamily="2" charset="-127"/>
             </a:endParaRPr>
@@ -17716,7 +17247,7 @@
             <a:pPr marL="0" indent="0">
               <a:buNone/>
             </a:pPr>
-            <a:endParaRPr lang="en-US" altLang="ko-KR" sz="2400" dirty="0" smtClean="0">
+            <a:endParaRPr lang="en-US" altLang="ko-KR" sz="2400" dirty="0">
               <a:latin typeface="BusanBada" panose="02000603000000000000" pitchFamily="2" charset="-127"/>
               <a:ea typeface="BusanBada" panose="02000603000000000000" pitchFamily="2" charset="-127"/>
             </a:endParaRPr>
@@ -17725,7 +17256,7 @@
             <a:pPr marL="0" indent="0">
               <a:buNone/>
             </a:pPr>
-            <a:endParaRPr lang="en-US" altLang="ko-KR" sz="2400" dirty="0" smtClean="0">
+            <a:endParaRPr lang="en-US" altLang="ko-KR" sz="2400" dirty="0">
               <a:latin typeface="BusanBada" panose="02000603000000000000" pitchFamily="2" charset="-127"/>
               <a:ea typeface="BusanBada" panose="02000603000000000000" pitchFamily="2" charset="-127"/>
             </a:endParaRPr>
@@ -17783,7 +17314,7 @@
           </a:p>
           <a:p>
             <a:r>
-              <a:rPr lang="en-US" altLang="ko-KR" dirty="0" err="1">
+              <a:rPr lang="en-US" altLang="ko-KR" dirty="0">
                 <a:solidFill>
                   <a:srgbClr val="6F008A"/>
                 </a:solidFill>
@@ -17805,7 +17336,7 @@
               <a:t>(</a:t>
             </a:r>
             <a:r>
-              <a:rPr lang="en-US" altLang="ko-KR" dirty="0" err="1">
+              <a:rPr lang="en-US" altLang="ko-KR" dirty="0">
                 <a:solidFill>
                   <a:srgbClr val="2B91AF"/>
                 </a:solidFill>
@@ -17827,7 +17358,7 @@
               <a:t> *</a:t>
             </a:r>
             <a:r>
-              <a:rPr lang="en-US" altLang="ko-KR" dirty="0" err="1">
+              <a:rPr lang="en-US" altLang="ko-KR" dirty="0">
                 <a:solidFill>
                   <a:srgbClr val="808080"/>
                 </a:solidFill>
@@ -17849,7 +17380,7 @@
               <a:t>, </a:t>
             </a:r>
             <a:r>
-              <a:rPr lang="en-US" altLang="ko-KR" dirty="0" err="1">
+              <a:rPr lang="en-US" altLang="ko-KR" dirty="0">
                 <a:solidFill>
                   <a:srgbClr val="2B91AF"/>
                 </a:solidFill>
@@ -17953,7 +17484,7 @@
           <a:p>
             <a:pPr lvl="1"/>
             <a:r>
-              <a:rPr lang="en-US" altLang="ko-KR" dirty="0" smtClean="0">
+              <a:rPr lang="en-US" altLang="ko-KR" dirty="0">
                 <a:solidFill>
                   <a:srgbClr val="0000FF"/>
                 </a:solidFill>
@@ -17964,7 +17495,7 @@
               <a:t>void</a:t>
             </a:r>
             <a:r>
-              <a:rPr lang="en-US" altLang="ko-KR" dirty="0" smtClean="0">
+              <a:rPr lang="en-US" altLang="ko-KR" dirty="0">
                 <a:solidFill>
                   <a:srgbClr val="000000"/>
                 </a:solidFill>
@@ -17972,7 +17503,21 @@
                 <a:ea typeface="돋움체" panose="020B0609000101010101" pitchFamily="49" charset="-127"/>
                 <a:cs typeface="Consolas" panose="020B0609020204030204" pitchFamily="49" charset="0"/>
               </a:rPr>
-              <a:t> </a:t>
+              <a:t> *ret;</a:t>
+            </a:r>
+          </a:p>
+          <a:p>
+            <a:pPr lvl="1"/>
+            <a:r>
+              <a:rPr lang="en-US" altLang="ko-KR" dirty="0">
+                <a:solidFill>
+                  <a:srgbClr val="2B91AF"/>
+                </a:solidFill>
+                <a:latin typeface="Consolas" panose="020B0609020204030204" pitchFamily="49" charset="0"/>
+                <a:ea typeface="돋움체" panose="020B0609000101010101" pitchFamily="49" charset="-127"/>
+                <a:cs typeface="Consolas" panose="020B0609020204030204" pitchFamily="49" charset="0"/>
+              </a:rPr>
+              <a:t>size_t</a:t>
             </a:r>
             <a:r>
               <a:rPr lang="en-US" altLang="ko-KR" dirty="0">
@@ -17983,13 +17528,13 @@
                 <a:ea typeface="돋움체" panose="020B0609000101010101" pitchFamily="49" charset="-127"/>
                 <a:cs typeface="Consolas" panose="020B0609020204030204" pitchFamily="49" charset="0"/>
               </a:rPr>
-              <a:t>*ret;</a:t>
+              <a:t> binind;</a:t>
             </a:r>
           </a:p>
           <a:p>
             <a:pPr lvl="1"/>
             <a:r>
-              <a:rPr lang="en-US" altLang="ko-KR" dirty="0" err="1" smtClean="0">
+              <a:rPr lang="en-US" altLang="ko-KR" dirty="0">
                 <a:solidFill>
                   <a:srgbClr val="2B91AF"/>
                 </a:solidFill>
@@ -17997,10 +17542,10 @@
                 <a:ea typeface="돋움체" panose="020B0609000101010101" pitchFamily="49" charset="-127"/>
                 <a:cs typeface="Consolas" panose="020B0609020204030204" pitchFamily="49" charset="0"/>
               </a:rPr>
-              <a:t>size_t</a:t>
-            </a:r>
-            <a:r>
-              <a:rPr lang="en-US" altLang="ko-KR" dirty="0" smtClean="0">
+              <a:t>tcache_bin_t</a:t>
+            </a:r>
+            <a:r>
+              <a:rPr lang="en-US" altLang="ko-KR" dirty="0">
                 <a:solidFill>
                   <a:srgbClr val="000000"/>
                 </a:solidFill>
@@ -18008,87 +17553,7 @@
                 <a:ea typeface="돋움체" panose="020B0609000101010101" pitchFamily="49" charset="-127"/>
                 <a:cs typeface="Consolas" panose="020B0609020204030204" pitchFamily="49" charset="0"/>
               </a:rPr>
-              <a:t> </a:t>
-            </a:r>
-            <a:r>
-              <a:rPr lang="en-US" altLang="ko-KR" dirty="0" err="1">
-                <a:solidFill>
-                  <a:srgbClr val="000000"/>
-                </a:solidFill>
-                <a:latin typeface="Consolas" panose="020B0609020204030204" pitchFamily="49" charset="0"/>
-                <a:ea typeface="돋움체" panose="020B0609000101010101" pitchFamily="49" charset="-127"/>
-                <a:cs typeface="Consolas" panose="020B0609020204030204" pitchFamily="49" charset="0"/>
-              </a:rPr>
-              <a:t>binind</a:t>
-            </a:r>
-            <a:r>
-              <a:rPr lang="en-US" altLang="ko-KR" dirty="0">
-                <a:solidFill>
-                  <a:srgbClr val="000000"/>
-                </a:solidFill>
-                <a:latin typeface="Consolas" panose="020B0609020204030204" pitchFamily="49" charset="0"/>
-                <a:ea typeface="돋움체" panose="020B0609000101010101" pitchFamily="49" charset="-127"/>
-                <a:cs typeface="Consolas" panose="020B0609020204030204" pitchFamily="49" charset="0"/>
-              </a:rPr>
-              <a:t>;</a:t>
-            </a:r>
-          </a:p>
-          <a:p>
-            <a:pPr lvl="1"/>
-            <a:r>
-              <a:rPr lang="en-US" altLang="ko-KR" dirty="0" err="1" smtClean="0">
-                <a:solidFill>
-                  <a:srgbClr val="2B91AF"/>
-                </a:solidFill>
-                <a:latin typeface="Consolas" panose="020B0609020204030204" pitchFamily="49" charset="0"/>
-                <a:ea typeface="돋움체" panose="020B0609000101010101" pitchFamily="49" charset="-127"/>
-                <a:cs typeface="Consolas" panose="020B0609020204030204" pitchFamily="49" charset="0"/>
-              </a:rPr>
-              <a:t>tcache_bin_t</a:t>
-            </a:r>
-            <a:r>
-              <a:rPr lang="en-US" altLang="ko-KR" dirty="0" smtClean="0">
-                <a:solidFill>
-                  <a:srgbClr val="000000"/>
-                </a:solidFill>
-                <a:latin typeface="Consolas" panose="020B0609020204030204" pitchFamily="49" charset="0"/>
-                <a:ea typeface="돋움체" panose="020B0609000101010101" pitchFamily="49" charset="-127"/>
-                <a:cs typeface="Consolas" panose="020B0609020204030204" pitchFamily="49" charset="0"/>
-              </a:rPr>
-              <a:t> </a:t>
-            </a:r>
-            <a:r>
-              <a:rPr lang="en-US" altLang="ko-KR" dirty="0">
-                <a:solidFill>
-                  <a:srgbClr val="000000"/>
-                </a:solidFill>
-                <a:latin typeface="Consolas" panose="020B0609020204030204" pitchFamily="49" charset="0"/>
-                <a:ea typeface="돋움체" panose="020B0609000101010101" pitchFamily="49" charset="-127"/>
-                <a:cs typeface="Consolas" panose="020B0609020204030204" pitchFamily="49" charset="0"/>
-              </a:rPr>
-              <a:t>*</a:t>
-            </a:r>
-            <a:r>
-              <a:rPr lang="en-US" altLang="ko-KR" dirty="0" err="1">
-                <a:solidFill>
-                  <a:srgbClr val="000000"/>
-                </a:solidFill>
-                <a:latin typeface="Consolas" panose="020B0609020204030204" pitchFamily="49" charset="0"/>
-                <a:ea typeface="돋움체" panose="020B0609000101010101" pitchFamily="49" charset="-127"/>
-                <a:cs typeface="Consolas" panose="020B0609020204030204" pitchFamily="49" charset="0"/>
-              </a:rPr>
-              <a:t>tbin</a:t>
-            </a:r>
-            <a:r>
-              <a:rPr lang="en-US" altLang="ko-KR" dirty="0">
-                <a:solidFill>
-                  <a:srgbClr val="000000"/>
-                </a:solidFill>
-                <a:latin typeface="Consolas" panose="020B0609020204030204" pitchFamily="49" charset="0"/>
-                <a:ea typeface="돋움체" panose="020B0609000101010101" pitchFamily="49" charset="-127"/>
-                <a:cs typeface="Consolas" panose="020B0609020204030204" pitchFamily="49" charset="0"/>
-              </a:rPr>
-              <a:t>;</a:t>
+              <a:t> *tbin;</a:t>
             </a:r>
           </a:p>
           <a:p>
@@ -18105,7 +17570,7 @@
           <a:p>
             <a:pPr lvl="1"/>
             <a:r>
-              <a:rPr lang="en-US" altLang="ko-KR" dirty="0" err="1">
+              <a:rPr lang="en-US" altLang="ko-KR" dirty="0">
                 <a:solidFill>
                   <a:srgbClr val="000000"/>
                 </a:solidFill>
@@ -18113,7 +17578,18 @@
                 <a:ea typeface="돋움체" panose="020B0609000101010101" pitchFamily="49" charset="-127"/>
                 <a:cs typeface="Consolas" panose="020B0609020204030204" pitchFamily="49" charset="0"/>
               </a:rPr>
-              <a:t>binind</a:t>
+              <a:t>binind = </a:t>
+            </a:r>
+            <a:r>
+              <a:rPr lang="en-US" altLang="ko-KR" dirty="0">
+                <a:solidFill>
+                  <a:srgbClr val="6F008A"/>
+                </a:solidFill>
+                <a:latin typeface="Consolas" panose="020B0609020204030204" pitchFamily="49" charset="0"/>
+                <a:ea typeface="돋움체" panose="020B0609000101010101" pitchFamily="49" charset="-127"/>
+                <a:cs typeface="Consolas" panose="020B0609020204030204" pitchFamily="49" charset="0"/>
+              </a:rPr>
+              <a:t>SMALL_SIZE2BIN</a:t>
             </a:r>
             <a:r>
               <a:rPr lang="en-US" altLang="ko-KR" dirty="0">
@@ -18124,8 +17600,33 @@
                 <a:ea typeface="돋움체" panose="020B0609000101010101" pitchFamily="49" charset="-127"/>
                 <a:cs typeface="Consolas" panose="020B0609020204030204" pitchFamily="49" charset="0"/>
               </a:rPr>
-              <a:t> = </a:t>
-            </a:r>
+              <a:t>(</a:t>
+            </a:r>
+            <a:r>
+              <a:rPr lang="en-US" altLang="ko-KR" dirty="0">
+                <a:solidFill>
+                  <a:srgbClr val="808080"/>
+                </a:solidFill>
+                <a:latin typeface="Consolas" panose="020B0609020204030204" pitchFamily="49" charset="0"/>
+                <a:ea typeface="돋움체" panose="020B0609000101010101" pitchFamily="49" charset="-127"/>
+                <a:cs typeface="Consolas" panose="020B0609020204030204" pitchFamily="49" charset="0"/>
+              </a:rPr>
+              <a:t>size</a:t>
+            </a:r>
+            <a:r>
+              <a:rPr lang="en-US" altLang="ko-KR" dirty="0">
+                <a:solidFill>
+                  <a:srgbClr val="000000"/>
+                </a:solidFill>
+                <a:latin typeface="Consolas" panose="020B0609020204030204" pitchFamily="49" charset="0"/>
+                <a:ea typeface="돋움체" panose="020B0609000101010101" pitchFamily="49" charset="-127"/>
+                <a:cs typeface="Consolas" panose="020B0609020204030204" pitchFamily="49" charset="0"/>
+              </a:rPr>
+              <a:t>);</a:t>
+            </a:r>
+          </a:p>
+          <a:p>
+            <a:pPr lvl="1"/>
             <a:r>
               <a:rPr lang="en-US" altLang="ko-KR" dirty="0">
                 <a:solidFill>
@@ -18135,7 +17636,7 @@
                 <a:ea typeface="돋움체" panose="020B0609000101010101" pitchFamily="49" charset="-127"/>
                 <a:cs typeface="Consolas" panose="020B0609020204030204" pitchFamily="49" charset="0"/>
               </a:rPr>
-              <a:t>SMALL_SIZE2BIN</a:t>
+              <a:t>assert</a:t>
             </a:r>
             <a:r>
               <a:rPr lang="en-US" altLang="ko-KR" dirty="0">
@@ -18146,7 +17647,43 @@
                 <a:ea typeface="돋움체" panose="020B0609000101010101" pitchFamily="49" charset="-127"/>
                 <a:cs typeface="Consolas" panose="020B0609020204030204" pitchFamily="49" charset="0"/>
               </a:rPr>
-              <a:t>(</a:t>
+              <a:t>(binind &lt; </a:t>
+            </a:r>
+            <a:r>
+              <a:rPr lang="en-US" altLang="ko-KR" dirty="0">
+                <a:solidFill>
+                  <a:srgbClr val="6F008A"/>
+                </a:solidFill>
+                <a:latin typeface="Consolas" panose="020B0609020204030204" pitchFamily="49" charset="0"/>
+                <a:ea typeface="돋움체" panose="020B0609000101010101" pitchFamily="49" charset="-127"/>
+                <a:cs typeface="Consolas" panose="020B0609020204030204" pitchFamily="49" charset="0"/>
+              </a:rPr>
+              <a:t>NBINS</a:t>
+            </a:r>
+            <a:r>
+              <a:rPr lang="en-US" altLang="ko-KR" dirty="0">
+                <a:solidFill>
+                  <a:srgbClr val="000000"/>
+                </a:solidFill>
+                <a:latin typeface="Consolas" panose="020B0609020204030204" pitchFamily="49" charset="0"/>
+                <a:ea typeface="돋움체" panose="020B0609000101010101" pitchFamily="49" charset="-127"/>
+                <a:cs typeface="Consolas" panose="020B0609020204030204" pitchFamily="49" charset="0"/>
+              </a:rPr>
+              <a:t>);</a:t>
+            </a:r>
+          </a:p>
+          <a:p>
+            <a:pPr lvl="1"/>
+            <a:r>
+              <a:rPr lang="en-US" altLang="ko-KR" dirty="0">
+                <a:solidFill>
+                  <a:srgbClr val="000000"/>
+                </a:solidFill>
+                <a:latin typeface="Consolas" panose="020B0609020204030204" pitchFamily="49" charset="0"/>
+                <a:ea typeface="돋움체" panose="020B0609000101010101" pitchFamily="49" charset="-127"/>
+                <a:cs typeface="Consolas" panose="020B0609020204030204" pitchFamily="49" charset="0"/>
+              </a:rPr>
+              <a:t>tbin = &amp;</a:t>
             </a:r>
             <a:r>
               <a:rPr lang="en-US" altLang="ko-KR" dirty="0">
@@ -18157,7 +17694,7 @@
                 <a:ea typeface="돋움체" panose="020B0609000101010101" pitchFamily="49" charset="-127"/>
                 <a:cs typeface="Consolas" panose="020B0609020204030204" pitchFamily="49" charset="0"/>
               </a:rPr>
-              <a:t>size</a:t>
+              <a:t>tcache</a:t>
             </a:r>
             <a:r>
               <a:rPr lang="en-US" altLang="ko-KR" dirty="0">
@@ -18168,11 +17705,33 @@
                 <a:ea typeface="돋움체" panose="020B0609000101010101" pitchFamily="49" charset="-127"/>
                 <a:cs typeface="Consolas" panose="020B0609020204030204" pitchFamily="49" charset="0"/>
               </a:rPr>
-              <a:t>);</a:t>
+              <a:t>-&gt;tbins[binind];</a:t>
             </a:r>
           </a:p>
           <a:p>
             <a:pPr lvl="1"/>
+            <a:r>
+              <a:rPr lang="en-US" altLang="ko-KR" dirty="0">
+                <a:solidFill>
+                  <a:srgbClr val="808080"/>
+                </a:solidFill>
+                <a:latin typeface="Consolas" panose="020B0609020204030204" pitchFamily="49" charset="0"/>
+                <a:ea typeface="돋움체" panose="020B0609000101010101" pitchFamily="49" charset="-127"/>
+                <a:cs typeface="Consolas" panose="020B0609020204030204" pitchFamily="49" charset="0"/>
+              </a:rPr>
+              <a:t>size</a:t>
+            </a:r>
+            <a:r>
+              <a:rPr lang="en-US" altLang="ko-KR" dirty="0">
+                <a:solidFill>
+                  <a:srgbClr val="000000"/>
+                </a:solidFill>
+                <a:latin typeface="Consolas" panose="020B0609020204030204" pitchFamily="49" charset="0"/>
+                <a:ea typeface="돋움체" panose="020B0609000101010101" pitchFamily="49" charset="-127"/>
+                <a:cs typeface="Consolas" panose="020B0609020204030204" pitchFamily="49" charset="0"/>
+              </a:rPr>
+              <a:t> = </a:t>
+            </a:r>
             <a:r>
               <a:rPr lang="en-US" altLang="ko-KR" dirty="0">
                 <a:solidFill>
@@ -18182,7 +17741,7 @@
                 <a:ea typeface="돋움체" panose="020B0609000101010101" pitchFamily="49" charset="-127"/>
                 <a:cs typeface="Consolas" panose="020B0609020204030204" pitchFamily="49" charset="0"/>
               </a:rPr>
-              <a:t>assert</a:t>
+              <a:t>arena_bin_info</a:t>
             </a:r>
             <a:r>
               <a:rPr lang="en-US" altLang="ko-KR" dirty="0">
@@ -18193,10 +17752,13 @@
                 <a:ea typeface="돋움체" panose="020B0609000101010101" pitchFamily="49" charset="-127"/>
                 <a:cs typeface="Consolas" panose="020B0609020204030204" pitchFamily="49" charset="0"/>
               </a:rPr>
-              <a:t>(</a:t>
-            </a:r>
-            <a:r>
-              <a:rPr lang="en-US" altLang="ko-KR" dirty="0" err="1">
+              <a:t>[binind].reg_size;</a:t>
+            </a:r>
+          </a:p>
+          <a:p>
+            <a:pPr lvl="1"/>
+            <a:r>
+              <a:rPr lang="en-US" altLang="ko-KR" dirty="0">
                 <a:solidFill>
                   <a:srgbClr val="000000"/>
                 </a:solidFill>
@@ -18204,7 +17766,18 @@
                 <a:ea typeface="돋움체" panose="020B0609000101010101" pitchFamily="49" charset="-127"/>
                 <a:cs typeface="Consolas" panose="020B0609020204030204" pitchFamily="49" charset="0"/>
               </a:rPr>
-              <a:t>binind</a:t>
+              <a:t>ret = </a:t>
+            </a:r>
+            <a:r>
+              <a:rPr lang="en-US" altLang="ko-KR" dirty="0">
+                <a:solidFill>
+                  <a:srgbClr val="6F008A"/>
+                </a:solidFill>
+                <a:latin typeface="Consolas" panose="020B0609020204030204" pitchFamily="49" charset="0"/>
+                <a:ea typeface="돋움체" panose="020B0609000101010101" pitchFamily="49" charset="-127"/>
+                <a:cs typeface="Consolas" panose="020B0609020204030204" pitchFamily="49" charset="0"/>
+              </a:rPr>
+              <a:t>tcache_alloc_easy</a:t>
             </a:r>
             <a:r>
               <a:rPr lang="en-US" altLang="ko-KR" dirty="0">
@@ -18215,19 +17788,11 @@
                 <a:ea typeface="돋움체" panose="020B0609000101010101" pitchFamily="49" charset="-127"/>
                 <a:cs typeface="Consolas" panose="020B0609020204030204" pitchFamily="49" charset="0"/>
               </a:rPr>
-              <a:t> &lt; </a:t>
-            </a:r>
-            <a:r>
-              <a:rPr lang="en-US" altLang="ko-KR" dirty="0">
-                <a:solidFill>
-                  <a:srgbClr val="6F008A"/>
-                </a:solidFill>
-                <a:latin typeface="Consolas" panose="020B0609020204030204" pitchFamily="49" charset="0"/>
-                <a:ea typeface="돋움체" panose="020B0609000101010101" pitchFamily="49" charset="-127"/>
-                <a:cs typeface="Consolas" panose="020B0609020204030204" pitchFamily="49" charset="0"/>
-              </a:rPr>
-              <a:t>NBINS</a:t>
-            </a:r>
+              <a:t>(tbin);</a:t>
+            </a:r>
+          </a:p>
+          <a:p>
+            <a:pPr lvl="1"/>
             <a:r>
               <a:rPr lang="en-US" altLang="ko-KR" dirty="0">
                 <a:solidFill>
@@ -18237,263 +17802,9 @@
                 <a:ea typeface="돋움체" panose="020B0609000101010101" pitchFamily="49" charset="-127"/>
                 <a:cs typeface="Consolas" panose="020B0609020204030204" pitchFamily="49" charset="0"/>
               </a:rPr>
-              <a:t>);</a:t>
-            </a:r>
-          </a:p>
-          <a:p>
-            <a:pPr lvl="1"/>
-            <a:r>
-              <a:rPr lang="en-US" altLang="ko-KR" dirty="0" err="1">
-                <a:solidFill>
-                  <a:srgbClr val="000000"/>
-                </a:solidFill>
-                <a:latin typeface="Consolas" panose="020B0609020204030204" pitchFamily="49" charset="0"/>
-                <a:ea typeface="돋움체" panose="020B0609000101010101" pitchFamily="49" charset="-127"/>
-                <a:cs typeface="Consolas" panose="020B0609020204030204" pitchFamily="49" charset="0"/>
-              </a:rPr>
-              <a:t>tbin</a:t>
-            </a:r>
-            <a:r>
-              <a:rPr lang="en-US" altLang="ko-KR" dirty="0">
-                <a:solidFill>
-                  <a:srgbClr val="000000"/>
-                </a:solidFill>
-                <a:latin typeface="Consolas" panose="020B0609020204030204" pitchFamily="49" charset="0"/>
-                <a:ea typeface="돋움체" panose="020B0609000101010101" pitchFamily="49" charset="-127"/>
-                <a:cs typeface="Consolas" panose="020B0609020204030204" pitchFamily="49" charset="0"/>
-              </a:rPr>
-              <a:t> = &amp;</a:t>
-            </a:r>
-            <a:r>
-              <a:rPr lang="en-US" altLang="ko-KR" dirty="0" err="1">
-                <a:solidFill>
-                  <a:srgbClr val="808080"/>
-                </a:solidFill>
-                <a:latin typeface="Consolas" panose="020B0609020204030204" pitchFamily="49" charset="0"/>
-                <a:ea typeface="돋움체" panose="020B0609000101010101" pitchFamily="49" charset="-127"/>
-                <a:cs typeface="Consolas" panose="020B0609020204030204" pitchFamily="49" charset="0"/>
-              </a:rPr>
-              <a:t>tcache</a:t>
-            </a:r>
-            <a:r>
-              <a:rPr lang="en-US" altLang="ko-KR" dirty="0">
-                <a:solidFill>
-                  <a:srgbClr val="000000"/>
-                </a:solidFill>
-                <a:latin typeface="Consolas" panose="020B0609020204030204" pitchFamily="49" charset="0"/>
-                <a:ea typeface="돋움체" panose="020B0609000101010101" pitchFamily="49" charset="-127"/>
-                <a:cs typeface="Consolas" panose="020B0609020204030204" pitchFamily="49" charset="0"/>
-              </a:rPr>
-              <a:t>-&gt;</a:t>
-            </a:r>
-            <a:r>
-              <a:rPr lang="en-US" altLang="ko-KR" dirty="0" err="1">
-                <a:solidFill>
-                  <a:srgbClr val="000000"/>
-                </a:solidFill>
-                <a:latin typeface="Consolas" panose="020B0609020204030204" pitchFamily="49" charset="0"/>
-                <a:ea typeface="돋움체" panose="020B0609000101010101" pitchFamily="49" charset="-127"/>
-                <a:cs typeface="Consolas" panose="020B0609020204030204" pitchFamily="49" charset="0"/>
-              </a:rPr>
-              <a:t>tbins</a:t>
-            </a:r>
-            <a:r>
-              <a:rPr lang="en-US" altLang="ko-KR" dirty="0">
-                <a:solidFill>
-                  <a:srgbClr val="000000"/>
-                </a:solidFill>
-                <a:latin typeface="Consolas" panose="020B0609020204030204" pitchFamily="49" charset="0"/>
-                <a:ea typeface="돋움체" panose="020B0609000101010101" pitchFamily="49" charset="-127"/>
-                <a:cs typeface="Consolas" panose="020B0609020204030204" pitchFamily="49" charset="0"/>
-              </a:rPr>
-              <a:t>[</a:t>
-            </a:r>
-            <a:r>
-              <a:rPr lang="en-US" altLang="ko-KR" dirty="0" err="1">
-                <a:solidFill>
-                  <a:srgbClr val="000000"/>
-                </a:solidFill>
-                <a:latin typeface="Consolas" panose="020B0609020204030204" pitchFamily="49" charset="0"/>
-                <a:ea typeface="돋움체" panose="020B0609000101010101" pitchFamily="49" charset="-127"/>
-                <a:cs typeface="Consolas" panose="020B0609020204030204" pitchFamily="49" charset="0"/>
-              </a:rPr>
-              <a:t>binind</a:t>
-            </a:r>
-            <a:r>
-              <a:rPr lang="en-US" altLang="ko-KR" dirty="0">
-                <a:solidFill>
-                  <a:srgbClr val="000000"/>
-                </a:solidFill>
-                <a:latin typeface="Consolas" panose="020B0609020204030204" pitchFamily="49" charset="0"/>
-                <a:ea typeface="돋움체" panose="020B0609000101010101" pitchFamily="49" charset="-127"/>
-                <a:cs typeface="Consolas" panose="020B0609020204030204" pitchFamily="49" charset="0"/>
-              </a:rPr>
-              <a:t>];</a:t>
-            </a:r>
-          </a:p>
-          <a:p>
-            <a:pPr lvl="1"/>
-            <a:r>
-              <a:rPr lang="en-US" altLang="ko-KR" dirty="0">
-                <a:solidFill>
-                  <a:srgbClr val="808080"/>
-                </a:solidFill>
-                <a:latin typeface="Consolas" panose="020B0609020204030204" pitchFamily="49" charset="0"/>
-                <a:ea typeface="돋움체" panose="020B0609000101010101" pitchFamily="49" charset="-127"/>
-                <a:cs typeface="Consolas" panose="020B0609020204030204" pitchFamily="49" charset="0"/>
-              </a:rPr>
-              <a:t>size</a:t>
-            </a:r>
-            <a:r>
-              <a:rPr lang="en-US" altLang="ko-KR" dirty="0">
-                <a:solidFill>
-                  <a:srgbClr val="000000"/>
-                </a:solidFill>
-                <a:latin typeface="Consolas" panose="020B0609020204030204" pitchFamily="49" charset="0"/>
-                <a:ea typeface="돋움체" panose="020B0609000101010101" pitchFamily="49" charset="-127"/>
-                <a:cs typeface="Consolas" panose="020B0609020204030204" pitchFamily="49" charset="0"/>
-              </a:rPr>
-              <a:t> = </a:t>
-            </a:r>
-            <a:r>
-              <a:rPr lang="en-US" altLang="ko-KR" dirty="0" err="1">
-                <a:solidFill>
-                  <a:srgbClr val="6F008A"/>
-                </a:solidFill>
-                <a:latin typeface="Consolas" panose="020B0609020204030204" pitchFamily="49" charset="0"/>
-                <a:ea typeface="돋움체" panose="020B0609000101010101" pitchFamily="49" charset="-127"/>
-                <a:cs typeface="Consolas" panose="020B0609020204030204" pitchFamily="49" charset="0"/>
-              </a:rPr>
-              <a:t>arena_bin_info</a:t>
-            </a:r>
-            <a:r>
-              <a:rPr lang="en-US" altLang="ko-KR" dirty="0">
-                <a:solidFill>
-                  <a:srgbClr val="000000"/>
-                </a:solidFill>
-                <a:latin typeface="Consolas" panose="020B0609020204030204" pitchFamily="49" charset="0"/>
-                <a:ea typeface="돋움체" panose="020B0609000101010101" pitchFamily="49" charset="-127"/>
-                <a:cs typeface="Consolas" panose="020B0609020204030204" pitchFamily="49" charset="0"/>
-              </a:rPr>
-              <a:t>[</a:t>
-            </a:r>
-            <a:r>
-              <a:rPr lang="en-US" altLang="ko-KR" dirty="0" err="1">
-                <a:solidFill>
-                  <a:srgbClr val="000000"/>
-                </a:solidFill>
-                <a:latin typeface="Consolas" panose="020B0609020204030204" pitchFamily="49" charset="0"/>
-                <a:ea typeface="돋움체" panose="020B0609000101010101" pitchFamily="49" charset="-127"/>
-                <a:cs typeface="Consolas" panose="020B0609020204030204" pitchFamily="49" charset="0"/>
-              </a:rPr>
-              <a:t>binind</a:t>
-            </a:r>
-            <a:r>
-              <a:rPr lang="en-US" altLang="ko-KR" dirty="0">
-                <a:solidFill>
-                  <a:srgbClr val="000000"/>
-                </a:solidFill>
-                <a:latin typeface="Consolas" panose="020B0609020204030204" pitchFamily="49" charset="0"/>
-                <a:ea typeface="돋움체" panose="020B0609000101010101" pitchFamily="49" charset="-127"/>
-                <a:cs typeface="Consolas" panose="020B0609020204030204" pitchFamily="49" charset="0"/>
-              </a:rPr>
-              <a:t>].</a:t>
-            </a:r>
-            <a:r>
-              <a:rPr lang="en-US" altLang="ko-KR" dirty="0" err="1">
-                <a:solidFill>
-                  <a:srgbClr val="000000"/>
-                </a:solidFill>
-                <a:latin typeface="Consolas" panose="020B0609020204030204" pitchFamily="49" charset="0"/>
-                <a:ea typeface="돋움체" panose="020B0609000101010101" pitchFamily="49" charset="-127"/>
-                <a:cs typeface="Consolas" panose="020B0609020204030204" pitchFamily="49" charset="0"/>
-              </a:rPr>
-              <a:t>reg_size</a:t>
-            </a:r>
-            <a:r>
-              <a:rPr lang="en-US" altLang="ko-KR" dirty="0">
-                <a:solidFill>
-                  <a:srgbClr val="000000"/>
-                </a:solidFill>
-                <a:latin typeface="Consolas" panose="020B0609020204030204" pitchFamily="49" charset="0"/>
-                <a:ea typeface="돋움체" panose="020B0609000101010101" pitchFamily="49" charset="-127"/>
-                <a:cs typeface="Consolas" panose="020B0609020204030204" pitchFamily="49" charset="0"/>
-              </a:rPr>
-              <a:t>;</a:t>
-            </a:r>
-          </a:p>
-          <a:p>
-            <a:pPr lvl="1"/>
-            <a:r>
-              <a:rPr lang="en-US" altLang="ko-KR" dirty="0">
-                <a:solidFill>
-                  <a:srgbClr val="000000"/>
-                </a:solidFill>
-                <a:latin typeface="Consolas" panose="020B0609020204030204" pitchFamily="49" charset="0"/>
-                <a:ea typeface="돋움체" panose="020B0609000101010101" pitchFamily="49" charset="-127"/>
-                <a:cs typeface="Consolas" panose="020B0609020204030204" pitchFamily="49" charset="0"/>
-              </a:rPr>
-              <a:t>ret = </a:t>
-            </a:r>
-            <a:r>
-              <a:rPr lang="en-US" altLang="ko-KR" dirty="0" err="1">
-                <a:solidFill>
-                  <a:srgbClr val="6F008A"/>
-                </a:solidFill>
-                <a:latin typeface="Consolas" panose="020B0609020204030204" pitchFamily="49" charset="0"/>
-                <a:ea typeface="돋움체" panose="020B0609000101010101" pitchFamily="49" charset="-127"/>
-                <a:cs typeface="Consolas" panose="020B0609020204030204" pitchFamily="49" charset="0"/>
-              </a:rPr>
-              <a:t>tcache_alloc_easy</a:t>
-            </a:r>
-            <a:r>
-              <a:rPr lang="en-US" altLang="ko-KR" dirty="0">
-                <a:solidFill>
-                  <a:srgbClr val="000000"/>
-                </a:solidFill>
-                <a:latin typeface="Consolas" panose="020B0609020204030204" pitchFamily="49" charset="0"/>
-                <a:ea typeface="돋움체" panose="020B0609000101010101" pitchFamily="49" charset="-127"/>
-                <a:cs typeface="Consolas" panose="020B0609020204030204" pitchFamily="49" charset="0"/>
-              </a:rPr>
-              <a:t>(</a:t>
-            </a:r>
-            <a:r>
-              <a:rPr lang="en-US" altLang="ko-KR" dirty="0" err="1">
-                <a:solidFill>
-                  <a:srgbClr val="000000"/>
-                </a:solidFill>
-                <a:latin typeface="Consolas" panose="020B0609020204030204" pitchFamily="49" charset="0"/>
-                <a:ea typeface="돋움체" panose="020B0609000101010101" pitchFamily="49" charset="-127"/>
-                <a:cs typeface="Consolas" panose="020B0609020204030204" pitchFamily="49" charset="0"/>
-              </a:rPr>
-              <a:t>tbin</a:t>
-            </a:r>
-            <a:r>
-              <a:rPr lang="en-US" altLang="ko-KR" dirty="0" smtClean="0">
-                <a:solidFill>
-                  <a:srgbClr val="000000"/>
-                </a:solidFill>
-                <a:latin typeface="Consolas" panose="020B0609020204030204" pitchFamily="49" charset="0"/>
-                <a:ea typeface="돋움체" panose="020B0609000101010101" pitchFamily="49" charset="-127"/>
-                <a:cs typeface="Consolas" panose="020B0609020204030204" pitchFamily="49" charset="0"/>
-              </a:rPr>
-              <a:t>);</a:t>
-            </a:r>
-          </a:p>
-          <a:p>
-            <a:pPr lvl="1"/>
-            <a:r>
-              <a:rPr lang="en-US" altLang="ko-KR" dirty="0" smtClean="0">
-                <a:solidFill>
-                  <a:srgbClr val="000000"/>
-                </a:solidFill>
-                <a:latin typeface="Consolas" panose="020B0609020204030204" pitchFamily="49" charset="0"/>
-                <a:ea typeface="돋움체" panose="020B0609000101010101" pitchFamily="49" charset="-127"/>
-                <a:cs typeface="Consolas" panose="020B0609020204030204" pitchFamily="49" charset="0"/>
-              </a:rPr>
               <a:t>...</a:t>
             </a:r>
-            <a:endParaRPr lang="ko-KR" altLang="en-US">
+            <a:endParaRPr lang="ko-KR" altLang="en-US" dirty="0">
               <a:latin typeface="Consolas" panose="020B0609020204030204" pitchFamily="49" charset="0"/>
               <a:cs typeface="Consolas" panose="020B0609020204030204" pitchFamily="49" charset="0"/>
             </a:endParaRPr>
@@ -18535,7 +17846,7 @@
           <p:cNvPr id="2" name="제목 1">
             <a:extLst>
               <a:ext uri="{FF2B5EF4-FFF2-40B4-BE49-F238E27FC236}">
-                <a16:creationId xmlns:a16="http://schemas.microsoft.com/office/drawing/2014/main" xmlns="" id="{DE938470-D5B9-47B5-9356-902610971B86}"/>
+                <a16:creationId xmlns:a16="http://schemas.microsoft.com/office/drawing/2014/main" id="{DE938470-D5B9-47B5-9356-902610971B86}"/>
               </a:ext>
             </a:extLst>
           </p:cNvPr>
@@ -18552,7 +17863,7 @@
           <a:lstStyle/>
           <a:p>
             <a:r>
-              <a:rPr lang="en-US" altLang="ko-KR" dirty="0" err="1">
+              <a:rPr lang="en-US" altLang="ko-KR" dirty="0">
                 <a:latin typeface="FrankRuehl" panose="020E0503060101010101" pitchFamily="34" charset="-79"/>
                 <a:cs typeface="FrankRuehl" panose="020E0503060101010101" pitchFamily="34" charset="-79"/>
               </a:rPr>
@@ -18570,7 +17881,7 @@
           <p:cNvPr id="3" name="부제목 2">
             <a:extLst>
               <a:ext uri="{FF2B5EF4-FFF2-40B4-BE49-F238E27FC236}">
-                <a16:creationId xmlns:a16="http://schemas.microsoft.com/office/drawing/2014/main" xmlns="" id="{7135E3CC-0384-4CDE-8F1D-C29734627E92}"/>
+                <a16:creationId xmlns:a16="http://schemas.microsoft.com/office/drawing/2014/main" id="{7135E3CC-0384-4CDE-8F1D-C29734627E92}"/>
               </a:ext>
             </a:extLst>
           </p:cNvPr>
@@ -18609,7 +17920,7 @@
             <a:pPr marL="0" indent="0">
               <a:buNone/>
             </a:pPr>
-            <a:endParaRPr lang="en-US" altLang="ko-KR" sz="2400" dirty="0" smtClean="0">
+            <a:endParaRPr lang="en-US" altLang="ko-KR" sz="2400" dirty="0">
               <a:latin typeface="BusanBada" panose="02000603000000000000" pitchFamily="2" charset="-127"/>
               <a:ea typeface="BusanBada" panose="02000603000000000000" pitchFamily="2" charset="-127"/>
             </a:endParaRPr>
@@ -18627,7 +17938,7 @@
             <a:pPr marL="0" indent="0">
               <a:buNone/>
             </a:pPr>
-            <a:endParaRPr lang="en-US" altLang="ko-KR" sz="2400" dirty="0" smtClean="0">
+            <a:endParaRPr lang="en-US" altLang="ko-KR" sz="2400" dirty="0">
               <a:latin typeface="BusanBada" panose="02000603000000000000" pitchFamily="2" charset="-127"/>
               <a:ea typeface="BusanBada" panose="02000603000000000000" pitchFamily="2" charset="-127"/>
             </a:endParaRPr>
@@ -18636,7 +17947,7 @@
             <a:pPr marL="0" indent="0">
               <a:buNone/>
             </a:pPr>
-            <a:endParaRPr lang="en-US" altLang="ko-KR" sz="2400" dirty="0" smtClean="0">
+            <a:endParaRPr lang="en-US" altLang="ko-KR" sz="2400" dirty="0">
               <a:latin typeface="BusanBada" panose="02000603000000000000" pitchFamily="2" charset="-127"/>
               <a:ea typeface="BusanBada" panose="02000603000000000000" pitchFamily="2" charset="-127"/>
             </a:endParaRPr>
@@ -18719,7 +18030,7 @@
           <p:cNvPr id="2" name="제목 1">
             <a:extLst>
               <a:ext uri="{FF2B5EF4-FFF2-40B4-BE49-F238E27FC236}">
-                <a16:creationId xmlns:a16="http://schemas.microsoft.com/office/drawing/2014/main" xmlns="" id="{DE938470-D5B9-47B5-9356-902610971B86}"/>
+                <a16:creationId xmlns:a16="http://schemas.microsoft.com/office/drawing/2014/main" id="{DE938470-D5B9-47B5-9356-902610971B86}"/>
               </a:ext>
             </a:extLst>
           </p:cNvPr>
@@ -18736,7 +18047,7 @@
           <a:lstStyle/>
           <a:p>
             <a:r>
-              <a:rPr lang="en-US" altLang="ko-KR" dirty="0" err="1">
+              <a:rPr lang="en-US" altLang="ko-KR" dirty="0">
                 <a:latin typeface="FrankRuehl" panose="020E0503060101010101" pitchFamily="34" charset="-79"/>
                 <a:cs typeface="FrankRuehl" panose="020E0503060101010101" pitchFamily="34" charset="-79"/>
               </a:rPr>
@@ -18754,7 +18065,7 @@
           <p:cNvPr id="3" name="부제목 2">
             <a:extLst>
               <a:ext uri="{FF2B5EF4-FFF2-40B4-BE49-F238E27FC236}">
-                <a16:creationId xmlns:a16="http://schemas.microsoft.com/office/drawing/2014/main" xmlns="" id="{7135E3CC-0384-4CDE-8F1D-C29734627E92}"/>
+                <a16:creationId xmlns:a16="http://schemas.microsoft.com/office/drawing/2014/main" id="{7135E3CC-0384-4CDE-8F1D-C29734627E92}"/>
               </a:ext>
             </a:extLst>
           </p:cNvPr>
@@ -18802,7 +18113,7 @@
               <a:t>그래서인지 </a:t>
             </a:r>
             <a:r>
-              <a:rPr lang="en-US" altLang="ko-KR" sz="2400" dirty="0" smtClean="0">
+              <a:rPr lang="en-US" altLang="ko-KR" sz="2400" dirty="0">
                 <a:latin typeface="FrankRuehl" panose="020E0503060101010101" pitchFamily="34" charset="-79"/>
                 <a:ea typeface="BusanBada" panose="02000603000000000000" pitchFamily="2" charset="-127"/>
                 <a:cs typeface="FrankRuehl" panose="020E0503060101010101" pitchFamily="34" charset="-79"/>
@@ -18810,39 +18121,19 @@
               <a:t>Firefox</a:t>
             </a:r>
             <a:r>
-              <a:rPr lang="ko-KR" altLang="en-US" sz="2400" smtClean="0">
-                <a:latin typeface="BusanBada" panose="02000603000000000000" pitchFamily="2" charset="-127"/>
-                <a:ea typeface="BusanBada" panose="02000603000000000000" pitchFamily="2" charset="-127"/>
-              </a:rPr>
-              <a:t>는 </a:t>
-            </a:r>
-            <a:r>
               <a:rPr lang="ko-KR" altLang="en-US" sz="2400" dirty="0">
                 <a:latin typeface="BusanBada" panose="02000603000000000000" pitchFamily="2" charset="-127"/>
                 <a:ea typeface="BusanBada" panose="02000603000000000000" pitchFamily="2" charset="-127"/>
               </a:rPr>
-              <a:t>꺼놓았다고 함</a:t>
-            </a:r>
-            <a:r>
-              <a:rPr lang="en-US" altLang="ko-KR" sz="2400" dirty="0" smtClean="0">
+              <a:t>는 꺼놓았다고 함</a:t>
+            </a:r>
+            <a:r>
+              <a:rPr lang="en-US" altLang="ko-KR" sz="2400" dirty="0">
                 <a:latin typeface="BusanBada" panose="02000603000000000000" pitchFamily="2" charset="-127"/>
                 <a:ea typeface="BusanBada" panose="02000603000000000000" pitchFamily="2" charset="-127"/>
               </a:rPr>
               <a:t>.</a:t>
             </a:r>
-            <a:endParaRPr lang="en-US" altLang="ko-KR" sz="2400" dirty="0">
-              <a:latin typeface="BusanBada" panose="02000603000000000000" pitchFamily="2" charset="-127"/>
-              <a:ea typeface="BusanBada" panose="02000603000000000000" pitchFamily="2" charset="-127"/>
-            </a:endParaRPr>
-          </a:p>
-          <a:p>
-            <a:pPr marL="0" indent="0">
-              <a:buNone/>
-            </a:pPr>
-            <a:endParaRPr lang="en-US" altLang="ko-KR" sz="2400" dirty="0" smtClean="0">
-              <a:latin typeface="BusanBada" panose="02000603000000000000" pitchFamily="2" charset="-127"/>
-              <a:ea typeface="BusanBada" panose="02000603000000000000" pitchFamily="2" charset="-127"/>
-            </a:endParaRPr>
           </a:p>
           <a:p>
             <a:pPr marL="0" indent="0">
@@ -18857,7 +18148,7 @@
             <a:pPr marL="0" indent="0">
               <a:buNone/>
             </a:pPr>
-            <a:endParaRPr lang="en-US" altLang="ko-KR" sz="2400" dirty="0" smtClean="0">
+            <a:endParaRPr lang="en-US" altLang="ko-KR" sz="2400" dirty="0">
               <a:latin typeface="BusanBada" panose="02000603000000000000" pitchFamily="2" charset="-127"/>
               <a:ea typeface="BusanBada" panose="02000603000000000000" pitchFamily="2" charset="-127"/>
             </a:endParaRPr>
@@ -18866,7 +18157,16 @@
             <a:pPr marL="0" indent="0">
               <a:buNone/>
             </a:pPr>
-            <a:endParaRPr lang="en-US" altLang="ko-KR" sz="2400" dirty="0" smtClean="0">
+            <a:endParaRPr lang="en-US" altLang="ko-KR" sz="2400" dirty="0">
+              <a:latin typeface="BusanBada" panose="02000603000000000000" pitchFamily="2" charset="-127"/>
+              <a:ea typeface="BusanBada" panose="02000603000000000000" pitchFamily="2" charset="-127"/>
+            </a:endParaRPr>
+          </a:p>
+          <a:p>
+            <a:pPr marL="0" indent="0">
+              <a:buNone/>
+            </a:pPr>
+            <a:endParaRPr lang="en-US" altLang="ko-KR" sz="2400" dirty="0">
               <a:latin typeface="BusanBada" panose="02000603000000000000" pitchFamily="2" charset="-127"/>
               <a:ea typeface="BusanBada" panose="02000603000000000000" pitchFamily="2" charset="-127"/>
             </a:endParaRPr>
@@ -18908,7 +18208,7 @@
           <p:cNvPr id="2" name="제목 1">
             <a:extLst>
               <a:ext uri="{FF2B5EF4-FFF2-40B4-BE49-F238E27FC236}">
-                <a16:creationId xmlns:a16="http://schemas.microsoft.com/office/drawing/2014/main" xmlns="" id="{DE938470-D5B9-47B5-9356-902610971B86}"/>
+                <a16:creationId xmlns:a16="http://schemas.microsoft.com/office/drawing/2014/main" id="{DE938470-D5B9-47B5-9356-902610971B86}"/>
               </a:ext>
             </a:extLst>
           </p:cNvPr>
@@ -18943,7 +18243,7 @@
           <p:cNvPr id="3" name="부제목 2">
             <a:extLst>
               <a:ext uri="{FF2B5EF4-FFF2-40B4-BE49-F238E27FC236}">
-                <a16:creationId xmlns:a16="http://schemas.microsoft.com/office/drawing/2014/main" xmlns="" id="{7135E3CC-0384-4CDE-8F1D-C29734627E92}"/>
+                <a16:creationId xmlns:a16="http://schemas.microsoft.com/office/drawing/2014/main" id="{7135E3CC-0384-4CDE-8F1D-C29734627E92}"/>
               </a:ext>
             </a:extLst>
           </p:cNvPr>
@@ -19065,41 +18365,20 @@
                 <a:latin typeface="BusanBada" panose="02000603000000000000" pitchFamily="2" charset="-127"/>
                 <a:ea typeface="BusanBada" panose="02000603000000000000" pitchFamily="2" charset="-127"/>
               </a:rPr>
-              <a:t>메모리 할당 요청이 동일한 </a:t>
-            </a:r>
-            <a:r>
-              <a:rPr lang="ko-KR" altLang="en-US" sz="2400">
-                <a:latin typeface="BusanBada" panose="02000603000000000000" pitchFamily="2" charset="-127"/>
-                <a:ea typeface="BusanBada" panose="02000603000000000000" pitchFamily="2" charset="-127"/>
-              </a:rPr>
-              <a:t>크기로 </a:t>
-            </a:r>
-            <a:r>
-              <a:rPr lang="en-US" altLang="ko-KR" sz="2400" dirty="0" smtClean="0">
-                <a:latin typeface="BusanBada" panose="02000603000000000000" pitchFamily="2" charset="-127"/>
-                <a:ea typeface="BusanBada" panose="02000603000000000000" pitchFamily="2" charset="-127"/>
-              </a:rPr>
-              <a:t/>
+              <a:t>메모리 할당 요청이 동일한 크기로 </a:t>
             </a:r>
             <a:br>
-              <a:rPr lang="en-US" altLang="ko-KR" sz="2400" dirty="0" smtClean="0">
+              <a:rPr lang="en-US" altLang="ko-KR" sz="2400" dirty="0">
                 <a:latin typeface="BusanBada" panose="02000603000000000000" pitchFamily="2" charset="-127"/>
                 <a:ea typeface="BusanBada" panose="02000603000000000000" pitchFamily="2" charset="-127"/>
               </a:rPr>
             </a:br>
             <a:r>
-              <a:rPr lang="ko-KR" altLang="en-US" sz="2400" smtClean="0">
-                <a:latin typeface="BusanBada" panose="02000603000000000000" pitchFamily="2" charset="-127"/>
-                <a:ea typeface="BusanBada" panose="02000603000000000000" pitchFamily="2" charset="-127"/>
-              </a:rPr>
-              <a:t>요청된다는 </a:t>
-            </a:r>
-            <a:r>
               <a:rPr lang="ko-KR" altLang="en-US" sz="2400" dirty="0">
                 <a:latin typeface="BusanBada" panose="02000603000000000000" pitchFamily="2" charset="-127"/>
                 <a:ea typeface="BusanBada" panose="02000603000000000000" pitchFamily="2" charset="-127"/>
               </a:rPr>
-              <a:t>점을 이용하여 효율적인 메모리 할당이 가능</a:t>
+              <a:t>요청된다는 점을 이용하여 효율적인 메모리 할당이 가능</a:t>
             </a:r>
             <a:r>
               <a:rPr lang="en-US" altLang="ko-KR" sz="2400" dirty="0">
@@ -19146,7 +18425,7 @@
           <p:cNvPr id="2" name="제목 1">
             <a:extLst>
               <a:ext uri="{FF2B5EF4-FFF2-40B4-BE49-F238E27FC236}">
-                <a16:creationId xmlns:a16="http://schemas.microsoft.com/office/drawing/2014/main" xmlns="" id="{DE938470-D5B9-47B5-9356-902610971B86}"/>
+                <a16:creationId xmlns:a16="http://schemas.microsoft.com/office/drawing/2014/main" id="{DE938470-D5B9-47B5-9356-902610971B86}"/>
               </a:ext>
             </a:extLst>
           </p:cNvPr>
@@ -19181,7 +18460,7 @@
           <p:cNvPr id="3" name="부제목 2">
             <a:extLst>
               <a:ext uri="{FF2B5EF4-FFF2-40B4-BE49-F238E27FC236}">
-                <a16:creationId xmlns:a16="http://schemas.microsoft.com/office/drawing/2014/main" xmlns="" id="{7135E3CC-0384-4CDE-8F1D-C29734627E92}"/>
+                <a16:creationId xmlns:a16="http://schemas.microsoft.com/office/drawing/2014/main" id="{7135E3CC-0384-4CDE-8F1D-C29734627E92}"/>
               </a:ext>
             </a:extLst>
           </p:cNvPr>
@@ -19223,25 +18502,25 @@
             </a:r>
           </a:p>
           <a:p>
-            <a:pPr marL="0" indent="0">
+            <a:pPr marL="457200" lvl="1" indent="0">
               <a:buNone/>
             </a:pPr>
             <a:r>
-              <a:rPr lang="en-US" altLang="ko-KR" sz="2400" dirty="0">
-                <a:latin typeface="BusanBada" panose="02000603000000000000" pitchFamily="2" charset="-127"/>
-                <a:ea typeface="BusanBada" panose="02000603000000000000" pitchFamily="2" charset="-127"/>
-              </a:rPr>
-              <a:t>	1. </a:t>
-            </a:r>
-            <a:r>
-              <a:rPr lang="ko-KR" altLang="en-US" sz="2400" dirty="0">
+              <a:rPr lang="en-US" altLang="ko-KR" dirty="0">
+                <a:latin typeface="BusanBada" panose="02000603000000000000" pitchFamily="2" charset="-127"/>
+                <a:ea typeface="BusanBada" panose="02000603000000000000" pitchFamily="2" charset="-127"/>
+              </a:rPr>
+              <a:t>1. </a:t>
+            </a:r>
+            <a:r>
+              <a:rPr lang="ko-KR" altLang="en-US" dirty="0">
                 <a:latin typeface="BusanBada" panose="02000603000000000000" pitchFamily="2" charset="-127"/>
                 <a:ea typeface="BusanBada" panose="02000603000000000000" pitchFamily="2" charset="-127"/>
               </a:rPr>
               <a:t>모든 요청의 크기가 같으므로 단편화가 발생하지 않음</a:t>
             </a:r>
             <a:r>
-              <a:rPr lang="en-US" altLang="ko-KR" sz="2400" dirty="0">
+              <a:rPr lang="en-US" altLang="ko-KR" dirty="0">
                 <a:latin typeface="BusanBada" panose="02000603000000000000" pitchFamily="2" charset="-127"/>
                 <a:ea typeface="BusanBada" panose="02000603000000000000" pitchFamily="2" charset="-127"/>
               </a:rPr>
@@ -19249,25 +18528,25 @@
             </a:r>
           </a:p>
           <a:p>
-            <a:pPr marL="0" indent="0">
+            <a:pPr marL="457200" lvl="1" indent="0">
               <a:buNone/>
             </a:pPr>
             <a:r>
-              <a:rPr lang="en-US" altLang="ko-KR" sz="2400" dirty="0">
-                <a:latin typeface="BusanBada" panose="02000603000000000000" pitchFamily="2" charset="-127"/>
-                <a:ea typeface="BusanBada" panose="02000603000000000000" pitchFamily="2" charset="-127"/>
-              </a:rPr>
-              <a:t>	2. </a:t>
-            </a:r>
-            <a:r>
-              <a:rPr lang="ko-KR" altLang="en-US" sz="2400" dirty="0">
+              <a:rPr lang="en-US" altLang="ko-KR" dirty="0">
+                <a:latin typeface="BusanBada" panose="02000603000000000000" pitchFamily="2" charset="-127"/>
+                <a:ea typeface="BusanBada" panose="02000603000000000000" pitchFamily="2" charset="-127"/>
+              </a:rPr>
+              <a:t>2. </a:t>
+            </a:r>
+            <a:r>
+              <a:rPr lang="ko-KR" altLang="en-US" dirty="0">
                 <a:latin typeface="BusanBada" panose="02000603000000000000" pitchFamily="2" charset="-127"/>
                 <a:ea typeface="BusanBada" panose="02000603000000000000" pitchFamily="2" charset="-127"/>
               </a:rPr>
               <a:t>메모리 오버헤드가 적게 구현가능</a:t>
             </a:r>
             <a:r>
-              <a:rPr lang="en-US" altLang="ko-KR" sz="2400" dirty="0">
+              <a:rPr lang="en-US" altLang="ko-KR" dirty="0">
                 <a:latin typeface="BusanBada" panose="02000603000000000000" pitchFamily="2" charset="-127"/>
                 <a:ea typeface="BusanBada" panose="02000603000000000000" pitchFamily="2" charset="-127"/>
               </a:rPr>
@@ -19275,25 +18554,25 @@
             </a:r>
           </a:p>
           <a:p>
-            <a:pPr marL="0" indent="0">
+            <a:pPr marL="457200" lvl="1" indent="0">
               <a:buNone/>
             </a:pPr>
             <a:r>
-              <a:rPr lang="en-US" altLang="ko-KR" sz="2400" dirty="0">
-                <a:latin typeface="BusanBada" panose="02000603000000000000" pitchFamily="2" charset="-127"/>
-                <a:ea typeface="BusanBada" panose="02000603000000000000" pitchFamily="2" charset="-127"/>
-              </a:rPr>
-              <a:t>	3. </a:t>
-            </a:r>
-            <a:r>
-              <a:rPr lang="ko-KR" altLang="en-US" sz="2400" dirty="0">
+              <a:rPr lang="en-US" altLang="ko-KR" dirty="0">
+                <a:latin typeface="BusanBada" panose="02000603000000000000" pitchFamily="2" charset="-127"/>
+                <a:ea typeface="BusanBada" panose="02000603000000000000" pitchFamily="2" charset="-127"/>
+              </a:rPr>
+              <a:t>3. </a:t>
+            </a:r>
+            <a:r>
+              <a:rPr lang="ko-KR" altLang="en-US" dirty="0">
                 <a:latin typeface="BusanBada" panose="02000603000000000000" pitchFamily="2" charset="-127"/>
                 <a:ea typeface="BusanBada" panose="02000603000000000000" pitchFamily="2" charset="-127"/>
               </a:rPr>
               <a:t>메모리 상한선을 지정가능</a:t>
             </a:r>
             <a:r>
-              <a:rPr lang="en-US" altLang="ko-KR" sz="2400" dirty="0">
+              <a:rPr lang="en-US" altLang="ko-KR" dirty="0">
                 <a:latin typeface="BusanBada" panose="02000603000000000000" pitchFamily="2" charset="-127"/>
                 <a:ea typeface="BusanBada" panose="02000603000000000000" pitchFamily="2" charset="-127"/>
               </a:rPr>
@@ -19301,39 +18580,39 @@
             </a:r>
           </a:p>
           <a:p>
-            <a:pPr marL="0" indent="0">
+            <a:pPr marL="457200" lvl="1" indent="0">
               <a:buNone/>
             </a:pPr>
             <a:r>
-              <a:rPr lang="en-US" altLang="ko-KR" sz="2400" dirty="0">
-                <a:latin typeface="BusanBada" panose="02000603000000000000" pitchFamily="2" charset="-127"/>
-                <a:ea typeface="BusanBada" panose="02000603000000000000" pitchFamily="2" charset="-127"/>
-              </a:rPr>
-              <a:t>	4. </a:t>
-            </a:r>
-            <a:r>
-              <a:rPr lang="ko-KR" altLang="en-US" sz="2400" dirty="0">
+              <a:rPr lang="en-US" altLang="ko-KR" dirty="0">
+                <a:latin typeface="BusanBada" panose="02000603000000000000" pitchFamily="2" charset="-127"/>
+                <a:ea typeface="BusanBada" panose="02000603000000000000" pitchFamily="2" charset="-127"/>
+              </a:rPr>
+              <a:t>4. </a:t>
+            </a:r>
+            <a:r>
+              <a:rPr lang="ko-KR" altLang="en-US" dirty="0">
                 <a:latin typeface="BusanBada" panose="02000603000000000000" pitchFamily="2" charset="-127"/>
                 <a:ea typeface="BusanBada" panose="02000603000000000000" pitchFamily="2" charset="-127"/>
               </a:rPr>
               <a:t>할당</a:t>
             </a:r>
             <a:r>
-              <a:rPr lang="en-US" altLang="ko-KR" sz="2400" dirty="0">
+              <a:rPr lang="en-US" altLang="ko-KR" dirty="0">
                 <a:latin typeface="BusanBada" panose="02000603000000000000" pitchFamily="2" charset="-127"/>
                 <a:ea typeface="BusanBada" panose="02000603000000000000" pitchFamily="2" charset="-127"/>
               </a:rPr>
               <a:t>,</a:t>
             </a:r>
             <a:r>
-              <a:rPr lang="ko-KR" altLang="en-US" sz="2400" dirty="0">
+              <a:rPr lang="ko-KR" altLang="en-US" dirty="0">
                 <a:latin typeface="BusanBada" panose="02000603000000000000" pitchFamily="2" charset="-127"/>
                 <a:ea typeface="BusanBada" panose="02000603000000000000" pitchFamily="2" charset="-127"/>
               </a:rPr>
               <a:t> 해제 작업이 매우 간단하여 효과적으로 인라인화 가능</a:t>
             </a:r>
             <a:r>
-              <a:rPr lang="en-US" altLang="ko-KR" sz="2400" dirty="0">
+              <a:rPr lang="en-US" altLang="ko-KR" dirty="0">
                 <a:latin typeface="BusanBada" panose="02000603000000000000" pitchFamily="2" charset="-127"/>
                 <a:ea typeface="BusanBada" panose="02000603000000000000" pitchFamily="2" charset="-127"/>
               </a:rPr>
@@ -19341,25 +18620,25 @@
             </a:r>
           </a:p>
           <a:p>
-            <a:pPr marL="0" indent="0">
+            <a:pPr marL="457200" lvl="1" indent="0">
               <a:buNone/>
             </a:pPr>
             <a:r>
-              <a:rPr lang="en-US" altLang="ko-KR" sz="2400" dirty="0">
-                <a:latin typeface="BusanBada" panose="02000603000000000000" pitchFamily="2" charset="-127"/>
-                <a:ea typeface="BusanBada" panose="02000603000000000000" pitchFamily="2" charset="-127"/>
-              </a:rPr>
-              <a:t>	5. </a:t>
-            </a:r>
-            <a:r>
-              <a:rPr lang="ko-KR" altLang="en-US" sz="2400" dirty="0">
+              <a:rPr lang="en-US" altLang="ko-KR" dirty="0">
+                <a:latin typeface="BusanBada" panose="02000603000000000000" pitchFamily="2" charset="-127"/>
+                <a:ea typeface="BusanBada" panose="02000603000000000000" pitchFamily="2" charset="-127"/>
+              </a:rPr>
+              <a:t>5. </a:t>
+            </a:r>
+            <a:r>
+              <a:rPr lang="ko-KR" altLang="en-US" dirty="0">
                 <a:latin typeface="BusanBada" panose="02000603000000000000" pitchFamily="2" charset="-127"/>
                 <a:ea typeface="BusanBada" panose="02000603000000000000" pitchFamily="2" charset="-127"/>
               </a:rPr>
               <a:t>캐시 친화적</a:t>
             </a:r>
             <a:r>
-              <a:rPr lang="en-US" altLang="ko-KR" sz="2400" dirty="0">
+              <a:rPr lang="en-US" altLang="ko-KR" dirty="0">
                 <a:latin typeface="BusanBada" panose="02000603000000000000" pitchFamily="2" charset="-127"/>
                 <a:ea typeface="BusanBada" panose="02000603000000000000" pitchFamily="2" charset="-127"/>
               </a:rPr>
@@ -19403,7 +18682,7 @@
           <p:cNvPr id="2" name="제목 1">
             <a:extLst>
               <a:ext uri="{FF2B5EF4-FFF2-40B4-BE49-F238E27FC236}">
-                <a16:creationId xmlns:a16="http://schemas.microsoft.com/office/drawing/2014/main" xmlns="" id="{DE938470-D5B9-47B5-9356-902610971B86}"/>
+                <a16:creationId xmlns:a16="http://schemas.microsoft.com/office/drawing/2014/main" id="{DE938470-D5B9-47B5-9356-902610971B86}"/>
               </a:ext>
             </a:extLst>
           </p:cNvPr>
@@ -19438,7 +18717,7 @@
           <p:cNvPr id="3" name="부제목 2">
             <a:extLst>
               <a:ext uri="{FF2B5EF4-FFF2-40B4-BE49-F238E27FC236}">
-                <a16:creationId xmlns:a16="http://schemas.microsoft.com/office/drawing/2014/main" xmlns="" id="{7135E3CC-0384-4CDE-8F1D-C29734627E92}"/>
+                <a16:creationId xmlns:a16="http://schemas.microsoft.com/office/drawing/2014/main" id="{7135E3CC-0384-4CDE-8F1D-C29734627E92}"/>
               </a:ext>
             </a:extLst>
           </p:cNvPr>
@@ -19516,7 +18795,7 @@
           <p:cNvPr id="2" name="제목 1">
             <a:extLst>
               <a:ext uri="{FF2B5EF4-FFF2-40B4-BE49-F238E27FC236}">
-                <a16:creationId xmlns:a16="http://schemas.microsoft.com/office/drawing/2014/main" xmlns="" id="{DE938470-D5B9-47B5-9356-902610971B86}"/>
+                <a16:creationId xmlns:a16="http://schemas.microsoft.com/office/drawing/2014/main" id="{DE938470-D5B9-47B5-9356-902610971B86}"/>
               </a:ext>
             </a:extLst>
           </p:cNvPr>
@@ -19551,7 +18830,7 @@
           <p:cNvPr id="3" name="부제목 2">
             <a:extLst>
               <a:ext uri="{FF2B5EF4-FFF2-40B4-BE49-F238E27FC236}">
-                <a16:creationId xmlns:a16="http://schemas.microsoft.com/office/drawing/2014/main" xmlns="" id="{7135E3CC-0384-4CDE-8F1D-C29734627E92}"/>
+                <a16:creationId xmlns:a16="http://schemas.microsoft.com/office/drawing/2014/main" id="{7135E3CC-0384-4CDE-8F1D-C29734627E92}"/>
               </a:ext>
             </a:extLst>
           </p:cNvPr>
@@ -19577,14 +18856,7 @@
                 <a:latin typeface="BusanBada" panose="02000603000000000000" pitchFamily="2" charset="-127"/>
                 <a:ea typeface="BusanBada" panose="02000603000000000000" pitchFamily="2" charset="-127"/>
               </a:rPr>
-              <a:t>프로세스마다 기본적으로 가지고 있는 </a:t>
-            </a:r>
-            <a:r>
-              <a:rPr lang="ko-KR" altLang="en-US" sz="2400" dirty="0" err="1">
-                <a:latin typeface="BusanBada" panose="02000603000000000000" pitchFamily="2" charset="-127"/>
-                <a:ea typeface="BusanBada" panose="02000603000000000000" pitchFamily="2" charset="-127"/>
-              </a:rPr>
-              <a:t>힙</a:t>
+              <a:t>프로세스마다 기본적으로 가지고 있는 힙</a:t>
             </a:r>
             <a:r>
               <a:rPr lang="en-US" altLang="ko-KR" sz="2400" dirty="0">
@@ -19599,20 +18871,12 @@
               <a:buNone/>
             </a:pPr>
             <a:r>
-              <a:rPr lang="en-US" altLang="ko-KR" sz="2400" dirty="0" err="1">
-                <a:latin typeface="FrankRuehl" panose="020E0503060101010101" pitchFamily="34" charset="-79"/>
-                <a:ea typeface="BusanBada" panose="02000603000000000000" pitchFamily="2" charset="-127"/>
-                <a:cs typeface="FrankRuehl" panose="020E0503060101010101" pitchFamily="34" charset="-79"/>
-              </a:rPr>
-              <a:t>GetProcessHeap</a:t>
-            </a:r>
-            <a:r>
               <a:rPr lang="en-US" altLang="ko-KR" sz="2400" dirty="0">
                 <a:latin typeface="FrankRuehl" panose="020E0503060101010101" pitchFamily="34" charset="-79"/>
                 <a:ea typeface="BusanBada" panose="02000603000000000000" pitchFamily="2" charset="-127"/>
                 <a:cs typeface="FrankRuehl" panose="020E0503060101010101" pitchFamily="34" charset="-79"/>
               </a:rPr>
-              <a:t>()</a:t>
+              <a:t>GetProcessHeap()</a:t>
             </a:r>
             <a:r>
               <a:rPr lang="en-US" altLang="ko-KR" sz="2400" dirty="0">
@@ -19731,21 +18995,7 @@
                 <a:latin typeface="BusanBada" panose="02000603000000000000" pitchFamily="2" charset="-127"/>
                 <a:ea typeface="BusanBada" panose="02000603000000000000" pitchFamily="2" charset="-127"/>
               </a:rPr>
-              <a:t>설정한 크기를 넘어서면 </a:t>
-            </a:r>
-            <a:r>
-              <a:rPr lang="ko-KR" altLang="en-US" sz="2400" dirty="0" err="1">
-                <a:latin typeface="BusanBada" panose="02000603000000000000" pitchFamily="2" charset="-127"/>
-                <a:ea typeface="BusanBada" panose="02000603000000000000" pitchFamily="2" charset="-127"/>
-              </a:rPr>
-              <a:t>힙</a:t>
-            </a:r>
-            <a:r>
-              <a:rPr lang="ko-KR" altLang="en-US" sz="2400" dirty="0">
-                <a:latin typeface="BusanBada" panose="02000603000000000000" pitchFamily="2" charset="-127"/>
-                <a:ea typeface="BusanBada" panose="02000603000000000000" pitchFamily="2" charset="-127"/>
-              </a:rPr>
-              <a:t> 확장이 발생</a:t>
+              <a:t>설정한 크기를 넘어서면 힙 확장이 발생</a:t>
             </a:r>
             <a:r>
               <a:rPr lang="en-US" altLang="ko-KR" sz="2400" dirty="0">
@@ -19760,18 +19010,11 @@
               <a:buNone/>
             </a:pPr>
             <a:r>
-              <a:rPr lang="ko-KR" altLang="en-US" sz="2400" dirty="0" err="1">
-                <a:latin typeface="BusanBada" panose="02000603000000000000" pitchFamily="2" charset="-127"/>
-                <a:ea typeface="BusanBada" panose="02000603000000000000" pitchFamily="2" charset="-127"/>
-              </a:rPr>
-              <a:t>힙</a:t>
-            </a:r>
-            <a:r>
               <a:rPr lang="ko-KR" altLang="en-US" sz="2400" dirty="0">
                 <a:latin typeface="BusanBada" panose="02000603000000000000" pitchFamily="2" charset="-127"/>
                 <a:ea typeface="BusanBada" panose="02000603000000000000" pitchFamily="2" charset="-127"/>
               </a:rPr>
-              <a:t> 확장 시 성능저하가 있을 수 있음</a:t>
+              <a:t>힙 확장 시 성능저하가 있을 수 있음</a:t>
             </a:r>
             <a:r>
               <a:rPr lang="en-US" altLang="ko-KR" sz="2400" dirty="0">
@@ -19797,7 +19040,7 @@
           <p:cNvPr id="6" name="그룹 5">
             <a:extLst>
               <a:ext uri="{FF2B5EF4-FFF2-40B4-BE49-F238E27FC236}">
-                <a16:creationId xmlns:a16="http://schemas.microsoft.com/office/drawing/2014/main" xmlns="" id="{A91CFB30-97D8-4F09-AE61-036C6FE09579}"/>
+                <a16:creationId xmlns:a16="http://schemas.microsoft.com/office/drawing/2014/main" id="{A91CFB30-97D8-4F09-AE61-036C6FE09579}"/>
               </a:ext>
             </a:extLst>
           </p:cNvPr>
@@ -19817,7 +19060,7 @@
             <p:cNvPr id="4" name="그림 3">
               <a:extLst>
                 <a:ext uri="{FF2B5EF4-FFF2-40B4-BE49-F238E27FC236}">
-                  <a16:creationId xmlns:a16="http://schemas.microsoft.com/office/drawing/2014/main" xmlns="" id="{BDA6776C-28FD-4277-A02B-67AA2D69C764}"/>
+                  <a16:creationId xmlns:a16="http://schemas.microsoft.com/office/drawing/2014/main" id="{BDA6776C-28FD-4277-A02B-67AA2D69C764}"/>
                 </a:ext>
               </a:extLst>
             </p:cNvPr>
@@ -19852,7 +19095,7 @@
             <p:cNvPr id="5" name="직사각형 4">
               <a:extLst>
                 <a:ext uri="{FF2B5EF4-FFF2-40B4-BE49-F238E27FC236}">
-                  <a16:creationId xmlns:a16="http://schemas.microsoft.com/office/drawing/2014/main" xmlns="" id="{0320DF64-EF16-4D5E-9C36-1F2033EC11FA}"/>
+                  <a16:creationId xmlns:a16="http://schemas.microsoft.com/office/drawing/2014/main" id="{0320DF64-EF16-4D5E-9C36-1F2033EC11FA}"/>
                 </a:ext>
               </a:extLst>
             </p:cNvPr>
@@ -19895,7 +19138,7 @@
             <a:lstStyle/>
             <a:p>
               <a:pPr algn="ctr"/>
-              <a:endParaRPr lang="ko-KR" altLang="en-US"/>
+              <a:endParaRPr lang="ko-KR" altLang="en-US" dirty="0"/>
             </a:p>
           </p:txBody>
         </p:sp>
@@ -19935,7 +19178,7 @@
           <p:cNvPr id="2" name="제목 1">
             <a:extLst>
               <a:ext uri="{FF2B5EF4-FFF2-40B4-BE49-F238E27FC236}">
-                <a16:creationId xmlns:a16="http://schemas.microsoft.com/office/drawing/2014/main" xmlns="" id="{DE938470-D5B9-47B5-9356-902610971B86}"/>
+                <a16:creationId xmlns:a16="http://schemas.microsoft.com/office/drawing/2014/main" id="{DE938470-D5B9-47B5-9356-902610971B86}"/>
               </a:ext>
             </a:extLst>
           </p:cNvPr>
@@ -19946,7 +19189,12 @@
             <p:ph type="title"/>
           </p:nvPr>
         </p:nvSpPr>
-        <p:spPr/>
+        <p:spPr>
+          <a:xfrm>
+            <a:off x="838200" y="365125"/>
+            <a:ext cx="10515600" cy="1325563"/>
+          </a:xfrm>
+        </p:spPr>
         <p:txBody>
           <a:bodyPr/>
           <a:lstStyle/>
@@ -19970,7 +19218,7 @@
           <p:cNvPr id="3" name="부제목 2">
             <a:extLst>
               <a:ext uri="{FF2B5EF4-FFF2-40B4-BE49-F238E27FC236}">
-                <a16:creationId xmlns:a16="http://schemas.microsoft.com/office/drawing/2014/main" xmlns="" id="{7135E3CC-0384-4CDE-8F1D-C29734627E92}"/>
+                <a16:creationId xmlns:a16="http://schemas.microsoft.com/office/drawing/2014/main" id="{7135E3CC-0384-4CDE-8F1D-C29734627E92}"/>
               </a:ext>
             </a:extLst>
           </p:cNvPr>
@@ -20019,7 +19267,7 @@
           <p:cNvPr id="6" name="표 5">
             <a:extLst>
               <a:ext uri="{FF2B5EF4-FFF2-40B4-BE49-F238E27FC236}">
-                <a16:creationId xmlns:a16="http://schemas.microsoft.com/office/drawing/2014/main" xmlns="" id="{D080E898-C944-44B0-9785-ECAA898CDE57}"/>
+                <a16:creationId xmlns:a16="http://schemas.microsoft.com/office/drawing/2014/main" id="{D080E898-C944-44B0-9785-ECAA898CDE57}"/>
               </a:ext>
             </a:extLst>
           </p:cNvPr>
@@ -20048,7 +19296,7 @@
                 <a:gridCol w="1435608">
                   <a:extLst>
                     <a:ext uri="{9D8B030D-6E8A-4147-A177-3AD203B41FA5}">
-                      <a16:colId xmlns:a16="http://schemas.microsoft.com/office/drawing/2014/main" xmlns="" val="963478319"/>
+                      <a16:colId xmlns:a16="http://schemas.microsoft.com/office/drawing/2014/main" val="963478319"/>
                     </a:ext>
                   </a:extLst>
                 </a:gridCol>
@@ -20077,7 +19325,7 @@
                 </a:tc>
                 <a:extLst>
                   <a:ext uri="{0D108BD9-81ED-4DB2-BD59-A6C34878D82A}">
-                    <a16:rowId xmlns:a16="http://schemas.microsoft.com/office/drawing/2014/main" xmlns="" val="2486287584"/>
+                    <a16:rowId xmlns:a16="http://schemas.microsoft.com/office/drawing/2014/main" val="2486287584"/>
                   </a:ext>
                 </a:extLst>
               </a:tr>
@@ -20105,7 +19353,7 @@
                 </a:tc>
                 <a:extLst>
                   <a:ext uri="{0D108BD9-81ED-4DB2-BD59-A6C34878D82A}">
-                    <a16:rowId xmlns:a16="http://schemas.microsoft.com/office/drawing/2014/main" xmlns="" val="3528885896"/>
+                    <a16:rowId xmlns:a16="http://schemas.microsoft.com/office/drawing/2014/main" val="3528885896"/>
                   </a:ext>
                 </a:extLst>
               </a:tr>
@@ -20133,7 +19381,7 @@
                 </a:tc>
                 <a:extLst>
                   <a:ext uri="{0D108BD9-81ED-4DB2-BD59-A6C34878D82A}">
-                    <a16:rowId xmlns:a16="http://schemas.microsoft.com/office/drawing/2014/main" xmlns="" val="3763881150"/>
+                    <a16:rowId xmlns:a16="http://schemas.microsoft.com/office/drawing/2014/main" val="3763881150"/>
                   </a:ext>
                 </a:extLst>
               </a:tr>
@@ -20177,7 +19425,7 @@
                 </a:tc>
                 <a:extLst>
                   <a:ext uri="{0D108BD9-81ED-4DB2-BD59-A6C34878D82A}">
-                    <a16:rowId xmlns:a16="http://schemas.microsoft.com/office/drawing/2014/main" xmlns="" val="1981785153"/>
+                    <a16:rowId xmlns:a16="http://schemas.microsoft.com/office/drawing/2014/main" val="1981785153"/>
                   </a:ext>
                 </a:extLst>
               </a:tr>
@@ -20221,7 +19469,7 @@
                 </a:tc>
                 <a:extLst>
                   <a:ext uri="{0D108BD9-81ED-4DB2-BD59-A6C34878D82A}">
-                    <a16:rowId xmlns:a16="http://schemas.microsoft.com/office/drawing/2014/main" xmlns="" val="3162142966"/>
+                    <a16:rowId xmlns:a16="http://schemas.microsoft.com/office/drawing/2014/main" val="3162142966"/>
                   </a:ext>
                 </a:extLst>
               </a:tr>
@@ -20265,7 +19513,7 @@
                 </a:tc>
                 <a:extLst>
                   <a:ext uri="{0D108BD9-81ED-4DB2-BD59-A6C34878D82A}">
-                    <a16:rowId xmlns:a16="http://schemas.microsoft.com/office/drawing/2014/main" xmlns="" val="1938438310"/>
+                    <a16:rowId xmlns:a16="http://schemas.microsoft.com/office/drawing/2014/main" val="1938438310"/>
                   </a:ext>
                 </a:extLst>
               </a:tr>
@@ -20309,7 +19557,7 @@
                 </a:tc>
                 <a:extLst>
                   <a:ext uri="{0D108BD9-81ED-4DB2-BD59-A6C34878D82A}">
-                    <a16:rowId xmlns:a16="http://schemas.microsoft.com/office/drawing/2014/main" xmlns="" val="950002844"/>
+                    <a16:rowId xmlns:a16="http://schemas.microsoft.com/office/drawing/2014/main" val="950002844"/>
                   </a:ext>
                 </a:extLst>
               </a:tr>
@@ -20322,7 +19570,7 @@
           <p:cNvPr id="10" name="연결선: 꺾임 9">
             <a:extLst>
               <a:ext uri="{FF2B5EF4-FFF2-40B4-BE49-F238E27FC236}">
-                <a16:creationId xmlns:a16="http://schemas.microsoft.com/office/drawing/2014/main" xmlns="" id="{0D37BCC6-6E9E-4FE8-AECA-D7D2F1A21CAF}"/>
+                <a16:creationId xmlns:a16="http://schemas.microsoft.com/office/drawing/2014/main" id="{0D37BCC6-6E9E-4FE8-AECA-D7D2F1A21CAF}"/>
               </a:ext>
             </a:extLst>
           </p:cNvPr>
@@ -20368,7 +19616,7 @@
           <p:cNvPr id="13" name="직선 연결선 12">
             <a:extLst>
               <a:ext uri="{FF2B5EF4-FFF2-40B4-BE49-F238E27FC236}">
-                <a16:creationId xmlns:a16="http://schemas.microsoft.com/office/drawing/2014/main" xmlns="" id="{17EDFD56-1750-41AE-B8DB-92CAC3863AF9}"/>
+                <a16:creationId xmlns:a16="http://schemas.microsoft.com/office/drawing/2014/main" id="{17EDFD56-1750-41AE-B8DB-92CAC3863AF9}"/>
               </a:ext>
             </a:extLst>
           </p:cNvPr>
@@ -20409,7 +19657,7 @@
           <p:cNvPr id="22" name="직선 연결선 21">
             <a:extLst>
               <a:ext uri="{FF2B5EF4-FFF2-40B4-BE49-F238E27FC236}">
-                <a16:creationId xmlns:a16="http://schemas.microsoft.com/office/drawing/2014/main" xmlns="" id="{14181BEF-E545-451D-8F79-47FECD7BBBE4}"/>
+                <a16:creationId xmlns:a16="http://schemas.microsoft.com/office/drawing/2014/main" id="{14181BEF-E545-451D-8F79-47FECD7BBBE4}"/>
               </a:ext>
             </a:extLst>
           </p:cNvPr>
@@ -20450,7 +19698,7 @@
           <p:cNvPr id="24" name="연결선: 꺾임 23">
             <a:extLst>
               <a:ext uri="{FF2B5EF4-FFF2-40B4-BE49-F238E27FC236}">
-                <a16:creationId xmlns:a16="http://schemas.microsoft.com/office/drawing/2014/main" xmlns="" id="{781D4B68-7E1E-4DF3-93AE-2BB3EEB5BC6E}"/>
+                <a16:creationId xmlns:a16="http://schemas.microsoft.com/office/drawing/2014/main" id="{781D4B68-7E1E-4DF3-93AE-2BB3EEB5BC6E}"/>
               </a:ext>
             </a:extLst>
           </p:cNvPr>
@@ -20495,7 +19743,7 @@
           <p:cNvPr id="31" name="연결선: 꺾임 30">
             <a:extLst>
               <a:ext uri="{FF2B5EF4-FFF2-40B4-BE49-F238E27FC236}">
-                <a16:creationId xmlns:a16="http://schemas.microsoft.com/office/drawing/2014/main" xmlns="" id="{117B1A56-B45B-4E35-BC26-E77E96F04846}"/>
+                <a16:creationId xmlns:a16="http://schemas.microsoft.com/office/drawing/2014/main" id="{117B1A56-B45B-4E35-BC26-E77E96F04846}"/>
               </a:ext>
             </a:extLst>
           </p:cNvPr>
@@ -20541,7 +19789,7 @@
           <p:cNvPr id="32" name="직선 연결선 31">
             <a:extLst>
               <a:ext uri="{FF2B5EF4-FFF2-40B4-BE49-F238E27FC236}">
-                <a16:creationId xmlns:a16="http://schemas.microsoft.com/office/drawing/2014/main" xmlns="" id="{335E84CC-A068-48D0-9CF6-41260A89CB0D}"/>
+                <a16:creationId xmlns:a16="http://schemas.microsoft.com/office/drawing/2014/main" id="{335E84CC-A068-48D0-9CF6-41260A89CB0D}"/>
               </a:ext>
             </a:extLst>
           </p:cNvPr>
@@ -20582,7 +19830,7 @@
           <p:cNvPr id="33" name="연결선: 꺾임 32">
             <a:extLst>
               <a:ext uri="{FF2B5EF4-FFF2-40B4-BE49-F238E27FC236}">
-                <a16:creationId xmlns:a16="http://schemas.microsoft.com/office/drawing/2014/main" xmlns="" id="{688CD038-E934-49AD-858C-9CC1389C28FD}"/>
+                <a16:creationId xmlns:a16="http://schemas.microsoft.com/office/drawing/2014/main" id="{688CD038-E934-49AD-858C-9CC1389C28FD}"/>
               </a:ext>
             </a:extLst>
           </p:cNvPr>
@@ -20628,7 +19876,7 @@
           <p:cNvPr id="34" name="직선 연결선 33">
             <a:extLst>
               <a:ext uri="{FF2B5EF4-FFF2-40B4-BE49-F238E27FC236}">
-                <a16:creationId xmlns:a16="http://schemas.microsoft.com/office/drawing/2014/main" xmlns="" id="{0AA5C365-5A37-461E-9BB6-0E01D57FAAAE}"/>
+                <a16:creationId xmlns:a16="http://schemas.microsoft.com/office/drawing/2014/main" id="{0AA5C365-5A37-461E-9BB6-0E01D57FAAAE}"/>
               </a:ext>
             </a:extLst>
           </p:cNvPr>
@@ -20669,7 +19917,7 @@
           <p:cNvPr id="39" name="표 38">
             <a:extLst>
               <a:ext uri="{FF2B5EF4-FFF2-40B4-BE49-F238E27FC236}">
-                <a16:creationId xmlns:a16="http://schemas.microsoft.com/office/drawing/2014/main" xmlns="" id="{B1606842-BE6B-47A6-910A-6E9DD281B7FD}"/>
+                <a16:creationId xmlns:a16="http://schemas.microsoft.com/office/drawing/2014/main" id="{B1606842-BE6B-47A6-910A-6E9DD281B7FD}"/>
               </a:ext>
             </a:extLst>
           </p:cNvPr>
@@ -20698,7 +19946,7 @@
                 <a:gridCol w="1435608">
                   <a:extLst>
                     <a:ext uri="{9D8B030D-6E8A-4147-A177-3AD203B41FA5}">
-                      <a16:colId xmlns:a16="http://schemas.microsoft.com/office/drawing/2014/main" xmlns="" val="963478319"/>
+                      <a16:colId xmlns:a16="http://schemas.microsoft.com/office/drawing/2014/main" val="963478319"/>
                     </a:ext>
                   </a:extLst>
                 </a:gridCol>
@@ -20742,7 +19990,7 @@
                 </a:tc>
                 <a:extLst>
                   <a:ext uri="{0D108BD9-81ED-4DB2-BD59-A6C34878D82A}">
-                    <a16:rowId xmlns:a16="http://schemas.microsoft.com/office/drawing/2014/main" xmlns="" val="2486287584"/>
+                    <a16:rowId xmlns:a16="http://schemas.microsoft.com/office/drawing/2014/main" val="2486287584"/>
                   </a:ext>
                 </a:extLst>
               </a:tr>
@@ -20785,7 +20033,7 @@
                 </a:tc>
                 <a:extLst>
                   <a:ext uri="{0D108BD9-81ED-4DB2-BD59-A6C34878D82A}">
-                    <a16:rowId xmlns:a16="http://schemas.microsoft.com/office/drawing/2014/main" xmlns="" val="3528885896"/>
+                    <a16:rowId xmlns:a16="http://schemas.microsoft.com/office/drawing/2014/main" val="3528885896"/>
                   </a:ext>
                 </a:extLst>
               </a:tr>
@@ -20828,7 +20076,7 @@
                 </a:tc>
                 <a:extLst>
                   <a:ext uri="{0D108BD9-81ED-4DB2-BD59-A6C34878D82A}">
-                    <a16:rowId xmlns:a16="http://schemas.microsoft.com/office/drawing/2014/main" xmlns="" val="3763881150"/>
+                    <a16:rowId xmlns:a16="http://schemas.microsoft.com/office/drawing/2014/main" val="3763881150"/>
                   </a:ext>
                 </a:extLst>
               </a:tr>
@@ -20871,7 +20119,7 @@
                 </a:tc>
                 <a:extLst>
                   <a:ext uri="{0D108BD9-81ED-4DB2-BD59-A6C34878D82A}">
-                    <a16:rowId xmlns:a16="http://schemas.microsoft.com/office/drawing/2014/main" xmlns="" val="1981785153"/>
+                    <a16:rowId xmlns:a16="http://schemas.microsoft.com/office/drawing/2014/main" val="1981785153"/>
                   </a:ext>
                 </a:extLst>
               </a:tr>
@@ -20914,7 +20162,7 @@
                 </a:tc>
                 <a:extLst>
                   <a:ext uri="{0D108BD9-81ED-4DB2-BD59-A6C34878D82A}">
-                    <a16:rowId xmlns:a16="http://schemas.microsoft.com/office/drawing/2014/main" xmlns="" val="3162142966"/>
+                    <a16:rowId xmlns:a16="http://schemas.microsoft.com/office/drawing/2014/main" val="3162142966"/>
                   </a:ext>
                 </a:extLst>
               </a:tr>
@@ -20957,7 +20205,7 @@
                 </a:tc>
                 <a:extLst>
                   <a:ext uri="{0D108BD9-81ED-4DB2-BD59-A6C34878D82A}">
-                    <a16:rowId xmlns:a16="http://schemas.microsoft.com/office/drawing/2014/main" xmlns="" val="1938438310"/>
+                    <a16:rowId xmlns:a16="http://schemas.microsoft.com/office/drawing/2014/main" val="1938438310"/>
                   </a:ext>
                 </a:extLst>
               </a:tr>
@@ -21000,7 +20248,7 @@
                 </a:tc>
                 <a:extLst>
                   <a:ext uri="{0D108BD9-81ED-4DB2-BD59-A6C34878D82A}">
-                    <a16:rowId xmlns:a16="http://schemas.microsoft.com/office/drawing/2014/main" xmlns="" val="950002844"/>
+                    <a16:rowId xmlns:a16="http://schemas.microsoft.com/office/drawing/2014/main" val="950002844"/>
                   </a:ext>
                 </a:extLst>
               </a:tr>
@@ -21013,7 +20261,7 @@
           <p:cNvPr id="40" name="표 39">
             <a:extLst>
               <a:ext uri="{FF2B5EF4-FFF2-40B4-BE49-F238E27FC236}">
-                <a16:creationId xmlns:a16="http://schemas.microsoft.com/office/drawing/2014/main" xmlns="" id="{48B3848B-FB58-4B94-AAA1-B598F5E2BA5B}"/>
+                <a16:creationId xmlns:a16="http://schemas.microsoft.com/office/drawing/2014/main" id="{48B3848B-FB58-4B94-AAA1-B598F5E2BA5B}"/>
               </a:ext>
             </a:extLst>
           </p:cNvPr>
@@ -21042,7 +20290,7 @@
                 <a:gridCol w="2794437">
                   <a:extLst>
                     <a:ext uri="{9D8B030D-6E8A-4147-A177-3AD203B41FA5}">
-                      <a16:colId xmlns:a16="http://schemas.microsoft.com/office/drawing/2014/main" xmlns="" val="2231561175"/>
+                      <a16:colId xmlns:a16="http://schemas.microsoft.com/office/drawing/2014/main" val="2231561175"/>
                     </a:ext>
                   </a:extLst>
                 </a:gridCol>
@@ -21069,16 +20317,12 @@
                         <a:t> </a:t>
                       </a:r>
                       <a:r>
-                        <a:rPr lang="en-US" altLang="ko-KR" dirty="0" err="1">
+                        <a:rPr lang="en-US" altLang="ko-KR" dirty="0">
                           <a:latin typeface="Consolas" panose="020B0609020204030204" pitchFamily="49" charset="0"/>
                           <a:cs typeface="Consolas" panose="020B0609020204030204" pitchFamily="49" charset="0"/>
                         </a:rPr>
                         <a:t>free_block</a:t>
                       </a:r>
-                      <a:endParaRPr lang="en-US" altLang="ko-KR" dirty="0">
-                        <a:latin typeface="Consolas" panose="020B0609020204030204" pitchFamily="49" charset="0"/>
-                        <a:cs typeface="Consolas" panose="020B0609020204030204" pitchFamily="49" charset="0"/>
-                      </a:endParaRPr>
                     </a:p>
                     <a:p>
                       <a:pPr latinLnBrk="1"/>
@@ -21097,21 +20341,7 @@
                           <a:latin typeface="Consolas" panose="020B0609020204030204" pitchFamily="49" charset="0"/>
                           <a:cs typeface="Consolas" panose="020B0609020204030204" pitchFamily="49" charset="0"/>
                         </a:rPr>
-                        <a:t>    </a:t>
-                      </a:r>
-                      <a:r>
-                        <a:rPr lang="en-US" altLang="ko-KR" dirty="0" err="1">
-                          <a:latin typeface="Consolas" panose="020B0609020204030204" pitchFamily="49" charset="0"/>
-                          <a:cs typeface="Consolas" panose="020B0609020204030204" pitchFamily="49" charset="0"/>
-                        </a:rPr>
-                        <a:t>free_block</a:t>
-                      </a:r>
-                      <a:r>
-                        <a:rPr lang="en-US" altLang="ko-KR" dirty="0">
-                          <a:latin typeface="Consolas" panose="020B0609020204030204" pitchFamily="49" charset="0"/>
-                          <a:cs typeface="Consolas" panose="020B0609020204030204" pitchFamily="49" charset="0"/>
-                        </a:rPr>
-                        <a:t>* next;</a:t>
+                        <a:t>    free_block* next;</a:t>
                       </a:r>
                     </a:p>
                     <a:p>
@@ -21133,7 +20363,7 @@
                 </a:tc>
                 <a:extLst>
                   <a:ext uri="{0D108BD9-81ED-4DB2-BD59-A6C34878D82A}">
-                    <a16:rowId xmlns:a16="http://schemas.microsoft.com/office/drawing/2014/main" xmlns="" val="1594255028"/>
+                    <a16:rowId xmlns:a16="http://schemas.microsoft.com/office/drawing/2014/main" val="1594255028"/>
                   </a:ext>
                 </a:extLst>
               </a:tr>
@@ -21161,7 +20391,7 @@
                 </a:tc>
                 <a:extLst>
                   <a:ext uri="{0D108BD9-81ED-4DB2-BD59-A6C34878D82A}">
-                    <a16:rowId xmlns:a16="http://schemas.microsoft.com/office/drawing/2014/main" xmlns="" val="1029083401"/>
+                    <a16:rowId xmlns:a16="http://schemas.microsoft.com/office/drawing/2014/main" val="1029083401"/>
                   </a:ext>
                 </a:extLst>
               </a:tr>
@@ -21174,7 +20404,7 @@
           <p:cNvPr id="42" name="직선 연결선 41">
             <a:extLst>
               <a:ext uri="{FF2B5EF4-FFF2-40B4-BE49-F238E27FC236}">
-                <a16:creationId xmlns:a16="http://schemas.microsoft.com/office/drawing/2014/main" xmlns="" id="{BEB6373E-DD2B-4C10-9623-8ACAEBDF2488}"/>
+                <a16:creationId xmlns:a16="http://schemas.microsoft.com/office/drawing/2014/main" id="{BEB6373E-DD2B-4C10-9623-8ACAEBDF2488}"/>
               </a:ext>
             </a:extLst>
           </p:cNvPr>
@@ -21216,7 +20446,7 @@
           <p:cNvPr id="44" name="직선 연결선 43">
             <a:extLst>
               <a:ext uri="{FF2B5EF4-FFF2-40B4-BE49-F238E27FC236}">
-                <a16:creationId xmlns:a16="http://schemas.microsoft.com/office/drawing/2014/main" xmlns="" id="{E58EC7B7-0E38-42C4-9631-2D908AFC0FB9}"/>
+                <a16:creationId xmlns:a16="http://schemas.microsoft.com/office/drawing/2014/main" id="{E58EC7B7-0E38-42C4-9631-2D908AFC0FB9}"/>
               </a:ext>
             </a:extLst>
           </p:cNvPr>
@@ -21290,7 +20520,7 @@
           <p:cNvPr id="2" name="제목 1">
             <a:extLst>
               <a:ext uri="{FF2B5EF4-FFF2-40B4-BE49-F238E27FC236}">
-                <a16:creationId xmlns:a16="http://schemas.microsoft.com/office/drawing/2014/main" xmlns="" id="{DE938470-D5B9-47B5-9356-902610971B86}"/>
+                <a16:creationId xmlns:a16="http://schemas.microsoft.com/office/drawing/2014/main" id="{DE938470-D5B9-47B5-9356-902610971B86}"/>
               </a:ext>
             </a:extLst>
           </p:cNvPr>
@@ -21303,7 +20533,9 @@
         </p:nvSpPr>
         <p:spPr/>
         <p:txBody>
-          <a:bodyPr/>
+          <a:bodyPr>
+            <a:normAutofit/>
+          </a:bodyPr>
           <a:lstStyle/>
           <a:p>
             <a:r>
@@ -21311,7 +20543,7 @@
                 <a:latin typeface="FrankRuehl" panose="020E0503060101010101" pitchFamily="34" charset="-79"/>
                 <a:cs typeface="FrankRuehl" panose="020E0503060101010101" pitchFamily="34" charset="-79"/>
               </a:rPr>
-              <a:t>Reference</a:t>
+              <a:t>Fixed-Size-Block Memory Manager</a:t>
             </a:r>
             <a:endParaRPr lang="ko-KR" altLang="en-US" dirty="0">
               <a:latin typeface="FrankRuehl" panose="020E0503060101010101" pitchFamily="34" charset="-79"/>
@@ -21325,7 +20557,7 @@
           <p:cNvPr id="3" name="부제목 2">
             <a:extLst>
               <a:ext uri="{FF2B5EF4-FFF2-40B4-BE49-F238E27FC236}">
-                <a16:creationId xmlns:a16="http://schemas.microsoft.com/office/drawing/2014/main" xmlns="" id="{7135E3CC-0384-4CDE-8F1D-C29734627E92}"/>
+                <a16:creationId xmlns:a16="http://schemas.microsoft.com/office/drawing/2014/main" id="{7135E3CC-0384-4CDE-8F1D-C29734627E92}"/>
               </a:ext>
             </a:extLst>
           </p:cNvPr>
@@ -21348,6 +20580,1470 @@
           </a:bodyPr>
           <a:lstStyle/>
           <a:p>
+            <a:pPr marL="0" indent="0">
+              <a:buNone/>
+            </a:pPr>
+            <a:r>
+              <a:rPr lang="ko-KR" altLang="en-US" sz="2400" dirty="0">
+                <a:latin typeface="BusanBada" panose="02000603000000000000" pitchFamily="2" charset="-127"/>
+                <a:ea typeface="BusanBada" panose="02000603000000000000" pitchFamily="2" charset="-127"/>
+              </a:rPr>
+              <a:t>전역 메모리 관리자와의 성능 측정을 두 가지 방식으로 진행</a:t>
+            </a:r>
+            <a:r>
+              <a:rPr lang="en-US" altLang="ko-KR" sz="2400" dirty="0">
+                <a:latin typeface="BusanBada" panose="02000603000000000000" pitchFamily="2" charset="-127"/>
+                <a:ea typeface="BusanBada" panose="02000603000000000000" pitchFamily="2" charset="-127"/>
+              </a:rPr>
+              <a:t>.</a:t>
+            </a:r>
+          </a:p>
+          <a:p>
+            <a:pPr marL="457200" lvl="1" indent="0">
+              <a:buNone/>
+            </a:pPr>
+            <a:r>
+              <a:rPr lang="en-US" altLang="ko-KR" dirty="0">
+                <a:latin typeface="BusanBada" panose="02000603000000000000" pitchFamily="2" charset="-127"/>
+                <a:ea typeface="BusanBada" panose="02000603000000000000" pitchFamily="2" charset="-127"/>
+              </a:rPr>
+              <a:t>1. 1,000,000 </a:t>
+            </a:r>
+            <a:r>
+              <a:rPr lang="ko-KR" altLang="en-US" dirty="0">
+                <a:latin typeface="BusanBada" panose="02000603000000000000" pitchFamily="2" charset="-127"/>
+                <a:ea typeface="BusanBada" panose="02000603000000000000" pitchFamily="2" charset="-127"/>
+              </a:rPr>
+              <a:t>번의 할당을 연속적으로 수행해서 성능을 측정</a:t>
+            </a:r>
+            <a:r>
+              <a:rPr lang="en-US" altLang="ko-KR" dirty="0">
+                <a:latin typeface="BusanBada" panose="02000603000000000000" pitchFamily="2" charset="-127"/>
+                <a:ea typeface="BusanBada" panose="02000603000000000000" pitchFamily="2" charset="-127"/>
+              </a:rPr>
+              <a:t>.</a:t>
+            </a:r>
+          </a:p>
+          <a:p>
+            <a:pPr marL="457200" lvl="1" indent="0">
+              <a:buNone/>
+            </a:pPr>
+            <a:r>
+              <a:rPr lang="en-US" altLang="ko-KR" dirty="0">
+                <a:latin typeface="BusanBada" panose="02000603000000000000" pitchFamily="2" charset="-127"/>
+                <a:ea typeface="BusanBada" panose="02000603000000000000" pitchFamily="2" charset="-127"/>
+              </a:rPr>
+              <a:t>2. </a:t>
+            </a:r>
+            <a:r>
+              <a:rPr lang="ko-KR" altLang="en-US" dirty="0">
+                <a:latin typeface="BusanBada" panose="02000603000000000000" pitchFamily="2" charset="-127"/>
+                <a:ea typeface="BusanBada" panose="02000603000000000000" pitchFamily="2" charset="-127"/>
+              </a:rPr>
+              <a:t>길이가 </a:t>
+            </a:r>
+            <a:r>
+              <a:rPr lang="en-US" altLang="ko-KR" dirty="0">
+                <a:latin typeface="BusanBada" panose="02000603000000000000" pitchFamily="2" charset="-127"/>
+                <a:ea typeface="BusanBada" panose="02000603000000000000" pitchFamily="2" charset="-127"/>
+              </a:rPr>
+              <a:t>100</a:t>
+            </a:r>
+            <a:r>
+              <a:rPr lang="ko-KR" altLang="en-US" dirty="0">
+                <a:latin typeface="BusanBada" panose="02000603000000000000" pitchFamily="2" charset="-127"/>
+                <a:ea typeface="BusanBada" panose="02000603000000000000" pitchFamily="2" charset="-127"/>
+              </a:rPr>
+              <a:t>인 포인터 배열을 만들어 임의의 위치에 객체를 할당</a:t>
+            </a:r>
+            <a:r>
+              <a:rPr lang="en-US" altLang="ko-KR" dirty="0">
+                <a:latin typeface="BusanBada" panose="02000603000000000000" pitchFamily="2" charset="-127"/>
+                <a:ea typeface="BusanBada" panose="02000603000000000000" pitchFamily="2" charset="-127"/>
+              </a:rPr>
+              <a:t>,</a:t>
+            </a:r>
+            <a:r>
+              <a:rPr lang="ko-KR" altLang="en-US" dirty="0">
+                <a:latin typeface="BusanBada" panose="02000603000000000000" pitchFamily="2" charset="-127"/>
+                <a:ea typeface="BusanBada" panose="02000603000000000000" pitchFamily="2" charset="-127"/>
+              </a:rPr>
+              <a:t> 이미 </a:t>
+            </a:r>
+            <a:br>
+              <a:rPr lang="en-US" altLang="ko-KR" dirty="0">
+                <a:latin typeface="BusanBada" panose="02000603000000000000" pitchFamily="2" charset="-127"/>
+                <a:ea typeface="BusanBada" panose="02000603000000000000" pitchFamily="2" charset="-127"/>
+              </a:rPr>
+            </a:br>
+            <a:r>
+              <a:rPr lang="ko-KR" altLang="en-US" dirty="0">
+                <a:latin typeface="BusanBada" panose="02000603000000000000" pitchFamily="2" charset="-127"/>
+                <a:ea typeface="BusanBada" panose="02000603000000000000" pitchFamily="2" charset="-127"/>
+              </a:rPr>
+              <a:t>할당되어 있으면 객체를 해제</a:t>
+            </a:r>
+            <a:r>
+              <a:rPr lang="en-US" altLang="ko-KR" dirty="0">
+                <a:latin typeface="BusanBada" panose="02000603000000000000" pitchFamily="2" charset="-127"/>
+                <a:ea typeface="BusanBada" panose="02000603000000000000" pitchFamily="2" charset="-127"/>
+              </a:rPr>
+              <a:t>. </a:t>
+            </a:r>
+            <a:r>
+              <a:rPr lang="ko-KR" altLang="en-US" dirty="0">
+                <a:latin typeface="BusanBada" panose="02000603000000000000" pitchFamily="2" charset="-127"/>
+                <a:ea typeface="BusanBada" panose="02000603000000000000" pitchFamily="2" charset="-127"/>
+              </a:rPr>
+              <a:t>이 과정을 </a:t>
+            </a:r>
+            <a:r>
+              <a:rPr lang="en-US" altLang="ko-KR" dirty="0">
+                <a:latin typeface="BusanBada" panose="02000603000000000000" pitchFamily="2" charset="-127"/>
+                <a:ea typeface="BusanBada" panose="02000603000000000000" pitchFamily="2" charset="-127"/>
+              </a:rPr>
+              <a:t>1,000,000</a:t>
+            </a:r>
+            <a:r>
+              <a:rPr lang="ko-KR" altLang="en-US" dirty="0">
+                <a:latin typeface="BusanBada" panose="02000603000000000000" pitchFamily="2" charset="-127"/>
+                <a:ea typeface="BusanBada" panose="02000603000000000000" pitchFamily="2" charset="-127"/>
+              </a:rPr>
+              <a:t>번 반복</a:t>
+            </a:r>
+            <a:r>
+              <a:rPr lang="en-US" altLang="ko-KR" dirty="0">
+                <a:latin typeface="BusanBada" panose="02000603000000000000" pitchFamily="2" charset="-127"/>
+                <a:ea typeface="BusanBada" panose="02000603000000000000" pitchFamily="2" charset="-127"/>
+              </a:rPr>
+              <a:t>.</a:t>
+            </a:r>
+          </a:p>
+          <a:p>
+            <a:pPr marL="0" indent="0">
+              <a:buNone/>
+            </a:pPr>
+            <a:endParaRPr lang="en-US" altLang="ko-KR" sz="2400" dirty="0">
+              <a:latin typeface="BusanBada" panose="02000603000000000000" pitchFamily="2" charset="-127"/>
+              <a:ea typeface="BusanBada" panose="02000603000000000000" pitchFamily="2" charset="-127"/>
+            </a:endParaRPr>
+          </a:p>
+          <a:p>
+            <a:pPr marL="0" indent="0">
+              <a:buNone/>
+            </a:pPr>
+            <a:r>
+              <a:rPr lang="ko-KR" altLang="en-US" sz="2400" dirty="0">
+                <a:latin typeface="BusanBada" panose="02000603000000000000" pitchFamily="2" charset="-127"/>
+                <a:ea typeface="BusanBada" panose="02000603000000000000" pitchFamily="2" charset="-127"/>
+              </a:rPr>
+              <a:t>확실한 성능개선이 있음</a:t>
+            </a:r>
+            <a:r>
+              <a:rPr lang="en-US" altLang="ko-KR" sz="2400" dirty="0">
+                <a:latin typeface="BusanBada" panose="02000603000000000000" pitchFamily="2" charset="-127"/>
+                <a:ea typeface="BusanBada" panose="02000603000000000000" pitchFamily="2" charset="-127"/>
+              </a:rPr>
+              <a:t>.</a:t>
+            </a:r>
+          </a:p>
+          <a:p>
+            <a:pPr marL="0" indent="0">
+              <a:buNone/>
+            </a:pPr>
+            <a:endParaRPr lang="en-US" altLang="ko-KR" sz="2400" dirty="0">
+              <a:latin typeface="BusanBada" panose="02000603000000000000" pitchFamily="2" charset="-127"/>
+              <a:ea typeface="BusanBada" panose="02000603000000000000" pitchFamily="2" charset="-127"/>
+            </a:endParaRPr>
+          </a:p>
+        </p:txBody>
+      </p:sp>
+      <p:graphicFrame>
+        <p:nvGraphicFramePr>
+          <p:cNvPr id="4" name="표 3">
+            <a:extLst>
+              <a:ext uri="{FF2B5EF4-FFF2-40B4-BE49-F238E27FC236}">
+                <a16:creationId xmlns:a16="http://schemas.microsoft.com/office/drawing/2014/main" id="{940152C6-C062-4645-B83B-BB6B55168ACE}"/>
+              </a:ext>
+            </a:extLst>
+          </p:cNvPr>
+          <p:cNvGraphicFramePr>
+            <a:graphicFrameLocks noGrp="1"/>
+          </p:cNvGraphicFramePr>
+          <p:nvPr>
+            <p:extLst>
+              <p:ext uri="{D42A27DB-BD31-4B8C-83A1-F6EECF244321}">
+                <p14:modId xmlns:p14="http://schemas.microsoft.com/office/powerpoint/2010/main" val="3035225148"/>
+              </p:ext>
+            </p:extLst>
+          </p:nvPr>
+        </p:nvGraphicFramePr>
+        <p:xfrm>
+          <a:off x="2635662" y="4572000"/>
+          <a:ext cx="6920675" cy="1478280"/>
+        </p:xfrm>
+        <a:graphic>
+          <a:graphicData uri="http://schemas.openxmlformats.org/drawingml/2006/table">
+            <a:tbl>
+              <a:tblPr firstRow="1" bandRow="1">
+                <a:tableStyleId>{5940675A-B579-460E-94D1-54222C63F5DA}</a:tableStyleId>
+              </a:tblPr>
+              <a:tblGrid>
+                <a:gridCol w="1384135">
+                  <a:extLst>
+                    <a:ext uri="{9D8B030D-6E8A-4147-A177-3AD203B41FA5}">
+                      <a16:colId xmlns:a16="http://schemas.microsoft.com/office/drawing/2014/main" val="802520191"/>
+                    </a:ext>
+                  </a:extLst>
+                </a:gridCol>
+                <a:gridCol w="1384135">
+                  <a:extLst>
+                    <a:ext uri="{9D8B030D-6E8A-4147-A177-3AD203B41FA5}">
+                      <a16:colId xmlns:a16="http://schemas.microsoft.com/office/drawing/2014/main" val="1830194913"/>
+                    </a:ext>
+                  </a:extLst>
+                </a:gridCol>
+                <a:gridCol w="1384135">
+                  <a:extLst>
+                    <a:ext uri="{9D8B030D-6E8A-4147-A177-3AD203B41FA5}">
+                      <a16:colId xmlns:a16="http://schemas.microsoft.com/office/drawing/2014/main" val="3220739199"/>
+                    </a:ext>
+                  </a:extLst>
+                </a:gridCol>
+                <a:gridCol w="1384135">
+                  <a:extLst>
+                    <a:ext uri="{9D8B030D-6E8A-4147-A177-3AD203B41FA5}">
+                      <a16:colId xmlns:a16="http://schemas.microsoft.com/office/drawing/2014/main" val="3918569497"/>
+                    </a:ext>
+                  </a:extLst>
+                </a:gridCol>
+                <a:gridCol w="1384135">
+                  <a:extLst>
+                    <a:ext uri="{9D8B030D-6E8A-4147-A177-3AD203B41FA5}">
+                      <a16:colId xmlns:a16="http://schemas.microsoft.com/office/drawing/2014/main" val="2648525769"/>
+                    </a:ext>
+                  </a:extLst>
+                </a:gridCol>
+              </a:tblGrid>
+              <a:tr h="342361">
+                <a:tc rowSpan="2">
+                  <a:txBody>
+                    <a:bodyPr/>
+                    <a:lstStyle/>
+                    <a:p>
+                      <a:pPr latinLnBrk="1"/>
+                      <a:endParaRPr lang="ko-KR" altLang="en-US" dirty="0"/>
+                    </a:p>
+                  </a:txBody>
+                  <a:tcPr/>
+                </a:tc>
+                <a:tc gridSpan="2">
+                  <a:txBody>
+                    <a:bodyPr/>
+                    <a:lstStyle/>
+                    <a:p>
+                      <a:pPr algn="ctr" latinLnBrk="1"/>
+                      <a:r>
+                        <a:rPr lang="ko-KR" altLang="en-US" dirty="0"/>
+                        <a:t>저자의 측정</a:t>
+                      </a:r>
+                    </a:p>
+                  </a:txBody>
+                  <a:tcPr/>
+                </a:tc>
+                <a:tc hMerge="1">
+                  <a:txBody>
+                    <a:bodyPr/>
+                    <a:lstStyle/>
+                    <a:p>
+                      <a:pPr latinLnBrk="1"/>
+                      <a:endParaRPr lang="ko-KR" altLang="en-US" dirty="0"/>
+                    </a:p>
+                  </a:txBody>
+                  <a:tcPr/>
+                </a:tc>
+                <a:tc gridSpan="2">
+                  <a:txBody>
+                    <a:bodyPr/>
+                    <a:lstStyle/>
+                    <a:p>
+                      <a:pPr algn="ctr" latinLnBrk="1"/>
+                      <a:r>
+                        <a:rPr lang="ko-KR" altLang="en-US" dirty="0"/>
+                        <a:t>직접 측정</a:t>
+                      </a:r>
+                    </a:p>
+                  </a:txBody>
+                  <a:tcPr/>
+                </a:tc>
+                <a:tc hMerge="1">
+                  <a:txBody>
+                    <a:bodyPr/>
+                    <a:lstStyle/>
+                    <a:p>
+                      <a:pPr latinLnBrk="1"/>
+                      <a:endParaRPr lang="ko-KR" altLang="en-US" dirty="0"/>
+                    </a:p>
+                  </a:txBody>
+                  <a:tcPr/>
+                </a:tc>
+                <a:extLst>
+                  <a:ext uri="{0D108BD9-81ED-4DB2-BD59-A6C34878D82A}">
+                    <a16:rowId xmlns:a16="http://schemas.microsoft.com/office/drawing/2014/main" val="3282167378"/>
+                  </a:ext>
+                </a:extLst>
+              </a:tr>
+              <a:tr h="370840">
+                <a:tc vMerge="1">
+                  <a:txBody>
+                    <a:bodyPr/>
+                    <a:lstStyle/>
+                    <a:p>
+                      <a:pPr latinLnBrk="1"/>
+                      <a:endParaRPr lang="ko-KR" altLang="en-US" dirty="0"/>
+                    </a:p>
+                  </a:txBody>
+                  <a:tcPr/>
+                </a:tc>
+                <a:tc>
+                  <a:txBody>
+                    <a:bodyPr/>
+                    <a:lstStyle/>
+                    <a:p>
+                      <a:pPr marL="0" marR="0" lvl="0" indent="0" algn="ctr" defTabSz="914400" rtl="0" eaLnBrk="1" fontAlgn="auto" latinLnBrk="1" hangingPunct="1">
+                        <a:lnSpc>
+                          <a:spcPct val="100000"/>
+                        </a:lnSpc>
+                        <a:spcBef>
+                          <a:spcPts val="0"/>
+                        </a:spcBef>
+                        <a:spcAft>
+                          <a:spcPts val="0"/>
+                        </a:spcAft>
+                        <a:buClrTx/>
+                        <a:buSzTx/>
+                        <a:buFontTx/>
+                        <a:buNone/>
+                        <a:tabLst/>
+                        <a:defRPr/>
+                      </a:pPr>
+                      <a:r>
+                        <a:rPr lang="en-US" altLang="ko-KR" dirty="0"/>
+                        <a:t>Fixed-Size</a:t>
+                      </a:r>
+                      <a:endParaRPr lang="ko-KR" altLang="en-US" dirty="0"/>
+                    </a:p>
+                  </a:txBody>
+                  <a:tcPr/>
+                </a:tc>
+                <a:tc>
+                  <a:txBody>
+                    <a:bodyPr/>
+                    <a:lstStyle/>
+                    <a:p>
+                      <a:pPr marL="0" marR="0" lvl="0" indent="0" algn="ctr" defTabSz="914400" rtl="0" eaLnBrk="1" fontAlgn="auto" latinLnBrk="1" hangingPunct="1">
+                        <a:lnSpc>
+                          <a:spcPct val="100000"/>
+                        </a:lnSpc>
+                        <a:spcBef>
+                          <a:spcPts val="0"/>
+                        </a:spcBef>
+                        <a:spcAft>
+                          <a:spcPts val="0"/>
+                        </a:spcAft>
+                        <a:buClrTx/>
+                        <a:buSzTx/>
+                        <a:buFontTx/>
+                        <a:buNone/>
+                        <a:tabLst/>
+                        <a:defRPr/>
+                      </a:pPr>
+                      <a:r>
+                        <a:rPr lang="en-US" altLang="ko-KR" dirty="0"/>
+                        <a:t>Global</a:t>
+                      </a:r>
+                      <a:endParaRPr lang="ko-KR" altLang="en-US" dirty="0"/>
+                    </a:p>
+                  </a:txBody>
+                  <a:tcPr/>
+                </a:tc>
+                <a:tc>
+                  <a:txBody>
+                    <a:bodyPr/>
+                    <a:lstStyle/>
+                    <a:p>
+                      <a:pPr marL="0" marR="0" lvl="0" indent="0" algn="ctr" defTabSz="914400" rtl="0" eaLnBrk="1" fontAlgn="auto" latinLnBrk="1" hangingPunct="1">
+                        <a:lnSpc>
+                          <a:spcPct val="100000"/>
+                        </a:lnSpc>
+                        <a:spcBef>
+                          <a:spcPts val="0"/>
+                        </a:spcBef>
+                        <a:spcAft>
+                          <a:spcPts val="0"/>
+                        </a:spcAft>
+                        <a:buClrTx/>
+                        <a:buSzTx/>
+                        <a:buFontTx/>
+                        <a:buNone/>
+                        <a:tabLst/>
+                        <a:defRPr/>
+                      </a:pPr>
+                      <a:r>
+                        <a:rPr lang="en-US" altLang="ko-KR" dirty="0"/>
+                        <a:t>Fixed-Size</a:t>
+                      </a:r>
+                      <a:endParaRPr lang="ko-KR" altLang="en-US" dirty="0"/>
+                    </a:p>
+                  </a:txBody>
+                  <a:tcPr/>
+                </a:tc>
+                <a:tc>
+                  <a:txBody>
+                    <a:bodyPr/>
+                    <a:lstStyle/>
+                    <a:p>
+                      <a:pPr marL="0" marR="0" lvl="0" indent="0" algn="ctr" defTabSz="914400" rtl="0" eaLnBrk="1" fontAlgn="auto" latinLnBrk="1" hangingPunct="1">
+                        <a:lnSpc>
+                          <a:spcPct val="100000"/>
+                        </a:lnSpc>
+                        <a:spcBef>
+                          <a:spcPts val="0"/>
+                        </a:spcBef>
+                        <a:spcAft>
+                          <a:spcPts val="0"/>
+                        </a:spcAft>
+                        <a:buClrTx/>
+                        <a:buSzTx/>
+                        <a:buFontTx/>
+                        <a:buNone/>
+                        <a:tabLst/>
+                        <a:defRPr/>
+                      </a:pPr>
+                      <a:r>
+                        <a:rPr lang="en-US" altLang="ko-KR" dirty="0"/>
+                        <a:t>Global</a:t>
+                      </a:r>
+                      <a:endParaRPr lang="ko-KR" altLang="en-US" dirty="0"/>
+                    </a:p>
+                  </a:txBody>
+                  <a:tcPr/>
+                </a:tc>
+                <a:extLst>
+                  <a:ext uri="{0D108BD9-81ED-4DB2-BD59-A6C34878D82A}">
+                    <a16:rowId xmlns:a16="http://schemas.microsoft.com/office/drawing/2014/main" val="409733494"/>
+                  </a:ext>
+                </a:extLst>
+              </a:tr>
+              <a:tr h="370840">
+                <a:tc>
+                  <a:txBody>
+                    <a:bodyPr/>
+                    <a:lstStyle/>
+                    <a:p>
+                      <a:pPr latinLnBrk="1"/>
+                      <a:r>
+                        <a:rPr lang="en-US" altLang="ko-KR" dirty="0"/>
+                        <a:t>1.</a:t>
+                      </a:r>
+                      <a:endParaRPr lang="ko-KR" altLang="en-US" dirty="0"/>
+                    </a:p>
+                  </a:txBody>
+                  <a:tcPr/>
+                </a:tc>
+                <a:tc>
+                  <a:txBody>
+                    <a:bodyPr/>
+                    <a:lstStyle/>
+                    <a:p>
+                      <a:pPr latinLnBrk="1"/>
+                      <a:r>
+                        <a:rPr lang="en-US" altLang="ko-KR" dirty="0"/>
+                        <a:t>4ms</a:t>
+                      </a:r>
+                      <a:endParaRPr lang="ko-KR" altLang="en-US" dirty="0"/>
+                    </a:p>
+                  </a:txBody>
+                  <a:tcPr/>
+                </a:tc>
+                <a:tc>
+                  <a:txBody>
+                    <a:bodyPr/>
+                    <a:lstStyle/>
+                    <a:p>
+                      <a:pPr latinLnBrk="1"/>
+                      <a:r>
+                        <a:rPr lang="en-US" altLang="ko-KR" dirty="0"/>
+                        <a:t>64ms</a:t>
+                      </a:r>
+                      <a:endParaRPr lang="ko-KR" altLang="en-US" dirty="0"/>
+                    </a:p>
+                  </a:txBody>
+                  <a:tcPr/>
+                </a:tc>
+                <a:tc>
+                  <a:txBody>
+                    <a:bodyPr/>
+                    <a:lstStyle/>
+                    <a:p>
+                      <a:pPr latinLnBrk="1"/>
+                      <a:r>
+                        <a:rPr lang="en-US" altLang="ko-KR" dirty="0"/>
+                        <a:t>10ms</a:t>
+                      </a:r>
+                      <a:endParaRPr lang="ko-KR" altLang="en-US" dirty="0"/>
+                    </a:p>
+                  </a:txBody>
+                  <a:tcPr/>
+                </a:tc>
+                <a:tc>
+                  <a:txBody>
+                    <a:bodyPr/>
+                    <a:lstStyle/>
+                    <a:p>
+                      <a:pPr latinLnBrk="1"/>
+                      <a:r>
+                        <a:rPr lang="en-US" altLang="ko-KR" dirty="0"/>
+                        <a:t>73ms</a:t>
+                      </a:r>
+                      <a:endParaRPr lang="ko-KR" altLang="en-US" dirty="0"/>
+                    </a:p>
+                  </a:txBody>
+                  <a:tcPr/>
+                </a:tc>
+                <a:extLst>
+                  <a:ext uri="{0D108BD9-81ED-4DB2-BD59-A6C34878D82A}">
+                    <a16:rowId xmlns:a16="http://schemas.microsoft.com/office/drawing/2014/main" val="4191429515"/>
+                  </a:ext>
+                </a:extLst>
+              </a:tr>
+              <a:tr h="370840">
+                <a:tc>
+                  <a:txBody>
+                    <a:bodyPr/>
+                    <a:lstStyle/>
+                    <a:p>
+                      <a:pPr latinLnBrk="1"/>
+                      <a:r>
+                        <a:rPr lang="en-US" altLang="ko-KR" dirty="0"/>
+                        <a:t>2.</a:t>
+                      </a:r>
+                      <a:endParaRPr lang="ko-KR" altLang="en-US" dirty="0"/>
+                    </a:p>
+                  </a:txBody>
+                  <a:tcPr/>
+                </a:tc>
+                <a:tc>
+                  <a:txBody>
+                    <a:bodyPr/>
+                    <a:lstStyle/>
+                    <a:p>
+                      <a:pPr latinLnBrk="1"/>
+                      <a:r>
+                        <a:rPr lang="en-US" altLang="ko-KR" dirty="0"/>
+                        <a:t>25ms</a:t>
+                      </a:r>
+                      <a:endParaRPr lang="ko-KR" altLang="en-US" dirty="0"/>
+                    </a:p>
+                  </a:txBody>
+                  <a:tcPr/>
+                </a:tc>
+                <a:tc>
+                  <a:txBody>
+                    <a:bodyPr/>
+                    <a:lstStyle/>
+                    <a:p>
+                      <a:pPr latinLnBrk="1"/>
+                      <a:r>
+                        <a:rPr lang="en-US" altLang="ko-KR" dirty="0"/>
+                        <a:t>107ms</a:t>
+                      </a:r>
+                      <a:endParaRPr lang="ko-KR" altLang="en-US" dirty="0"/>
+                    </a:p>
+                  </a:txBody>
+                  <a:tcPr/>
+                </a:tc>
+                <a:tc>
+                  <a:txBody>
+                    <a:bodyPr/>
+                    <a:lstStyle/>
+                    <a:p>
+                      <a:pPr latinLnBrk="1"/>
+                      <a:r>
+                        <a:rPr lang="en-US" altLang="ko-KR" dirty="0"/>
+                        <a:t>39ms</a:t>
+                      </a:r>
+                      <a:endParaRPr lang="ko-KR" altLang="en-US" dirty="0"/>
+                    </a:p>
+                  </a:txBody>
+                  <a:tcPr/>
+                </a:tc>
+                <a:tc>
+                  <a:txBody>
+                    <a:bodyPr/>
+                    <a:lstStyle/>
+                    <a:p>
+                      <a:pPr latinLnBrk="1"/>
+                      <a:r>
+                        <a:rPr lang="en-US" altLang="ko-KR" dirty="0"/>
+                        <a:t>83ms</a:t>
+                      </a:r>
+                      <a:endParaRPr lang="ko-KR" altLang="en-US" dirty="0"/>
+                    </a:p>
+                  </a:txBody>
+                  <a:tcPr/>
+                </a:tc>
+                <a:extLst>
+                  <a:ext uri="{0D108BD9-81ED-4DB2-BD59-A6C34878D82A}">
+                    <a16:rowId xmlns:a16="http://schemas.microsoft.com/office/drawing/2014/main" val="325766353"/>
+                  </a:ext>
+                </a:extLst>
+              </a:tr>
+            </a:tbl>
+          </a:graphicData>
+        </a:graphic>
+      </p:graphicFrame>
+    </p:spTree>
+    <p:extLst>
+      <p:ext uri="{BB962C8B-B14F-4D97-AF65-F5344CB8AC3E}">
+        <p14:creationId xmlns:p14="http://schemas.microsoft.com/office/powerpoint/2010/main" val="3981665148"/>
+      </p:ext>
+    </p:extLst>
+  </p:cSld>
+  <p:clrMapOvr>
+    <a:masterClrMapping/>
+  </p:clrMapOvr>
+</p:sld>
+</file>
+
+<file path=ppt/slides/slide32.xml><?xml version="1.0" encoding="utf-8"?>
+<p:sld xmlns:a="http://schemas.openxmlformats.org/drawingml/2006/main" xmlns:r="http://schemas.openxmlformats.org/officeDocument/2006/relationships" xmlns:p="http://schemas.openxmlformats.org/presentationml/2006/main">
+  <p:cSld>
+    <p:spTree>
+      <p:nvGrpSpPr>
+        <p:cNvPr id="1" name=""/>
+        <p:cNvGrpSpPr/>
+        <p:nvPr/>
+      </p:nvGrpSpPr>
+      <p:grpSpPr>
+        <a:xfrm>
+          <a:off x="0" y="0"/>
+          <a:ext cx="0" cy="0"/>
+          <a:chOff x="0" y="0"/>
+          <a:chExt cx="0" cy="0"/>
+        </a:xfrm>
+      </p:grpSpPr>
+      <p:sp>
+        <p:nvSpPr>
+          <p:cNvPr id="2" name="제목 1">
+            <a:extLst>
+              <a:ext uri="{FF2B5EF4-FFF2-40B4-BE49-F238E27FC236}">
+                <a16:creationId xmlns:a16="http://schemas.microsoft.com/office/drawing/2014/main" id="{DE938470-D5B9-47B5-9356-902610971B86}"/>
+              </a:ext>
+            </a:extLst>
+          </p:cNvPr>
+          <p:cNvSpPr>
+            <a:spLocks noGrp="1"/>
+          </p:cNvSpPr>
+          <p:nvPr>
+            <p:ph type="title"/>
+          </p:nvPr>
+        </p:nvSpPr>
+        <p:spPr/>
+        <p:txBody>
+          <a:bodyPr>
+            <a:normAutofit/>
+          </a:bodyPr>
+          <a:lstStyle/>
+          <a:p>
+            <a:r>
+              <a:rPr lang="en-US" altLang="ko-KR" dirty="0">
+                <a:latin typeface="FrankRuehl" panose="020E0503060101010101" pitchFamily="34" charset="-79"/>
+                <a:cs typeface="FrankRuehl" panose="020E0503060101010101" pitchFamily="34" charset="-79"/>
+              </a:rPr>
+              <a:t>Fixed-Size-Block Memory Manager</a:t>
+            </a:r>
+            <a:endParaRPr lang="ko-KR" altLang="en-US" dirty="0">
+              <a:latin typeface="FrankRuehl" panose="020E0503060101010101" pitchFamily="34" charset="-79"/>
+              <a:cs typeface="FrankRuehl" panose="020E0503060101010101" pitchFamily="34" charset="-79"/>
+            </a:endParaRPr>
+          </a:p>
+        </p:txBody>
+      </p:sp>
+      <p:sp>
+        <p:nvSpPr>
+          <p:cNvPr id="3" name="부제목 2">
+            <a:extLst>
+              <a:ext uri="{FF2B5EF4-FFF2-40B4-BE49-F238E27FC236}">
+                <a16:creationId xmlns:a16="http://schemas.microsoft.com/office/drawing/2014/main" id="{7135E3CC-0384-4CDE-8F1D-C29734627E92}"/>
+              </a:ext>
+            </a:extLst>
+          </p:cNvPr>
+          <p:cNvSpPr>
+            <a:spLocks noGrp="1"/>
+          </p:cNvSpPr>
+          <p:nvPr>
+            <p:ph idx="1"/>
+          </p:nvPr>
+        </p:nvSpPr>
+        <p:spPr>
+          <a:xfrm>
+            <a:off x="838200" y="1825625"/>
+            <a:ext cx="10515600" cy="4351338"/>
+          </a:xfrm>
+        </p:spPr>
+        <p:txBody>
+          <a:bodyPr>
+            <a:normAutofit/>
+          </a:bodyPr>
+          <a:lstStyle/>
+          <a:p>
+            <a:pPr marL="0" indent="0">
+              <a:buNone/>
+            </a:pPr>
+            <a:r>
+              <a:rPr lang="ko-KR" altLang="en-US" sz="2400" dirty="0">
+                <a:latin typeface="BusanBada" panose="02000603000000000000" pitchFamily="2" charset="-127"/>
+                <a:ea typeface="BusanBada" panose="02000603000000000000" pitchFamily="2" charset="-127"/>
+              </a:rPr>
+              <a:t>여기서 구현한 고정 크기 메모리 관리자는 매우 간단하여 몇가지 아쉬운 부분이 있을 수 있음</a:t>
+            </a:r>
+            <a:r>
+              <a:rPr lang="en-US" altLang="ko-KR" sz="2400" dirty="0">
+                <a:latin typeface="BusanBada" panose="02000603000000000000" pitchFamily="2" charset="-127"/>
+                <a:ea typeface="BusanBada" panose="02000603000000000000" pitchFamily="2" charset="-127"/>
+              </a:rPr>
+              <a:t>.</a:t>
+            </a:r>
+          </a:p>
+          <a:p>
+            <a:pPr marL="0" indent="0">
+              <a:buNone/>
+            </a:pPr>
+            <a:r>
+              <a:rPr lang="ko-KR" altLang="en-US" sz="2400" dirty="0">
+                <a:latin typeface="BusanBada" panose="02000603000000000000" pitchFamily="2" charset="-127"/>
+                <a:ea typeface="BusanBada" panose="02000603000000000000" pitchFamily="2" charset="-127"/>
+              </a:rPr>
+              <a:t>프로그램에 따라서 다음과 같은 변형을 생각해 볼 수 있음</a:t>
+            </a:r>
+            <a:r>
+              <a:rPr lang="en-US" altLang="ko-KR" sz="2400" dirty="0">
+                <a:latin typeface="BusanBada" panose="02000603000000000000" pitchFamily="2" charset="-127"/>
+                <a:ea typeface="BusanBada" panose="02000603000000000000" pitchFamily="2" charset="-127"/>
+              </a:rPr>
+              <a:t>.</a:t>
+            </a:r>
+          </a:p>
+          <a:p>
+            <a:pPr marL="457200" lvl="1" indent="0">
+              <a:buNone/>
+            </a:pPr>
+            <a:r>
+              <a:rPr lang="en-US" altLang="ko-KR" dirty="0">
+                <a:latin typeface="BusanBada" panose="02000603000000000000" pitchFamily="2" charset="-127"/>
+                <a:ea typeface="BusanBada" panose="02000603000000000000" pitchFamily="2" charset="-127"/>
+              </a:rPr>
+              <a:t>1. </a:t>
+            </a:r>
+            <a:r>
+              <a:rPr lang="ko-KR" altLang="en-US" dirty="0">
+                <a:latin typeface="BusanBada" panose="02000603000000000000" pitchFamily="2" charset="-127"/>
+                <a:ea typeface="BusanBada" panose="02000603000000000000" pitchFamily="2" charset="-127"/>
+              </a:rPr>
+              <a:t>고정 크기의 </a:t>
+            </a:r>
+            <a:r>
+              <a:rPr lang="en-US" altLang="ko-KR" dirty="0">
+                <a:latin typeface="FrankRuehl" panose="020E0503060101010101" pitchFamily="34" charset="-79"/>
+                <a:ea typeface="BusanBada" panose="02000603000000000000" pitchFamily="2" charset="-127"/>
+                <a:cs typeface="FrankRuehl" panose="020E0503060101010101" pitchFamily="34" charset="-79"/>
+              </a:rPr>
+              <a:t>Arena</a:t>
+            </a:r>
+            <a:r>
+              <a:rPr lang="ko-KR" altLang="en-US" dirty="0">
+                <a:latin typeface="BusanBada" panose="02000603000000000000" pitchFamily="2" charset="-127"/>
+                <a:ea typeface="BusanBada" panose="02000603000000000000" pitchFamily="2" charset="-127"/>
+                <a:cs typeface="FrankRuehl" panose="020E0503060101010101" pitchFamily="34" charset="-79"/>
+              </a:rPr>
+              <a:t>로 초기화 하지 않고 </a:t>
+            </a:r>
+            <a:r>
+              <a:rPr lang="en-US" altLang="ko-KR" dirty="0">
+                <a:latin typeface="FrankRuehl" panose="020E0503060101010101" pitchFamily="34" charset="-79"/>
+                <a:ea typeface="BusanBada" panose="02000603000000000000" pitchFamily="2" charset="-127"/>
+                <a:cs typeface="FrankRuehl" panose="020E0503060101010101" pitchFamily="34" charset="-79"/>
+              </a:rPr>
+              <a:t>free list</a:t>
+            </a:r>
+            <a:r>
+              <a:rPr lang="ko-KR" altLang="en-US" dirty="0">
+                <a:latin typeface="BusanBada" panose="02000603000000000000" pitchFamily="2" charset="-127"/>
+                <a:ea typeface="BusanBada" panose="02000603000000000000" pitchFamily="2" charset="-127"/>
+              </a:rPr>
+              <a:t>가 비어 있으면 </a:t>
+            </a:r>
+            <a:r>
+              <a:rPr lang="en-US" altLang="ko-KR" dirty="0">
+                <a:latin typeface="FrankRuehl" panose="020E0503060101010101" pitchFamily="34" charset="-79"/>
+                <a:ea typeface="BusanBada" panose="02000603000000000000" pitchFamily="2" charset="-127"/>
+                <a:cs typeface="FrankRuehl" panose="020E0503060101010101" pitchFamily="34" charset="-79"/>
+              </a:rPr>
+              <a:t>malloc</a:t>
+            </a:r>
+            <a:r>
+              <a:rPr lang="ko-KR" altLang="en-US" dirty="0">
+                <a:latin typeface="BusanBada" panose="02000603000000000000" pitchFamily="2" charset="-127"/>
+                <a:ea typeface="BusanBada" panose="02000603000000000000" pitchFamily="2" charset="-127"/>
+              </a:rPr>
+              <a:t>으로 메모리를 할당</a:t>
+            </a:r>
+            <a:r>
+              <a:rPr lang="en-US" altLang="ko-KR" dirty="0">
+                <a:latin typeface="BusanBada" panose="02000603000000000000" pitchFamily="2" charset="-127"/>
+                <a:ea typeface="BusanBada" panose="02000603000000000000" pitchFamily="2" charset="-127"/>
+              </a:rPr>
+              <a:t>.</a:t>
+            </a:r>
+          </a:p>
+          <a:p>
+            <a:pPr marL="457200" lvl="1" indent="0">
+              <a:buNone/>
+            </a:pPr>
+            <a:r>
+              <a:rPr lang="en-US" altLang="ko-KR" dirty="0">
+                <a:latin typeface="BusanBada" panose="02000603000000000000" pitchFamily="2" charset="-127"/>
+                <a:ea typeface="BusanBada" panose="02000603000000000000" pitchFamily="2" charset="-127"/>
+              </a:rPr>
+              <a:t>2. </a:t>
+            </a:r>
+            <a:r>
+              <a:rPr lang="ko-KR" altLang="en-US" dirty="0">
+                <a:latin typeface="BusanBada" panose="02000603000000000000" pitchFamily="2" charset="-127"/>
+                <a:ea typeface="BusanBada" panose="02000603000000000000" pitchFamily="2" charset="-127"/>
+              </a:rPr>
+              <a:t>필요할 경우 </a:t>
+            </a:r>
+            <a:r>
+              <a:rPr lang="en-US" altLang="ko-KR" dirty="0">
+                <a:latin typeface="FrankRuehl" panose="020E0503060101010101" pitchFamily="34" charset="-79"/>
+                <a:ea typeface="BusanBada" panose="02000603000000000000" pitchFamily="2" charset="-127"/>
+                <a:cs typeface="FrankRuehl" panose="020E0503060101010101" pitchFamily="34" charset="-79"/>
+              </a:rPr>
+              <a:t>malloc</a:t>
+            </a:r>
+            <a:r>
+              <a:rPr lang="ko-KR" altLang="en-US" dirty="0">
+                <a:latin typeface="BusanBada" panose="02000603000000000000" pitchFamily="2" charset="-127"/>
+                <a:ea typeface="BusanBada" panose="02000603000000000000" pitchFamily="2" charset="-127"/>
+              </a:rPr>
+              <a:t>이나 </a:t>
+            </a:r>
+            <a:r>
+              <a:rPr lang="en-US" altLang="ko-KR" dirty="0">
+                <a:latin typeface="FrankRuehl" panose="020E0503060101010101" pitchFamily="34" charset="-79"/>
+                <a:ea typeface="BusanBada" panose="02000603000000000000" pitchFamily="2" charset="-127"/>
+                <a:cs typeface="FrankRuehl" panose="020E0503060101010101" pitchFamily="34" charset="-79"/>
+              </a:rPr>
+              <a:t>new</a:t>
+            </a:r>
+            <a:r>
+              <a:rPr lang="ko-KR" altLang="en-US" dirty="0">
+                <a:latin typeface="BusanBada" panose="02000603000000000000" pitchFamily="2" charset="-127"/>
+                <a:ea typeface="BusanBada" panose="02000603000000000000" pitchFamily="2" charset="-127"/>
+              </a:rPr>
+              <a:t>를 호출하여 추가적인 </a:t>
+            </a:r>
+            <a:r>
+              <a:rPr lang="en-US" altLang="ko-KR" dirty="0">
+                <a:latin typeface="FrankRuehl" panose="020E0503060101010101" pitchFamily="34" charset="-79"/>
+                <a:ea typeface="BusanBada" panose="02000603000000000000" pitchFamily="2" charset="-127"/>
+                <a:cs typeface="FrankRuehl" panose="020E0503060101010101" pitchFamily="34" charset="-79"/>
+              </a:rPr>
+              <a:t>Arena</a:t>
+            </a:r>
+            <a:r>
+              <a:rPr lang="ko-KR" altLang="en-US" dirty="0">
+                <a:latin typeface="BusanBada" panose="02000603000000000000" pitchFamily="2" charset="-127"/>
+                <a:ea typeface="BusanBada" panose="02000603000000000000" pitchFamily="2" charset="-127"/>
+              </a:rPr>
+              <a:t>를 할당</a:t>
+            </a:r>
+            <a:r>
+              <a:rPr lang="en-US" altLang="ko-KR" dirty="0">
+                <a:latin typeface="BusanBada" panose="02000603000000000000" pitchFamily="2" charset="-127"/>
+                <a:ea typeface="BusanBada" panose="02000603000000000000" pitchFamily="2" charset="-127"/>
+              </a:rPr>
+              <a:t>.</a:t>
+            </a:r>
+          </a:p>
+          <a:p>
+            <a:pPr marL="457200" lvl="1" indent="0">
+              <a:buNone/>
+            </a:pPr>
+            <a:r>
+              <a:rPr lang="en-US" altLang="ko-KR" dirty="0">
+                <a:latin typeface="BusanBada" panose="02000603000000000000" pitchFamily="2" charset="-127"/>
+                <a:ea typeface="BusanBada" panose="02000603000000000000" pitchFamily="2" charset="-127"/>
+              </a:rPr>
+              <a:t>3. </a:t>
+            </a:r>
+            <a:r>
+              <a:rPr lang="ko-KR" altLang="en-US" dirty="0">
+                <a:latin typeface="BusanBada" panose="02000603000000000000" pitchFamily="2" charset="-127"/>
+                <a:ea typeface="BusanBada" panose="02000603000000000000" pitchFamily="2" charset="-127"/>
+              </a:rPr>
+              <a:t>클래스의 인스턴스가 한동안 사용되고 모두 버려진다면 고정 크기 메모리 관리자를 메모리 풀과 같이 사용가능</a:t>
+            </a:r>
+            <a:r>
+              <a:rPr lang="en-US" altLang="ko-KR" dirty="0">
+                <a:latin typeface="BusanBada" panose="02000603000000000000" pitchFamily="2" charset="-127"/>
+                <a:ea typeface="BusanBada" panose="02000603000000000000" pitchFamily="2" charset="-127"/>
+              </a:rPr>
+              <a:t>. </a:t>
+            </a:r>
+            <a:r>
+              <a:rPr lang="ko-KR" altLang="en-US" dirty="0">
+                <a:latin typeface="BusanBada" panose="02000603000000000000" pitchFamily="2" charset="-127"/>
+                <a:ea typeface="BusanBada" panose="02000603000000000000" pitchFamily="2" charset="-127"/>
+              </a:rPr>
+              <a:t>메모리 풀은 할당은 기존과 동일하게 수행되지만 메모리를 전혀 해제하지 않음</a:t>
+            </a:r>
+            <a:r>
+              <a:rPr lang="en-US" altLang="ko-KR" dirty="0">
+                <a:latin typeface="BusanBada" panose="02000603000000000000" pitchFamily="2" charset="-127"/>
+                <a:ea typeface="BusanBada" panose="02000603000000000000" pitchFamily="2" charset="-127"/>
+              </a:rPr>
+              <a:t>.</a:t>
+            </a:r>
+          </a:p>
+        </p:txBody>
+      </p:sp>
+    </p:spTree>
+    <p:extLst>
+      <p:ext uri="{BB962C8B-B14F-4D97-AF65-F5344CB8AC3E}">
+        <p14:creationId xmlns:p14="http://schemas.microsoft.com/office/powerpoint/2010/main" val="2035594188"/>
+      </p:ext>
+    </p:extLst>
+  </p:cSld>
+  <p:clrMapOvr>
+    <a:masterClrMapping/>
+  </p:clrMapOvr>
+</p:sld>
+</file>
+
+<file path=ppt/slides/slide33.xml><?xml version="1.0" encoding="utf-8"?>
+<p:sld xmlns:a="http://schemas.openxmlformats.org/drawingml/2006/main" xmlns:r="http://schemas.openxmlformats.org/officeDocument/2006/relationships" xmlns:p="http://schemas.openxmlformats.org/presentationml/2006/main">
+  <p:cSld>
+    <p:spTree>
+      <p:nvGrpSpPr>
+        <p:cNvPr id="1" name=""/>
+        <p:cNvGrpSpPr/>
+        <p:nvPr/>
+      </p:nvGrpSpPr>
+      <p:grpSpPr>
+        <a:xfrm>
+          <a:off x="0" y="0"/>
+          <a:ext cx="0" cy="0"/>
+          <a:chOff x="0" y="0"/>
+          <a:chExt cx="0" cy="0"/>
+        </a:xfrm>
+      </p:grpSpPr>
+      <p:sp>
+        <p:nvSpPr>
+          <p:cNvPr id="2" name="제목 1">
+            <a:extLst>
+              <a:ext uri="{FF2B5EF4-FFF2-40B4-BE49-F238E27FC236}">
+                <a16:creationId xmlns:a16="http://schemas.microsoft.com/office/drawing/2014/main" id="{DE938470-D5B9-47B5-9356-902610971B86}"/>
+              </a:ext>
+            </a:extLst>
+          </p:cNvPr>
+          <p:cNvSpPr>
+            <a:spLocks noGrp="1"/>
+          </p:cNvSpPr>
+          <p:nvPr>
+            <p:ph type="title"/>
+          </p:nvPr>
+        </p:nvSpPr>
+        <p:spPr/>
+        <p:txBody>
+          <a:bodyPr>
+            <a:normAutofit/>
+          </a:bodyPr>
+          <a:lstStyle/>
+          <a:p>
+            <a:r>
+              <a:rPr lang="en-US" altLang="ko-KR" dirty="0">
+                <a:latin typeface="FrankRuehl" panose="020E0503060101010101" pitchFamily="34" charset="-79"/>
+                <a:cs typeface="FrankRuehl" panose="020E0503060101010101" pitchFamily="34" charset="-79"/>
+              </a:rPr>
+              <a:t>Fixed-Size-Block Memory Manager</a:t>
+            </a:r>
+            <a:endParaRPr lang="ko-KR" altLang="en-US" dirty="0">
+              <a:latin typeface="FrankRuehl" panose="020E0503060101010101" pitchFamily="34" charset="-79"/>
+              <a:cs typeface="FrankRuehl" panose="020E0503060101010101" pitchFamily="34" charset="-79"/>
+            </a:endParaRPr>
+          </a:p>
+        </p:txBody>
+      </p:sp>
+      <p:sp>
+        <p:nvSpPr>
+          <p:cNvPr id="3" name="부제목 2">
+            <a:extLst>
+              <a:ext uri="{FF2B5EF4-FFF2-40B4-BE49-F238E27FC236}">
+                <a16:creationId xmlns:a16="http://schemas.microsoft.com/office/drawing/2014/main" id="{7135E3CC-0384-4CDE-8F1D-C29734627E92}"/>
+              </a:ext>
+            </a:extLst>
+          </p:cNvPr>
+          <p:cNvSpPr>
+            <a:spLocks noGrp="1"/>
+          </p:cNvSpPr>
+          <p:nvPr>
+            <p:ph idx="1"/>
+          </p:nvPr>
+        </p:nvSpPr>
+        <p:spPr>
+          <a:xfrm>
+            <a:off x="838200" y="1825625"/>
+            <a:ext cx="10515600" cy="4351338"/>
+          </a:xfrm>
+        </p:spPr>
+        <p:txBody>
+          <a:bodyPr>
+            <a:normAutofit/>
+          </a:bodyPr>
+          <a:lstStyle/>
+          <a:p>
+            <a:pPr marL="0" indent="0">
+              <a:buNone/>
+            </a:pPr>
+            <a:r>
+              <a:rPr lang="ko-KR" altLang="en-US" sz="2400" dirty="0">
+                <a:latin typeface="BusanBada" panose="02000603000000000000" pitchFamily="2" charset="-127"/>
+                <a:ea typeface="BusanBada" panose="02000603000000000000" pitchFamily="2" charset="-127"/>
+              </a:rPr>
+              <a:t>고정 크기 메모리 관리자는 스레드 안전하지 않기 때문에 효율적이기도 함</a:t>
+            </a:r>
+            <a:r>
+              <a:rPr lang="en-US" altLang="ko-KR" sz="2400" dirty="0">
+                <a:latin typeface="BusanBada" panose="02000603000000000000" pitchFamily="2" charset="-127"/>
+                <a:ea typeface="BusanBada" panose="02000603000000000000" pitchFamily="2" charset="-127"/>
+              </a:rPr>
+              <a:t>.</a:t>
+            </a:r>
+          </a:p>
+          <a:p>
+            <a:pPr marL="0" indent="0">
+              <a:buNone/>
+            </a:pPr>
+            <a:r>
+              <a:rPr lang="ko-KR" altLang="en-US" sz="2400" dirty="0">
+                <a:latin typeface="BusanBada" panose="02000603000000000000" pitchFamily="2" charset="-127"/>
+                <a:ea typeface="BusanBada" panose="02000603000000000000" pitchFamily="2" charset="-127"/>
+              </a:rPr>
+              <a:t>스레드 안전하지 않은 메모리 매니저가 효율적인 이유는 두가지가 있음</a:t>
+            </a:r>
+            <a:r>
+              <a:rPr lang="en-US" altLang="ko-KR" sz="2400" dirty="0">
+                <a:latin typeface="BusanBada" panose="02000603000000000000" pitchFamily="2" charset="-127"/>
+                <a:ea typeface="BusanBada" panose="02000603000000000000" pitchFamily="2" charset="-127"/>
+              </a:rPr>
+              <a:t>.</a:t>
+            </a:r>
+          </a:p>
+          <a:p>
+            <a:pPr marL="457200" lvl="1" indent="0">
+              <a:buNone/>
+            </a:pPr>
+            <a:r>
+              <a:rPr lang="en-US" altLang="ko-KR" dirty="0">
+                <a:latin typeface="BusanBada" panose="02000603000000000000" pitchFamily="2" charset="-127"/>
+                <a:ea typeface="BusanBada" panose="02000603000000000000" pitchFamily="2" charset="-127"/>
+              </a:rPr>
+              <a:t>1. </a:t>
+            </a:r>
+            <a:r>
+              <a:rPr lang="ko-KR" altLang="en-US" dirty="0">
+                <a:latin typeface="BusanBada" panose="02000603000000000000" pitchFamily="2" charset="-127"/>
+                <a:ea typeface="BusanBada" panose="02000603000000000000" pitchFamily="2" charset="-127"/>
+              </a:rPr>
+              <a:t>임계 영역에 대한 동기화가 필요 없음</a:t>
+            </a:r>
+            <a:r>
+              <a:rPr lang="en-US" altLang="ko-KR" dirty="0">
+                <a:latin typeface="BusanBada" panose="02000603000000000000" pitchFamily="2" charset="-127"/>
+                <a:ea typeface="BusanBada" panose="02000603000000000000" pitchFamily="2" charset="-127"/>
+              </a:rPr>
+              <a:t>. </a:t>
+            </a:r>
+            <a:r>
+              <a:rPr lang="en-US" altLang="ko-KR" dirty="0">
+                <a:latin typeface="FrankRuehl" panose="020E0503060101010101" pitchFamily="34" charset="-79"/>
+                <a:ea typeface="BusanBada" panose="02000603000000000000" pitchFamily="2" charset="-127"/>
+                <a:cs typeface="FrankRuehl" panose="020E0503060101010101" pitchFamily="34" charset="-79"/>
+              </a:rPr>
+              <a:t>Memory fence</a:t>
+            </a:r>
+            <a:r>
+              <a:rPr lang="ko-KR" altLang="en-US" dirty="0">
+                <a:latin typeface="FrankRuehl" panose="020E0503060101010101" pitchFamily="34" charset="-79"/>
+                <a:ea typeface="BusanBada" panose="02000603000000000000" pitchFamily="2" charset="-127"/>
+                <a:cs typeface="FrankRuehl" panose="020E0503060101010101" pitchFamily="34" charset="-79"/>
+              </a:rPr>
+              <a:t>는 동기화의 핵심인데 비용이 높음</a:t>
+            </a:r>
+            <a:r>
+              <a:rPr lang="en-US" altLang="ko-KR" dirty="0">
+                <a:latin typeface="FrankRuehl" panose="020E0503060101010101" pitchFamily="34" charset="-79"/>
+                <a:ea typeface="BusanBada" panose="02000603000000000000" pitchFamily="2" charset="-127"/>
+                <a:cs typeface="FrankRuehl" panose="020E0503060101010101" pitchFamily="34" charset="-79"/>
+              </a:rPr>
+              <a:t>.</a:t>
+            </a:r>
+          </a:p>
+          <a:p>
+            <a:pPr marL="457200" lvl="1" indent="0">
+              <a:buNone/>
+            </a:pPr>
+            <a:r>
+              <a:rPr lang="en-US" altLang="ko-KR" dirty="0">
+                <a:latin typeface="BusanBada" panose="02000603000000000000" pitchFamily="2" charset="-127"/>
+                <a:ea typeface="BusanBada" panose="02000603000000000000" pitchFamily="2" charset="-127"/>
+              </a:rPr>
+              <a:t>2. </a:t>
+            </a:r>
+            <a:r>
+              <a:rPr lang="ko-KR" altLang="en-US" dirty="0">
+                <a:latin typeface="BusanBada" panose="02000603000000000000" pitchFamily="2" charset="-127"/>
+                <a:ea typeface="BusanBada" panose="02000603000000000000" pitchFamily="2" charset="-127"/>
+              </a:rPr>
+              <a:t>전역 메모리 매니저를 사용하기 위해서 다른 스레드와 경합하지 않아도 됨</a:t>
+            </a:r>
+            <a:r>
+              <a:rPr lang="en-US" altLang="ko-KR" dirty="0">
+                <a:latin typeface="BusanBada" panose="02000603000000000000" pitchFamily="2" charset="-127"/>
+                <a:ea typeface="BusanBada" panose="02000603000000000000" pitchFamily="2" charset="-127"/>
+              </a:rPr>
+              <a:t>.</a:t>
+            </a:r>
+          </a:p>
+          <a:p>
+            <a:pPr marL="0" indent="0">
+              <a:buNone/>
+            </a:pPr>
+            <a:endParaRPr lang="en-US" altLang="ko-KR" sz="2400" dirty="0">
+              <a:latin typeface="BusanBada" panose="02000603000000000000" pitchFamily="2" charset="-127"/>
+              <a:ea typeface="BusanBada" panose="02000603000000000000" pitchFamily="2" charset="-127"/>
+            </a:endParaRPr>
+          </a:p>
+          <a:p>
+            <a:pPr marL="0" indent="0">
+              <a:buNone/>
+            </a:pPr>
+            <a:r>
+              <a:rPr lang="ko-KR" altLang="en-US" sz="2400" dirty="0">
+                <a:latin typeface="BusanBada" panose="02000603000000000000" pitchFamily="2" charset="-127"/>
+                <a:ea typeface="BusanBada" panose="02000603000000000000" pitchFamily="2" charset="-127"/>
+              </a:rPr>
+              <a:t>스레드 안전하지 않은 메모리 관리자는 스레드 안전한 메모리 관리자보다 쉽게</a:t>
+            </a:r>
+            <a:br>
+              <a:rPr lang="en-US" altLang="ko-KR" sz="2400" dirty="0">
+                <a:latin typeface="BusanBada" panose="02000603000000000000" pitchFamily="2" charset="-127"/>
+                <a:ea typeface="BusanBada" panose="02000603000000000000" pitchFamily="2" charset="-127"/>
+              </a:rPr>
+            </a:br>
+            <a:r>
+              <a:rPr lang="ko-KR" altLang="en-US" sz="2400" dirty="0">
+                <a:latin typeface="BusanBada" panose="02000603000000000000" pitchFamily="2" charset="-127"/>
+                <a:ea typeface="BusanBada" panose="02000603000000000000" pitchFamily="2" charset="-127"/>
+              </a:rPr>
+              <a:t>작성할 수 있음</a:t>
+            </a:r>
+            <a:r>
+              <a:rPr lang="en-US" altLang="ko-KR" sz="2400" dirty="0">
+                <a:latin typeface="BusanBada" panose="02000603000000000000" pitchFamily="2" charset="-127"/>
+                <a:ea typeface="BusanBada" panose="02000603000000000000" pitchFamily="2" charset="-127"/>
+              </a:rPr>
+              <a:t>. </a:t>
+            </a:r>
+          </a:p>
+          <a:p>
+            <a:pPr marL="0" indent="0">
+              <a:buNone/>
+            </a:pPr>
+            <a:r>
+              <a:rPr lang="ko-KR" altLang="en-US" sz="2400" dirty="0">
+                <a:latin typeface="BusanBada" panose="02000603000000000000" pitchFamily="2" charset="-127"/>
+                <a:ea typeface="BusanBada" panose="02000603000000000000" pitchFamily="2" charset="-127"/>
+              </a:rPr>
+              <a:t>임계 영역을 줄이기 위해서 스레드 안전한 메모리 관리자는 복잡해 질 수 있음</a:t>
+            </a:r>
+            <a:r>
+              <a:rPr lang="en-US" altLang="ko-KR" sz="2400" dirty="0">
+                <a:latin typeface="BusanBada" panose="02000603000000000000" pitchFamily="2" charset="-127"/>
+                <a:ea typeface="BusanBada" panose="02000603000000000000" pitchFamily="2" charset="-127"/>
+              </a:rPr>
+              <a:t>.</a:t>
+            </a:r>
+          </a:p>
+        </p:txBody>
+      </p:sp>
+    </p:spTree>
+    <p:extLst>
+      <p:ext uri="{BB962C8B-B14F-4D97-AF65-F5344CB8AC3E}">
+        <p14:creationId xmlns:p14="http://schemas.microsoft.com/office/powerpoint/2010/main" val="3305966947"/>
+      </p:ext>
+    </p:extLst>
+  </p:cSld>
+  <p:clrMapOvr>
+    <a:masterClrMapping/>
+  </p:clrMapOvr>
+</p:sld>
+</file>
+
+<file path=ppt/slides/slide34.xml><?xml version="1.0" encoding="utf-8"?>
+<p:sld xmlns:a="http://schemas.openxmlformats.org/drawingml/2006/main" xmlns:r="http://schemas.openxmlformats.org/officeDocument/2006/relationships" xmlns:p="http://schemas.openxmlformats.org/presentationml/2006/main">
+  <p:cSld>
+    <p:spTree>
+      <p:nvGrpSpPr>
+        <p:cNvPr id="1" name=""/>
+        <p:cNvGrpSpPr/>
+        <p:nvPr/>
+      </p:nvGrpSpPr>
+      <p:grpSpPr>
+        <a:xfrm>
+          <a:off x="0" y="0"/>
+          <a:ext cx="0" cy="0"/>
+          <a:chOff x="0" y="0"/>
+          <a:chExt cx="0" cy="0"/>
+        </a:xfrm>
+      </p:grpSpPr>
+      <p:sp>
+        <p:nvSpPr>
+          <p:cNvPr id="2" name="제목 1">
+            <a:extLst>
+              <a:ext uri="{FF2B5EF4-FFF2-40B4-BE49-F238E27FC236}">
+                <a16:creationId xmlns:a16="http://schemas.microsoft.com/office/drawing/2014/main" id="{DE938470-D5B9-47B5-9356-902610971B86}"/>
+              </a:ext>
+            </a:extLst>
+          </p:cNvPr>
+          <p:cNvSpPr>
+            <a:spLocks noGrp="1"/>
+          </p:cNvSpPr>
+          <p:nvPr>
+            <p:ph type="title"/>
+          </p:nvPr>
+        </p:nvSpPr>
+        <p:spPr/>
+        <p:txBody>
+          <a:bodyPr>
+            <a:normAutofit/>
+          </a:bodyPr>
+          <a:lstStyle/>
+          <a:p>
+            <a:r>
+              <a:rPr lang="en-US" altLang="ko-KR" dirty="0">
+                <a:latin typeface="FrankRuehl" panose="020E0503060101010101" pitchFamily="34" charset="-79"/>
+                <a:cs typeface="FrankRuehl" panose="020E0503060101010101" pitchFamily="34" charset="-79"/>
+              </a:rPr>
+              <a:t>Provide</a:t>
+            </a:r>
+            <a:r>
+              <a:rPr lang="ko-KR" altLang="en-US" dirty="0">
+                <a:latin typeface="FrankRuehl" panose="020E0503060101010101" pitchFamily="34" charset="-79"/>
+                <a:cs typeface="FrankRuehl" panose="020E0503060101010101" pitchFamily="34" charset="-79"/>
+              </a:rPr>
+              <a:t> </a:t>
+            </a:r>
+            <a:r>
+              <a:rPr lang="en-US" altLang="ko-KR" dirty="0">
+                <a:latin typeface="FrankRuehl" panose="020E0503060101010101" pitchFamily="34" charset="-79"/>
+                <a:cs typeface="FrankRuehl" panose="020E0503060101010101" pitchFamily="34" charset="-79"/>
+              </a:rPr>
+              <a:t>Custom</a:t>
+            </a:r>
+            <a:r>
+              <a:rPr lang="ko-KR" altLang="en-US" dirty="0">
+                <a:latin typeface="FrankRuehl" panose="020E0503060101010101" pitchFamily="34" charset="-79"/>
+                <a:cs typeface="FrankRuehl" panose="020E0503060101010101" pitchFamily="34" charset="-79"/>
+              </a:rPr>
+              <a:t> </a:t>
+            </a:r>
+            <a:r>
+              <a:rPr lang="en-US" altLang="ko-KR" dirty="0">
+                <a:latin typeface="FrankRuehl" panose="020E0503060101010101" pitchFamily="34" charset="-79"/>
+                <a:cs typeface="FrankRuehl" panose="020E0503060101010101" pitchFamily="34" charset="-79"/>
+              </a:rPr>
+              <a:t>Standard</a:t>
+            </a:r>
+            <a:r>
+              <a:rPr lang="ko-KR" altLang="en-US" dirty="0">
+                <a:latin typeface="FrankRuehl" panose="020E0503060101010101" pitchFamily="34" charset="-79"/>
+                <a:cs typeface="FrankRuehl" panose="020E0503060101010101" pitchFamily="34" charset="-79"/>
+              </a:rPr>
+              <a:t> </a:t>
+            </a:r>
+            <a:r>
+              <a:rPr lang="en-US" altLang="ko-KR" dirty="0">
+                <a:latin typeface="FrankRuehl" panose="020E0503060101010101" pitchFamily="34" charset="-79"/>
+                <a:cs typeface="FrankRuehl" panose="020E0503060101010101" pitchFamily="34" charset="-79"/>
+              </a:rPr>
+              <a:t>Library</a:t>
+            </a:r>
+            <a:r>
+              <a:rPr lang="ko-KR" altLang="en-US" dirty="0">
+                <a:latin typeface="FrankRuehl" panose="020E0503060101010101" pitchFamily="34" charset="-79"/>
+                <a:cs typeface="FrankRuehl" panose="020E0503060101010101" pitchFamily="34" charset="-79"/>
+              </a:rPr>
+              <a:t> </a:t>
+            </a:r>
+            <a:r>
+              <a:rPr lang="en-US" altLang="ko-KR" dirty="0">
+                <a:latin typeface="FrankRuehl" panose="020E0503060101010101" pitchFamily="34" charset="-79"/>
+                <a:cs typeface="FrankRuehl" panose="020E0503060101010101" pitchFamily="34" charset="-79"/>
+              </a:rPr>
+              <a:t>Allocators</a:t>
+            </a:r>
+            <a:endParaRPr lang="ko-KR" altLang="en-US" dirty="0">
+              <a:latin typeface="FrankRuehl" panose="020E0503060101010101" pitchFamily="34" charset="-79"/>
+              <a:cs typeface="FrankRuehl" panose="020E0503060101010101" pitchFamily="34" charset="-79"/>
+            </a:endParaRPr>
+          </a:p>
+        </p:txBody>
+      </p:sp>
+      <p:sp>
+        <p:nvSpPr>
+          <p:cNvPr id="3" name="부제목 2">
+            <a:extLst>
+              <a:ext uri="{FF2B5EF4-FFF2-40B4-BE49-F238E27FC236}">
+                <a16:creationId xmlns:a16="http://schemas.microsoft.com/office/drawing/2014/main" id="{7135E3CC-0384-4CDE-8F1D-C29734627E92}"/>
+              </a:ext>
+            </a:extLst>
+          </p:cNvPr>
+          <p:cNvSpPr>
+            <a:spLocks noGrp="1"/>
+          </p:cNvSpPr>
+          <p:nvPr>
+            <p:ph idx="1"/>
+          </p:nvPr>
+        </p:nvSpPr>
+        <p:spPr>
+          <a:xfrm>
+            <a:off x="838200" y="1825625"/>
+            <a:ext cx="10515600" cy="4351338"/>
+          </a:xfrm>
+        </p:spPr>
+        <p:txBody>
+          <a:bodyPr>
+            <a:normAutofit/>
+          </a:bodyPr>
+          <a:lstStyle/>
+          <a:p>
+            <a:pPr marL="0" indent="0">
+              <a:buNone/>
+            </a:pPr>
+            <a:endParaRPr lang="en-US" altLang="ko-KR" sz="2400" dirty="0">
+              <a:latin typeface="BusanBada" panose="02000603000000000000" pitchFamily="2" charset="-127"/>
+              <a:ea typeface="BusanBada" panose="02000603000000000000" pitchFamily="2" charset="-127"/>
+            </a:endParaRPr>
+          </a:p>
+        </p:txBody>
+      </p:sp>
+    </p:spTree>
+    <p:extLst>
+      <p:ext uri="{BB962C8B-B14F-4D97-AF65-F5344CB8AC3E}">
+        <p14:creationId xmlns:p14="http://schemas.microsoft.com/office/powerpoint/2010/main" val="3440047950"/>
+      </p:ext>
+    </p:extLst>
+  </p:cSld>
+  <p:clrMapOvr>
+    <a:masterClrMapping/>
+  </p:clrMapOvr>
+</p:sld>
+</file>
+
+<file path=ppt/slides/slide35.xml><?xml version="1.0" encoding="utf-8"?>
+<p:sld xmlns:a="http://schemas.openxmlformats.org/drawingml/2006/main" xmlns:r="http://schemas.openxmlformats.org/officeDocument/2006/relationships" xmlns:p="http://schemas.openxmlformats.org/presentationml/2006/main">
+  <p:cSld>
+    <p:spTree>
+      <p:nvGrpSpPr>
+        <p:cNvPr id="1" name=""/>
+        <p:cNvGrpSpPr/>
+        <p:nvPr/>
+      </p:nvGrpSpPr>
+      <p:grpSpPr>
+        <a:xfrm>
+          <a:off x="0" y="0"/>
+          <a:ext cx="0" cy="0"/>
+          <a:chOff x="0" y="0"/>
+          <a:chExt cx="0" cy="0"/>
+        </a:xfrm>
+      </p:grpSpPr>
+      <p:sp>
+        <p:nvSpPr>
+          <p:cNvPr id="2" name="제목 1">
+            <a:extLst>
+              <a:ext uri="{FF2B5EF4-FFF2-40B4-BE49-F238E27FC236}">
+                <a16:creationId xmlns:a16="http://schemas.microsoft.com/office/drawing/2014/main" id="{DE938470-D5B9-47B5-9356-902610971B86}"/>
+              </a:ext>
+            </a:extLst>
+          </p:cNvPr>
+          <p:cNvSpPr>
+            <a:spLocks noGrp="1"/>
+          </p:cNvSpPr>
+          <p:nvPr>
+            <p:ph type="title"/>
+          </p:nvPr>
+        </p:nvSpPr>
+        <p:spPr/>
+        <p:txBody>
+          <a:bodyPr/>
+          <a:lstStyle/>
+          <a:p>
+            <a:r>
+              <a:rPr lang="en-US" altLang="ko-KR" dirty="0">
+                <a:latin typeface="FrankRuehl" panose="020E0503060101010101" pitchFamily="34" charset="-79"/>
+                <a:cs typeface="FrankRuehl" panose="020E0503060101010101" pitchFamily="34" charset="-79"/>
+              </a:rPr>
+              <a:t>Reference</a:t>
+            </a:r>
+            <a:endParaRPr lang="ko-KR" altLang="en-US" dirty="0">
+              <a:latin typeface="FrankRuehl" panose="020E0503060101010101" pitchFamily="34" charset="-79"/>
+              <a:cs typeface="FrankRuehl" panose="020E0503060101010101" pitchFamily="34" charset="-79"/>
+            </a:endParaRPr>
+          </a:p>
+        </p:txBody>
+      </p:sp>
+      <p:sp>
+        <p:nvSpPr>
+          <p:cNvPr id="3" name="부제목 2">
+            <a:extLst>
+              <a:ext uri="{FF2B5EF4-FFF2-40B4-BE49-F238E27FC236}">
+                <a16:creationId xmlns:a16="http://schemas.microsoft.com/office/drawing/2014/main" id="{7135E3CC-0384-4CDE-8F1D-C29734627E92}"/>
+              </a:ext>
+            </a:extLst>
+          </p:cNvPr>
+          <p:cNvSpPr>
+            <a:spLocks noGrp="1"/>
+          </p:cNvSpPr>
+          <p:nvPr>
+            <p:ph idx="1"/>
+          </p:nvPr>
+        </p:nvSpPr>
+        <p:spPr>
+          <a:xfrm>
+            <a:off x="838200" y="1825625"/>
+            <a:ext cx="10515600" cy="4351338"/>
+          </a:xfrm>
+        </p:spPr>
+        <p:txBody>
+          <a:bodyPr>
+            <a:normAutofit/>
+          </a:bodyPr>
+          <a:lstStyle/>
+          <a:p>
             <a:r>
               <a:rPr lang="ko-KR" altLang="en-US" sz="2400" dirty="0">
                 <a:latin typeface="BusanBada" panose="02000603000000000000" pitchFamily="2" charset="-127"/>
@@ -21410,33 +22106,15 @@
           </a:p>
           <a:p>
             <a:r>
-              <a:rPr lang="en-US" altLang="ko-KR" sz="2400" dirty="0" err="1">
+              <a:rPr lang="en-US" altLang="ko-KR" sz="2400" dirty="0">
                 <a:latin typeface="FrankRuehl" panose="020E0503060101010101" pitchFamily="34" charset="-79"/>
                 <a:ea typeface="BusanBada" panose="02000603000000000000" pitchFamily="2" charset="-127"/>
                 <a:cs typeface="FrankRuehl" panose="020E0503060101010101" pitchFamily="34" charset="-79"/>
                 <a:hlinkClick r:id="rId3"/>
               </a:rPr>
-              <a:t>Jemalloc</a:t>
-            </a:r>
-            <a:r>
-              <a:rPr lang="en-US" altLang="ko-KR" sz="2400" dirty="0">
-                <a:latin typeface="FrankRuehl" panose="020E0503060101010101" pitchFamily="34" charset="-79"/>
-                <a:ea typeface="BusanBada" panose="02000603000000000000" pitchFamily="2" charset="-127"/>
-                <a:cs typeface="FrankRuehl" panose="020E0503060101010101" pitchFamily="34" charset="-79"/>
-                <a:hlinkClick r:id="rId3"/>
-              </a:rPr>
-              <a:t> Manual </a:t>
-            </a:r>
-            <a:r>
-              <a:rPr lang="en-US" altLang="ko-KR" sz="2400" dirty="0" smtClean="0">
-                <a:latin typeface="FrankRuehl" panose="020E0503060101010101" pitchFamily="34" charset="-79"/>
-                <a:ea typeface="BusanBada" panose="02000603000000000000" pitchFamily="2" charset="-127"/>
-                <a:cs typeface="FrankRuehl" panose="020E0503060101010101" pitchFamily="34" charset="-79"/>
-                <a:hlinkClick r:id="rId3"/>
-              </a:rPr>
-              <a:t>Page</a:t>
-            </a:r>
-            <a:endParaRPr lang="en-US" altLang="ko-KR" sz="2400" dirty="0" smtClean="0">
+              <a:t>Jemalloc Manual Page</a:t>
+            </a:r>
+            <a:endParaRPr lang="en-US" altLang="ko-KR" sz="2400" dirty="0">
               <a:latin typeface="FrankRuehl" panose="020E0503060101010101" pitchFamily="34" charset="-79"/>
               <a:ea typeface="BusanBada" panose="02000603000000000000" pitchFamily="2" charset="-127"/>
               <a:cs typeface="FrankRuehl" panose="020E0503060101010101" pitchFamily="34" charset="-79"/>
@@ -21447,19 +22125,7 @@
               <a:rPr lang="en-US" altLang="ko-KR" sz="2400" dirty="0">
                 <a:hlinkClick r:id="rId4"/>
               </a:rPr>
-              <a:t>Exploiting the </a:t>
-            </a:r>
-            <a:r>
-              <a:rPr lang="en-US" altLang="ko-KR" sz="2400" dirty="0" err="1">
-                <a:hlinkClick r:id="rId4"/>
-              </a:rPr>
-              <a:t>jemalloc</a:t>
-            </a:r>
-            <a:r>
-              <a:rPr lang="en-US" altLang="ko-KR" sz="2400" dirty="0">
-                <a:hlinkClick r:id="rId4"/>
-              </a:rPr>
-              <a:t> Memory Allocator: Owning Firefox's Heap</a:t>
+              <a:t>Exploiting the jemalloc Memory Allocator: Owning Firefox's Heap</a:t>
             </a:r>
             <a:endParaRPr lang="ko-KR" altLang="en-US" sz="2400" dirty="0">
               <a:latin typeface="FrankRuehl" panose="020E0503060101010101" pitchFamily="34" charset="-79"/>
@@ -21504,7 +22170,7 @@
           <p:cNvPr id="2" name="제목 1">
             <a:extLst>
               <a:ext uri="{FF2B5EF4-FFF2-40B4-BE49-F238E27FC236}">
-                <a16:creationId xmlns:a16="http://schemas.microsoft.com/office/drawing/2014/main" xmlns="" id="{DE938470-D5B9-47B5-9356-902610971B86}"/>
+                <a16:creationId xmlns:a16="http://schemas.microsoft.com/office/drawing/2014/main" id="{DE938470-D5B9-47B5-9356-902610971B86}"/>
               </a:ext>
             </a:extLst>
           </p:cNvPr>
@@ -21539,7 +22205,7 @@
           <p:cNvPr id="3" name="부제목 2">
             <a:extLst>
               <a:ext uri="{FF2B5EF4-FFF2-40B4-BE49-F238E27FC236}">
-                <a16:creationId xmlns:a16="http://schemas.microsoft.com/office/drawing/2014/main" xmlns="" id="{7135E3CC-0384-4CDE-8F1D-C29734627E92}"/>
+                <a16:creationId xmlns:a16="http://schemas.microsoft.com/office/drawing/2014/main" id="{7135E3CC-0384-4CDE-8F1D-C29734627E92}"/>
               </a:ext>
             </a:extLst>
           </p:cNvPr>
@@ -21573,14 +22239,7 @@
                 <a:latin typeface="BusanBada" panose="02000603000000000000" pitchFamily="2" charset="-127"/>
                 <a:ea typeface="BusanBada" panose="02000603000000000000" pitchFamily="2" charset="-127"/>
               </a:rPr>
-              <a:t>라이브러리가 할당하는 전용 </a:t>
-            </a:r>
-            <a:r>
-              <a:rPr lang="ko-KR" altLang="en-US" sz="2400" dirty="0" err="1">
-                <a:latin typeface="BusanBada" panose="02000603000000000000" pitchFamily="2" charset="-127"/>
-                <a:ea typeface="BusanBada" panose="02000603000000000000" pitchFamily="2" charset="-127"/>
-              </a:rPr>
-              <a:t>힙</a:t>
+              <a:t>라이브러리가 할당하는 전용 힙</a:t>
             </a:r>
             <a:r>
               <a:rPr lang="en-US" altLang="ko-KR" sz="2400" dirty="0">
@@ -21607,40 +22266,15 @@
                 <a:latin typeface="BusanBada" panose="02000603000000000000" pitchFamily="2" charset="-127"/>
                 <a:ea typeface="BusanBada" panose="02000603000000000000" pitchFamily="2" charset="-127"/>
               </a:rPr>
-              <a:t>로 할당하는 메모리는 해당 </a:t>
-            </a:r>
-            <a:r>
-              <a:rPr lang="ko-KR" altLang="en-US" sz="2400" dirty="0" err="1">
-                <a:latin typeface="BusanBada" panose="02000603000000000000" pitchFamily="2" charset="-127"/>
-                <a:ea typeface="BusanBada" panose="02000603000000000000" pitchFamily="2" charset="-127"/>
-              </a:rPr>
-              <a:t>힙을</a:t>
-            </a:r>
-            <a:r>
-              <a:rPr lang="ko-KR" altLang="en-US" sz="2400" dirty="0">
-                <a:latin typeface="BusanBada" panose="02000603000000000000" pitchFamily="2" charset="-127"/>
-                <a:ea typeface="BusanBada" panose="02000603000000000000" pitchFamily="2" charset="-127"/>
-              </a:rPr>
-              <a:t> </a:t>
-            </a:r>
-            <a:r>
-              <a:rPr lang="ko-KR" altLang="en-US" sz="2400">
-                <a:latin typeface="BusanBada" panose="02000603000000000000" pitchFamily="2" charset="-127"/>
-                <a:ea typeface="BusanBada" panose="02000603000000000000" pitchFamily="2" charset="-127"/>
-              </a:rPr>
-              <a:t>사용</a:t>
-            </a:r>
-            <a:r>
-              <a:rPr lang="en-US" altLang="ko-KR" sz="2400" dirty="0" smtClean="0">
+              <a:t>로 할당하는 메모리는 해당 힙을 사용</a:t>
+            </a:r>
+            <a:r>
+              <a:rPr lang="en-US" altLang="ko-KR" sz="2400" dirty="0">
                 <a:latin typeface="BusanBada" panose="02000603000000000000" pitchFamily="2" charset="-127"/>
                 <a:ea typeface="BusanBada" panose="02000603000000000000" pitchFamily="2" charset="-127"/>
               </a:rPr>
               <a:t>.</a:t>
             </a:r>
-            <a:endParaRPr lang="en-US" altLang="ko-KR" sz="2400" dirty="0">
-              <a:latin typeface="BusanBada" panose="02000603000000000000" pitchFamily="2" charset="-127"/>
-              <a:ea typeface="BusanBada" panose="02000603000000000000" pitchFamily="2" charset="-127"/>
-            </a:endParaRPr>
           </a:p>
         </p:txBody>
       </p:sp>
@@ -21671,7 +22305,7 @@
           <a:lstStyle/>
           <a:p>
             <a:r>
-              <a:rPr lang="en-US" altLang="ko-KR" dirty="0" smtClean="0">
+              <a:rPr lang="en-US" altLang="ko-KR" dirty="0">
                 <a:solidFill>
                   <a:srgbClr val="008000"/>
                 </a:solidFill>
@@ -21684,7 +22318,7 @@
           </a:p>
           <a:p>
             <a:r>
-              <a:rPr lang="en-US" altLang="ko-KR" dirty="0" err="1" smtClean="0">
+              <a:rPr lang="en-US" altLang="ko-KR" dirty="0">
                 <a:solidFill>
                   <a:srgbClr val="0000FF"/>
                 </a:solidFill>
@@ -21695,7 +22329,7 @@
               <a:t>int</a:t>
             </a:r>
             <a:r>
-              <a:rPr lang="en-US" altLang="ko-KR" dirty="0" smtClean="0">
+              <a:rPr lang="en-US" altLang="ko-KR" dirty="0">
                 <a:solidFill>
                   <a:srgbClr val="000000"/>
                 </a:solidFill>
@@ -21714,10 +22348,34 @@
                 <a:ea typeface="돋움체" panose="020B0609000101010101" pitchFamily="49" charset="-127"/>
                 <a:cs typeface="Consolas" panose="020B0609020204030204" pitchFamily="49" charset="0"/>
               </a:rPr>
-              <a:t>__</a:t>
-            </a:r>
-            <a:r>
-              <a:rPr lang="en-US" altLang="ko-KR" dirty="0" err="1">
+              <a:t>__cdecl</a:t>
+            </a:r>
+            <a:r>
+              <a:rPr lang="en-US" altLang="ko-KR" dirty="0">
+                <a:solidFill>
+                  <a:srgbClr val="000000"/>
+                </a:solidFill>
+                <a:latin typeface="Consolas" panose="020B0609020204030204" pitchFamily="49" charset="0"/>
+                <a:ea typeface="돋움체" panose="020B0609000101010101" pitchFamily="49" charset="-127"/>
+                <a:cs typeface="Consolas" panose="020B0609020204030204" pitchFamily="49" charset="0"/>
+              </a:rPr>
+              <a:t> _heap_init (</a:t>
+            </a:r>
+          </a:p>
+          <a:p>
+            <a:r>
+              <a:rPr lang="en-US" altLang="ko-KR" dirty="0">
+                <a:solidFill>
+                  <a:srgbClr val="000000"/>
+                </a:solidFill>
+                <a:latin typeface="Consolas" panose="020B0609020204030204" pitchFamily="49" charset="0"/>
+                <a:ea typeface="돋움체" panose="020B0609000101010101" pitchFamily="49" charset="-127"/>
+                <a:cs typeface="Consolas" panose="020B0609020204030204" pitchFamily="49" charset="0"/>
+              </a:rPr>
+              <a:t>        </a:t>
+            </a:r>
+            <a:r>
+              <a:rPr lang="en-US" altLang="ko-KR" dirty="0">
                 <a:solidFill>
                   <a:srgbClr val="0000FF"/>
                 </a:solidFill>
@@ -21725,7 +22383,7 @@
                 <a:ea typeface="돋움체" panose="020B0609000101010101" pitchFamily="49" charset="-127"/>
                 <a:cs typeface="Consolas" panose="020B0609020204030204" pitchFamily="49" charset="0"/>
               </a:rPr>
-              <a:t>cdecl</a:t>
+              <a:t>int</a:t>
             </a:r>
             <a:r>
               <a:rPr lang="en-US" altLang="ko-KR" dirty="0">
@@ -21736,10 +22394,12 @@
                 <a:ea typeface="돋움체" panose="020B0609000101010101" pitchFamily="49" charset="-127"/>
                 <a:cs typeface="Consolas" panose="020B0609020204030204" pitchFamily="49" charset="0"/>
               </a:rPr>
-              <a:t> _</a:t>
-            </a:r>
-            <a:r>
-              <a:rPr lang="en-US" altLang="ko-KR" dirty="0" err="1">
+              <a:t> mtflag</a:t>
+            </a:r>
+          </a:p>
+          <a:p>
+            <a:r>
+              <a:rPr lang="ko-KR" altLang="en-US" dirty="0">
                 <a:solidFill>
                   <a:srgbClr val="000000"/>
                 </a:solidFill>
@@ -21747,7 +22407,7 @@
                 <a:ea typeface="돋움체" panose="020B0609000101010101" pitchFamily="49" charset="-127"/>
                 <a:cs typeface="Consolas" panose="020B0609020204030204" pitchFamily="49" charset="0"/>
               </a:rPr>
-              <a:t>heap_init</a:t>
+              <a:t>        </a:t>
             </a:r>
             <a:r>
               <a:rPr lang="en-US" altLang="ko-KR" dirty="0">
@@ -21758,7 +22418,7 @@
                 <a:ea typeface="돋움체" panose="020B0609000101010101" pitchFamily="49" charset="-127"/>
                 <a:cs typeface="Consolas" panose="020B0609020204030204" pitchFamily="49" charset="0"/>
               </a:rPr>
-              <a:t> (</a:t>
+              <a:t>)</a:t>
             </a:r>
           </a:p>
           <a:p>
@@ -21771,18 +22431,20 @@
                 <a:ea typeface="돋움체" panose="020B0609000101010101" pitchFamily="49" charset="-127"/>
                 <a:cs typeface="Consolas" panose="020B0609020204030204" pitchFamily="49" charset="0"/>
               </a:rPr>
-              <a:t>        </a:t>
-            </a:r>
-            <a:r>
-              <a:rPr lang="en-US" altLang="ko-KR" dirty="0" err="1">
+              <a:t>{</a:t>
+            </a:r>
+          </a:p>
+          <a:p>
+            <a:r>
+              <a:rPr lang="en-US" altLang="ko-KR" dirty="0">
                 <a:solidFill>
-                  <a:srgbClr val="0000FF"/>
+                  <a:srgbClr val="808080"/>
                 </a:solidFill>
                 <a:latin typeface="Consolas" panose="020B0609020204030204" pitchFamily="49" charset="0"/>
                 <a:ea typeface="돋움체" panose="020B0609000101010101" pitchFamily="49" charset="-127"/>
                 <a:cs typeface="Consolas" panose="020B0609020204030204" pitchFamily="49" charset="0"/>
               </a:rPr>
-              <a:t>int</a:t>
+              <a:t>#if</a:t>
             </a:r>
             <a:r>
               <a:rPr lang="en-US" altLang="ko-KR" dirty="0">
@@ -21796,7 +22458,18 @@
               <a:t> </a:t>
             </a:r>
             <a:r>
-              <a:rPr lang="en-US" altLang="ko-KR" dirty="0" err="1">
+              <a:rPr lang="en-US" altLang="ko-KR" dirty="0">
+                <a:solidFill>
+                  <a:srgbClr val="808080"/>
+                </a:solidFill>
+                <a:latin typeface="Consolas" panose="020B0609020204030204" pitchFamily="49" charset="0"/>
+                <a:ea typeface="돋움체" panose="020B0609000101010101" pitchFamily="49" charset="-127"/>
+                <a:cs typeface="Consolas" panose="020B0609020204030204" pitchFamily="49" charset="0"/>
+              </a:rPr>
+              <a:t>defined</a:t>
+            </a:r>
+            <a:r>
+              <a:rPr lang="en-US" altLang="ko-KR" dirty="0">
                 <a:solidFill>
                   <a:srgbClr val="000000"/>
                 </a:solidFill>
@@ -21804,7 +22477,53 @@
                 <a:ea typeface="돋움체" panose="020B0609000101010101" pitchFamily="49" charset="-127"/>
                 <a:cs typeface="Consolas" panose="020B0609020204030204" pitchFamily="49" charset="0"/>
               </a:rPr>
-              <a:t>mtflag</a:t>
+              <a:t> _M_AMD64 || </a:t>
+            </a:r>
+            <a:r>
+              <a:rPr lang="en-US" altLang="ko-KR" dirty="0">
+                <a:solidFill>
+                  <a:srgbClr val="808080"/>
+                </a:solidFill>
+                <a:latin typeface="Consolas" panose="020B0609020204030204" pitchFamily="49" charset="0"/>
+                <a:ea typeface="돋움체" panose="020B0609000101010101" pitchFamily="49" charset="-127"/>
+                <a:cs typeface="Consolas" panose="020B0609020204030204" pitchFamily="49" charset="0"/>
+              </a:rPr>
+              <a:t>defined</a:t>
+            </a:r>
+            <a:r>
+              <a:rPr lang="en-US" altLang="ko-KR" dirty="0">
+                <a:solidFill>
+                  <a:srgbClr val="000000"/>
+                </a:solidFill>
+                <a:latin typeface="Consolas" panose="020B0609020204030204" pitchFamily="49" charset="0"/>
+                <a:ea typeface="돋움체" panose="020B0609000101010101" pitchFamily="49" charset="-127"/>
+                <a:cs typeface="Consolas" panose="020B0609020204030204" pitchFamily="49" charset="0"/>
+              </a:rPr>
+              <a:t> _M_IA64</a:t>
+            </a:r>
+          </a:p>
+          <a:p>
+            <a:r>
+              <a:rPr lang="en-US" altLang="ko-KR" dirty="0">
+                <a:solidFill>
+                  <a:srgbClr val="000000"/>
+                </a:solidFill>
+                <a:latin typeface="Consolas" panose="020B0609020204030204" pitchFamily="49" charset="0"/>
+                <a:ea typeface="돋움체" panose="020B0609000101010101" pitchFamily="49" charset="-127"/>
+                <a:cs typeface="Consolas" panose="020B0609020204030204" pitchFamily="49" charset="0"/>
+              </a:rPr>
+              <a:t>        </a:t>
+            </a:r>
+            <a:r>
+              <a:rPr lang="en-US" altLang="ko-KR" dirty="0">
+                <a:solidFill>
+                  <a:srgbClr val="008000"/>
+                </a:solidFill>
+                <a:latin typeface="Consolas" panose="020B0609020204030204" pitchFamily="49" charset="0"/>
+                <a:ea typeface="돋움체" panose="020B0609000101010101" pitchFamily="49" charset="-127"/>
+                <a:cs typeface="Consolas" panose="020B0609020204030204" pitchFamily="49" charset="0"/>
+              </a:rPr>
+              <a:t>// HEAP_NO_SERIALIZE is incompatible with the LFH heap</a:t>
             </a:r>
             <a:endParaRPr lang="en-US" altLang="ko-KR" dirty="0">
               <a:solidFill>
@@ -21817,7 +22536,7 @@
           </a:p>
           <a:p>
             <a:r>
-              <a:rPr lang="ko-KR" altLang="en-US" dirty="0">
+              <a:rPr lang="en-US" altLang="ko-KR" dirty="0">
                 <a:solidFill>
                   <a:srgbClr val="000000"/>
                 </a:solidFill>
@@ -21825,31 +22544,7 @@
                 <a:ea typeface="돋움체" panose="020B0609000101010101" pitchFamily="49" charset="-127"/>
                 <a:cs typeface="Consolas" panose="020B0609020204030204" pitchFamily="49" charset="0"/>
               </a:rPr>
-              <a:t>        </a:t>
-            </a:r>
-            <a:r>
-              <a:rPr lang="en-US" altLang="ko-KR" dirty="0">
-                <a:solidFill>
-                  <a:srgbClr val="000000"/>
-                </a:solidFill>
-                <a:latin typeface="Consolas" panose="020B0609020204030204" pitchFamily="49" charset="0"/>
-                <a:ea typeface="돋움체" panose="020B0609000101010101" pitchFamily="49" charset="-127"/>
-                <a:cs typeface="Consolas" panose="020B0609020204030204" pitchFamily="49" charset="0"/>
-              </a:rPr>
-              <a:t>)</a:t>
-            </a:r>
-          </a:p>
-          <a:p>
-            <a:r>
-              <a:rPr lang="en-US" altLang="ko-KR" dirty="0">
-                <a:solidFill>
-                  <a:srgbClr val="000000"/>
-                </a:solidFill>
-                <a:latin typeface="Consolas" panose="020B0609020204030204" pitchFamily="49" charset="0"/>
-                <a:ea typeface="돋움체" panose="020B0609000101010101" pitchFamily="49" charset="-127"/>
-                <a:cs typeface="Consolas" panose="020B0609020204030204" pitchFamily="49" charset="0"/>
-              </a:rPr>
-              <a:t>{</a:t>
+              <a:t>        mtflag = 1;</a:t>
             </a:r>
           </a:p>
           <a:p>
@@ -21862,153 +22557,7 @@
                 <a:ea typeface="돋움체" panose="020B0609000101010101" pitchFamily="49" charset="-127"/>
                 <a:cs typeface="Consolas" panose="020B0609020204030204" pitchFamily="49" charset="0"/>
               </a:rPr>
-              <a:t>#if</a:t>
-            </a:r>
-            <a:r>
-              <a:rPr lang="en-US" altLang="ko-KR" dirty="0">
-                <a:solidFill>
-                  <a:srgbClr val="000000"/>
-                </a:solidFill>
-                <a:latin typeface="Consolas" panose="020B0609020204030204" pitchFamily="49" charset="0"/>
-                <a:ea typeface="돋움체" panose="020B0609000101010101" pitchFamily="49" charset="-127"/>
-                <a:cs typeface="Consolas" panose="020B0609020204030204" pitchFamily="49" charset="0"/>
-              </a:rPr>
-              <a:t> </a:t>
-            </a:r>
-            <a:r>
-              <a:rPr lang="en-US" altLang="ko-KR" dirty="0">
-                <a:solidFill>
-                  <a:srgbClr val="808080"/>
-                </a:solidFill>
-                <a:latin typeface="Consolas" panose="020B0609020204030204" pitchFamily="49" charset="0"/>
-                <a:ea typeface="돋움체" panose="020B0609000101010101" pitchFamily="49" charset="-127"/>
-                <a:cs typeface="Consolas" panose="020B0609020204030204" pitchFamily="49" charset="0"/>
-              </a:rPr>
-              <a:t>defined</a:t>
-            </a:r>
-            <a:r>
-              <a:rPr lang="en-US" altLang="ko-KR" dirty="0">
-                <a:solidFill>
-                  <a:srgbClr val="000000"/>
-                </a:solidFill>
-                <a:latin typeface="Consolas" panose="020B0609020204030204" pitchFamily="49" charset="0"/>
-                <a:ea typeface="돋움체" panose="020B0609000101010101" pitchFamily="49" charset="-127"/>
-                <a:cs typeface="Consolas" panose="020B0609020204030204" pitchFamily="49" charset="0"/>
-              </a:rPr>
-              <a:t> _M_AMD64 || </a:t>
-            </a:r>
-            <a:r>
-              <a:rPr lang="en-US" altLang="ko-KR" dirty="0">
-                <a:solidFill>
-                  <a:srgbClr val="808080"/>
-                </a:solidFill>
-                <a:latin typeface="Consolas" panose="020B0609020204030204" pitchFamily="49" charset="0"/>
-                <a:ea typeface="돋움체" panose="020B0609000101010101" pitchFamily="49" charset="-127"/>
-                <a:cs typeface="Consolas" panose="020B0609020204030204" pitchFamily="49" charset="0"/>
-              </a:rPr>
-              <a:t>defined</a:t>
-            </a:r>
-            <a:r>
-              <a:rPr lang="en-US" altLang="ko-KR" dirty="0">
-                <a:solidFill>
-                  <a:srgbClr val="000000"/>
-                </a:solidFill>
-                <a:latin typeface="Consolas" panose="020B0609020204030204" pitchFamily="49" charset="0"/>
-                <a:ea typeface="돋움체" panose="020B0609000101010101" pitchFamily="49" charset="-127"/>
-                <a:cs typeface="Consolas" panose="020B0609020204030204" pitchFamily="49" charset="0"/>
-              </a:rPr>
-              <a:t> _M_IA64</a:t>
-            </a:r>
-          </a:p>
-          <a:p>
-            <a:r>
-              <a:rPr lang="en-US" altLang="ko-KR" dirty="0" smtClean="0">
-                <a:solidFill>
-                  <a:srgbClr val="000000"/>
-                </a:solidFill>
-                <a:latin typeface="Consolas" panose="020B0609020204030204" pitchFamily="49" charset="0"/>
-                <a:ea typeface="돋움체" panose="020B0609000101010101" pitchFamily="49" charset="-127"/>
-                <a:cs typeface="Consolas" panose="020B0609020204030204" pitchFamily="49" charset="0"/>
-              </a:rPr>
-              <a:t>        </a:t>
-            </a:r>
-            <a:r>
-              <a:rPr lang="en-US" altLang="ko-KR" dirty="0" smtClean="0">
-                <a:solidFill>
-                  <a:srgbClr val="008000"/>
-                </a:solidFill>
-                <a:latin typeface="Consolas" panose="020B0609020204030204" pitchFamily="49" charset="0"/>
-                <a:ea typeface="돋움체" panose="020B0609000101010101" pitchFamily="49" charset="-127"/>
-                <a:cs typeface="Consolas" panose="020B0609020204030204" pitchFamily="49" charset="0"/>
-              </a:rPr>
-              <a:t>// HEAP_NO_SERIALIZE is incompatible with the LFH heap</a:t>
-            </a:r>
-            <a:endParaRPr lang="en-US" altLang="ko-KR" dirty="0" smtClean="0">
-              <a:solidFill>
-                <a:srgbClr val="000000"/>
-              </a:solidFill>
-              <a:latin typeface="Consolas" panose="020B0609020204030204" pitchFamily="49" charset="0"/>
-              <a:ea typeface="돋움체" panose="020B0609000101010101" pitchFamily="49" charset="-127"/>
-              <a:cs typeface="Consolas" panose="020B0609020204030204" pitchFamily="49" charset="0"/>
-            </a:endParaRPr>
-          </a:p>
-          <a:p>
-            <a:r>
-              <a:rPr lang="en-US" altLang="ko-KR" dirty="0" smtClean="0">
-                <a:solidFill>
-                  <a:srgbClr val="000000"/>
-                </a:solidFill>
-                <a:latin typeface="Consolas" panose="020B0609020204030204" pitchFamily="49" charset="0"/>
-                <a:ea typeface="돋움체" panose="020B0609000101010101" pitchFamily="49" charset="-127"/>
-                <a:cs typeface="Consolas" panose="020B0609020204030204" pitchFamily="49" charset="0"/>
-              </a:rPr>
-              <a:t>        </a:t>
-            </a:r>
-            <a:r>
-              <a:rPr lang="en-US" altLang="ko-KR" dirty="0" err="1" smtClean="0">
-                <a:solidFill>
-                  <a:srgbClr val="000000"/>
-                </a:solidFill>
-                <a:latin typeface="Consolas" panose="020B0609020204030204" pitchFamily="49" charset="0"/>
-                <a:ea typeface="돋움체" panose="020B0609000101010101" pitchFamily="49" charset="-127"/>
-                <a:cs typeface="Consolas" panose="020B0609020204030204" pitchFamily="49" charset="0"/>
-              </a:rPr>
-              <a:t>mtflag</a:t>
-            </a:r>
-            <a:r>
-              <a:rPr lang="en-US" altLang="ko-KR" dirty="0" smtClean="0">
-                <a:solidFill>
-                  <a:srgbClr val="000000"/>
-                </a:solidFill>
-                <a:latin typeface="Consolas" panose="020B0609020204030204" pitchFamily="49" charset="0"/>
-                <a:ea typeface="돋움체" panose="020B0609000101010101" pitchFamily="49" charset="-127"/>
-                <a:cs typeface="Consolas" panose="020B0609020204030204" pitchFamily="49" charset="0"/>
-              </a:rPr>
-              <a:t> = 1;</a:t>
-            </a:r>
-          </a:p>
-          <a:p>
-            <a:r>
-              <a:rPr lang="en-US" altLang="ko-KR" dirty="0" smtClean="0">
-                <a:solidFill>
-                  <a:srgbClr val="808080"/>
-                </a:solidFill>
-                <a:latin typeface="Consolas" panose="020B0609020204030204" pitchFamily="49" charset="0"/>
-                <a:ea typeface="돋움체" panose="020B0609000101010101" pitchFamily="49" charset="-127"/>
-                <a:cs typeface="Consolas" panose="020B0609020204030204" pitchFamily="49" charset="0"/>
-              </a:rPr>
-              <a:t>#</a:t>
-            </a:r>
-            <a:r>
-              <a:rPr lang="en-US" altLang="ko-KR" dirty="0" err="1">
-                <a:solidFill>
-                  <a:srgbClr val="808080"/>
-                </a:solidFill>
-                <a:latin typeface="Consolas" panose="020B0609020204030204" pitchFamily="49" charset="0"/>
-                <a:ea typeface="돋움체" panose="020B0609000101010101" pitchFamily="49" charset="-127"/>
-                <a:cs typeface="Consolas" panose="020B0609020204030204" pitchFamily="49" charset="0"/>
-              </a:rPr>
-              <a:t>endif</a:t>
+              <a:t>#endif</a:t>
             </a:r>
             <a:r>
               <a:rPr lang="en-US" altLang="ko-KR" dirty="0">
@@ -22105,73 +22654,7 @@
                 <a:ea typeface="돋움체" panose="020B0609000101010101" pitchFamily="49" charset="-127"/>
                 <a:cs typeface="Consolas" panose="020B0609020204030204" pitchFamily="49" charset="0"/>
               </a:rPr>
-              <a:t> ( (_</a:t>
-            </a:r>
-            <a:r>
-              <a:rPr lang="en-US" altLang="ko-KR" dirty="0" err="1">
-                <a:solidFill>
-                  <a:srgbClr val="000000"/>
-                </a:solidFill>
-                <a:latin typeface="Consolas" panose="020B0609020204030204" pitchFamily="49" charset="0"/>
-                <a:ea typeface="돋움체" panose="020B0609000101010101" pitchFamily="49" charset="-127"/>
-                <a:cs typeface="Consolas" panose="020B0609020204030204" pitchFamily="49" charset="0"/>
-              </a:rPr>
-              <a:t>crtheap</a:t>
-            </a:r>
-            <a:r>
-              <a:rPr lang="en-US" altLang="ko-KR" dirty="0">
-                <a:solidFill>
-                  <a:srgbClr val="000000"/>
-                </a:solidFill>
-                <a:latin typeface="Consolas" panose="020B0609020204030204" pitchFamily="49" charset="0"/>
-                <a:ea typeface="돋움체" panose="020B0609000101010101" pitchFamily="49" charset="-127"/>
-                <a:cs typeface="Consolas" panose="020B0609020204030204" pitchFamily="49" charset="0"/>
-              </a:rPr>
-              <a:t> = </a:t>
-            </a:r>
-            <a:r>
-              <a:rPr lang="en-US" altLang="ko-KR" dirty="0" err="1">
-                <a:solidFill>
-                  <a:srgbClr val="000000"/>
-                </a:solidFill>
-                <a:latin typeface="Consolas" panose="020B0609020204030204" pitchFamily="49" charset="0"/>
-                <a:ea typeface="돋움체" panose="020B0609000101010101" pitchFamily="49" charset="-127"/>
-                <a:cs typeface="Consolas" panose="020B0609020204030204" pitchFamily="49" charset="0"/>
-              </a:rPr>
-              <a:t>HeapCreate</a:t>
-            </a:r>
-            <a:r>
-              <a:rPr lang="en-US" altLang="ko-KR" dirty="0">
-                <a:solidFill>
-                  <a:srgbClr val="000000"/>
-                </a:solidFill>
-                <a:latin typeface="Consolas" panose="020B0609020204030204" pitchFamily="49" charset="0"/>
-                <a:ea typeface="돋움체" panose="020B0609000101010101" pitchFamily="49" charset="-127"/>
-                <a:cs typeface="Consolas" panose="020B0609020204030204" pitchFamily="49" charset="0"/>
-              </a:rPr>
-              <a:t>( </a:t>
-            </a:r>
-            <a:r>
-              <a:rPr lang="en-US" altLang="ko-KR" dirty="0" err="1">
-                <a:solidFill>
-                  <a:srgbClr val="000000"/>
-                </a:solidFill>
-                <a:latin typeface="Consolas" panose="020B0609020204030204" pitchFamily="49" charset="0"/>
-                <a:ea typeface="돋움체" panose="020B0609000101010101" pitchFamily="49" charset="-127"/>
-                <a:cs typeface="Consolas" panose="020B0609020204030204" pitchFamily="49" charset="0"/>
-              </a:rPr>
-              <a:t>mtflag</a:t>
-            </a:r>
-            <a:r>
-              <a:rPr lang="en-US" altLang="ko-KR" dirty="0">
-                <a:solidFill>
-                  <a:srgbClr val="000000"/>
-                </a:solidFill>
-                <a:latin typeface="Consolas" panose="020B0609020204030204" pitchFamily="49" charset="0"/>
-                <a:ea typeface="돋움체" panose="020B0609000101010101" pitchFamily="49" charset="-127"/>
-                <a:cs typeface="Consolas" panose="020B0609020204030204" pitchFamily="49" charset="0"/>
-              </a:rPr>
-              <a:t> ? 0 : HEAP_NO_SERIALIZE,</a:t>
+              <a:t> ( (_crtheap = HeapCreate( mtflag ? 0 : HEAP_NO_SERIALIZE,</a:t>
             </a:r>
           </a:p>
           <a:p>
@@ -22259,7 +22742,7 @@
           <p:cNvPr id="2" name="제목 1">
             <a:extLst>
               <a:ext uri="{FF2B5EF4-FFF2-40B4-BE49-F238E27FC236}">
-                <a16:creationId xmlns:a16="http://schemas.microsoft.com/office/drawing/2014/main" xmlns="" id="{DE938470-D5B9-47B5-9356-902610971B86}"/>
+                <a16:creationId xmlns:a16="http://schemas.microsoft.com/office/drawing/2014/main" id="{DE938470-D5B9-47B5-9356-902610971B86}"/>
               </a:ext>
             </a:extLst>
           </p:cNvPr>
@@ -22294,7 +22777,7 @@
           <p:cNvPr id="3" name="부제목 2">
             <a:extLst>
               <a:ext uri="{FF2B5EF4-FFF2-40B4-BE49-F238E27FC236}">
-                <a16:creationId xmlns:a16="http://schemas.microsoft.com/office/drawing/2014/main" xmlns="" id="{7135E3CC-0384-4CDE-8F1D-C29734627E92}"/>
+                <a16:creationId xmlns:a16="http://schemas.microsoft.com/office/drawing/2014/main" id="{7135E3CC-0384-4CDE-8F1D-C29734627E92}"/>
               </a:ext>
             </a:extLst>
           </p:cNvPr>
@@ -22340,7 +22823,7 @@
               <a:t> </a:t>
             </a:r>
             <a:r>
-              <a:rPr lang="ko-KR" altLang="en-US" sz="2400">
+              <a:rPr lang="ko-KR" altLang="en-US" sz="2400" dirty="0">
                 <a:latin typeface="FrankRuehl" panose="020E0503060101010101" pitchFamily="34" charset="-79"/>
                 <a:ea typeface="BusanBada" panose="02000603000000000000" pitchFamily="2" charset="-127"/>
                 <a:cs typeface="FrankRuehl" panose="020E0503060101010101" pitchFamily="34" charset="-79"/>
@@ -22356,33 +22839,26 @@
               <a:t>Default Process Heap</a:t>
             </a:r>
             <a:r>
-              <a:rPr lang="ko-KR" altLang="en-US" sz="2400">
-                <a:latin typeface="BusanBada" panose="02000603000000000000" pitchFamily="2" charset="-127"/>
-                <a:ea typeface="BusanBada" panose="02000603000000000000" pitchFamily="2" charset="-127"/>
-              </a:rPr>
-              <a:t>을 </a:t>
-            </a:r>
-            <a:r>
-              <a:rPr lang="ko-KR" altLang="en-US" sz="2400">
-                <a:latin typeface="BusanBada" panose="02000603000000000000" pitchFamily="2" charset="-127"/>
-                <a:ea typeface="BusanBada" panose="02000603000000000000" pitchFamily="2" charset="-127"/>
-              </a:rPr>
-              <a:t>사용</a:t>
-            </a:r>
-            <a:r>
-              <a:rPr lang="en-US" altLang="ko-KR" sz="2400" dirty="0" smtClean="0">
+              <a:rPr lang="ko-KR" altLang="en-US" sz="2400" dirty="0">
+                <a:latin typeface="BusanBada" panose="02000603000000000000" pitchFamily="2" charset="-127"/>
+                <a:ea typeface="BusanBada" panose="02000603000000000000" pitchFamily="2" charset="-127"/>
+              </a:rPr>
+              <a:t>을 사용</a:t>
+            </a:r>
+            <a:r>
+              <a:rPr lang="en-US" altLang="ko-KR" sz="2400" dirty="0">
                 <a:latin typeface="BusanBada" panose="02000603000000000000" pitchFamily="2" charset="-127"/>
                 <a:ea typeface="BusanBada" panose="02000603000000000000" pitchFamily="2" charset="-127"/>
               </a:rPr>
               <a:t>.</a:t>
             </a:r>
             <a:br>
-              <a:rPr lang="en-US" altLang="ko-KR" sz="2400" dirty="0" smtClean="0">
+              <a:rPr lang="en-US" altLang="ko-KR" sz="2400" dirty="0">
                 <a:latin typeface="BusanBada" panose="02000603000000000000" pitchFamily="2" charset="-127"/>
                 <a:ea typeface="BusanBada" panose="02000603000000000000" pitchFamily="2" charset="-127"/>
               </a:rPr>
             </a:br>
-            <a:endParaRPr lang="en-US" altLang="ko-KR" sz="2400" dirty="0" smtClean="0">
+            <a:endParaRPr lang="en-US" altLang="ko-KR" sz="2400" dirty="0">
               <a:latin typeface="BusanBada" panose="02000603000000000000" pitchFamily="2" charset="-127"/>
               <a:ea typeface="BusanBada" panose="02000603000000000000" pitchFamily="2" charset="-127"/>
             </a:endParaRPr>
@@ -22400,7 +22876,7 @@
             <a:pPr marL="0" indent="0">
               <a:buNone/>
             </a:pPr>
-            <a:endParaRPr lang="en-US" altLang="ko-KR" sz="2400" dirty="0" smtClean="0">
+            <a:endParaRPr lang="en-US" altLang="ko-KR" sz="2400" dirty="0">
               <a:latin typeface="BusanBada" panose="02000603000000000000" pitchFamily="2" charset="-127"/>
               <a:ea typeface="BusanBada" panose="02000603000000000000" pitchFamily="2" charset="-127"/>
             </a:endParaRPr>
@@ -22418,16 +22894,7 @@
             <a:pPr marL="0" indent="0">
               <a:buNone/>
             </a:pPr>
-            <a:endParaRPr lang="en-US" altLang="ko-KR" sz="2400" dirty="0" smtClean="0">
-              <a:latin typeface="BusanBada" panose="02000603000000000000" pitchFamily="2" charset="-127"/>
-              <a:ea typeface="BusanBada" panose="02000603000000000000" pitchFamily="2" charset="-127"/>
-            </a:endParaRPr>
-          </a:p>
-          <a:p>
-            <a:pPr marL="0" indent="0">
-              <a:buNone/>
-            </a:pPr>
-            <a:endParaRPr lang="en-US" altLang="ko-KR" sz="2400" dirty="0" smtClean="0">
+            <a:endParaRPr lang="en-US" altLang="ko-KR" sz="2400" dirty="0">
               <a:latin typeface="BusanBada" panose="02000603000000000000" pitchFamily="2" charset="-127"/>
               <a:ea typeface="BusanBada" panose="02000603000000000000" pitchFamily="2" charset="-127"/>
             </a:endParaRPr>
@@ -22445,79 +22912,88 @@
             <a:pPr marL="0" indent="0">
               <a:buNone/>
             </a:pPr>
-            <a:r>
-              <a:rPr lang="en-US" altLang="ko-KR" sz="2400" dirty="0" smtClean="0">
-                <a:latin typeface="FrankRuehl" panose="020E0503060101010101" pitchFamily="34" charset="-79"/>
-                <a:ea typeface="BusanBada" panose="02000603000000000000" pitchFamily="2" charset="-127"/>
-                <a:cs typeface="FrankRuehl" panose="020E0503060101010101" pitchFamily="34" charset="-79"/>
-              </a:rPr>
-              <a:t>VS</a:t>
-            </a:r>
-            <a:r>
-              <a:rPr lang="en-US" altLang="ko-KR" sz="2400" dirty="0" smtClean="0">
-                <a:latin typeface="BusanBada" panose="02000603000000000000" pitchFamily="2" charset="-127"/>
-                <a:ea typeface="BusanBada" panose="02000603000000000000" pitchFamily="2" charset="-127"/>
-              </a:rPr>
-              <a:t>2015</a:t>
-            </a:r>
-            <a:r>
-              <a:rPr lang="ko-KR" altLang="en-US" sz="2400" smtClean="0">
-                <a:latin typeface="BusanBada" panose="02000603000000000000" pitchFamily="2" charset="-127"/>
-                <a:ea typeface="BusanBada" panose="02000603000000000000" pitchFamily="2" charset="-127"/>
-              </a:rPr>
-              <a:t>부터는 </a:t>
-            </a:r>
-            <a:r>
-              <a:rPr lang="en-US" altLang="ko-KR" sz="2400" dirty="0" err="1" smtClean="0">
-                <a:latin typeface="FrankRuehl" panose="020E0503060101010101" pitchFamily="34" charset="-79"/>
-                <a:ea typeface="BusanBada" panose="02000603000000000000" pitchFamily="2" charset="-127"/>
-                <a:cs typeface="FrankRuehl" panose="020E0503060101010101" pitchFamily="34" charset="-79"/>
-              </a:rPr>
-              <a:t>heapinit.c</a:t>
-            </a:r>
-            <a:r>
-              <a:rPr lang="en-US" altLang="ko-KR" sz="2400" dirty="0" smtClean="0">
-                <a:latin typeface="BusanBada" panose="02000603000000000000" pitchFamily="2" charset="-127"/>
-                <a:ea typeface="BusanBada" panose="02000603000000000000" pitchFamily="2" charset="-127"/>
-              </a:rPr>
-              <a:t> </a:t>
-            </a:r>
-            <a:r>
-              <a:rPr lang="ko-KR" altLang="en-US" sz="2400" smtClean="0">
-                <a:latin typeface="BusanBada" panose="02000603000000000000" pitchFamily="2" charset="-127"/>
-                <a:ea typeface="BusanBada" panose="02000603000000000000" pitchFamily="2" charset="-127"/>
-              </a:rPr>
-              <a:t>를 찾아 볼 수 없었지만</a:t>
-            </a:r>
-            <a:r>
-              <a:rPr lang="en-US" altLang="ko-KR" sz="2400" dirty="0" smtClean="0">
-                <a:latin typeface="BusanBada" panose="02000603000000000000" pitchFamily="2" charset="-127"/>
-                <a:ea typeface="BusanBada" panose="02000603000000000000" pitchFamily="2" charset="-127"/>
-              </a:rPr>
-              <a:t>...</a:t>
-            </a:r>
+            <a:endParaRPr lang="en-US" altLang="ko-KR" sz="2400" dirty="0">
+              <a:latin typeface="BusanBada" panose="02000603000000000000" pitchFamily="2" charset="-127"/>
+              <a:ea typeface="BusanBada" panose="02000603000000000000" pitchFamily="2" charset="-127"/>
+            </a:endParaRPr>
           </a:p>
           <a:p>
             <a:pPr marL="0" indent="0">
               <a:buNone/>
             </a:pPr>
             <a:r>
-              <a:rPr lang="en-US" altLang="ko-KR" sz="2400" dirty="0" err="1" smtClean="0">
+              <a:rPr lang="en-US" altLang="ko-KR" sz="2400" dirty="0">
                 <a:latin typeface="FrankRuehl" panose="020E0503060101010101" pitchFamily="34" charset="-79"/>
                 <a:ea typeface="BusanBada" panose="02000603000000000000" pitchFamily="2" charset="-127"/>
                 <a:cs typeface="FrankRuehl" panose="020E0503060101010101" pitchFamily="34" charset="-79"/>
               </a:rPr>
+              <a:t>VS</a:t>
+            </a:r>
+            <a:r>
+              <a:rPr lang="en-US" altLang="ko-KR" sz="2400" dirty="0">
+                <a:latin typeface="BusanBada" panose="02000603000000000000" pitchFamily="2" charset="-127"/>
+                <a:ea typeface="BusanBada" panose="02000603000000000000" pitchFamily="2" charset="-127"/>
+              </a:rPr>
+              <a:t>2015</a:t>
+            </a:r>
+            <a:r>
+              <a:rPr lang="ko-KR" altLang="en-US" sz="2400" dirty="0">
+                <a:latin typeface="BusanBada" panose="02000603000000000000" pitchFamily="2" charset="-127"/>
+                <a:ea typeface="BusanBada" panose="02000603000000000000" pitchFamily="2" charset="-127"/>
+              </a:rPr>
+              <a:t>부터는 </a:t>
+            </a:r>
+            <a:r>
+              <a:rPr lang="en-US" altLang="ko-KR" sz="2400" dirty="0">
+                <a:latin typeface="FrankRuehl" panose="020E0503060101010101" pitchFamily="34" charset="-79"/>
+                <a:ea typeface="BusanBada" panose="02000603000000000000" pitchFamily="2" charset="-127"/>
+                <a:cs typeface="FrankRuehl" panose="020E0503060101010101" pitchFamily="34" charset="-79"/>
+              </a:rPr>
+              <a:t>heapinit.c</a:t>
+            </a:r>
+            <a:r>
+              <a:rPr lang="en-US" altLang="ko-KR" sz="2400" dirty="0">
+                <a:latin typeface="BusanBada" panose="02000603000000000000" pitchFamily="2" charset="-127"/>
+                <a:ea typeface="BusanBada" panose="02000603000000000000" pitchFamily="2" charset="-127"/>
+              </a:rPr>
+              <a:t> </a:t>
+            </a:r>
+            <a:r>
+              <a:rPr lang="ko-KR" altLang="en-US" sz="2400" dirty="0">
+                <a:latin typeface="BusanBada" panose="02000603000000000000" pitchFamily="2" charset="-127"/>
+                <a:ea typeface="BusanBada" panose="02000603000000000000" pitchFamily="2" charset="-127"/>
+              </a:rPr>
+              <a:t>를 찾아 볼 수 없었지만</a:t>
+            </a:r>
+            <a:r>
+              <a:rPr lang="en-US" altLang="ko-KR" sz="2400" dirty="0">
+                <a:latin typeface="BusanBada" panose="02000603000000000000" pitchFamily="2" charset="-127"/>
+                <a:ea typeface="BusanBada" panose="02000603000000000000" pitchFamily="2" charset="-127"/>
+              </a:rPr>
+              <a:t>...</a:t>
+            </a:r>
+          </a:p>
+          <a:p>
+            <a:pPr marL="0" indent="0">
+              <a:buNone/>
+            </a:pPr>
+            <a:r>
+              <a:rPr lang="en-US" altLang="ko-KR" sz="2400" dirty="0">
+                <a:latin typeface="FrankRuehl" panose="020E0503060101010101" pitchFamily="34" charset="-79"/>
+                <a:ea typeface="BusanBada" panose="02000603000000000000" pitchFamily="2" charset="-127"/>
+                <a:cs typeface="FrankRuehl" panose="020E0503060101010101" pitchFamily="34" charset="-79"/>
+              </a:rPr>
               <a:t>VMmap</a:t>
             </a:r>
             <a:r>
-              <a:rPr lang="ko-KR" altLang="en-US" sz="2400" smtClean="0">
+              <a:rPr lang="ko-KR" altLang="en-US" sz="2400" dirty="0">
                 <a:latin typeface="BusanBada" panose="02000603000000000000" pitchFamily="2" charset="-127"/>
                 <a:ea typeface="BusanBada" panose="02000603000000000000" pitchFamily="2" charset="-127"/>
               </a:rPr>
               <a:t>을 사용해서 검증해본 결과 </a:t>
             </a:r>
             <a:r>
-              <a:rPr lang="en-US" altLang="ko-KR" sz="2400" dirty="0" smtClean="0">
+              <a:rPr lang="en-US" altLang="ko-KR" sz="2400" dirty="0">
                 <a:latin typeface="FrankRuehl" panose="020E0503060101010101" pitchFamily="34" charset="-79"/>
                 <a:ea typeface="BusanBada" panose="02000603000000000000" pitchFamily="2" charset="-127"/>
                 <a:cs typeface="FrankRuehl" panose="020E0503060101010101" pitchFamily="34" charset="-79"/>
@@ -22525,21 +23001,21 @@
               <a:t>VS</a:t>
             </a:r>
             <a:r>
-              <a:rPr lang="en-US" altLang="ko-KR" sz="2400" dirty="0" smtClean="0">
+              <a:rPr lang="en-US" altLang="ko-KR" sz="2400" dirty="0">
                 <a:latin typeface="BusanBada" panose="02000603000000000000" pitchFamily="2" charset="-127"/>
                 <a:ea typeface="BusanBada" panose="02000603000000000000" pitchFamily="2" charset="-127"/>
               </a:rPr>
               <a:t>2015</a:t>
             </a:r>
             <a:r>
-              <a:rPr lang="ko-KR" altLang="en-US" sz="2400" smtClean="0">
+              <a:rPr lang="ko-KR" altLang="en-US" sz="2400" dirty="0">
                 <a:latin typeface="BusanBada" panose="02000603000000000000" pitchFamily="2" charset="-127"/>
                 <a:ea typeface="BusanBada" panose="02000603000000000000" pitchFamily="2" charset="-127"/>
               </a:rPr>
               <a:t>도 마찬가지</a:t>
             </a:r>
             <a:r>
-              <a:rPr lang="en-US" altLang="ko-KR" sz="2400" dirty="0" smtClean="0">
+              <a:rPr lang="en-US" altLang="ko-KR" sz="2400" dirty="0">
                 <a:latin typeface="BusanBada" panose="02000603000000000000" pitchFamily="2" charset="-127"/>
                 <a:ea typeface="BusanBada" panose="02000603000000000000" pitchFamily="2" charset="-127"/>
               </a:rPr>
@@ -22587,20 +23063,9 @@
                 <a:ea typeface="돋움체" panose="020B0609000101010101" pitchFamily="49" charset="-127"/>
                 <a:cs typeface="Consolas" panose="020B0609020204030204" pitchFamily="49" charset="0"/>
               </a:rPr>
-              <a:t>// </a:t>
-            </a:r>
-            <a:r>
-              <a:rPr lang="en-US" altLang="ko-KR" dirty="0" smtClean="0">
-                <a:solidFill>
-                  <a:srgbClr val="008000"/>
-                </a:solidFill>
-                <a:latin typeface="Consolas" panose="020B0609020204030204" pitchFamily="49" charset="0"/>
-                <a:ea typeface="돋움체" panose="020B0609000101010101" pitchFamily="49" charset="-127"/>
-                <a:cs typeface="Consolas" panose="020B0609020204030204" pitchFamily="49" charset="0"/>
-              </a:rPr>
-              <a:t>vs2012 version</a:t>
-            </a:r>
-            <a:endParaRPr lang="en-US" altLang="ko-KR" dirty="0" smtClean="0">
+              <a:t>// vs2012 version</a:t>
+            </a:r>
+            <a:endParaRPr lang="en-US" altLang="ko-KR" dirty="0">
               <a:solidFill>
                 <a:srgbClr val="0000FF"/>
               </a:solidFill>
@@ -22611,7 +23076,7 @@
           </a:p>
           <a:p>
             <a:r>
-              <a:rPr lang="en-US" altLang="ko-KR" dirty="0" err="1" smtClean="0">
+              <a:rPr lang="en-US" altLang="ko-KR" dirty="0">
                 <a:solidFill>
                   <a:srgbClr val="0000FF"/>
                 </a:solidFill>
@@ -22622,7 +23087,7 @@
               <a:t>int</a:t>
             </a:r>
             <a:r>
-              <a:rPr lang="en-US" altLang="ko-KR" dirty="0" smtClean="0">
+              <a:rPr lang="en-US" altLang="ko-KR" dirty="0">
                 <a:solidFill>
                   <a:srgbClr val="000000"/>
                 </a:solidFill>
@@ -22641,18 +23106,7 @@
                 <a:ea typeface="돋움체" panose="020B0609000101010101" pitchFamily="49" charset="-127"/>
                 <a:cs typeface="Consolas" panose="020B0609020204030204" pitchFamily="49" charset="0"/>
               </a:rPr>
-              <a:t>__</a:t>
-            </a:r>
-            <a:r>
-              <a:rPr lang="en-US" altLang="ko-KR" dirty="0" err="1">
-                <a:solidFill>
-                  <a:srgbClr val="0000FF"/>
-                </a:solidFill>
-                <a:latin typeface="Consolas" panose="020B0609020204030204" pitchFamily="49" charset="0"/>
-                <a:ea typeface="돋움체" panose="020B0609000101010101" pitchFamily="49" charset="-127"/>
-                <a:cs typeface="Consolas" panose="020B0609020204030204" pitchFamily="49" charset="0"/>
-              </a:rPr>
-              <a:t>cdecl</a:t>
+              <a:t>__cdecl</a:t>
             </a:r>
             <a:r>
               <a:rPr lang="en-US" altLang="ko-KR" dirty="0">
@@ -22663,29 +23117,7 @@
                 <a:ea typeface="돋움체" panose="020B0609000101010101" pitchFamily="49" charset="-127"/>
                 <a:cs typeface="Consolas" panose="020B0609020204030204" pitchFamily="49" charset="0"/>
               </a:rPr>
-              <a:t> _</a:t>
-            </a:r>
-            <a:r>
-              <a:rPr lang="en-US" altLang="ko-KR" dirty="0" err="1">
-                <a:solidFill>
-                  <a:srgbClr val="000000"/>
-                </a:solidFill>
-                <a:latin typeface="Consolas" panose="020B0609020204030204" pitchFamily="49" charset="0"/>
-                <a:ea typeface="돋움체" panose="020B0609000101010101" pitchFamily="49" charset="-127"/>
-                <a:cs typeface="Consolas" panose="020B0609020204030204" pitchFamily="49" charset="0"/>
-              </a:rPr>
-              <a:t>heap_init</a:t>
-            </a:r>
-            <a:r>
-              <a:rPr lang="en-US" altLang="ko-KR" dirty="0">
-                <a:solidFill>
-                  <a:srgbClr val="000000"/>
-                </a:solidFill>
-                <a:latin typeface="Consolas" panose="020B0609020204030204" pitchFamily="49" charset="0"/>
-                <a:ea typeface="돋움체" panose="020B0609000101010101" pitchFamily="49" charset="-127"/>
-                <a:cs typeface="Consolas" panose="020B0609020204030204" pitchFamily="49" charset="0"/>
-              </a:rPr>
-              <a:t> (</a:t>
+              <a:t> _heap_init (</a:t>
             </a:r>
             <a:r>
               <a:rPr lang="en-US" altLang="ko-KR" dirty="0">
@@ -22787,51 +23219,7 @@
                 <a:ea typeface="돋움체" panose="020B0609000101010101" pitchFamily="49" charset="-127"/>
                 <a:cs typeface="Consolas" panose="020B0609020204030204" pitchFamily="49" charset="0"/>
               </a:rPr>
-              <a:t> ( (_</a:t>
-            </a:r>
-            <a:r>
-              <a:rPr lang="en-US" altLang="ko-KR" dirty="0" err="1">
-                <a:solidFill>
-                  <a:srgbClr val="000000"/>
-                </a:solidFill>
-                <a:latin typeface="Consolas" panose="020B0609020204030204" pitchFamily="49" charset="0"/>
-                <a:ea typeface="돋움체" panose="020B0609000101010101" pitchFamily="49" charset="-127"/>
-                <a:cs typeface="Consolas" panose="020B0609020204030204" pitchFamily="49" charset="0"/>
-              </a:rPr>
-              <a:t>crtheap</a:t>
-            </a:r>
-            <a:r>
-              <a:rPr lang="en-US" altLang="ko-KR" dirty="0">
-                <a:solidFill>
-                  <a:srgbClr val="000000"/>
-                </a:solidFill>
-                <a:latin typeface="Consolas" panose="020B0609020204030204" pitchFamily="49" charset="0"/>
-                <a:ea typeface="돋움체" panose="020B0609000101010101" pitchFamily="49" charset="-127"/>
-                <a:cs typeface="Consolas" panose="020B0609020204030204" pitchFamily="49" charset="0"/>
-              </a:rPr>
-              <a:t> = </a:t>
-            </a:r>
-            <a:r>
-              <a:rPr lang="en-US" altLang="ko-KR" dirty="0" err="1">
-                <a:solidFill>
-                  <a:srgbClr val="000000"/>
-                </a:solidFill>
-                <a:latin typeface="Consolas" panose="020B0609020204030204" pitchFamily="49" charset="0"/>
-                <a:ea typeface="돋움체" panose="020B0609000101010101" pitchFamily="49" charset="-127"/>
-                <a:cs typeface="Consolas" panose="020B0609020204030204" pitchFamily="49" charset="0"/>
-              </a:rPr>
-              <a:t>GetProcessHeap</a:t>
-            </a:r>
-            <a:r>
-              <a:rPr lang="en-US" altLang="ko-KR" dirty="0">
-                <a:solidFill>
-                  <a:srgbClr val="000000"/>
-                </a:solidFill>
-                <a:latin typeface="Consolas" panose="020B0609020204030204" pitchFamily="49" charset="0"/>
-                <a:ea typeface="돋움체" panose="020B0609000101010101" pitchFamily="49" charset="-127"/>
-                <a:cs typeface="Consolas" panose="020B0609020204030204" pitchFamily="49" charset="0"/>
-              </a:rPr>
-              <a:t>()) == NULL )</a:t>
+              <a:t> ( (_crtheap = GetProcessHeap()) == NULL )</a:t>
             </a:r>
           </a:p>
           <a:p>
@@ -22964,7 +23352,7 @@
           <p:cNvPr id="2" name="제목 1">
             <a:extLst>
               <a:ext uri="{FF2B5EF4-FFF2-40B4-BE49-F238E27FC236}">
-                <a16:creationId xmlns:a16="http://schemas.microsoft.com/office/drawing/2014/main" xmlns="" id="{DE938470-D5B9-47B5-9356-902610971B86}"/>
+                <a16:creationId xmlns:a16="http://schemas.microsoft.com/office/drawing/2014/main" id="{DE938470-D5B9-47B5-9356-902610971B86}"/>
               </a:ext>
             </a:extLst>
           </p:cNvPr>
@@ -22999,7 +23387,7 @@
           <p:cNvPr id="3" name="부제목 2">
             <a:extLst>
               <a:ext uri="{FF2B5EF4-FFF2-40B4-BE49-F238E27FC236}">
-                <a16:creationId xmlns:a16="http://schemas.microsoft.com/office/drawing/2014/main" xmlns="" id="{7135E3CC-0384-4CDE-8F1D-C29734627E92}"/>
+                <a16:creationId xmlns:a16="http://schemas.microsoft.com/office/drawing/2014/main" id="{7135E3CC-0384-4CDE-8F1D-C29734627E92}"/>
               </a:ext>
             </a:extLst>
           </p:cNvPr>
@@ -23021,34 +23409,19 @@
               <a:buNone/>
             </a:pPr>
             <a:r>
-              <a:rPr lang="en-US" altLang="ko-KR" sz="2400" dirty="0" err="1">
-                <a:latin typeface="FrankRuehl" panose="020E0503060101010101" pitchFamily="34" charset="-79"/>
-                <a:ea typeface="BusanBada" panose="02000603000000000000" pitchFamily="2" charset="-127"/>
-                <a:cs typeface="FrankRuehl" panose="020E0503060101010101" pitchFamily="34" charset="-79"/>
-              </a:rPr>
-              <a:t>HeapCreate</a:t>
-            </a:r>
-            <a:r>
               <a:rPr lang="en-US" altLang="ko-KR" sz="2400" dirty="0">
                 <a:latin typeface="FrankRuehl" panose="020E0503060101010101" pitchFamily="34" charset="-79"/>
                 <a:ea typeface="BusanBada" panose="02000603000000000000" pitchFamily="2" charset="-127"/>
                 <a:cs typeface="FrankRuehl" panose="020E0503060101010101" pitchFamily="34" charset="-79"/>
               </a:rPr>
-              <a:t>() </a:t>
+              <a:t>HeapCreate() </a:t>
             </a:r>
             <a:r>
               <a:rPr lang="ko-KR" altLang="en-US" sz="2400" dirty="0">
                 <a:latin typeface="BusanBada" panose="02000603000000000000" pitchFamily="2" charset="-127"/>
                 <a:ea typeface="BusanBada" panose="02000603000000000000" pitchFamily="2" charset="-127"/>
               </a:rPr>
-              <a:t>함수를 통해서 추가로 생성한 전용 </a:t>
-            </a:r>
-            <a:r>
-              <a:rPr lang="ko-KR" altLang="en-US" sz="2400" dirty="0" err="1">
-                <a:latin typeface="BusanBada" panose="02000603000000000000" pitchFamily="2" charset="-127"/>
-                <a:ea typeface="BusanBada" panose="02000603000000000000" pitchFamily="2" charset="-127"/>
-              </a:rPr>
-              <a:t>힙</a:t>
+              <a:t>함수를 통해서 추가로 생성한 전용 힙</a:t>
             </a:r>
             <a:r>
               <a:rPr lang="en-US" altLang="ko-KR" sz="2400" dirty="0">
@@ -23151,7 +23524,7 @@
           <p:cNvPr id="5" name="그림 4">
             <a:extLst>
               <a:ext uri="{FF2B5EF4-FFF2-40B4-BE49-F238E27FC236}">
-                <a16:creationId xmlns:a16="http://schemas.microsoft.com/office/drawing/2014/main" xmlns="" id="{0188710F-A010-4EF0-8574-ED1F4B024913}"/>
+                <a16:creationId xmlns:a16="http://schemas.microsoft.com/office/drawing/2014/main" id="{0188710F-A010-4EF0-8574-ED1F4B024913}"/>
               </a:ext>
             </a:extLst>
           </p:cNvPr>
@@ -23186,7 +23559,7 @@
           <p:cNvPr id="6" name="직사각형 5">
             <a:extLst>
               <a:ext uri="{FF2B5EF4-FFF2-40B4-BE49-F238E27FC236}">
-                <a16:creationId xmlns:a16="http://schemas.microsoft.com/office/drawing/2014/main" xmlns="" id="{14F63D11-E18F-4930-A8A9-D5651C052D32}"/>
+                <a16:creationId xmlns:a16="http://schemas.microsoft.com/office/drawing/2014/main" id="{14F63D11-E18F-4930-A8A9-D5651C052D32}"/>
               </a:ext>
             </a:extLst>
           </p:cNvPr>
@@ -23229,43 +23602,7 @@
                 </a:solidFill>
                 <a:latin typeface="Consolas" panose="020B0609020204030204" pitchFamily="49" charset="0"/>
               </a:rPr>
-              <a:t> </a:t>
-            </a:r>
-            <a:r>
-              <a:rPr lang="en-US" altLang="ko-KR" dirty="0" err="1">
-                <a:solidFill>
-                  <a:srgbClr val="000000"/>
-                </a:solidFill>
-                <a:latin typeface="Consolas" panose="020B0609020204030204" pitchFamily="49" charset="0"/>
-              </a:rPr>
-              <a:t>privateHeap</a:t>
-            </a:r>
-            <a:r>
-              <a:rPr lang="en-US" altLang="ko-KR" dirty="0">
-                <a:solidFill>
-                  <a:srgbClr val="000000"/>
-                </a:solidFill>
-                <a:latin typeface="Consolas" panose="020B0609020204030204" pitchFamily="49" charset="0"/>
-              </a:rPr>
-              <a:t> = </a:t>
-            </a:r>
-            <a:r>
-              <a:rPr lang="en-US" altLang="ko-KR" dirty="0" err="1">
-                <a:solidFill>
-                  <a:srgbClr val="000000"/>
-                </a:solidFill>
-                <a:latin typeface="Consolas" panose="020B0609020204030204" pitchFamily="49" charset="0"/>
-              </a:rPr>
-              <a:t>HeapCreate</a:t>
-            </a:r>
-            <a:r>
-              <a:rPr lang="en-US" altLang="ko-KR" dirty="0">
-                <a:solidFill>
-                  <a:srgbClr val="000000"/>
-                </a:solidFill>
-                <a:latin typeface="Consolas" panose="020B0609020204030204" pitchFamily="49" charset="0"/>
-              </a:rPr>
-              <a:t>( 0, 1, 1 );</a:t>
+              <a:t> privateHeap = HeapCreate( 0, 1, 1 );</a:t>
             </a:r>
             <a:endParaRPr lang="ko-KR" altLang="en-US" dirty="0"/>
           </a:p>
@@ -23276,7 +23613,7 @@
           <p:cNvPr id="10" name="그림 9">
             <a:extLst>
               <a:ext uri="{FF2B5EF4-FFF2-40B4-BE49-F238E27FC236}">
-                <a16:creationId xmlns:a16="http://schemas.microsoft.com/office/drawing/2014/main" xmlns="" id="{7345EFA6-E2ED-460B-812F-397048CC41A2}"/>
+                <a16:creationId xmlns:a16="http://schemas.microsoft.com/office/drawing/2014/main" id="{7345EFA6-E2ED-460B-812F-397048CC41A2}"/>
               </a:ext>
             </a:extLst>
           </p:cNvPr>
@@ -23311,7 +23648,7 @@
           <p:cNvPr id="11" name="직사각형 10">
             <a:extLst>
               <a:ext uri="{FF2B5EF4-FFF2-40B4-BE49-F238E27FC236}">
-                <a16:creationId xmlns:a16="http://schemas.microsoft.com/office/drawing/2014/main" xmlns="" id="{5BC7C33C-07AF-4C68-88FC-C0AB7C178697}"/>
+                <a16:creationId xmlns:a16="http://schemas.microsoft.com/office/drawing/2014/main" id="{5BC7C33C-07AF-4C68-88FC-C0AB7C178697}"/>
               </a:ext>
             </a:extLst>
           </p:cNvPr>
@@ -23402,7 +23739,7 @@
           <a:lstStyle/>
           <a:p>
             <a:pPr algn="ctr"/>
-            <a:endParaRPr lang="ko-KR" altLang="en-US"/>
+            <a:endParaRPr lang="ko-KR" altLang="en-US" dirty="0"/>
           </a:p>
         </p:txBody>
       </p:sp>
@@ -23441,7 +23778,7 @@
           <p:cNvPr id="2" name="제목 1">
             <a:extLst>
               <a:ext uri="{FF2B5EF4-FFF2-40B4-BE49-F238E27FC236}">
-                <a16:creationId xmlns:a16="http://schemas.microsoft.com/office/drawing/2014/main" xmlns="" id="{DE938470-D5B9-47B5-9356-902610971B86}"/>
+                <a16:creationId xmlns:a16="http://schemas.microsoft.com/office/drawing/2014/main" id="{DE938470-D5B9-47B5-9356-902610971B86}"/>
               </a:ext>
             </a:extLst>
           </p:cNvPr>
@@ -23490,7 +23827,7 @@
           <p:cNvPr id="3" name="부제목 2">
             <a:extLst>
               <a:ext uri="{FF2B5EF4-FFF2-40B4-BE49-F238E27FC236}">
-                <a16:creationId xmlns:a16="http://schemas.microsoft.com/office/drawing/2014/main" xmlns="" id="{7135E3CC-0384-4CDE-8F1D-C29734627E92}"/>
+                <a16:creationId xmlns:a16="http://schemas.microsoft.com/office/drawing/2014/main" id="{7135E3CC-0384-4CDE-8F1D-C29734627E92}"/>
               </a:ext>
             </a:extLst>
           </p:cNvPr>
@@ -23666,7 +24003,7 @@
           <p:cNvPr id="2" name="제목 1">
             <a:extLst>
               <a:ext uri="{FF2B5EF4-FFF2-40B4-BE49-F238E27FC236}">
-                <a16:creationId xmlns:a16="http://schemas.microsoft.com/office/drawing/2014/main" xmlns="" id="{DE938470-D5B9-47B5-9356-902610971B86}"/>
+                <a16:creationId xmlns:a16="http://schemas.microsoft.com/office/drawing/2014/main" id="{DE938470-D5B9-47B5-9356-902610971B86}"/>
               </a:ext>
             </a:extLst>
           </p:cNvPr>
@@ -23701,7 +24038,7 @@
           <p:cNvPr id="3" name="부제목 2">
             <a:extLst>
               <a:ext uri="{FF2B5EF4-FFF2-40B4-BE49-F238E27FC236}">
-                <a16:creationId xmlns:a16="http://schemas.microsoft.com/office/drawing/2014/main" xmlns="" id="{7135E3CC-0384-4CDE-8F1D-C29734627E92}"/>
+                <a16:creationId xmlns:a16="http://schemas.microsoft.com/office/drawing/2014/main" id="{7135E3CC-0384-4CDE-8F1D-C29734627E92}"/>
               </a:ext>
             </a:extLst>
           </p:cNvPr>
@@ -23840,7 +24177,7 @@
           <p:cNvPr id="2" name="제목 1">
             <a:extLst>
               <a:ext uri="{FF2B5EF4-FFF2-40B4-BE49-F238E27FC236}">
-                <a16:creationId xmlns:a16="http://schemas.microsoft.com/office/drawing/2014/main" xmlns="" id="{DE938470-D5B9-47B5-9356-902610971B86}"/>
+                <a16:creationId xmlns:a16="http://schemas.microsoft.com/office/drawing/2014/main" id="{DE938470-D5B9-47B5-9356-902610971B86}"/>
               </a:ext>
             </a:extLst>
           </p:cNvPr>
@@ -23875,7 +24212,7 @@
           <p:cNvPr id="3" name="부제목 2">
             <a:extLst>
               <a:ext uri="{FF2B5EF4-FFF2-40B4-BE49-F238E27FC236}">
-                <a16:creationId xmlns:a16="http://schemas.microsoft.com/office/drawing/2014/main" xmlns="" id="{7135E3CC-0384-4CDE-8F1D-C29734627E92}"/>
+                <a16:creationId xmlns:a16="http://schemas.microsoft.com/office/drawing/2014/main" id="{7135E3CC-0384-4CDE-8F1D-C29734627E92}"/>
               </a:ext>
             </a:extLst>
           </p:cNvPr>
@@ -24028,7 +24365,7 @@
           <p:cNvPr id="4" name="표 3">
             <a:extLst>
               <a:ext uri="{FF2B5EF4-FFF2-40B4-BE49-F238E27FC236}">
-                <a16:creationId xmlns:a16="http://schemas.microsoft.com/office/drawing/2014/main" xmlns="" id="{E756510C-F409-45EC-8731-C353D3D09EC1}"/>
+                <a16:creationId xmlns:a16="http://schemas.microsoft.com/office/drawing/2014/main" id="{E756510C-F409-45EC-8731-C353D3D09EC1}"/>
               </a:ext>
             </a:extLst>
           </p:cNvPr>
@@ -24057,14 +24394,14 @@
                 <a:gridCol w="374904">
                   <a:extLst>
                     <a:ext uri="{9D8B030D-6E8A-4147-A177-3AD203B41FA5}">
-                      <a16:colId xmlns:a16="http://schemas.microsoft.com/office/drawing/2014/main" xmlns="" val="2134599374"/>
+                      <a16:colId xmlns:a16="http://schemas.microsoft.com/office/drawing/2014/main" val="2134599374"/>
                     </a:ext>
                   </a:extLst>
                 </a:gridCol>
                 <a:gridCol w="374904">
                   <a:extLst>
                     <a:ext uri="{9D8B030D-6E8A-4147-A177-3AD203B41FA5}">
-                      <a16:colId xmlns:a16="http://schemas.microsoft.com/office/drawing/2014/main" xmlns="" val="410325505"/>
+                      <a16:colId xmlns:a16="http://schemas.microsoft.com/office/drawing/2014/main" val="410325505"/>
                     </a:ext>
                   </a:extLst>
                 </a:gridCol>
@@ -24107,7 +24444,7 @@
                 </a:tc>
                 <a:extLst>
                   <a:ext uri="{0D108BD9-81ED-4DB2-BD59-A6C34878D82A}">
-                    <a16:rowId xmlns:a16="http://schemas.microsoft.com/office/drawing/2014/main" xmlns="" val="3825275025"/>
+                    <a16:rowId xmlns:a16="http://schemas.microsoft.com/office/drawing/2014/main" val="3825275025"/>
                   </a:ext>
                 </a:extLst>
               </a:tr>
@@ -24149,7 +24486,7 @@
                 </a:tc>
                 <a:extLst>
                   <a:ext uri="{0D108BD9-81ED-4DB2-BD59-A6C34878D82A}">
-                    <a16:rowId xmlns:a16="http://schemas.microsoft.com/office/drawing/2014/main" xmlns="" val="397078326"/>
+                    <a16:rowId xmlns:a16="http://schemas.microsoft.com/office/drawing/2014/main" val="397078326"/>
                   </a:ext>
                 </a:extLst>
               </a:tr>
@@ -24191,7 +24528,7 @@
                 </a:tc>
                 <a:extLst>
                   <a:ext uri="{0D108BD9-81ED-4DB2-BD59-A6C34878D82A}">
-                    <a16:rowId xmlns:a16="http://schemas.microsoft.com/office/drawing/2014/main" xmlns="" val="2170258339"/>
+                    <a16:rowId xmlns:a16="http://schemas.microsoft.com/office/drawing/2014/main" val="2170258339"/>
                   </a:ext>
                 </a:extLst>
               </a:tr>
@@ -24233,7 +24570,7 @@
                 </a:tc>
                 <a:extLst>
                   <a:ext uri="{0D108BD9-81ED-4DB2-BD59-A6C34878D82A}">
-                    <a16:rowId xmlns:a16="http://schemas.microsoft.com/office/drawing/2014/main" xmlns="" val="2772242555"/>
+                    <a16:rowId xmlns:a16="http://schemas.microsoft.com/office/drawing/2014/main" val="2772242555"/>
                   </a:ext>
                 </a:extLst>
               </a:tr>
@@ -24275,7 +24612,7 @@
                 </a:tc>
                 <a:extLst>
                   <a:ext uri="{0D108BD9-81ED-4DB2-BD59-A6C34878D82A}">
-                    <a16:rowId xmlns:a16="http://schemas.microsoft.com/office/drawing/2014/main" xmlns="" val="2971861151"/>
+                    <a16:rowId xmlns:a16="http://schemas.microsoft.com/office/drawing/2014/main" val="2971861151"/>
                   </a:ext>
                 </a:extLst>
               </a:tr>
@@ -24288,7 +24625,7 @@
           <p:cNvPr id="5" name="TextBox 4">
             <a:extLst>
               <a:ext uri="{FF2B5EF4-FFF2-40B4-BE49-F238E27FC236}">
-                <a16:creationId xmlns:a16="http://schemas.microsoft.com/office/drawing/2014/main" xmlns="" id="{8D5C6420-27F5-4CD8-9DEB-05834A4E7EE5}"/>
+                <a16:creationId xmlns:a16="http://schemas.microsoft.com/office/drawing/2014/main" id="{8D5C6420-27F5-4CD8-9DEB-05834A4E7EE5}"/>
               </a:ext>
             </a:extLst>
           </p:cNvPr>
@@ -24336,7 +24673,7 @@
           <p:cNvPr id="6" name="TextBox 5">
             <a:extLst>
               <a:ext uri="{FF2B5EF4-FFF2-40B4-BE49-F238E27FC236}">
-                <a16:creationId xmlns:a16="http://schemas.microsoft.com/office/drawing/2014/main" xmlns="" id="{37231FD2-CB0D-4A59-B275-FF21596C3F50}"/>
+                <a16:creationId xmlns:a16="http://schemas.microsoft.com/office/drawing/2014/main" id="{37231FD2-CB0D-4A59-B275-FF21596C3F50}"/>
               </a:ext>
             </a:extLst>
           </p:cNvPr>
@@ -24384,7 +24721,7 @@
           <p:cNvPr id="7" name="TextBox 6">
             <a:extLst>
               <a:ext uri="{FF2B5EF4-FFF2-40B4-BE49-F238E27FC236}">
-                <a16:creationId xmlns:a16="http://schemas.microsoft.com/office/drawing/2014/main" xmlns="" id="{AF5A18C4-8A44-4B32-937F-91FC85261E00}"/>
+                <a16:creationId xmlns:a16="http://schemas.microsoft.com/office/drawing/2014/main" id="{AF5A18C4-8A44-4B32-937F-91FC85261E00}"/>
               </a:ext>
             </a:extLst>
           </p:cNvPr>
@@ -24432,7 +24769,7 @@
           <p:cNvPr id="9" name="직선 화살표 연결선 8">
             <a:extLst>
               <a:ext uri="{FF2B5EF4-FFF2-40B4-BE49-F238E27FC236}">
-                <a16:creationId xmlns:a16="http://schemas.microsoft.com/office/drawing/2014/main" xmlns="" id="{82A8F10E-628D-4713-8C9E-FC50A2239E06}"/>
+                <a16:creationId xmlns:a16="http://schemas.microsoft.com/office/drawing/2014/main" id="{82A8F10E-628D-4713-8C9E-FC50A2239E06}"/>
               </a:ext>
             </a:extLst>
           </p:cNvPr>
@@ -24476,7 +24813,7 @@
           <p:cNvPr id="11" name="직선 화살표 연결선 10">
             <a:extLst>
               <a:ext uri="{FF2B5EF4-FFF2-40B4-BE49-F238E27FC236}">
-                <a16:creationId xmlns:a16="http://schemas.microsoft.com/office/drawing/2014/main" xmlns="" id="{3D5C8A66-15A3-4354-B938-178F30D8CF58}"/>
+                <a16:creationId xmlns:a16="http://schemas.microsoft.com/office/drawing/2014/main" id="{3D5C8A66-15A3-4354-B938-178F30D8CF58}"/>
               </a:ext>
             </a:extLst>
           </p:cNvPr>
@@ -24521,7 +24858,7 @@
           <p:cNvPr id="13" name="직선 화살표 연결선 12">
             <a:extLst>
               <a:ext uri="{FF2B5EF4-FFF2-40B4-BE49-F238E27FC236}">
-                <a16:creationId xmlns:a16="http://schemas.microsoft.com/office/drawing/2014/main" xmlns="" id="{A9B0979E-15B8-4BDB-A2F3-8E577C87B2EA}"/>
+                <a16:creationId xmlns:a16="http://schemas.microsoft.com/office/drawing/2014/main" id="{A9B0979E-15B8-4BDB-A2F3-8E577C87B2EA}"/>
               </a:ext>
             </a:extLst>
           </p:cNvPr>
@@ -24566,7 +24903,7 @@
           <p:cNvPr id="14" name="TextBox 13">
             <a:extLst>
               <a:ext uri="{FF2B5EF4-FFF2-40B4-BE49-F238E27FC236}">
-                <a16:creationId xmlns:a16="http://schemas.microsoft.com/office/drawing/2014/main" xmlns="" id="{313E437D-B2F0-488A-880B-9965C967948D}"/>
+                <a16:creationId xmlns:a16="http://schemas.microsoft.com/office/drawing/2014/main" id="{313E437D-B2F0-488A-880B-9965C967948D}"/>
               </a:ext>
             </a:extLst>
           </p:cNvPr>
@@ -24614,7 +24951,7 @@
           <p:cNvPr id="15" name="TextBox 14">
             <a:extLst>
               <a:ext uri="{FF2B5EF4-FFF2-40B4-BE49-F238E27FC236}">
-                <a16:creationId xmlns:a16="http://schemas.microsoft.com/office/drawing/2014/main" xmlns="" id="{E248AD02-7F6D-4255-9292-24428DA1A25C}"/>
+                <a16:creationId xmlns:a16="http://schemas.microsoft.com/office/drawing/2014/main" id="{E248AD02-7F6D-4255-9292-24428DA1A25C}"/>
               </a:ext>
             </a:extLst>
           </p:cNvPr>
@@ -24662,7 +24999,7 @@
           <p:cNvPr id="17" name="직선 화살표 연결선 16">
             <a:extLst>
               <a:ext uri="{FF2B5EF4-FFF2-40B4-BE49-F238E27FC236}">
-                <a16:creationId xmlns:a16="http://schemas.microsoft.com/office/drawing/2014/main" xmlns="" id="{A091E2E0-FA87-4536-A2EF-CC008195A8A8}"/>
+                <a16:creationId xmlns:a16="http://schemas.microsoft.com/office/drawing/2014/main" id="{A091E2E0-FA87-4536-A2EF-CC008195A8A8}"/>
               </a:ext>
             </a:extLst>
           </p:cNvPr>
@@ -24706,7 +25043,7 @@
           <p:cNvPr id="18" name="직선 화살표 연결선 17">
             <a:extLst>
               <a:ext uri="{FF2B5EF4-FFF2-40B4-BE49-F238E27FC236}">
-                <a16:creationId xmlns:a16="http://schemas.microsoft.com/office/drawing/2014/main" xmlns="" id="{C75CA6A7-60E3-4723-BF47-A9FCAFDCED6C}"/>
+                <a16:creationId xmlns:a16="http://schemas.microsoft.com/office/drawing/2014/main" id="{C75CA6A7-60E3-4723-BF47-A9FCAFDCED6C}"/>
               </a:ext>
             </a:extLst>
           </p:cNvPr>

--- a/13th Study/Optimized C++ Study - Chapter 13, Optimize Memory Management.pptx
+++ b/13th Study/Optimized C++ Study - Chapter 13, Optimize Memory Management.pptx
@@ -29,8 +29,8 @@
     <p:sldId id="283" r:id="rId23"/>
     <p:sldId id="284" r:id="rId24"/>
     <p:sldId id="273" r:id="rId25"/>
-    <p:sldId id="285" r:id="rId26"/>
-    <p:sldId id="286" r:id="rId27"/>
+    <p:sldId id="286" r:id="rId26"/>
+    <p:sldId id="285" r:id="rId27"/>
     <p:sldId id="274" r:id="rId28"/>
     <p:sldId id="275" r:id="rId29"/>
     <p:sldId id="278" r:id="rId30"/>
@@ -39,7 +39,12 @@
     <p:sldId id="288" r:id="rId33"/>
     <p:sldId id="289" r:id="rId34"/>
     <p:sldId id="290" r:id="rId35"/>
-    <p:sldId id="264" r:id="rId36"/>
+    <p:sldId id="291" r:id="rId36"/>
+    <p:sldId id="293" r:id="rId37"/>
+    <p:sldId id="292" r:id="rId38"/>
+    <p:sldId id="294" r:id="rId39"/>
+    <p:sldId id="295" r:id="rId40"/>
+    <p:sldId id="264" r:id="rId41"/>
   </p:sldIdLst>
   <p:sldSz cx="12192000" cy="6858000"/>
   <p:notesSz cx="6858000" cy="9144000"/>
@@ -297,7 +302,7 @@
           <a:p>
             <a:fld id="{574B5CE0-A72C-4312-A71B-1E10A8986C95}" type="datetimeFigureOut">
               <a:rPr lang="ko-KR" altLang="en-US" smtClean="0"/>
-              <a:t>2017-08-01</a:t>
+              <a:t>2017-08-02</a:t>
             </a:fld>
             <a:endParaRPr lang="ko-KR" altLang="en-US" dirty="0"/>
           </a:p>
@@ -495,7 +500,7 @@
           <a:p>
             <a:fld id="{574B5CE0-A72C-4312-A71B-1E10A8986C95}" type="datetimeFigureOut">
               <a:rPr lang="ko-KR" altLang="en-US" smtClean="0"/>
-              <a:t>2017-08-01</a:t>
+              <a:t>2017-08-02</a:t>
             </a:fld>
             <a:endParaRPr lang="ko-KR" altLang="en-US" dirty="0"/>
           </a:p>
@@ -703,7 +708,7 @@
           <a:p>
             <a:fld id="{574B5CE0-A72C-4312-A71B-1E10A8986C95}" type="datetimeFigureOut">
               <a:rPr lang="ko-KR" altLang="en-US" smtClean="0"/>
-              <a:t>2017-08-01</a:t>
+              <a:t>2017-08-02</a:t>
             </a:fld>
             <a:endParaRPr lang="ko-KR" altLang="en-US" dirty="0"/>
           </a:p>
@@ -901,7 +906,7 @@
           <a:p>
             <a:fld id="{574B5CE0-A72C-4312-A71B-1E10A8986C95}" type="datetimeFigureOut">
               <a:rPr lang="ko-KR" altLang="en-US" smtClean="0"/>
-              <a:t>2017-08-01</a:t>
+              <a:t>2017-08-02</a:t>
             </a:fld>
             <a:endParaRPr lang="ko-KR" altLang="en-US" dirty="0"/>
           </a:p>
@@ -1176,7 +1181,7 @@
           <a:p>
             <a:fld id="{574B5CE0-A72C-4312-A71B-1E10A8986C95}" type="datetimeFigureOut">
               <a:rPr lang="ko-KR" altLang="en-US" smtClean="0"/>
-              <a:t>2017-08-01</a:t>
+              <a:t>2017-08-02</a:t>
             </a:fld>
             <a:endParaRPr lang="ko-KR" altLang="en-US" dirty="0"/>
           </a:p>
@@ -1441,7 +1446,7 @@
           <a:p>
             <a:fld id="{574B5CE0-A72C-4312-A71B-1E10A8986C95}" type="datetimeFigureOut">
               <a:rPr lang="ko-KR" altLang="en-US" smtClean="0"/>
-              <a:t>2017-08-01</a:t>
+              <a:t>2017-08-02</a:t>
             </a:fld>
             <a:endParaRPr lang="ko-KR" altLang="en-US" dirty="0"/>
           </a:p>
@@ -1853,7 +1858,7 @@
           <a:p>
             <a:fld id="{574B5CE0-A72C-4312-A71B-1E10A8986C95}" type="datetimeFigureOut">
               <a:rPr lang="ko-KR" altLang="en-US" smtClean="0"/>
-              <a:t>2017-08-01</a:t>
+              <a:t>2017-08-02</a:t>
             </a:fld>
             <a:endParaRPr lang="ko-KR" altLang="en-US" dirty="0"/>
           </a:p>
@@ -1994,7 +1999,7 @@
           <a:p>
             <a:fld id="{574B5CE0-A72C-4312-A71B-1E10A8986C95}" type="datetimeFigureOut">
               <a:rPr lang="ko-KR" altLang="en-US" smtClean="0"/>
-              <a:t>2017-08-01</a:t>
+              <a:t>2017-08-02</a:t>
             </a:fld>
             <a:endParaRPr lang="ko-KR" altLang="en-US" dirty="0"/>
           </a:p>
@@ -2107,7 +2112,7 @@
           <a:p>
             <a:fld id="{574B5CE0-A72C-4312-A71B-1E10A8986C95}" type="datetimeFigureOut">
               <a:rPr lang="ko-KR" altLang="en-US" smtClean="0"/>
-              <a:t>2017-08-01</a:t>
+              <a:t>2017-08-02</a:t>
             </a:fld>
             <a:endParaRPr lang="ko-KR" altLang="en-US" dirty="0"/>
           </a:p>
@@ -2418,7 +2423,7 @@
           <a:p>
             <a:fld id="{574B5CE0-A72C-4312-A71B-1E10A8986C95}" type="datetimeFigureOut">
               <a:rPr lang="ko-KR" altLang="en-US" smtClean="0"/>
-              <a:t>2017-08-01</a:t>
+              <a:t>2017-08-02</a:t>
             </a:fld>
             <a:endParaRPr lang="ko-KR" altLang="en-US" dirty="0"/>
           </a:p>
@@ -2706,7 +2711,7 @@
           <a:p>
             <a:fld id="{574B5CE0-A72C-4312-A71B-1E10A8986C95}" type="datetimeFigureOut">
               <a:rPr lang="ko-KR" altLang="en-US" smtClean="0"/>
-              <a:t>2017-08-01</a:t>
+              <a:t>2017-08-02</a:t>
             </a:fld>
             <a:endParaRPr lang="ko-KR" altLang="en-US" dirty="0"/>
           </a:p>
@@ -2947,7 +2952,7 @@
           <a:p>
             <a:fld id="{574B5CE0-A72C-4312-A71B-1E10A8986C95}" type="datetimeFigureOut">
               <a:rPr lang="ko-KR" altLang="en-US" smtClean="0"/>
-              <a:t>2017-08-01</a:t>
+              <a:t>2017-08-02</a:t>
             </a:fld>
             <a:endParaRPr lang="ko-KR" altLang="en-US" dirty="0"/>
           </a:p>
@@ -15822,7 +15827,7 @@
                 <a:latin typeface="BusanBada" panose="02000603000000000000" pitchFamily="2" charset="-127"/>
                 <a:ea typeface="BusanBada" panose="02000603000000000000" pitchFamily="2" charset="-127"/>
               </a:rPr>
-              <a:t>의 경우 별도로 관리 됨</a:t>
+              <a:t>의 경우 별도로 처리 됨</a:t>
             </a:r>
             <a:r>
               <a:rPr lang="en-US" altLang="ko-KR" sz="2400" dirty="0">
@@ -15843,7 +15848,7 @@
         <p:spPr>
           <a:xfrm>
             <a:off x="838200" y="2708614"/>
-            <a:ext cx="9878123" cy="2862322"/>
+            <a:ext cx="9878123" cy="2585323"/>
           </a:xfrm>
           <a:prstGeom prst="rect">
             <a:avLst/>
@@ -15880,12 +15885,10 @@
                 <a:ea typeface="돋움체" panose="020B0609000101010101" pitchFamily="49" charset="-127"/>
                 <a:cs typeface="Consolas" panose="020B0609020204030204" pitchFamily="49" charset="0"/>
               </a:rPr>
-              <a:t> *</a:t>
-            </a:r>
-          </a:p>
-          <a:p>
-            <a:r>
-              <a:rPr lang="en-US" altLang="ko-KR" dirty="0">
+              <a:t>* </a:t>
+            </a:r>
+            <a:r>
+              <a:rPr lang="en-US" altLang="ko-KR" dirty="0" err="1">
                 <a:solidFill>
                   <a:srgbClr val="6F008A"/>
                 </a:solidFill>
@@ -16376,7 +16379,7 @@
                 <a:ea typeface="BusanBada" panose="02000603000000000000" pitchFamily="2" charset="-127"/>
                 <a:cs typeface="FrankRuehl" panose="020E0503060101010101" pitchFamily="34" charset="-79"/>
               </a:rPr>
-              <a:t>라고 불리는 전용 자료구조에 의해서 연결되어 다시 할당 받지 않음</a:t>
+              <a:t>라고 불리는 전용 자료구조에 의해서 연결되어 다시 아레나를 찾지 않음</a:t>
             </a:r>
             <a:r>
               <a:rPr lang="en-US" altLang="ko-KR" sz="2400" dirty="0">
@@ -17272,7 +17275,7 @@
         <p:spPr>
           <a:xfrm>
             <a:off x="838200" y="2483644"/>
-            <a:ext cx="9642088" cy="3693319"/>
+            <a:ext cx="9642088" cy="3416320"/>
           </a:xfrm>
           <a:prstGeom prst="rect">
             <a:avLst/>
@@ -17309,12 +17312,10 @@
                 <a:ea typeface="돋움체" panose="020B0609000101010101" pitchFamily="49" charset="-127"/>
                 <a:cs typeface="Consolas" panose="020B0609020204030204" pitchFamily="49" charset="0"/>
               </a:rPr>
-              <a:t> *</a:t>
-            </a:r>
-          </a:p>
-          <a:p>
-            <a:r>
-              <a:rPr lang="en-US" altLang="ko-KR" dirty="0">
+              <a:t>* </a:t>
+            </a:r>
+            <a:r>
+              <a:rPr lang="en-US" altLang="ko-KR" dirty="0" err="1">
                 <a:solidFill>
                   <a:srgbClr val="6F008A"/>
                 </a:solidFill>
@@ -17902,6 +17903,184 @@
             <a:pPr marL="0" indent="0">
               <a:buNone/>
             </a:pPr>
+            <a:r>
+              <a:rPr lang="ko-KR" altLang="en-US" sz="2400" dirty="0">
+                <a:latin typeface="BusanBada" panose="02000603000000000000" pitchFamily="2" charset="-127"/>
+                <a:ea typeface="BusanBada" panose="02000603000000000000" pitchFamily="2" charset="-127"/>
+              </a:rPr>
+              <a:t>그만큼 메모리 사용량은 증가</a:t>
+            </a:r>
+            <a:r>
+              <a:rPr lang="en-US" altLang="ko-KR" sz="2400" dirty="0">
+                <a:latin typeface="BusanBada" panose="02000603000000000000" pitchFamily="2" charset="-127"/>
+                <a:ea typeface="BusanBada" panose="02000603000000000000" pitchFamily="2" charset="-127"/>
+              </a:rPr>
+              <a:t>.</a:t>
+            </a:r>
+          </a:p>
+          <a:p>
+            <a:pPr marL="0" indent="0">
+              <a:buNone/>
+            </a:pPr>
+            <a:r>
+              <a:rPr lang="ko-KR" altLang="en-US" sz="2400" dirty="0">
+                <a:latin typeface="BusanBada" panose="02000603000000000000" pitchFamily="2" charset="-127"/>
+                <a:ea typeface="BusanBada" panose="02000603000000000000" pitchFamily="2" charset="-127"/>
+              </a:rPr>
+              <a:t>그래서인지 </a:t>
+            </a:r>
+            <a:r>
+              <a:rPr lang="en-US" altLang="ko-KR" sz="2400" dirty="0">
+                <a:latin typeface="FrankRuehl" panose="020E0503060101010101" pitchFamily="34" charset="-79"/>
+                <a:ea typeface="BusanBada" panose="02000603000000000000" pitchFamily="2" charset="-127"/>
+                <a:cs typeface="FrankRuehl" panose="020E0503060101010101" pitchFamily="34" charset="-79"/>
+              </a:rPr>
+              <a:t>Firefox</a:t>
+            </a:r>
+            <a:r>
+              <a:rPr lang="ko-KR" altLang="en-US" sz="2400" dirty="0">
+                <a:latin typeface="BusanBada" panose="02000603000000000000" pitchFamily="2" charset="-127"/>
+                <a:ea typeface="BusanBada" panose="02000603000000000000" pitchFamily="2" charset="-127"/>
+              </a:rPr>
+              <a:t>는 꺼놓았다고 함</a:t>
+            </a:r>
+            <a:r>
+              <a:rPr lang="en-US" altLang="ko-KR" sz="2400" dirty="0">
+                <a:latin typeface="BusanBada" panose="02000603000000000000" pitchFamily="2" charset="-127"/>
+                <a:ea typeface="BusanBada" panose="02000603000000000000" pitchFamily="2" charset="-127"/>
+              </a:rPr>
+              <a:t>.</a:t>
+            </a:r>
+          </a:p>
+          <a:p>
+            <a:pPr marL="0" indent="0">
+              <a:buNone/>
+            </a:pPr>
+            <a:endParaRPr lang="en-US" altLang="ko-KR" sz="2400" dirty="0">
+              <a:latin typeface="BusanBada" panose="02000603000000000000" pitchFamily="2" charset="-127"/>
+              <a:ea typeface="BusanBada" panose="02000603000000000000" pitchFamily="2" charset="-127"/>
+            </a:endParaRPr>
+          </a:p>
+          <a:p>
+            <a:pPr marL="0" indent="0">
+              <a:buNone/>
+            </a:pPr>
+            <a:endParaRPr lang="en-US" altLang="ko-KR" sz="2400" dirty="0">
+              <a:latin typeface="BusanBada" panose="02000603000000000000" pitchFamily="2" charset="-127"/>
+              <a:ea typeface="BusanBada" panose="02000603000000000000" pitchFamily="2" charset="-127"/>
+            </a:endParaRPr>
+          </a:p>
+          <a:p>
+            <a:pPr marL="0" indent="0">
+              <a:buNone/>
+            </a:pPr>
+            <a:endParaRPr lang="en-US" altLang="ko-KR" sz="2400" dirty="0">
+              <a:latin typeface="BusanBada" panose="02000603000000000000" pitchFamily="2" charset="-127"/>
+              <a:ea typeface="BusanBada" panose="02000603000000000000" pitchFamily="2" charset="-127"/>
+            </a:endParaRPr>
+          </a:p>
+          <a:p>
+            <a:pPr marL="0" indent="0">
+              <a:buNone/>
+            </a:pPr>
+            <a:endParaRPr lang="en-US" altLang="ko-KR" sz="2400" dirty="0">
+              <a:latin typeface="BusanBada" panose="02000603000000000000" pitchFamily="2" charset="-127"/>
+              <a:ea typeface="BusanBada" panose="02000603000000000000" pitchFamily="2" charset="-127"/>
+            </a:endParaRPr>
+          </a:p>
+        </p:txBody>
+      </p:sp>
+    </p:spTree>
+    <p:extLst>
+      <p:ext uri="{BB962C8B-B14F-4D97-AF65-F5344CB8AC3E}">
+        <p14:creationId xmlns:p14="http://schemas.microsoft.com/office/powerpoint/2010/main" val="1820255895"/>
+      </p:ext>
+    </p:extLst>
+  </p:cSld>
+  <p:clrMapOvr>
+    <a:masterClrMapping/>
+  </p:clrMapOvr>
+</p:sld>
+</file>
+
+<file path=ppt/slides/slide26.xml><?xml version="1.0" encoding="utf-8"?>
+<p:sld xmlns:a="http://schemas.openxmlformats.org/drawingml/2006/main" xmlns:r="http://schemas.openxmlformats.org/officeDocument/2006/relationships" xmlns:p="http://schemas.openxmlformats.org/presentationml/2006/main">
+  <p:cSld>
+    <p:spTree>
+      <p:nvGrpSpPr>
+        <p:cNvPr id="1" name=""/>
+        <p:cNvGrpSpPr/>
+        <p:nvPr/>
+      </p:nvGrpSpPr>
+      <p:grpSpPr>
+        <a:xfrm>
+          <a:off x="0" y="0"/>
+          <a:ext cx="0" cy="0"/>
+          <a:chOff x="0" y="0"/>
+          <a:chExt cx="0" cy="0"/>
+        </a:xfrm>
+      </p:grpSpPr>
+      <p:sp>
+        <p:nvSpPr>
+          <p:cNvPr id="2" name="제목 1">
+            <a:extLst>
+              <a:ext uri="{FF2B5EF4-FFF2-40B4-BE49-F238E27FC236}">
+                <a16:creationId xmlns:a16="http://schemas.microsoft.com/office/drawing/2014/main" id="{DE938470-D5B9-47B5-9356-902610971B86}"/>
+              </a:ext>
+            </a:extLst>
+          </p:cNvPr>
+          <p:cNvSpPr>
+            <a:spLocks noGrp="1"/>
+          </p:cNvSpPr>
+          <p:nvPr>
+            <p:ph type="title"/>
+          </p:nvPr>
+        </p:nvSpPr>
+        <p:spPr/>
+        <p:txBody>
+          <a:bodyPr/>
+          <a:lstStyle/>
+          <a:p>
+            <a:r>
+              <a:rPr lang="en-US" altLang="ko-KR" dirty="0">
+                <a:latin typeface="FrankRuehl" panose="020E0503060101010101" pitchFamily="34" charset="-79"/>
+                <a:cs typeface="FrankRuehl" panose="020E0503060101010101" pitchFamily="34" charset="-79"/>
+              </a:rPr>
+              <a:t>Jemalloc</a:t>
+            </a:r>
+            <a:endParaRPr lang="ko-KR" altLang="en-US" dirty="0">
+              <a:latin typeface="FrankRuehl" panose="020E0503060101010101" pitchFamily="34" charset="-79"/>
+              <a:cs typeface="FrankRuehl" panose="020E0503060101010101" pitchFamily="34" charset="-79"/>
+            </a:endParaRPr>
+          </a:p>
+        </p:txBody>
+      </p:sp>
+      <p:sp>
+        <p:nvSpPr>
+          <p:cNvPr id="3" name="부제목 2">
+            <a:extLst>
+              <a:ext uri="{FF2B5EF4-FFF2-40B4-BE49-F238E27FC236}">
+                <a16:creationId xmlns:a16="http://schemas.microsoft.com/office/drawing/2014/main" id="{7135E3CC-0384-4CDE-8F1D-C29734627E92}"/>
+              </a:ext>
+            </a:extLst>
+          </p:cNvPr>
+          <p:cNvSpPr>
+            <a:spLocks noGrp="1"/>
+          </p:cNvSpPr>
+          <p:nvPr>
+            <p:ph idx="1"/>
+          </p:nvPr>
+        </p:nvSpPr>
+        <p:spPr/>
+        <p:txBody>
+          <a:bodyPr>
+            <a:normAutofit/>
+          </a:bodyPr>
+          <a:lstStyle/>
+          <a:p>
+            <a:pPr marL="0" indent="0">
+              <a:buNone/>
+            </a:pPr>
             <a:endParaRPr lang="en-US" altLang="ko-KR" sz="2400" dirty="0">
               <a:latin typeface="BusanBada" panose="02000603000000000000" pitchFamily="2" charset="-127"/>
               <a:ea typeface="BusanBada" panose="02000603000000000000" pitchFamily="2" charset="-127"/>
@@ -17999,184 +18178,6 @@
     <p:extLst>
       <p:ext uri="{BB962C8B-B14F-4D97-AF65-F5344CB8AC3E}">
         <p14:creationId xmlns:p14="http://schemas.microsoft.com/office/powerpoint/2010/main" val="2301204222"/>
-      </p:ext>
-    </p:extLst>
-  </p:cSld>
-  <p:clrMapOvr>
-    <a:masterClrMapping/>
-  </p:clrMapOvr>
-</p:sld>
-</file>
-
-<file path=ppt/slides/slide26.xml><?xml version="1.0" encoding="utf-8"?>
-<p:sld xmlns:a="http://schemas.openxmlformats.org/drawingml/2006/main" xmlns:r="http://schemas.openxmlformats.org/officeDocument/2006/relationships" xmlns:p="http://schemas.openxmlformats.org/presentationml/2006/main">
-  <p:cSld>
-    <p:spTree>
-      <p:nvGrpSpPr>
-        <p:cNvPr id="1" name=""/>
-        <p:cNvGrpSpPr/>
-        <p:nvPr/>
-      </p:nvGrpSpPr>
-      <p:grpSpPr>
-        <a:xfrm>
-          <a:off x="0" y="0"/>
-          <a:ext cx="0" cy="0"/>
-          <a:chOff x="0" y="0"/>
-          <a:chExt cx="0" cy="0"/>
-        </a:xfrm>
-      </p:grpSpPr>
-      <p:sp>
-        <p:nvSpPr>
-          <p:cNvPr id="2" name="제목 1">
-            <a:extLst>
-              <a:ext uri="{FF2B5EF4-FFF2-40B4-BE49-F238E27FC236}">
-                <a16:creationId xmlns:a16="http://schemas.microsoft.com/office/drawing/2014/main" id="{DE938470-D5B9-47B5-9356-902610971B86}"/>
-              </a:ext>
-            </a:extLst>
-          </p:cNvPr>
-          <p:cNvSpPr>
-            <a:spLocks noGrp="1"/>
-          </p:cNvSpPr>
-          <p:nvPr>
-            <p:ph type="title"/>
-          </p:nvPr>
-        </p:nvSpPr>
-        <p:spPr/>
-        <p:txBody>
-          <a:bodyPr/>
-          <a:lstStyle/>
-          <a:p>
-            <a:r>
-              <a:rPr lang="en-US" altLang="ko-KR" dirty="0">
-                <a:latin typeface="FrankRuehl" panose="020E0503060101010101" pitchFamily="34" charset="-79"/>
-                <a:cs typeface="FrankRuehl" panose="020E0503060101010101" pitchFamily="34" charset="-79"/>
-              </a:rPr>
-              <a:t>Jemalloc</a:t>
-            </a:r>
-            <a:endParaRPr lang="ko-KR" altLang="en-US" dirty="0">
-              <a:latin typeface="FrankRuehl" panose="020E0503060101010101" pitchFamily="34" charset="-79"/>
-              <a:cs typeface="FrankRuehl" panose="020E0503060101010101" pitchFamily="34" charset="-79"/>
-            </a:endParaRPr>
-          </a:p>
-        </p:txBody>
-      </p:sp>
-      <p:sp>
-        <p:nvSpPr>
-          <p:cNvPr id="3" name="부제목 2">
-            <a:extLst>
-              <a:ext uri="{FF2B5EF4-FFF2-40B4-BE49-F238E27FC236}">
-                <a16:creationId xmlns:a16="http://schemas.microsoft.com/office/drawing/2014/main" id="{7135E3CC-0384-4CDE-8F1D-C29734627E92}"/>
-              </a:ext>
-            </a:extLst>
-          </p:cNvPr>
-          <p:cNvSpPr>
-            <a:spLocks noGrp="1"/>
-          </p:cNvSpPr>
-          <p:nvPr>
-            <p:ph idx="1"/>
-          </p:nvPr>
-        </p:nvSpPr>
-        <p:spPr/>
-        <p:txBody>
-          <a:bodyPr>
-            <a:normAutofit/>
-          </a:bodyPr>
-          <a:lstStyle/>
-          <a:p>
-            <a:pPr marL="0" indent="0">
-              <a:buNone/>
-            </a:pPr>
-            <a:r>
-              <a:rPr lang="ko-KR" altLang="en-US" sz="2400" dirty="0">
-                <a:latin typeface="BusanBada" panose="02000603000000000000" pitchFamily="2" charset="-127"/>
-                <a:ea typeface="BusanBada" panose="02000603000000000000" pitchFamily="2" charset="-127"/>
-              </a:rPr>
-              <a:t>그만큼 메모리 사용량은 증가</a:t>
-            </a:r>
-            <a:r>
-              <a:rPr lang="en-US" altLang="ko-KR" sz="2400" dirty="0">
-                <a:latin typeface="BusanBada" panose="02000603000000000000" pitchFamily="2" charset="-127"/>
-                <a:ea typeface="BusanBada" panose="02000603000000000000" pitchFamily="2" charset="-127"/>
-              </a:rPr>
-              <a:t>.</a:t>
-            </a:r>
-          </a:p>
-          <a:p>
-            <a:pPr marL="0" indent="0">
-              <a:buNone/>
-            </a:pPr>
-            <a:r>
-              <a:rPr lang="ko-KR" altLang="en-US" sz="2400" dirty="0">
-                <a:latin typeface="BusanBada" panose="02000603000000000000" pitchFamily="2" charset="-127"/>
-                <a:ea typeface="BusanBada" panose="02000603000000000000" pitchFamily="2" charset="-127"/>
-              </a:rPr>
-              <a:t>그래서인지 </a:t>
-            </a:r>
-            <a:r>
-              <a:rPr lang="en-US" altLang="ko-KR" sz="2400" dirty="0">
-                <a:latin typeface="FrankRuehl" panose="020E0503060101010101" pitchFamily="34" charset="-79"/>
-                <a:ea typeface="BusanBada" panose="02000603000000000000" pitchFamily="2" charset="-127"/>
-                <a:cs typeface="FrankRuehl" panose="020E0503060101010101" pitchFamily="34" charset="-79"/>
-              </a:rPr>
-              <a:t>Firefox</a:t>
-            </a:r>
-            <a:r>
-              <a:rPr lang="ko-KR" altLang="en-US" sz="2400" dirty="0">
-                <a:latin typeface="BusanBada" panose="02000603000000000000" pitchFamily="2" charset="-127"/>
-                <a:ea typeface="BusanBada" panose="02000603000000000000" pitchFamily="2" charset="-127"/>
-              </a:rPr>
-              <a:t>는 꺼놓았다고 함</a:t>
-            </a:r>
-            <a:r>
-              <a:rPr lang="en-US" altLang="ko-KR" sz="2400" dirty="0">
-                <a:latin typeface="BusanBada" panose="02000603000000000000" pitchFamily="2" charset="-127"/>
-                <a:ea typeface="BusanBada" panose="02000603000000000000" pitchFamily="2" charset="-127"/>
-              </a:rPr>
-              <a:t>.</a:t>
-            </a:r>
-          </a:p>
-          <a:p>
-            <a:pPr marL="0" indent="0">
-              <a:buNone/>
-            </a:pPr>
-            <a:endParaRPr lang="en-US" altLang="ko-KR" sz="2400" dirty="0">
-              <a:latin typeface="BusanBada" panose="02000603000000000000" pitchFamily="2" charset="-127"/>
-              <a:ea typeface="BusanBada" panose="02000603000000000000" pitchFamily="2" charset="-127"/>
-            </a:endParaRPr>
-          </a:p>
-          <a:p>
-            <a:pPr marL="0" indent="0">
-              <a:buNone/>
-            </a:pPr>
-            <a:endParaRPr lang="en-US" altLang="ko-KR" sz="2400" dirty="0">
-              <a:latin typeface="BusanBada" panose="02000603000000000000" pitchFamily="2" charset="-127"/>
-              <a:ea typeface="BusanBada" panose="02000603000000000000" pitchFamily="2" charset="-127"/>
-            </a:endParaRPr>
-          </a:p>
-          <a:p>
-            <a:pPr marL="0" indent="0">
-              <a:buNone/>
-            </a:pPr>
-            <a:endParaRPr lang="en-US" altLang="ko-KR" sz="2400" dirty="0">
-              <a:latin typeface="BusanBada" panose="02000603000000000000" pitchFamily="2" charset="-127"/>
-              <a:ea typeface="BusanBada" panose="02000603000000000000" pitchFamily="2" charset="-127"/>
-            </a:endParaRPr>
-          </a:p>
-          <a:p>
-            <a:pPr marL="0" indent="0">
-              <a:buNone/>
-            </a:pPr>
-            <a:endParaRPr lang="en-US" altLang="ko-KR" sz="2400" dirty="0">
-              <a:latin typeface="BusanBada" panose="02000603000000000000" pitchFamily="2" charset="-127"/>
-              <a:ea typeface="BusanBada" panose="02000603000000000000" pitchFamily="2" charset="-127"/>
-            </a:endParaRPr>
-          </a:p>
-        </p:txBody>
-      </p:sp>
-    </p:spTree>
-    <p:extLst>
-      <p:ext uri="{BB962C8B-B14F-4D97-AF65-F5344CB8AC3E}">
-        <p14:creationId xmlns:p14="http://schemas.microsoft.com/office/powerpoint/2010/main" val="1820255895"/>
       </p:ext>
     </p:extLst>
   </p:cSld>
@@ -20607,7 +20608,7 @@
                 <a:latin typeface="BusanBada" panose="02000603000000000000" pitchFamily="2" charset="-127"/>
                 <a:ea typeface="BusanBada" panose="02000603000000000000" pitchFamily="2" charset="-127"/>
               </a:rPr>
-              <a:t>1. 1,000,000 </a:t>
+              <a:t>1. 1,000,000</a:t>
             </a:r>
             <a:r>
               <a:rPr lang="ko-KR" altLang="en-US" dirty="0">
@@ -21944,10 +21945,142 @@
             <a:pPr marL="0" indent="0">
               <a:buNone/>
             </a:pPr>
-            <a:endParaRPr lang="en-US" altLang="ko-KR" sz="2400" dirty="0">
-              <a:latin typeface="BusanBada" panose="02000603000000000000" pitchFamily="2" charset="-127"/>
-              <a:ea typeface="BusanBada" panose="02000603000000000000" pitchFamily="2" charset="-127"/>
-            </a:endParaRPr>
+            <a:r>
+              <a:rPr lang="en-US" altLang="ko-KR" sz="2400" dirty="0">
+                <a:latin typeface="FrankRuehl" panose="020E0503060101010101" pitchFamily="34" charset="-79"/>
+                <a:ea typeface="BusanBada" panose="02000603000000000000" pitchFamily="2" charset="-127"/>
+                <a:cs typeface="FrankRuehl" panose="020E0503060101010101" pitchFamily="34" charset="-79"/>
+              </a:rPr>
+              <a:t>STL</a:t>
+            </a:r>
+            <a:r>
+              <a:rPr lang="ko-KR" altLang="en-US" sz="2400" dirty="0">
+                <a:latin typeface="BusanBada" panose="02000603000000000000" pitchFamily="2" charset="-127"/>
+                <a:ea typeface="BusanBada" panose="02000603000000000000" pitchFamily="2" charset="-127"/>
+                <a:cs typeface="FrankRuehl" panose="020E0503060101010101" pitchFamily="34" charset="-79"/>
+              </a:rPr>
+              <a:t> 컨테이너는</a:t>
+            </a:r>
+            <a:r>
+              <a:rPr lang="ko-KR" altLang="en-US" sz="2400" dirty="0">
+                <a:latin typeface="BusanBada" panose="02000603000000000000" pitchFamily="2" charset="-127"/>
+                <a:ea typeface="BusanBada" panose="02000603000000000000" pitchFamily="2" charset="-127"/>
+              </a:rPr>
+              <a:t> 동적 메모리를 많이 사용</a:t>
+            </a:r>
+            <a:r>
+              <a:rPr lang="en-US" altLang="ko-KR" sz="2400" dirty="0">
+                <a:latin typeface="BusanBada" panose="02000603000000000000" pitchFamily="2" charset="-127"/>
+                <a:ea typeface="BusanBada" panose="02000603000000000000" pitchFamily="2" charset="-127"/>
+              </a:rPr>
+              <a:t>.</a:t>
+            </a:r>
+          </a:p>
+          <a:p>
+            <a:pPr marL="0" indent="0">
+              <a:buNone/>
+            </a:pPr>
+            <a:r>
+              <a:rPr lang="en-US" altLang="ko-KR" sz="2400" dirty="0">
+                <a:latin typeface="FrankRuehl" panose="020E0503060101010101" pitchFamily="34" charset="-79"/>
+                <a:ea typeface="BusanBada" panose="02000603000000000000" pitchFamily="2" charset="-127"/>
+                <a:cs typeface="FrankRuehl" panose="020E0503060101010101" pitchFamily="34" charset="-79"/>
+              </a:rPr>
+              <a:t>STL </a:t>
+            </a:r>
+            <a:r>
+              <a:rPr lang="ko-KR" altLang="en-US" sz="2400" dirty="0">
+                <a:latin typeface="BusanBada" panose="02000603000000000000" pitchFamily="2" charset="-127"/>
+                <a:ea typeface="BusanBada" panose="02000603000000000000" pitchFamily="2" charset="-127"/>
+                <a:cs typeface="FrankRuehl" panose="020E0503060101010101" pitchFamily="34" charset="-79"/>
+              </a:rPr>
+              <a:t>컨테이너</a:t>
+            </a:r>
+            <a:r>
+              <a:rPr lang="ko-KR" altLang="en-US" sz="2400" dirty="0">
+                <a:latin typeface="FrankRuehl" panose="020E0503060101010101" pitchFamily="34" charset="-79"/>
+                <a:ea typeface="BusanBada" panose="02000603000000000000" pitchFamily="2" charset="-127"/>
+                <a:cs typeface="FrankRuehl" panose="020E0503060101010101" pitchFamily="34" charset="-79"/>
+              </a:rPr>
+              <a:t>에</a:t>
+            </a:r>
+            <a:r>
+              <a:rPr lang="en-US" altLang="ko-KR" sz="2400" dirty="0">
+                <a:latin typeface="FrankRuehl" panose="020E0503060101010101" pitchFamily="34" charset="-79"/>
+                <a:ea typeface="BusanBada" panose="02000603000000000000" pitchFamily="2" charset="-127"/>
+                <a:cs typeface="FrankRuehl" panose="020E0503060101010101" pitchFamily="34" charset="-79"/>
+              </a:rPr>
+              <a:t> </a:t>
+            </a:r>
+            <a:r>
+              <a:rPr lang="ko-KR" altLang="en-US" sz="2400" dirty="0">
+                <a:latin typeface="FrankRuehl" panose="020E0503060101010101" pitchFamily="34" charset="-79"/>
+                <a:ea typeface="BusanBada" panose="02000603000000000000" pitchFamily="2" charset="-127"/>
+                <a:cs typeface="FrankRuehl" panose="020E0503060101010101" pitchFamily="34" charset="-79"/>
+              </a:rPr>
+              <a:t>고정 크기 메모리 관리자와 같은 커스텀 메모리 관리자를 포함하여</a:t>
+            </a:r>
+            <a:r>
+              <a:rPr lang="en-US" altLang="ko-KR" sz="2400" dirty="0">
+                <a:latin typeface="FrankRuehl" panose="020E0503060101010101" pitchFamily="34" charset="-79"/>
+                <a:ea typeface="BusanBada" panose="02000603000000000000" pitchFamily="2" charset="-127"/>
+                <a:cs typeface="FrankRuehl" panose="020E0503060101010101" pitchFamily="34" charset="-79"/>
+              </a:rPr>
+              <a:t> </a:t>
+            </a:r>
+            <a:r>
+              <a:rPr lang="ko-KR" altLang="en-US" sz="2400" dirty="0">
+                <a:latin typeface="FrankRuehl" panose="020E0503060101010101" pitchFamily="34" charset="-79"/>
+                <a:ea typeface="BusanBada" panose="02000603000000000000" pitchFamily="2" charset="-127"/>
+                <a:cs typeface="FrankRuehl" panose="020E0503060101010101" pitchFamily="34" charset="-79"/>
+              </a:rPr>
+              <a:t>성능향상을 기대해 볼 수 있음</a:t>
+            </a:r>
+            <a:r>
+              <a:rPr lang="en-US" altLang="ko-KR" sz="2400" dirty="0">
+                <a:latin typeface="FrankRuehl" panose="020E0503060101010101" pitchFamily="34" charset="-79"/>
+                <a:ea typeface="BusanBada" panose="02000603000000000000" pitchFamily="2" charset="-127"/>
+                <a:cs typeface="FrankRuehl" panose="020E0503060101010101" pitchFamily="34" charset="-79"/>
+              </a:rPr>
+              <a:t>.</a:t>
+            </a:r>
+          </a:p>
+          <a:p>
+            <a:pPr marL="0" indent="0">
+              <a:buNone/>
+            </a:pPr>
+            <a:r>
+              <a:rPr lang="ko-KR" altLang="en-US" sz="2400" dirty="0">
+                <a:latin typeface="FrankRuehl" panose="020E0503060101010101" pitchFamily="34" charset="-79"/>
+                <a:ea typeface="BusanBada" panose="02000603000000000000" pitchFamily="2" charset="-127"/>
+                <a:cs typeface="FrankRuehl" panose="020E0503060101010101" pitchFamily="34" charset="-79"/>
+              </a:rPr>
+              <a:t>다만 </a:t>
+            </a:r>
+            <a:r>
+              <a:rPr lang="en-US" altLang="ko-KR" sz="2400" dirty="0">
+                <a:latin typeface="FrankRuehl" panose="020E0503060101010101" pitchFamily="34" charset="-79"/>
+                <a:ea typeface="BusanBada" panose="02000603000000000000" pitchFamily="2" charset="-127"/>
+                <a:cs typeface="FrankRuehl" panose="020E0503060101010101" pitchFamily="34" charset="-79"/>
+              </a:rPr>
+              <a:t>STL</a:t>
+            </a:r>
+            <a:r>
+              <a:rPr lang="ko-KR" altLang="en-US" sz="2400" dirty="0">
+                <a:latin typeface="FrankRuehl" panose="020E0503060101010101" pitchFamily="34" charset="-79"/>
+                <a:ea typeface="BusanBada" panose="02000603000000000000" pitchFamily="2" charset="-127"/>
+                <a:cs typeface="FrankRuehl" panose="020E0503060101010101" pitchFamily="34" charset="-79"/>
+              </a:rPr>
+              <a:t> 컨테이너가 유저가 제공한 자료형이 아닌 숨겨진 자료형을 동적으로 할당하는 경우가 있음</a:t>
+            </a:r>
+            <a:r>
+              <a:rPr lang="en-US" altLang="ko-KR" sz="2400" dirty="0">
+                <a:latin typeface="FrankRuehl" panose="020E0503060101010101" pitchFamily="34" charset="-79"/>
+                <a:ea typeface="BusanBada" panose="02000603000000000000" pitchFamily="2" charset="-127"/>
+                <a:cs typeface="FrankRuehl" panose="020E0503060101010101" pitchFamily="34" charset="-79"/>
+              </a:rPr>
+              <a:t>.</a:t>
+            </a:r>
           </a:p>
         </p:txBody>
       </p:sp>
@@ -21999,7 +22132,9 @@
         </p:nvSpPr>
         <p:spPr/>
         <p:txBody>
-          <a:bodyPr/>
+          <a:bodyPr>
+            <a:normAutofit/>
+          </a:bodyPr>
           <a:lstStyle/>
           <a:p>
             <a:r>
@@ -22007,7 +22142,63 @@
                 <a:latin typeface="FrankRuehl" panose="020E0503060101010101" pitchFamily="34" charset="-79"/>
                 <a:cs typeface="FrankRuehl" panose="020E0503060101010101" pitchFamily="34" charset="-79"/>
               </a:rPr>
-              <a:t>Reference</a:t>
+              <a:t>Provide</a:t>
+            </a:r>
+            <a:r>
+              <a:rPr lang="ko-KR" altLang="en-US" dirty="0">
+                <a:latin typeface="FrankRuehl" panose="020E0503060101010101" pitchFamily="34" charset="-79"/>
+                <a:cs typeface="FrankRuehl" panose="020E0503060101010101" pitchFamily="34" charset="-79"/>
+              </a:rPr>
+              <a:t> </a:t>
+            </a:r>
+            <a:r>
+              <a:rPr lang="en-US" altLang="ko-KR" dirty="0">
+                <a:latin typeface="FrankRuehl" panose="020E0503060101010101" pitchFamily="34" charset="-79"/>
+                <a:cs typeface="FrankRuehl" panose="020E0503060101010101" pitchFamily="34" charset="-79"/>
+              </a:rPr>
+              <a:t>Custom</a:t>
+            </a:r>
+            <a:r>
+              <a:rPr lang="ko-KR" altLang="en-US" dirty="0">
+                <a:latin typeface="FrankRuehl" panose="020E0503060101010101" pitchFamily="34" charset="-79"/>
+                <a:cs typeface="FrankRuehl" panose="020E0503060101010101" pitchFamily="34" charset="-79"/>
+              </a:rPr>
+              <a:t> </a:t>
+            </a:r>
+            <a:r>
+              <a:rPr lang="en-US" altLang="ko-KR" dirty="0">
+                <a:latin typeface="FrankRuehl" panose="020E0503060101010101" pitchFamily="34" charset="-79"/>
+                <a:cs typeface="FrankRuehl" panose="020E0503060101010101" pitchFamily="34" charset="-79"/>
+              </a:rPr>
+              <a:t>Standard</a:t>
+            </a:r>
+            <a:r>
+              <a:rPr lang="ko-KR" altLang="en-US" dirty="0">
+                <a:latin typeface="FrankRuehl" panose="020E0503060101010101" pitchFamily="34" charset="-79"/>
+                <a:cs typeface="FrankRuehl" panose="020E0503060101010101" pitchFamily="34" charset="-79"/>
+              </a:rPr>
+              <a:t> </a:t>
+            </a:r>
+            <a:r>
+              <a:rPr lang="en-US" altLang="ko-KR" dirty="0">
+                <a:latin typeface="FrankRuehl" panose="020E0503060101010101" pitchFamily="34" charset="-79"/>
+                <a:cs typeface="FrankRuehl" panose="020E0503060101010101" pitchFamily="34" charset="-79"/>
+              </a:rPr>
+              <a:t>Library</a:t>
+            </a:r>
+            <a:r>
+              <a:rPr lang="ko-KR" altLang="en-US" dirty="0">
+                <a:latin typeface="FrankRuehl" panose="020E0503060101010101" pitchFamily="34" charset="-79"/>
+                <a:cs typeface="FrankRuehl" panose="020E0503060101010101" pitchFamily="34" charset="-79"/>
+              </a:rPr>
+              <a:t> </a:t>
+            </a:r>
+            <a:r>
+              <a:rPr lang="en-US" altLang="ko-KR" dirty="0">
+                <a:latin typeface="FrankRuehl" panose="020E0503060101010101" pitchFamily="34" charset="-79"/>
+                <a:cs typeface="FrankRuehl" panose="020E0503060101010101" pitchFamily="34" charset="-79"/>
+              </a:rPr>
+              <a:t>Allocators</a:t>
             </a:r>
             <a:endParaRPr lang="ko-KR" altLang="en-US" dirty="0">
               <a:latin typeface="FrankRuehl" panose="020E0503060101010101" pitchFamily="34" charset="-79"/>
@@ -22044,60 +22235,581 @@
           </a:bodyPr>
           <a:lstStyle/>
           <a:p>
-            <a:r>
-              <a:rPr lang="ko-KR" altLang="en-US" sz="2400" dirty="0">
-                <a:latin typeface="BusanBada" panose="02000603000000000000" pitchFamily="2" charset="-127"/>
-                <a:ea typeface="BusanBada" panose="02000603000000000000" pitchFamily="2" charset="-127"/>
-              </a:rPr>
-              <a:t>실전 윈도우 디버깅 </a:t>
-            </a:r>
-            <a:r>
-              <a:rPr lang="en-US" altLang="ko-KR" sz="2400" dirty="0">
-                <a:latin typeface="BusanBada" panose="02000603000000000000" pitchFamily="2" charset="-127"/>
-                <a:ea typeface="BusanBada" panose="02000603000000000000" pitchFamily="2" charset="-127"/>
-              </a:rPr>
-              <a:t>( </a:t>
-            </a:r>
-            <a:r>
-              <a:rPr lang="ko-KR" altLang="en-US" sz="2400" dirty="0">
-                <a:latin typeface="BusanBada" panose="02000603000000000000" pitchFamily="2" charset="-127"/>
-                <a:ea typeface="BusanBada" panose="02000603000000000000" pitchFamily="2" charset="-127"/>
-              </a:rPr>
-              <a:t>원제</a:t>
-            </a:r>
-            <a:r>
-              <a:rPr lang="en-US" altLang="ko-KR" sz="2400" dirty="0">
-                <a:latin typeface="BusanBada" panose="02000603000000000000" pitchFamily="2" charset="-127"/>
-                <a:ea typeface="BusanBada" panose="02000603000000000000" pitchFamily="2" charset="-127"/>
-              </a:rPr>
-              <a:t>: </a:t>
-            </a:r>
+            <a:pPr marL="0" indent="0">
+              <a:buNone/>
+            </a:pPr>
             <a:r>
               <a:rPr lang="en-US" altLang="ko-KR" sz="2400" dirty="0">
                 <a:latin typeface="FrankRuehl" panose="020E0503060101010101" pitchFamily="34" charset="-79"/>
                 <a:ea typeface="BusanBada" panose="02000603000000000000" pitchFamily="2" charset="-127"/>
                 <a:cs typeface="FrankRuehl" panose="020E0503060101010101" pitchFamily="34" charset="-79"/>
               </a:rPr>
-              <a:t>advanced windows debugging </a:t>
-            </a:r>
-            <a:r>
-              <a:rPr lang="en-US" altLang="ko-KR" sz="2400" dirty="0">
-                <a:latin typeface="BusanBada" panose="02000603000000000000" pitchFamily="2" charset="-127"/>
-                <a:ea typeface="BusanBada" panose="02000603000000000000" pitchFamily="2" charset="-127"/>
-              </a:rPr>
-              <a:t>)</a:t>
-            </a:r>
-          </a:p>
-          <a:p>
+              <a:t>STL</a:t>
+            </a:r>
+            <a:r>
+              <a:rPr lang="ko-KR" altLang="en-US" sz="2400" dirty="0">
+                <a:latin typeface="FrankRuehl" panose="020E0503060101010101" pitchFamily="34" charset="-79"/>
+                <a:ea typeface="BusanBada" panose="02000603000000000000" pitchFamily="2" charset="-127"/>
+                <a:cs typeface="FrankRuehl" panose="020E0503060101010101" pitchFamily="34" charset="-79"/>
+              </a:rPr>
+              <a:t>의 코드를 고칠 수는 없으므로 해당 자료형에</a:t>
+            </a:r>
             <a:r>
               <a:rPr lang="en-US" altLang="ko-KR" sz="2400" dirty="0">
                 <a:latin typeface="FrankRuehl" panose="020E0503060101010101" pitchFamily="34" charset="-79"/>
                 <a:ea typeface="BusanBada" panose="02000603000000000000" pitchFamily="2" charset="-127"/>
                 <a:cs typeface="FrankRuehl" panose="020E0503060101010101" pitchFamily="34" charset="-79"/>
-                <a:hlinkClick r:id="rId2"/>
-              </a:rPr>
-              <a:t>WINDOWS 10 SEGMENT HEAP INTERNALS</a:t>
-            </a:r>
+              </a:rPr>
+              <a:t> operator new()</a:t>
+            </a:r>
+            <a:r>
+              <a:rPr lang="ko-KR" altLang="en-US" sz="2400" dirty="0">
+                <a:latin typeface="FrankRuehl" panose="020E0503060101010101" pitchFamily="34" charset="-79"/>
+                <a:ea typeface="BusanBada" panose="02000603000000000000" pitchFamily="2" charset="-127"/>
+                <a:cs typeface="FrankRuehl" panose="020E0503060101010101" pitchFamily="34" charset="-79"/>
+              </a:rPr>
+              <a:t>와 </a:t>
+            </a:r>
+            <a:r>
+              <a:rPr lang="en-US" altLang="ko-KR" sz="2400" dirty="0">
+                <a:latin typeface="FrankRuehl" panose="020E0503060101010101" pitchFamily="34" charset="-79"/>
+                <a:ea typeface="BusanBada" panose="02000603000000000000" pitchFamily="2" charset="-127"/>
+                <a:cs typeface="FrankRuehl" panose="020E0503060101010101" pitchFamily="34" charset="-79"/>
+              </a:rPr>
+              <a:t>operator delete()</a:t>
+            </a:r>
+            <a:r>
+              <a:rPr lang="ko-KR" altLang="en-US" sz="2400" dirty="0">
+                <a:latin typeface="FrankRuehl" panose="020E0503060101010101" pitchFamily="34" charset="-79"/>
+                <a:ea typeface="BusanBada" panose="02000603000000000000" pitchFamily="2" charset="-127"/>
+                <a:cs typeface="FrankRuehl" panose="020E0503060101010101" pitchFamily="34" charset="-79"/>
+              </a:rPr>
+              <a:t>를 추가하는 방식은 사용할 수 없음</a:t>
+            </a:r>
+            <a:r>
+              <a:rPr lang="en-US" altLang="ko-KR" sz="2400" dirty="0">
+                <a:latin typeface="FrankRuehl" panose="020E0503060101010101" pitchFamily="34" charset="-79"/>
+                <a:ea typeface="BusanBada" panose="02000603000000000000" pitchFamily="2" charset="-127"/>
+                <a:cs typeface="FrankRuehl" panose="020E0503060101010101" pitchFamily="34" charset="-79"/>
+              </a:rPr>
+              <a:t>.</a:t>
+            </a:r>
+          </a:p>
+          <a:p>
+            <a:pPr marL="0" indent="0">
+              <a:buNone/>
+            </a:pPr>
+            <a:r>
+              <a:rPr lang="ko-KR" altLang="en-US" sz="2400" dirty="0">
+                <a:latin typeface="FrankRuehl" panose="020E0503060101010101" pitchFamily="34" charset="-79"/>
+                <a:ea typeface="BusanBada" panose="02000603000000000000" pitchFamily="2" charset="-127"/>
+                <a:cs typeface="FrankRuehl" panose="020E0503060101010101" pitchFamily="34" charset="-79"/>
+              </a:rPr>
+              <a:t>다행이도 </a:t>
+            </a:r>
+            <a:r>
+              <a:rPr lang="en-US" altLang="ko-KR" sz="2400" dirty="0">
+                <a:latin typeface="FrankRuehl" panose="020E0503060101010101" pitchFamily="34" charset="-79"/>
+                <a:ea typeface="BusanBada" panose="02000603000000000000" pitchFamily="2" charset="-127"/>
+                <a:cs typeface="FrankRuehl" panose="020E0503060101010101" pitchFamily="34" charset="-79"/>
+              </a:rPr>
+              <a:t>STL </a:t>
+            </a:r>
+            <a:r>
+              <a:rPr lang="ko-KR" altLang="en-US" sz="2400" dirty="0">
+                <a:latin typeface="FrankRuehl" panose="020E0503060101010101" pitchFamily="34" charset="-79"/>
+                <a:ea typeface="BusanBada" panose="02000603000000000000" pitchFamily="2" charset="-127"/>
+                <a:cs typeface="FrankRuehl" panose="020E0503060101010101" pitchFamily="34" charset="-79"/>
+              </a:rPr>
+              <a:t>컨테이너는 </a:t>
+            </a:r>
+            <a:r>
+              <a:rPr lang="en-US" altLang="ko-KR" sz="2400" dirty="0">
+                <a:latin typeface="FrankRuehl" panose="020E0503060101010101" pitchFamily="34" charset="-79"/>
+                <a:ea typeface="BusanBada" panose="02000603000000000000" pitchFamily="2" charset="-127"/>
+                <a:cs typeface="FrankRuehl" panose="020E0503060101010101" pitchFamily="34" charset="-79"/>
+              </a:rPr>
+              <a:t>Allocator </a:t>
+            </a:r>
+            <a:r>
+              <a:rPr lang="ko-KR" altLang="en-US" sz="2400" dirty="0">
+                <a:latin typeface="FrankRuehl" panose="020E0503060101010101" pitchFamily="34" charset="-79"/>
+                <a:ea typeface="BusanBada" panose="02000603000000000000" pitchFamily="2" charset="-127"/>
+                <a:cs typeface="FrankRuehl" panose="020E0503060101010101" pitchFamily="34" charset="-79"/>
+              </a:rPr>
+              <a:t>인자를 통해서 특정 클래스에 </a:t>
+            </a:r>
+            <a:r>
+              <a:rPr lang="en-US" altLang="ko-KR" sz="2400" dirty="0">
+                <a:latin typeface="FrankRuehl" panose="020E0503060101010101" pitchFamily="34" charset="-79"/>
+                <a:ea typeface="BusanBada" panose="02000603000000000000" pitchFamily="2" charset="-127"/>
+                <a:cs typeface="FrankRuehl" panose="020E0503060101010101" pitchFamily="34" charset="-79"/>
+              </a:rPr>
+              <a:t>operator new()</a:t>
+            </a:r>
+            <a:r>
+              <a:rPr lang="ko-KR" altLang="en-US" sz="2400" dirty="0">
+                <a:latin typeface="FrankRuehl" panose="020E0503060101010101" pitchFamily="34" charset="-79"/>
+                <a:ea typeface="BusanBada" panose="02000603000000000000" pitchFamily="2" charset="-127"/>
+                <a:cs typeface="FrankRuehl" panose="020E0503060101010101" pitchFamily="34" charset="-79"/>
+              </a:rPr>
+              <a:t>를 추가하여 커스텀 메모리 관리자를 사용하는 것과 같은 효과를 누릴 수 있음</a:t>
+            </a:r>
+            <a:r>
+              <a:rPr lang="en-US" altLang="ko-KR" sz="2400" dirty="0">
+                <a:latin typeface="FrankRuehl" panose="020E0503060101010101" pitchFamily="34" charset="-79"/>
+                <a:ea typeface="BusanBada" panose="02000603000000000000" pitchFamily="2" charset="-127"/>
+                <a:cs typeface="FrankRuehl" panose="020E0503060101010101" pitchFamily="34" charset="-79"/>
+              </a:rPr>
+              <a:t>.</a:t>
+            </a:r>
+          </a:p>
+          <a:p>
+            <a:pPr marL="0" indent="0">
+              <a:buNone/>
+            </a:pPr>
+            <a:r>
+              <a:rPr lang="en-US" altLang="ko-KR" sz="2400" dirty="0">
+                <a:latin typeface="FrankRuehl" panose="020E0503060101010101" pitchFamily="34" charset="-79"/>
+                <a:ea typeface="BusanBada" panose="02000603000000000000" pitchFamily="2" charset="-127"/>
+                <a:cs typeface="FrankRuehl" panose="020E0503060101010101" pitchFamily="34" charset="-79"/>
+              </a:rPr>
+              <a:t>Allocator</a:t>
+            </a:r>
+            <a:r>
+              <a:rPr lang="ko-KR" altLang="en-US" sz="2400" dirty="0">
+                <a:latin typeface="FrankRuehl" panose="020E0503060101010101" pitchFamily="34" charset="-79"/>
+                <a:ea typeface="BusanBada" panose="02000603000000000000" pitchFamily="2" charset="-127"/>
+                <a:cs typeface="FrankRuehl" panose="020E0503060101010101" pitchFamily="34" charset="-79"/>
+              </a:rPr>
+              <a:t>는 메모리를 관리하는 템플릿 클래스로 </a:t>
+            </a:r>
+            <a:r>
+              <a:rPr lang="en-US" altLang="ko-KR" sz="2400" dirty="0">
+                <a:latin typeface="BusanBada" panose="02000603000000000000" pitchFamily="2" charset="-127"/>
+                <a:ea typeface="BusanBada" panose="02000603000000000000" pitchFamily="2" charset="-127"/>
+                <a:cs typeface="FrankRuehl" panose="020E0503060101010101" pitchFamily="34" charset="-79"/>
+              </a:rPr>
+              <a:t>3</a:t>
+            </a:r>
+            <a:r>
+              <a:rPr lang="ko-KR" altLang="en-US" sz="2400" dirty="0">
+                <a:latin typeface="FrankRuehl" panose="020E0503060101010101" pitchFamily="34" charset="-79"/>
+                <a:ea typeface="BusanBada" panose="02000603000000000000" pitchFamily="2" charset="-127"/>
+                <a:cs typeface="FrankRuehl" panose="020E0503060101010101" pitchFamily="34" charset="-79"/>
+              </a:rPr>
+              <a:t>가지 일을 수행함</a:t>
+            </a:r>
+            <a:r>
+              <a:rPr lang="en-US" altLang="ko-KR" sz="2400" dirty="0">
+                <a:latin typeface="FrankRuehl" panose="020E0503060101010101" pitchFamily="34" charset="-79"/>
+                <a:ea typeface="BusanBada" panose="02000603000000000000" pitchFamily="2" charset="-127"/>
+                <a:cs typeface="FrankRuehl" panose="020E0503060101010101" pitchFamily="34" charset="-79"/>
+              </a:rPr>
+              <a:t>.</a:t>
+            </a:r>
+          </a:p>
+          <a:p>
+            <a:pPr marL="457200" lvl="1" indent="0">
+              <a:buNone/>
+            </a:pPr>
+            <a:r>
+              <a:rPr lang="en-US" altLang="ko-KR" dirty="0">
+                <a:latin typeface="BusanBada" panose="02000603000000000000" pitchFamily="2" charset="-127"/>
+                <a:ea typeface="BusanBada" panose="02000603000000000000" pitchFamily="2" charset="-127"/>
+                <a:cs typeface="FrankRuehl" panose="020E0503060101010101" pitchFamily="34" charset="-79"/>
+              </a:rPr>
+              <a:t>1. </a:t>
+            </a:r>
+            <a:r>
+              <a:rPr lang="ko-KR" altLang="en-US" dirty="0">
+                <a:latin typeface="BusanBada" panose="02000603000000000000" pitchFamily="2" charset="-127"/>
+                <a:ea typeface="BusanBada" panose="02000603000000000000" pitchFamily="2" charset="-127"/>
+                <a:cs typeface="FrankRuehl" panose="020E0503060101010101" pitchFamily="34" charset="-79"/>
+              </a:rPr>
+              <a:t>메모리 매니저로부터 저장 공간을 가져옴</a:t>
+            </a:r>
+            <a:r>
+              <a:rPr lang="en-US" altLang="ko-KR" dirty="0">
+                <a:latin typeface="BusanBada" panose="02000603000000000000" pitchFamily="2" charset="-127"/>
+                <a:ea typeface="BusanBada" panose="02000603000000000000" pitchFamily="2" charset="-127"/>
+                <a:cs typeface="FrankRuehl" panose="020E0503060101010101" pitchFamily="34" charset="-79"/>
+              </a:rPr>
+              <a:t>.</a:t>
+            </a:r>
+          </a:p>
+          <a:p>
+            <a:pPr marL="457200" lvl="1" indent="0">
+              <a:buNone/>
+            </a:pPr>
+            <a:r>
+              <a:rPr lang="en-US" altLang="ko-KR" dirty="0">
+                <a:latin typeface="BusanBada" panose="02000603000000000000" pitchFamily="2" charset="-127"/>
+                <a:ea typeface="BusanBada" panose="02000603000000000000" pitchFamily="2" charset="-127"/>
+                <a:cs typeface="FrankRuehl" panose="020E0503060101010101" pitchFamily="34" charset="-79"/>
+              </a:rPr>
+              <a:t>2. </a:t>
+            </a:r>
+            <a:r>
+              <a:rPr lang="ko-KR" altLang="en-US" dirty="0">
+                <a:latin typeface="BusanBada" panose="02000603000000000000" pitchFamily="2" charset="-127"/>
+                <a:ea typeface="BusanBada" panose="02000603000000000000" pitchFamily="2" charset="-127"/>
+                <a:cs typeface="FrankRuehl" panose="020E0503060101010101" pitchFamily="34" charset="-79"/>
+              </a:rPr>
+              <a:t>저장 공간을 메모리 매니저에 반납</a:t>
+            </a:r>
+            <a:r>
+              <a:rPr lang="en-US" altLang="ko-KR" dirty="0">
+                <a:latin typeface="BusanBada" panose="02000603000000000000" pitchFamily="2" charset="-127"/>
+                <a:ea typeface="BusanBada" panose="02000603000000000000" pitchFamily="2" charset="-127"/>
+                <a:cs typeface="FrankRuehl" panose="020E0503060101010101" pitchFamily="34" charset="-79"/>
+              </a:rPr>
+              <a:t>.</a:t>
+            </a:r>
+          </a:p>
+          <a:p>
+            <a:pPr marL="457200" lvl="1" indent="0">
+              <a:buNone/>
+            </a:pPr>
+            <a:r>
+              <a:rPr lang="en-US" altLang="ko-KR" dirty="0">
+                <a:latin typeface="BusanBada" panose="02000603000000000000" pitchFamily="2" charset="-127"/>
+                <a:ea typeface="BusanBada" panose="02000603000000000000" pitchFamily="2" charset="-127"/>
+                <a:cs typeface="FrankRuehl" panose="020E0503060101010101" pitchFamily="34" charset="-79"/>
+              </a:rPr>
+              <a:t>3. </a:t>
+            </a:r>
+            <a:r>
+              <a:rPr lang="ko-KR" altLang="en-US" dirty="0">
+                <a:latin typeface="BusanBada" panose="02000603000000000000" pitchFamily="2" charset="-127"/>
+                <a:ea typeface="BusanBada" panose="02000603000000000000" pitchFamily="2" charset="-127"/>
+                <a:cs typeface="FrankRuehl" panose="020E0503060101010101" pitchFamily="34" charset="-79"/>
+              </a:rPr>
+              <a:t>연관된 메모리 매니저로부터 자신을 복사 생성</a:t>
+            </a:r>
+            <a:r>
+              <a:rPr lang="en-US" altLang="ko-KR" dirty="0">
+                <a:latin typeface="BusanBada" panose="02000603000000000000" pitchFamily="2" charset="-127"/>
+                <a:ea typeface="BusanBada" panose="02000603000000000000" pitchFamily="2" charset="-127"/>
+                <a:cs typeface="FrankRuehl" panose="020E0503060101010101" pitchFamily="34" charset="-79"/>
+              </a:rPr>
+              <a:t>.</a:t>
+            </a:r>
+          </a:p>
+        </p:txBody>
+      </p:sp>
+    </p:spTree>
+    <p:extLst>
+      <p:ext uri="{BB962C8B-B14F-4D97-AF65-F5344CB8AC3E}">
+        <p14:creationId xmlns:p14="http://schemas.microsoft.com/office/powerpoint/2010/main" val="270153233"/>
+      </p:ext>
+    </p:extLst>
+  </p:cSld>
+  <p:clrMapOvr>
+    <a:masterClrMapping/>
+  </p:clrMapOvr>
+</p:sld>
+</file>
+
+<file path=ppt/slides/slide36.xml><?xml version="1.0" encoding="utf-8"?>
+<p:sld xmlns:a="http://schemas.openxmlformats.org/drawingml/2006/main" xmlns:r="http://schemas.openxmlformats.org/officeDocument/2006/relationships" xmlns:p="http://schemas.openxmlformats.org/presentationml/2006/main">
+  <p:cSld>
+    <p:spTree>
+      <p:nvGrpSpPr>
+        <p:cNvPr id="1" name=""/>
+        <p:cNvGrpSpPr/>
+        <p:nvPr/>
+      </p:nvGrpSpPr>
+      <p:grpSpPr>
+        <a:xfrm>
+          <a:off x="0" y="0"/>
+          <a:ext cx="0" cy="0"/>
+          <a:chOff x="0" y="0"/>
+          <a:chExt cx="0" cy="0"/>
+        </a:xfrm>
+      </p:grpSpPr>
+      <p:sp>
+        <p:nvSpPr>
+          <p:cNvPr id="2" name="제목 1">
+            <a:extLst>
+              <a:ext uri="{FF2B5EF4-FFF2-40B4-BE49-F238E27FC236}">
+                <a16:creationId xmlns:a16="http://schemas.microsoft.com/office/drawing/2014/main" id="{DE938470-D5B9-47B5-9356-902610971B86}"/>
+              </a:ext>
+            </a:extLst>
+          </p:cNvPr>
+          <p:cNvSpPr>
+            <a:spLocks noGrp="1"/>
+          </p:cNvSpPr>
+          <p:nvPr>
+            <p:ph type="title"/>
+          </p:nvPr>
+        </p:nvSpPr>
+        <p:spPr/>
+        <p:txBody>
+          <a:bodyPr>
+            <a:normAutofit/>
+          </a:bodyPr>
+          <a:lstStyle/>
+          <a:p>
+            <a:r>
+              <a:rPr lang="en-US" altLang="ko-KR" dirty="0">
+                <a:latin typeface="FrankRuehl" panose="020E0503060101010101" pitchFamily="34" charset="-79"/>
+                <a:cs typeface="FrankRuehl" panose="020E0503060101010101" pitchFamily="34" charset="-79"/>
+              </a:rPr>
+              <a:t>Provide</a:t>
+            </a:r>
+            <a:r>
+              <a:rPr lang="ko-KR" altLang="en-US" dirty="0">
+                <a:latin typeface="FrankRuehl" panose="020E0503060101010101" pitchFamily="34" charset="-79"/>
+                <a:cs typeface="FrankRuehl" panose="020E0503060101010101" pitchFamily="34" charset="-79"/>
+              </a:rPr>
+              <a:t> </a:t>
+            </a:r>
+            <a:r>
+              <a:rPr lang="en-US" altLang="ko-KR" dirty="0">
+                <a:latin typeface="FrankRuehl" panose="020E0503060101010101" pitchFamily="34" charset="-79"/>
+                <a:cs typeface="FrankRuehl" panose="020E0503060101010101" pitchFamily="34" charset="-79"/>
+              </a:rPr>
+              <a:t>Custom</a:t>
+            </a:r>
+            <a:r>
+              <a:rPr lang="ko-KR" altLang="en-US" dirty="0">
+                <a:latin typeface="FrankRuehl" panose="020E0503060101010101" pitchFamily="34" charset="-79"/>
+                <a:cs typeface="FrankRuehl" panose="020E0503060101010101" pitchFamily="34" charset="-79"/>
+              </a:rPr>
+              <a:t> </a:t>
+            </a:r>
+            <a:r>
+              <a:rPr lang="en-US" altLang="ko-KR" dirty="0">
+                <a:latin typeface="FrankRuehl" panose="020E0503060101010101" pitchFamily="34" charset="-79"/>
+                <a:cs typeface="FrankRuehl" panose="020E0503060101010101" pitchFamily="34" charset="-79"/>
+              </a:rPr>
+              <a:t>Standard</a:t>
+            </a:r>
+            <a:r>
+              <a:rPr lang="ko-KR" altLang="en-US" dirty="0">
+                <a:latin typeface="FrankRuehl" panose="020E0503060101010101" pitchFamily="34" charset="-79"/>
+                <a:cs typeface="FrankRuehl" panose="020E0503060101010101" pitchFamily="34" charset="-79"/>
+              </a:rPr>
+              <a:t> </a:t>
+            </a:r>
+            <a:r>
+              <a:rPr lang="en-US" altLang="ko-KR" dirty="0">
+                <a:latin typeface="FrankRuehl" panose="020E0503060101010101" pitchFamily="34" charset="-79"/>
+                <a:cs typeface="FrankRuehl" panose="020E0503060101010101" pitchFamily="34" charset="-79"/>
+              </a:rPr>
+              <a:t>Library</a:t>
+            </a:r>
+            <a:r>
+              <a:rPr lang="ko-KR" altLang="en-US" dirty="0">
+                <a:latin typeface="FrankRuehl" panose="020E0503060101010101" pitchFamily="34" charset="-79"/>
+                <a:cs typeface="FrankRuehl" panose="020E0503060101010101" pitchFamily="34" charset="-79"/>
+              </a:rPr>
+              <a:t> </a:t>
+            </a:r>
+            <a:r>
+              <a:rPr lang="en-US" altLang="ko-KR" dirty="0">
+                <a:latin typeface="FrankRuehl" panose="020E0503060101010101" pitchFamily="34" charset="-79"/>
+                <a:cs typeface="FrankRuehl" panose="020E0503060101010101" pitchFamily="34" charset="-79"/>
+              </a:rPr>
+              <a:t>Allocators</a:t>
+            </a:r>
+            <a:endParaRPr lang="ko-KR" altLang="en-US" dirty="0">
+              <a:latin typeface="FrankRuehl" panose="020E0503060101010101" pitchFamily="34" charset="-79"/>
+              <a:cs typeface="FrankRuehl" panose="020E0503060101010101" pitchFamily="34" charset="-79"/>
+            </a:endParaRPr>
+          </a:p>
+        </p:txBody>
+      </p:sp>
+      <p:sp>
+        <p:nvSpPr>
+          <p:cNvPr id="3" name="부제목 2">
+            <a:extLst>
+              <a:ext uri="{FF2B5EF4-FFF2-40B4-BE49-F238E27FC236}">
+                <a16:creationId xmlns:a16="http://schemas.microsoft.com/office/drawing/2014/main" id="{7135E3CC-0384-4CDE-8F1D-C29734627E92}"/>
+              </a:ext>
+            </a:extLst>
+          </p:cNvPr>
+          <p:cNvSpPr>
+            <a:spLocks noGrp="1"/>
+          </p:cNvSpPr>
+          <p:nvPr>
+            <p:ph idx="1"/>
+          </p:nvPr>
+        </p:nvSpPr>
+        <p:spPr>
+          <a:xfrm>
+            <a:off x="838200" y="1825625"/>
+            <a:ext cx="10515600" cy="4351338"/>
+          </a:xfrm>
+        </p:spPr>
+        <p:txBody>
+          <a:bodyPr>
+            <a:normAutofit/>
+          </a:bodyPr>
+          <a:lstStyle/>
+          <a:p>
+            <a:pPr marL="0" indent="0">
+              <a:buNone/>
+            </a:pPr>
+            <a:r>
+              <a:rPr lang="ko-KR" altLang="en-US" sz="2400" dirty="0">
+                <a:latin typeface="BusanBada" panose="02000603000000000000" pitchFamily="2" charset="-127"/>
+                <a:ea typeface="BusanBada" panose="02000603000000000000" pitchFamily="2" charset="-127"/>
+                <a:cs typeface="FrankRuehl" panose="020E0503060101010101" pitchFamily="34" charset="-79"/>
+              </a:rPr>
+              <a:t>기본 할당자인 </a:t>
+            </a:r>
+            <a:r>
+              <a:rPr lang="en-US" altLang="ko-KR" sz="2400" dirty="0">
+                <a:latin typeface="FrankRuehl" panose="020E0503060101010101" pitchFamily="34" charset="-79"/>
+                <a:ea typeface="BusanBada" panose="02000603000000000000" pitchFamily="2" charset="-127"/>
+                <a:cs typeface="FrankRuehl" panose="020E0503060101010101" pitchFamily="34" charset="-79"/>
+              </a:rPr>
+              <a:t>std::allocator&lt;T&gt;</a:t>
+            </a:r>
+            <a:r>
+              <a:rPr lang="ko-KR" altLang="en-US" sz="2400" dirty="0">
+                <a:latin typeface="BusanBada" panose="02000603000000000000" pitchFamily="2" charset="-127"/>
+                <a:ea typeface="BusanBada" panose="02000603000000000000" pitchFamily="2" charset="-127"/>
+                <a:cs typeface="FrankRuehl" panose="020E0503060101010101" pitchFamily="34" charset="-79"/>
+              </a:rPr>
+              <a:t>는 </a:t>
+            </a:r>
+            <a:r>
+              <a:rPr lang="en-US" altLang="ko-KR" sz="2400" dirty="0">
+                <a:latin typeface="FrankRuehl" panose="020E0503060101010101" pitchFamily="34" charset="-79"/>
+                <a:ea typeface="BusanBada" panose="02000603000000000000" pitchFamily="2" charset="-127"/>
+                <a:cs typeface="FrankRuehl" panose="020E0503060101010101" pitchFamily="34" charset="-79"/>
+              </a:rPr>
+              <a:t>::operator</a:t>
+            </a:r>
+            <a:r>
+              <a:rPr lang="ko-KR" altLang="en-US" sz="2400" dirty="0">
+                <a:latin typeface="FrankRuehl" panose="020E0503060101010101" pitchFamily="34" charset="-79"/>
+                <a:ea typeface="BusanBada" panose="02000603000000000000" pitchFamily="2" charset="-127"/>
+                <a:cs typeface="FrankRuehl" panose="020E0503060101010101" pitchFamily="34" charset="-79"/>
+              </a:rPr>
+              <a:t> </a:t>
+            </a:r>
+            <a:r>
+              <a:rPr lang="en-US" altLang="ko-KR" sz="2400" dirty="0">
+                <a:latin typeface="FrankRuehl" panose="020E0503060101010101" pitchFamily="34" charset="-79"/>
+                <a:ea typeface="BusanBada" panose="02000603000000000000" pitchFamily="2" charset="-127"/>
+                <a:cs typeface="FrankRuehl" panose="020E0503060101010101" pitchFamily="34" charset="-79"/>
+              </a:rPr>
+              <a:t>new()</a:t>
+            </a:r>
+            <a:r>
+              <a:rPr lang="ko-KR" altLang="en-US" sz="2400" dirty="0">
+                <a:latin typeface="BusanBada" panose="02000603000000000000" pitchFamily="2" charset="-127"/>
+                <a:ea typeface="BusanBada" panose="02000603000000000000" pitchFamily="2" charset="-127"/>
+                <a:cs typeface="FrankRuehl" panose="020E0503060101010101" pitchFamily="34" charset="-79"/>
+              </a:rPr>
+              <a:t>를 감싼 얇은 래퍼  클래스로 개발자가 원한다면 다른 동작을 하는 별도의 할당자를 제공할 수 있음</a:t>
+            </a:r>
+            <a:r>
+              <a:rPr lang="en-US" altLang="ko-KR" sz="2400" dirty="0">
+                <a:latin typeface="BusanBada" panose="02000603000000000000" pitchFamily="2" charset="-127"/>
+                <a:ea typeface="BusanBada" panose="02000603000000000000" pitchFamily="2" charset="-127"/>
+                <a:cs typeface="FrankRuehl" panose="020E0503060101010101" pitchFamily="34" charset="-79"/>
+              </a:rPr>
+              <a:t>.</a:t>
+            </a:r>
+          </a:p>
+          <a:p>
+            <a:pPr marL="0" indent="0">
+              <a:buNone/>
+            </a:pPr>
+            <a:r>
+              <a:rPr lang="ko-KR" altLang="en-US" sz="2400" dirty="0">
+                <a:latin typeface="BusanBada" panose="02000603000000000000" pitchFamily="2" charset="-127"/>
+                <a:ea typeface="BusanBada" panose="02000603000000000000" pitchFamily="2" charset="-127"/>
+                <a:cs typeface="FrankRuehl" panose="020E0503060101010101" pitchFamily="34" charset="-79"/>
+              </a:rPr>
+              <a:t>할당자는 기본적으로 </a:t>
+            </a:r>
+            <a:r>
+              <a:rPr lang="en-US" altLang="ko-KR" sz="2400" dirty="0">
+                <a:latin typeface="BusanBada" panose="02000603000000000000" pitchFamily="2" charset="-127"/>
+                <a:ea typeface="BusanBada" panose="02000603000000000000" pitchFamily="2" charset="-127"/>
+                <a:cs typeface="FrankRuehl" panose="020E0503060101010101" pitchFamily="34" charset="-79"/>
+              </a:rPr>
+              <a:t>2</a:t>
+            </a:r>
+            <a:r>
+              <a:rPr lang="ko-KR" altLang="en-US" sz="2400" dirty="0">
+                <a:latin typeface="BusanBada" panose="02000603000000000000" pitchFamily="2" charset="-127"/>
+                <a:ea typeface="BusanBada" panose="02000603000000000000" pitchFamily="2" charset="-127"/>
+                <a:cs typeface="FrankRuehl" panose="020E0503060101010101" pitchFamily="34" charset="-79"/>
+              </a:rPr>
+              <a:t>종류로 나눌 수 있음</a:t>
+            </a:r>
+            <a:r>
+              <a:rPr lang="en-US" altLang="ko-KR" sz="2400" dirty="0">
+                <a:latin typeface="BusanBada" panose="02000603000000000000" pitchFamily="2" charset="-127"/>
+                <a:ea typeface="BusanBada" panose="02000603000000000000" pitchFamily="2" charset="-127"/>
+                <a:cs typeface="FrankRuehl" panose="020E0503060101010101" pitchFamily="34" charset="-79"/>
+              </a:rPr>
+              <a:t>.</a:t>
+            </a:r>
+          </a:p>
+          <a:p>
+            <a:pPr marL="457200" lvl="1" indent="0">
+              <a:buNone/>
+            </a:pPr>
+            <a:r>
+              <a:rPr lang="en-US" altLang="ko-KR" dirty="0">
+                <a:latin typeface="BusanBada" panose="02000603000000000000" pitchFamily="2" charset="-127"/>
+                <a:ea typeface="BusanBada" panose="02000603000000000000" pitchFamily="2" charset="-127"/>
+                <a:cs typeface="FrankRuehl" panose="020E0503060101010101" pitchFamily="34" charset="-79"/>
+              </a:rPr>
+              <a:t>1. </a:t>
+            </a:r>
+            <a:r>
+              <a:rPr lang="ko-KR" altLang="en-US" dirty="0">
+                <a:latin typeface="BusanBada" panose="02000603000000000000" pitchFamily="2" charset="-127"/>
+                <a:ea typeface="BusanBada" panose="02000603000000000000" pitchFamily="2" charset="-127"/>
+                <a:cs typeface="FrankRuehl" panose="020E0503060101010101" pitchFamily="34" charset="-79"/>
+              </a:rPr>
+              <a:t>상태를 가지지 않은 할당자</a:t>
+            </a:r>
+            <a:endParaRPr lang="en-US" altLang="ko-KR" dirty="0">
+              <a:latin typeface="BusanBada" panose="02000603000000000000" pitchFamily="2" charset="-127"/>
+              <a:ea typeface="BusanBada" panose="02000603000000000000" pitchFamily="2" charset="-127"/>
+              <a:cs typeface="FrankRuehl" panose="020E0503060101010101" pitchFamily="34" charset="-79"/>
+            </a:endParaRPr>
+          </a:p>
+          <a:p>
+            <a:pPr marL="457200" lvl="1" indent="0">
+              <a:buNone/>
+            </a:pPr>
+            <a:r>
+              <a:rPr lang="en-US" altLang="ko-KR" dirty="0">
+                <a:latin typeface="BusanBada" panose="02000603000000000000" pitchFamily="2" charset="-127"/>
+                <a:ea typeface="BusanBada" panose="02000603000000000000" pitchFamily="2" charset="-127"/>
+                <a:cs typeface="FrankRuehl" panose="020E0503060101010101" pitchFamily="34" charset="-79"/>
+              </a:rPr>
+              <a:t>2. </a:t>
+            </a:r>
+            <a:r>
+              <a:rPr lang="ko-KR" altLang="en-US" dirty="0">
+                <a:latin typeface="BusanBada" panose="02000603000000000000" pitchFamily="2" charset="-127"/>
+                <a:ea typeface="BusanBada" panose="02000603000000000000" pitchFamily="2" charset="-127"/>
+                <a:cs typeface="FrankRuehl" panose="020E0503060101010101" pitchFamily="34" charset="-79"/>
+              </a:rPr>
+              <a:t>상태를 가진 할당자</a:t>
+            </a:r>
+            <a:endParaRPr lang="en-US" altLang="ko-KR" dirty="0">
+              <a:latin typeface="BusanBada" panose="02000603000000000000" pitchFamily="2" charset="-127"/>
+              <a:ea typeface="BusanBada" panose="02000603000000000000" pitchFamily="2" charset="-127"/>
+              <a:cs typeface="FrankRuehl" panose="020E0503060101010101" pitchFamily="34" charset="-79"/>
+            </a:endParaRPr>
+          </a:p>
+          <a:p>
+            <a:pPr marL="457200" lvl="1" indent="0">
+              <a:buNone/>
+            </a:pPr>
             <a:endParaRPr lang="en-US" altLang="ko-KR" sz="2400" dirty="0">
               <a:latin typeface="FrankRuehl" panose="020E0503060101010101" pitchFamily="34" charset="-79"/>
               <a:ea typeface="BusanBada" panose="02000603000000000000" pitchFamily="2" charset="-127"/>
@@ -22105,30 +22817,40 @@
             </a:endParaRPr>
           </a:p>
           <a:p>
+            <a:pPr marL="0" indent="0">
+              <a:buNone/>
+            </a:pPr>
             <a:r>
               <a:rPr lang="en-US" altLang="ko-KR" sz="2400" dirty="0">
                 <a:latin typeface="FrankRuehl" panose="020E0503060101010101" pitchFamily="34" charset="-79"/>
                 <a:ea typeface="BusanBada" panose="02000603000000000000" pitchFamily="2" charset="-127"/>
                 <a:cs typeface="FrankRuehl" panose="020E0503060101010101" pitchFamily="34" charset="-79"/>
-                <a:hlinkClick r:id="rId3"/>
-              </a:rPr>
-              <a:t>Jemalloc Manual Page</a:t>
-            </a:r>
-            <a:endParaRPr lang="en-US" altLang="ko-KR" sz="2400" dirty="0">
-              <a:latin typeface="FrankRuehl" panose="020E0503060101010101" pitchFamily="34" charset="-79"/>
-              <a:ea typeface="BusanBada" panose="02000603000000000000" pitchFamily="2" charset="-127"/>
-              <a:cs typeface="FrankRuehl" panose="020E0503060101010101" pitchFamily="34" charset="-79"/>
-            </a:endParaRPr>
-          </a:p>
-          <a:p>
+              </a:rPr>
+              <a:t>std::allocator&lt;T&gt;</a:t>
+            </a:r>
+            <a:r>
+              <a:rPr lang="ko-KR" altLang="en-US" sz="2400" dirty="0">
+                <a:latin typeface="BusanBada" panose="02000603000000000000" pitchFamily="2" charset="-127"/>
+                <a:ea typeface="BusanBada" panose="02000603000000000000" pitchFamily="2" charset="-127"/>
+                <a:cs typeface="FrankRuehl" panose="020E0503060101010101" pitchFamily="34" charset="-79"/>
+              </a:rPr>
+              <a:t>는 상태를 가지지 않은 할당자임</a:t>
+            </a:r>
             <a:r>
               <a:rPr lang="en-US" altLang="ko-KR" sz="2400" dirty="0">
-                <a:hlinkClick r:id="rId4"/>
-              </a:rPr>
-              <a:t>Exploiting the jemalloc Memory Allocator: Owning Firefox's Heap</a:t>
-            </a:r>
-            <a:endParaRPr lang="ko-KR" altLang="en-US" sz="2400" dirty="0">
-              <a:latin typeface="FrankRuehl" panose="020E0503060101010101" pitchFamily="34" charset="-79"/>
+                <a:latin typeface="BusanBada" panose="02000603000000000000" pitchFamily="2" charset="-127"/>
+                <a:ea typeface="BusanBada" panose="02000603000000000000" pitchFamily="2" charset="-127"/>
+                <a:cs typeface="FrankRuehl" panose="020E0503060101010101" pitchFamily="34" charset="-79"/>
+              </a:rPr>
+              <a:t>.</a:t>
+            </a:r>
+          </a:p>
+          <a:p>
+            <a:pPr marL="0" indent="0">
+              <a:buNone/>
+            </a:pPr>
+            <a:endParaRPr lang="en-US" altLang="ko-KR" dirty="0">
+              <a:latin typeface="BusanBada" panose="02000603000000000000" pitchFamily="2" charset="-127"/>
               <a:ea typeface="BusanBada" panose="02000603000000000000" pitchFamily="2" charset="-127"/>
               <a:cs typeface="FrankRuehl" panose="020E0503060101010101" pitchFamily="34" charset="-79"/>
             </a:endParaRPr>
@@ -22138,7 +22860,770 @@
     </p:spTree>
     <p:extLst>
       <p:ext uri="{BB962C8B-B14F-4D97-AF65-F5344CB8AC3E}">
-        <p14:creationId xmlns:p14="http://schemas.microsoft.com/office/powerpoint/2010/main" val="3915418649"/>
+        <p14:creationId xmlns:p14="http://schemas.microsoft.com/office/powerpoint/2010/main" val="929455850"/>
+      </p:ext>
+    </p:extLst>
+  </p:cSld>
+  <p:clrMapOvr>
+    <a:masterClrMapping/>
+  </p:clrMapOvr>
+</p:sld>
+</file>
+
+<file path=ppt/slides/slide37.xml><?xml version="1.0" encoding="utf-8"?>
+<p:sld xmlns:a="http://schemas.openxmlformats.org/drawingml/2006/main" xmlns:r="http://schemas.openxmlformats.org/officeDocument/2006/relationships" xmlns:p="http://schemas.openxmlformats.org/presentationml/2006/main">
+  <p:cSld>
+    <p:spTree>
+      <p:nvGrpSpPr>
+        <p:cNvPr id="1" name=""/>
+        <p:cNvGrpSpPr/>
+        <p:nvPr/>
+      </p:nvGrpSpPr>
+      <p:grpSpPr>
+        <a:xfrm>
+          <a:off x="0" y="0"/>
+          <a:ext cx="0" cy="0"/>
+          <a:chOff x="0" y="0"/>
+          <a:chExt cx="0" cy="0"/>
+        </a:xfrm>
+      </p:grpSpPr>
+      <p:sp>
+        <p:nvSpPr>
+          <p:cNvPr id="2" name="제목 1">
+            <a:extLst>
+              <a:ext uri="{FF2B5EF4-FFF2-40B4-BE49-F238E27FC236}">
+                <a16:creationId xmlns:a16="http://schemas.microsoft.com/office/drawing/2014/main" id="{DE938470-D5B9-47B5-9356-902610971B86}"/>
+              </a:ext>
+            </a:extLst>
+          </p:cNvPr>
+          <p:cNvSpPr>
+            <a:spLocks noGrp="1"/>
+          </p:cNvSpPr>
+          <p:nvPr>
+            <p:ph type="title"/>
+          </p:nvPr>
+        </p:nvSpPr>
+        <p:spPr/>
+        <p:txBody>
+          <a:bodyPr>
+            <a:normAutofit/>
+          </a:bodyPr>
+          <a:lstStyle/>
+          <a:p>
+            <a:r>
+              <a:rPr lang="en-US" altLang="ko-KR" dirty="0">
+                <a:latin typeface="FrankRuehl" panose="020E0503060101010101" pitchFamily="34" charset="-79"/>
+                <a:cs typeface="FrankRuehl" panose="020E0503060101010101" pitchFamily="34" charset="-79"/>
+              </a:rPr>
+              <a:t>Stateless Allocator</a:t>
+            </a:r>
+            <a:endParaRPr lang="ko-KR" altLang="en-US" dirty="0">
+              <a:latin typeface="FrankRuehl" panose="020E0503060101010101" pitchFamily="34" charset="-79"/>
+              <a:cs typeface="FrankRuehl" panose="020E0503060101010101" pitchFamily="34" charset="-79"/>
+            </a:endParaRPr>
+          </a:p>
+        </p:txBody>
+      </p:sp>
+      <p:sp>
+        <p:nvSpPr>
+          <p:cNvPr id="3" name="부제목 2">
+            <a:extLst>
+              <a:ext uri="{FF2B5EF4-FFF2-40B4-BE49-F238E27FC236}">
+                <a16:creationId xmlns:a16="http://schemas.microsoft.com/office/drawing/2014/main" id="{7135E3CC-0384-4CDE-8F1D-C29734627E92}"/>
+              </a:ext>
+            </a:extLst>
+          </p:cNvPr>
+          <p:cNvSpPr>
+            <a:spLocks noGrp="1"/>
+          </p:cNvSpPr>
+          <p:nvPr>
+            <p:ph idx="1"/>
+          </p:nvPr>
+        </p:nvSpPr>
+        <p:spPr>
+          <a:xfrm>
+            <a:off x="838200" y="1825625"/>
+            <a:ext cx="10515600" cy="4351338"/>
+          </a:xfrm>
+        </p:spPr>
+        <p:txBody>
+          <a:bodyPr>
+            <a:normAutofit/>
+          </a:bodyPr>
+          <a:lstStyle/>
+          <a:p>
+            <a:pPr marL="0" indent="0">
+              <a:buNone/>
+            </a:pPr>
+            <a:r>
+              <a:rPr lang="ko-KR" altLang="en-US" sz="2400" dirty="0">
+                <a:latin typeface="BusanBada" panose="02000603000000000000" pitchFamily="2" charset="-127"/>
+                <a:ea typeface="BusanBada" panose="02000603000000000000" pitchFamily="2" charset="-127"/>
+                <a:cs typeface="FrankRuehl" panose="020E0503060101010101" pitchFamily="34" charset="-79"/>
+              </a:rPr>
+              <a:t>상태를 가지지 않은 할당자는</a:t>
+            </a:r>
+            <a:r>
+              <a:rPr lang="en-US" altLang="ko-KR" sz="2400" dirty="0">
+                <a:latin typeface="BusanBada" panose="02000603000000000000" pitchFamily="2" charset="-127"/>
+                <a:ea typeface="BusanBada" panose="02000603000000000000" pitchFamily="2" charset="-127"/>
+                <a:cs typeface="FrankRuehl" panose="020E0503060101010101" pitchFamily="34" charset="-79"/>
+              </a:rPr>
+              <a:t> </a:t>
+            </a:r>
+            <a:r>
+              <a:rPr lang="ko-KR" altLang="en-US" sz="2400" dirty="0">
+                <a:latin typeface="BusanBada" panose="02000603000000000000" pitchFamily="2" charset="-127"/>
+                <a:ea typeface="BusanBada" panose="02000603000000000000" pitchFamily="2" charset="-127"/>
+                <a:cs typeface="FrankRuehl" panose="020E0503060101010101" pitchFamily="34" charset="-79"/>
+              </a:rPr>
+              <a:t>몇 가지 매력적인 속성을 가지고 있음</a:t>
+            </a:r>
+            <a:r>
+              <a:rPr lang="en-US" altLang="ko-KR" sz="2400" dirty="0">
+                <a:latin typeface="BusanBada" panose="02000603000000000000" pitchFamily="2" charset="-127"/>
+                <a:ea typeface="BusanBada" panose="02000603000000000000" pitchFamily="2" charset="-127"/>
+                <a:cs typeface="FrankRuehl" panose="020E0503060101010101" pitchFamily="34" charset="-79"/>
+              </a:rPr>
+              <a:t>.</a:t>
+            </a:r>
+          </a:p>
+          <a:p>
+            <a:pPr marL="457200" lvl="1" indent="0">
+              <a:buNone/>
+            </a:pPr>
+            <a:r>
+              <a:rPr lang="en-US" altLang="ko-KR" dirty="0">
+                <a:latin typeface="BusanBada" panose="02000603000000000000" pitchFamily="2" charset="-127"/>
+                <a:ea typeface="BusanBada" panose="02000603000000000000" pitchFamily="2" charset="-127"/>
+                <a:cs typeface="FrankRuehl" panose="020E0503060101010101" pitchFamily="34" charset="-79"/>
+              </a:rPr>
+              <a:t>1. </a:t>
+            </a:r>
+            <a:r>
+              <a:rPr lang="ko-KR" altLang="en-US" dirty="0">
+                <a:latin typeface="BusanBada" panose="02000603000000000000" pitchFamily="2" charset="-127"/>
+                <a:ea typeface="BusanBada" panose="02000603000000000000" pitchFamily="2" charset="-127"/>
+                <a:cs typeface="FrankRuehl" panose="020E0503060101010101" pitchFamily="34" charset="-79"/>
+              </a:rPr>
+              <a:t>기본 생성자를 가짐</a:t>
+            </a:r>
+            <a:r>
+              <a:rPr lang="en-US" altLang="ko-KR" dirty="0">
+                <a:latin typeface="BusanBada" panose="02000603000000000000" pitchFamily="2" charset="-127"/>
+                <a:ea typeface="BusanBada" panose="02000603000000000000" pitchFamily="2" charset="-127"/>
+                <a:cs typeface="FrankRuehl" panose="020E0503060101010101" pitchFamily="34" charset="-79"/>
+              </a:rPr>
+              <a:t>.</a:t>
+            </a:r>
+          </a:p>
+          <a:p>
+            <a:pPr marL="457200" lvl="1" indent="0">
+              <a:buNone/>
+            </a:pPr>
+            <a:r>
+              <a:rPr lang="en-US" altLang="ko-KR" dirty="0">
+                <a:latin typeface="BusanBada" panose="02000603000000000000" pitchFamily="2" charset="-127"/>
+                <a:ea typeface="BusanBada" panose="02000603000000000000" pitchFamily="2" charset="-127"/>
+                <a:cs typeface="FrankRuehl" panose="020E0503060101010101" pitchFamily="34" charset="-79"/>
+              </a:rPr>
+              <a:t>2. </a:t>
+            </a:r>
+            <a:r>
+              <a:rPr lang="ko-KR" altLang="en-US" dirty="0">
+                <a:latin typeface="BusanBada" panose="02000603000000000000" pitchFamily="2" charset="-127"/>
+                <a:ea typeface="BusanBada" panose="02000603000000000000" pitchFamily="2" charset="-127"/>
+                <a:cs typeface="FrankRuehl" panose="020E0503060101010101" pitchFamily="34" charset="-79"/>
+              </a:rPr>
+              <a:t>컨테이너 클래스의 크기를 증가시키지 않음 </a:t>
+            </a:r>
+            <a:r>
+              <a:rPr lang="en-US" altLang="ko-KR" dirty="0">
+                <a:latin typeface="FrankRuehl" panose="020E0503060101010101" pitchFamily="34" charset="-79"/>
+                <a:ea typeface="BusanBada" panose="02000603000000000000" pitchFamily="2" charset="-127"/>
+                <a:cs typeface="FrankRuehl" panose="020E0503060101010101" pitchFamily="34" charset="-79"/>
+              </a:rPr>
+              <a:t>( zero-byte</a:t>
+            </a:r>
+            <a:r>
+              <a:rPr lang="ko-KR" altLang="en-US" dirty="0">
+                <a:latin typeface="FrankRuehl" panose="020E0503060101010101" pitchFamily="34" charset="-79"/>
+                <a:ea typeface="BusanBada" panose="02000603000000000000" pitchFamily="2" charset="-127"/>
+                <a:cs typeface="FrankRuehl" panose="020E0503060101010101" pitchFamily="34" charset="-79"/>
+              </a:rPr>
+              <a:t> </a:t>
+            </a:r>
+            <a:r>
+              <a:rPr lang="en-US" altLang="ko-KR" dirty="0">
+                <a:latin typeface="FrankRuehl" panose="020E0503060101010101" pitchFamily="34" charset="-79"/>
+                <a:ea typeface="BusanBada" panose="02000603000000000000" pitchFamily="2" charset="-127"/>
+                <a:cs typeface="FrankRuehl" panose="020E0503060101010101" pitchFamily="34" charset="-79"/>
+              </a:rPr>
+              <a:t>base</a:t>
+            </a:r>
+            <a:r>
+              <a:rPr lang="ko-KR" altLang="en-US" dirty="0">
+                <a:latin typeface="FrankRuehl" panose="020E0503060101010101" pitchFamily="34" charset="-79"/>
+                <a:ea typeface="BusanBada" panose="02000603000000000000" pitchFamily="2" charset="-127"/>
+                <a:cs typeface="FrankRuehl" panose="020E0503060101010101" pitchFamily="34" charset="-79"/>
+              </a:rPr>
+              <a:t> </a:t>
+            </a:r>
+            <a:r>
+              <a:rPr lang="en-US" altLang="ko-KR" dirty="0">
+                <a:latin typeface="FrankRuehl" panose="020E0503060101010101" pitchFamily="34" charset="-79"/>
+                <a:ea typeface="BusanBada" panose="02000603000000000000" pitchFamily="2" charset="-127"/>
+                <a:cs typeface="FrankRuehl" panose="020E0503060101010101" pitchFamily="34" charset="-79"/>
+              </a:rPr>
+              <a:t>class )</a:t>
+            </a:r>
+          </a:p>
+          <a:p>
+            <a:pPr marL="457200" lvl="1" indent="0">
+              <a:buNone/>
+            </a:pPr>
+            <a:r>
+              <a:rPr lang="en-US" altLang="ko-KR" dirty="0">
+                <a:latin typeface="BusanBada" panose="02000603000000000000" pitchFamily="2" charset="-127"/>
+                <a:ea typeface="BusanBada" panose="02000603000000000000" pitchFamily="2" charset="-127"/>
+                <a:cs typeface="FrankRuehl" panose="020E0503060101010101" pitchFamily="34" charset="-79"/>
+              </a:rPr>
+              <a:t>3. </a:t>
+            </a:r>
+            <a:r>
+              <a:rPr lang="ko-KR" altLang="en-US" dirty="0">
+                <a:latin typeface="BusanBada" panose="02000603000000000000" pitchFamily="2" charset="-127"/>
+                <a:ea typeface="BusanBada" panose="02000603000000000000" pitchFamily="2" charset="-127"/>
+                <a:cs typeface="FrankRuehl" panose="020E0503060101010101" pitchFamily="34" charset="-79"/>
+              </a:rPr>
+              <a:t>서로 간에 구별이 없음</a:t>
+            </a:r>
+            <a:r>
+              <a:rPr lang="en-US" altLang="ko-KR" dirty="0">
+                <a:latin typeface="BusanBada" panose="02000603000000000000" pitchFamily="2" charset="-127"/>
+                <a:ea typeface="BusanBada" panose="02000603000000000000" pitchFamily="2" charset="-127"/>
+                <a:cs typeface="FrankRuehl" panose="020E0503060101010101" pitchFamily="34" charset="-79"/>
+              </a:rPr>
+              <a:t>. </a:t>
+            </a:r>
+            <a:r>
+              <a:rPr lang="ko-KR" altLang="en-US" dirty="0">
+                <a:latin typeface="BusanBada" panose="02000603000000000000" pitchFamily="2" charset="-127"/>
+                <a:ea typeface="BusanBada" panose="02000603000000000000" pitchFamily="2" charset="-127"/>
+                <a:cs typeface="FrankRuehl" panose="020E0503060101010101" pitchFamily="34" charset="-79"/>
+              </a:rPr>
+              <a:t>어떤 할당자에서 할당한 메모리를 다른 할당자에서 해제할 수 있음</a:t>
+            </a:r>
+            <a:r>
+              <a:rPr lang="en-US" altLang="ko-KR" dirty="0">
+                <a:latin typeface="BusanBada" panose="02000603000000000000" pitchFamily="2" charset="-127"/>
+                <a:ea typeface="BusanBada" panose="02000603000000000000" pitchFamily="2" charset="-127"/>
+                <a:cs typeface="FrankRuehl" panose="020E0503060101010101" pitchFamily="34" charset="-79"/>
+              </a:rPr>
+              <a:t>.</a:t>
+            </a:r>
+            <a:r>
+              <a:rPr lang="ko-KR" altLang="en-US" dirty="0">
+                <a:latin typeface="BusanBada" panose="02000603000000000000" pitchFamily="2" charset="-127"/>
+                <a:ea typeface="BusanBada" panose="02000603000000000000" pitchFamily="2" charset="-127"/>
+                <a:cs typeface="FrankRuehl" panose="020E0503060101010101" pitchFamily="34" charset="-79"/>
+              </a:rPr>
+              <a:t> 즉 </a:t>
+            </a:r>
+            <a:r>
+              <a:rPr lang="en-US" altLang="ko-KR" dirty="0">
+                <a:latin typeface="FrankRuehl" panose="020E0503060101010101" pitchFamily="34" charset="-79"/>
+                <a:ea typeface="BusanBada" panose="02000603000000000000" pitchFamily="2" charset="-127"/>
+                <a:cs typeface="FrankRuehl" panose="020E0503060101010101" pitchFamily="34" charset="-79"/>
+              </a:rPr>
+              <a:t>AllocX&lt;T&gt;</a:t>
+            </a:r>
+            <a:r>
+              <a:rPr lang="ko-KR" altLang="en-US" dirty="0">
+                <a:latin typeface="BusanBada" panose="02000603000000000000" pitchFamily="2" charset="-127"/>
+                <a:ea typeface="BusanBada" panose="02000603000000000000" pitchFamily="2" charset="-127"/>
+                <a:cs typeface="FrankRuehl" panose="020E0503060101010101" pitchFamily="34" charset="-79"/>
+              </a:rPr>
+              <a:t>와 </a:t>
+            </a:r>
+            <a:r>
+              <a:rPr lang="en-US" altLang="ko-KR" dirty="0">
+                <a:latin typeface="FrankRuehl" panose="020E0503060101010101" pitchFamily="34" charset="-79"/>
+                <a:ea typeface="BusanBada" panose="02000603000000000000" pitchFamily="2" charset="-127"/>
+                <a:cs typeface="FrankRuehl" panose="020E0503060101010101" pitchFamily="34" charset="-79"/>
+              </a:rPr>
+              <a:t>AllocX&lt;U&gt;</a:t>
+            </a:r>
+            <a:r>
+              <a:rPr lang="ko-KR" altLang="en-US" dirty="0">
+                <a:latin typeface="BusanBada" panose="02000603000000000000" pitchFamily="2" charset="-127"/>
+                <a:ea typeface="BusanBada" panose="02000603000000000000" pitchFamily="2" charset="-127"/>
+                <a:cs typeface="FrankRuehl" panose="020E0503060101010101" pitchFamily="34" charset="-79"/>
+              </a:rPr>
+              <a:t>는 같음</a:t>
+            </a:r>
+            <a:r>
+              <a:rPr lang="en-US" altLang="ko-KR" dirty="0">
+                <a:latin typeface="BusanBada" panose="02000603000000000000" pitchFamily="2" charset="-127"/>
+                <a:ea typeface="BusanBada" panose="02000603000000000000" pitchFamily="2" charset="-127"/>
+                <a:cs typeface="FrankRuehl" panose="020E0503060101010101" pitchFamily="34" charset="-79"/>
+              </a:rPr>
+              <a:t>.</a:t>
+            </a:r>
+          </a:p>
+          <a:p>
+            <a:pPr marL="0" indent="0">
+              <a:buNone/>
+            </a:pPr>
+            <a:endParaRPr lang="en-US" altLang="ko-KR" sz="2400" dirty="0">
+              <a:latin typeface="BusanBada" panose="02000603000000000000" pitchFamily="2" charset="-127"/>
+              <a:ea typeface="BusanBada" panose="02000603000000000000" pitchFamily="2" charset="-127"/>
+              <a:cs typeface="FrankRuehl" panose="020E0503060101010101" pitchFamily="34" charset="-79"/>
+            </a:endParaRPr>
+          </a:p>
+          <a:p>
+            <a:pPr marL="0" indent="0">
+              <a:buNone/>
+            </a:pPr>
+            <a:r>
+              <a:rPr lang="ko-KR" altLang="en-US" sz="2400" dirty="0">
+                <a:latin typeface="BusanBada" panose="02000603000000000000" pitchFamily="2" charset="-127"/>
+                <a:ea typeface="BusanBada" panose="02000603000000000000" pitchFamily="2" charset="-127"/>
+                <a:cs typeface="FrankRuehl" panose="020E0503060101010101" pitchFamily="34" charset="-79"/>
+              </a:rPr>
+              <a:t>다만 모든 할당자가 같은 메모리 매니저로부터 메모리를 가져와야 함으로 </a:t>
+            </a:r>
+            <a:br>
+              <a:rPr lang="en-US" altLang="ko-KR" sz="2400" dirty="0">
+                <a:latin typeface="BusanBada" panose="02000603000000000000" pitchFamily="2" charset="-127"/>
+                <a:ea typeface="BusanBada" panose="02000603000000000000" pitchFamily="2" charset="-127"/>
+                <a:cs typeface="FrankRuehl" panose="020E0503060101010101" pitchFamily="34" charset="-79"/>
+              </a:rPr>
+            </a:br>
+            <a:r>
+              <a:rPr lang="ko-KR" altLang="en-US" sz="2400" dirty="0">
+                <a:latin typeface="BusanBada" panose="02000603000000000000" pitchFamily="2" charset="-127"/>
+                <a:ea typeface="BusanBada" panose="02000603000000000000" pitchFamily="2" charset="-127"/>
+                <a:cs typeface="FrankRuehl" panose="020E0503060101010101" pitchFamily="34" charset="-79"/>
+              </a:rPr>
+              <a:t>전역 의존성을 가짐</a:t>
+            </a:r>
+            <a:r>
+              <a:rPr lang="en-US" altLang="ko-KR" sz="2400" dirty="0">
+                <a:latin typeface="BusanBada" panose="02000603000000000000" pitchFamily="2" charset="-127"/>
+                <a:ea typeface="BusanBada" panose="02000603000000000000" pitchFamily="2" charset="-127"/>
+                <a:cs typeface="FrankRuehl" panose="020E0503060101010101" pitchFamily="34" charset="-79"/>
+              </a:rPr>
+              <a:t>.</a:t>
+            </a:r>
+          </a:p>
+        </p:txBody>
+      </p:sp>
+    </p:spTree>
+    <p:extLst>
+      <p:ext uri="{BB962C8B-B14F-4D97-AF65-F5344CB8AC3E}">
+        <p14:creationId xmlns:p14="http://schemas.microsoft.com/office/powerpoint/2010/main" val="1444747569"/>
+      </p:ext>
+    </p:extLst>
+  </p:cSld>
+  <p:clrMapOvr>
+    <a:masterClrMapping/>
+  </p:clrMapOvr>
+</p:sld>
+</file>
+
+<file path=ppt/slides/slide38.xml><?xml version="1.0" encoding="utf-8"?>
+<p:sld xmlns:a="http://schemas.openxmlformats.org/drawingml/2006/main" xmlns:r="http://schemas.openxmlformats.org/officeDocument/2006/relationships" xmlns:p="http://schemas.openxmlformats.org/presentationml/2006/main">
+  <p:cSld>
+    <p:spTree>
+      <p:nvGrpSpPr>
+        <p:cNvPr id="1" name=""/>
+        <p:cNvGrpSpPr/>
+        <p:nvPr/>
+      </p:nvGrpSpPr>
+      <p:grpSpPr>
+        <a:xfrm>
+          <a:off x="0" y="0"/>
+          <a:ext cx="0" cy="0"/>
+          <a:chOff x="0" y="0"/>
+          <a:chExt cx="0" cy="0"/>
+        </a:xfrm>
+      </p:grpSpPr>
+      <p:sp>
+        <p:nvSpPr>
+          <p:cNvPr id="2" name="제목 1">
+            <a:extLst>
+              <a:ext uri="{FF2B5EF4-FFF2-40B4-BE49-F238E27FC236}">
+                <a16:creationId xmlns:a16="http://schemas.microsoft.com/office/drawing/2014/main" id="{DE938470-D5B9-47B5-9356-902610971B86}"/>
+              </a:ext>
+            </a:extLst>
+          </p:cNvPr>
+          <p:cNvSpPr>
+            <a:spLocks noGrp="1"/>
+          </p:cNvSpPr>
+          <p:nvPr>
+            <p:ph type="title"/>
+          </p:nvPr>
+        </p:nvSpPr>
+        <p:spPr/>
+        <p:txBody>
+          <a:bodyPr>
+            <a:normAutofit/>
+          </a:bodyPr>
+          <a:lstStyle/>
+          <a:p>
+            <a:r>
+              <a:rPr lang="en-US" altLang="ko-KR" dirty="0">
+                <a:latin typeface="FrankRuehl" panose="020E0503060101010101" pitchFamily="34" charset="-79"/>
+                <a:cs typeface="FrankRuehl" panose="020E0503060101010101" pitchFamily="34" charset="-79"/>
+              </a:rPr>
+              <a:t>Allocator with internal state</a:t>
+            </a:r>
+            <a:endParaRPr lang="ko-KR" altLang="en-US" dirty="0">
+              <a:latin typeface="FrankRuehl" panose="020E0503060101010101" pitchFamily="34" charset="-79"/>
+              <a:cs typeface="FrankRuehl" panose="020E0503060101010101" pitchFamily="34" charset="-79"/>
+            </a:endParaRPr>
+          </a:p>
+        </p:txBody>
+      </p:sp>
+      <p:sp>
+        <p:nvSpPr>
+          <p:cNvPr id="3" name="부제목 2">
+            <a:extLst>
+              <a:ext uri="{FF2B5EF4-FFF2-40B4-BE49-F238E27FC236}">
+                <a16:creationId xmlns:a16="http://schemas.microsoft.com/office/drawing/2014/main" id="{7135E3CC-0384-4CDE-8F1D-C29734627E92}"/>
+              </a:ext>
+            </a:extLst>
+          </p:cNvPr>
+          <p:cNvSpPr>
+            <a:spLocks noGrp="1"/>
+          </p:cNvSpPr>
+          <p:nvPr>
+            <p:ph idx="1"/>
+          </p:nvPr>
+        </p:nvSpPr>
+        <p:spPr>
+          <a:xfrm>
+            <a:off x="838200" y="1825625"/>
+            <a:ext cx="10515600" cy="4351338"/>
+          </a:xfrm>
+        </p:spPr>
+        <p:txBody>
+          <a:bodyPr>
+            <a:normAutofit/>
+          </a:bodyPr>
+          <a:lstStyle/>
+          <a:p>
+            <a:pPr marL="0" indent="0">
+              <a:buNone/>
+            </a:pPr>
+            <a:r>
+              <a:rPr lang="ko-KR" altLang="en-US" sz="2400" dirty="0">
+                <a:latin typeface="BusanBada" panose="02000603000000000000" pitchFamily="2" charset="-127"/>
+                <a:ea typeface="BusanBada" panose="02000603000000000000" pitchFamily="2" charset="-127"/>
+                <a:cs typeface="FrankRuehl" panose="020E0503060101010101" pitchFamily="34" charset="-79"/>
+              </a:rPr>
+              <a:t>상태를 가지는 할당자는 다음과 같은 이유로 만들고 사용하기에 좀 더 복잡함</a:t>
+            </a:r>
+            <a:r>
+              <a:rPr lang="en-US" altLang="ko-KR" sz="2400" dirty="0">
+                <a:latin typeface="BusanBada" panose="02000603000000000000" pitchFamily="2" charset="-127"/>
+                <a:ea typeface="BusanBada" panose="02000603000000000000" pitchFamily="2" charset="-127"/>
+                <a:cs typeface="FrankRuehl" panose="020E0503060101010101" pitchFamily="34" charset="-79"/>
+              </a:rPr>
+              <a:t>.</a:t>
+            </a:r>
+          </a:p>
+          <a:p>
+            <a:pPr marL="457200" lvl="1" indent="0">
+              <a:buNone/>
+            </a:pPr>
+            <a:r>
+              <a:rPr lang="en-US" altLang="ko-KR" dirty="0">
+                <a:latin typeface="BusanBada" panose="02000603000000000000" pitchFamily="2" charset="-127"/>
+                <a:ea typeface="BusanBada" panose="02000603000000000000" pitchFamily="2" charset="-127"/>
+                <a:cs typeface="FrankRuehl" panose="020E0503060101010101" pitchFamily="34" charset="-79"/>
+              </a:rPr>
+              <a:t>1. </a:t>
+            </a:r>
+            <a:r>
+              <a:rPr lang="ko-KR" altLang="en-US" dirty="0">
+                <a:latin typeface="BusanBada" panose="02000603000000000000" pitchFamily="2" charset="-127"/>
+                <a:ea typeface="BusanBada" panose="02000603000000000000" pitchFamily="2" charset="-127"/>
+                <a:cs typeface="FrankRuehl" panose="020E0503060101010101" pitchFamily="34" charset="-79"/>
+              </a:rPr>
+              <a:t>대부분의 경우</a:t>
+            </a:r>
+            <a:r>
+              <a:rPr lang="en-US" altLang="ko-KR" dirty="0">
+                <a:latin typeface="BusanBada" panose="02000603000000000000" pitchFamily="2" charset="-127"/>
+                <a:ea typeface="BusanBada" panose="02000603000000000000" pitchFamily="2" charset="-127"/>
+                <a:cs typeface="FrankRuehl" panose="020E0503060101010101" pitchFamily="34" charset="-79"/>
+              </a:rPr>
+              <a:t> </a:t>
+            </a:r>
+            <a:r>
+              <a:rPr lang="ko-KR" altLang="en-US" dirty="0">
+                <a:latin typeface="BusanBada" panose="02000603000000000000" pitchFamily="2" charset="-127"/>
+                <a:ea typeface="BusanBada" panose="02000603000000000000" pitchFamily="2" charset="-127"/>
+                <a:cs typeface="FrankRuehl" panose="020E0503060101010101" pitchFamily="34" charset="-79"/>
+              </a:rPr>
+              <a:t>기본 생성자를 통해 생성할 수 없음</a:t>
+            </a:r>
+            <a:r>
+              <a:rPr lang="en-US" altLang="ko-KR" dirty="0">
+                <a:latin typeface="BusanBada" panose="02000603000000000000" pitchFamily="2" charset="-127"/>
+                <a:ea typeface="BusanBada" panose="02000603000000000000" pitchFamily="2" charset="-127"/>
+                <a:cs typeface="FrankRuehl" panose="020E0503060101010101" pitchFamily="34" charset="-79"/>
+              </a:rPr>
+              <a:t>.</a:t>
+            </a:r>
+          </a:p>
+          <a:p>
+            <a:pPr marL="457200" lvl="1" indent="0">
+              <a:buNone/>
+            </a:pPr>
+            <a:r>
+              <a:rPr lang="en-US" altLang="ko-KR" dirty="0">
+                <a:latin typeface="BusanBada" panose="02000603000000000000" pitchFamily="2" charset="-127"/>
+                <a:ea typeface="BusanBada" panose="02000603000000000000" pitchFamily="2" charset="-127"/>
+                <a:cs typeface="FrankRuehl" panose="020E0503060101010101" pitchFamily="34" charset="-79"/>
+              </a:rPr>
+              <a:t>2. </a:t>
+            </a:r>
+            <a:r>
+              <a:rPr lang="ko-KR" altLang="en-US" dirty="0">
+                <a:latin typeface="BusanBada" panose="02000603000000000000" pitchFamily="2" charset="-127"/>
+                <a:ea typeface="BusanBada" panose="02000603000000000000" pitchFamily="2" charset="-127"/>
+                <a:cs typeface="FrankRuehl" panose="020E0503060101010101" pitchFamily="34" charset="-79"/>
+              </a:rPr>
+              <a:t>할당자의 상태를 모든 변수에 저장해서 크기가 증가함</a:t>
+            </a:r>
+            <a:r>
+              <a:rPr lang="en-US" altLang="ko-KR" dirty="0">
+                <a:latin typeface="BusanBada" panose="02000603000000000000" pitchFamily="2" charset="-127"/>
+                <a:ea typeface="BusanBada" panose="02000603000000000000" pitchFamily="2" charset="-127"/>
+                <a:cs typeface="FrankRuehl" panose="020E0503060101010101" pitchFamily="34" charset="-79"/>
+              </a:rPr>
+              <a:t>.</a:t>
+            </a:r>
+          </a:p>
+          <a:p>
+            <a:pPr marL="457200" lvl="1" indent="0">
+              <a:buNone/>
+            </a:pPr>
+            <a:r>
+              <a:rPr lang="en-US" altLang="ko-KR" dirty="0">
+                <a:latin typeface="BusanBada" panose="02000603000000000000" pitchFamily="2" charset="-127"/>
+                <a:ea typeface="BusanBada" panose="02000603000000000000" pitchFamily="2" charset="-127"/>
+                <a:cs typeface="FrankRuehl" panose="020E0503060101010101" pitchFamily="34" charset="-79"/>
+              </a:rPr>
+              <a:t>3. </a:t>
+            </a:r>
+            <a:r>
+              <a:rPr lang="ko-KR" altLang="en-US" dirty="0">
+                <a:latin typeface="BusanBada" panose="02000603000000000000" pitchFamily="2" charset="-127"/>
+                <a:ea typeface="BusanBada" panose="02000603000000000000" pitchFamily="2" charset="-127"/>
+                <a:cs typeface="FrankRuehl" panose="020E0503060101010101" pitchFamily="34" charset="-79"/>
+              </a:rPr>
+              <a:t>같은 타입의 할당자를 비교했을 때 같지 않을 수 있음</a:t>
+            </a:r>
+            <a:r>
+              <a:rPr lang="en-US" altLang="ko-KR" dirty="0">
+                <a:latin typeface="BusanBada" panose="02000603000000000000" pitchFamily="2" charset="-127"/>
+                <a:ea typeface="BusanBada" panose="02000603000000000000" pitchFamily="2" charset="-127"/>
+                <a:cs typeface="FrankRuehl" panose="020E0503060101010101" pitchFamily="34" charset="-79"/>
+              </a:rPr>
+              <a:t>.</a:t>
+            </a:r>
+          </a:p>
+          <a:p>
+            <a:pPr marL="0" indent="0">
+              <a:buNone/>
+            </a:pPr>
+            <a:endParaRPr lang="en-US" altLang="ko-KR" sz="2400" dirty="0">
+              <a:latin typeface="BusanBada" panose="02000603000000000000" pitchFamily="2" charset="-127"/>
+              <a:ea typeface="BusanBada" panose="02000603000000000000" pitchFamily="2" charset="-127"/>
+              <a:cs typeface="FrankRuehl" panose="020E0503060101010101" pitchFamily="34" charset="-79"/>
+            </a:endParaRPr>
+          </a:p>
+          <a:p>
+            <a:pPr marL="0" indent="0">
+              <a:buNone/>
+            </a:pPr>
+            <a:r>
+              <a:rPr lang="ko-KR" altLang="en-US" sz="2400" dirty="0">
+                <a:latin typeface="BusanBada" panose="02000603000000000000" pitchFamily="2" charset="-127"/>
+                <a:ea typeface="BusanBada" panose="02000603000000000000" pitchFamily="2" charset="-127"/>
+                <a:cs typeface="FrankRuehl" panose="020E0503060101010101" pitchFamily="34" charset="-79"/>
+              </a:rPr>
+              <a:t>다만 다양한 목적을 위한 여러 크기의 메모리를 쉽게 생성할 수 있음</a:t>
+            </a:r>
+            <a:r>
+              <a:rPr lang="en-US" altLang="ko-KR" sz="2400" dirty="0">
+                <a:latin typeface="BusanBada" panose="02000603000000000000" pitchFamily="2" charset="-127"/>
+                <a:ea typeface="BusanBada" panose="02000603000000000000" pitchFamily="2" charset="-127"/>
+                <a:cs typeface="FrankRuehl" panose="020E0503060101010101" pitchFamily="34" charset="-79"/>
+              </a:rPr>
+              <a:t>. </a:t>
+            </a:r>
+            <a:r>
+              <a:rPr lang="ko-KR" altLang="en-US" sz="2400" dirty="0">
+                <a:latin typeface="BusanBada" panose="02000603000000000000" pitchFamily="2" charset="-127"/>
+                <a:ea typeface="BusanBada" panose="02000603000000000000" pitchFamily="2" charset="-127"/>
+                <a:cs typeface="FrankRuehl" panose="020E0503060101010101" pitchFamily="34" charset="-79"/>
+              </a:rPr>
+              <a:t>유연함</a:t>
+            </a:r>
+            <a:r>
+              <a:rPr lang="en-US" altLang="ko-KR" sz="2400" dirty="0">
+                <a:latin typeface="BusanBada" panose="02000603000000000000" pitchFamily="2" charset="-127"/>
+                <a:ea typeface="BusanBada" panose="02000603000000000000" pitchFamily="2" charset="-127"/>
+                <a:cs typeface="FrankRuehl" panose="020E0503060101010101" pitchFamily="34" charset="-79"/>
+              </a:rPr>
+              <a:t>.</a:t>
+            </a:r>
+          </a:p>
+        </p:txBody>
+      </p:sp>
+    </p:spTree>
+    <p:extLst>
+      <p:ext uri="{BB962C8B-B14F-4D97-AF65-F5344CB8AC3E}">
+        <p14:creationId xmlns:p14="http://schemas.microsoft.com/office/powerpoint/2010/main" val="3072994121"/>
+      </p:ext>
+    </p:extLst>
+  </p:cSld>
+  <p:clrMapOvr>
+    <a:masterClrMapping/>
+  </p:clrMapOvr>
+</p:sld>
+</file>
+
+<file path=ppt/slides/slide39.xml><?xml version="1.0" encoding="utf-8"?>
+<p:sld xmlns:a="http://schemas.openxmlformats.org/drawingml/2006/main" xmlns:r="http://schemas.openxmlformats.org/officeDocument/2006/relationships" xmlns:p="http://schemas.openxmlformats.org/presentationml/2006/main">
+  <p:cSld>
+    <p:spTree>
+      <p:nvGrpSpPr>
+        <p:cNvPr id="1" name=""/>
+        <p:cNvGrpSpPr/>
+        <p:nvPr/>
+      </p:nvGrpSpPr>
+      <p:grpSpPr>
+        <a:xfrm>
+          <a:off x="0" y="0"/>
+          <a:ext cx="0" cy="0"/>
+          <a:chOff x="0" y="0"/>
+          <a:chExt cx="0" cy="0"/>
+        </a:xfrm>
+      </p:grpSpPr>
+      <p:sp>
+        <p:nvSpPr>
+          <p:cNvPr id="2" name="제목 1">
+            <a:extLst>
+              <a:ext uri="{FF2B5EF4-FFF2-40B4-BE49-F238E27FC236}">
+                <a16:creationId xmlns:a16="http://schemas.microsoft.com/office/drawing/2014/main" id="{DE938470-D5B9-47B5-9356-902610971B86}"/>
+              </a:ext>
+            </a:extLst>
+          </p:cNvPr>
+          <p:cNvSpPr>
+            <a:spLocks noGrp="1"/>
+          </p:cNvSpPr>
+          <p:nvPr>
+            <p:ph type="title"/>
+          </p:nvPr>
+        </p:nvSpPr>
+        <p:spPr/>
+        <p:txBody>
+          <a:bodyPr>
+            <a:normAutofit/>
+          </a:bodyPr>
+          <a:lstStyle/>
+          <a:p>
+            <a:r>
+              <a:rPr lang="en-US" altLang="ko-KR" dirty="0">
+                <a:latin typeface="FrankRuehl" panose="020E0503060101010101" pitchFamily="34" charset="-79"/>
+                <a:cs typeface="FrankRuehl" panose="020E0503060101010101" pitchFamily="34" charset="-79"/>
+              </a:rPr>
+              <a:t>Minimal</a:t>
+            </a:r>
+            <a:r>
+              <a:rPr lang="ko-KR" altLang="en-US" dirty="0">
+                <a:latin typeface="FrankRuehl" panose="020E0503060101010101" pitchFamily="34" charset="-79"/>
+                <a:cs typeface="FrankRuehl" panose="020E0503060101010101" pitchFamily="34" charset="-79"/>
+              </a:rPr>
+              <a:t> </a:t>
+            </a:r>
+            <a:r>
+              <a:rPr lang="en-US" altLang="ko-KR" dirty="0">
+                <a:latin typeface="FrankRuehl" panose="020E0503060101010101" pitchFamily="34" charset="-79"/>
+                <a:cs typeface="FrankRuehl" panose="020E0503060101010101" pitchFamily="34" charset="-79"/>
+              </a:rPr>
+              <a:t>C++11</a:t>
+            </a:r>
+            <a:r>
+              <a:rPr lang="ko-KR" altLang="en-US" dirty="0">
+                <a:latin typeface="FrankRuehl" panose="020E0503060101010101" pitchFamily="34" charset="-79"/>
+                <a:cs typeface="FrankRuehl" panose="020E0503060101010101" pitchFamily="34" charset="-79"/>
+              </a:rPr>
+              <a:t> </a:t>
+            </a:r>
+            <a:r>
+              <a:rPr lang="en-US" altLang="ko-KR" dirty="0">
+                <a:latin typeface="FrankRuehl" panose="020E0503060101010101" pitchFamily="34" charset="-79"/>
+                <a:cs typeface="FrankRuehl" panose="020E0503060101010101" pitchFamily="34" charset="-79"/>
+              </a:rPr>
+              <a:t>Allocator</a:t>
+            </a:r>
+            <a:endParaRPr lang="ko-KR" altLang="en-US" dirty="0">
+              <a:latin typeface="FrankRuehl" panose="020E0503060101010101" pitchFamily="34" charset="-79"/>
+              <a:cs typeface="FrankRuehl" panose="020E0503060101010101" pitchFamily="34" charset="-79"/>
+            </a:endParaRPr>
+          </a:p>
+        </p:txBody>
+      </p:sp>
+      <p:sp>
+        <p:nvSpPr>
+          <p:cNvPr id="3" name="부제목 2">
+            <a:extLst>
+              <a:ext uri="{FF2B5EF4-FFF2-40B4-BE49-F238E27FC236}">
+                <a16:creationId xmlns:a16="http://schemas.microsoft.com/office/drawing/2014/main" id="{7135E3CC-0384-4CDE-8F1D-C29734627E92}"/>
+              </a:ext>
+            </a:extLst>
+          </p:cNvPr>
+          <p:cNvSpPr>
+            <a:spLocks noGrp="1"/>
+          </p:cNvSpPr>
+          <p:nvPr>
+            <p:ph idx="1"/>
+          </p:nvPr>
+        </p:nvSpPr>
+        <p:spPr>
+          <a:xfrm>
+            <a:off x="838200" y="1825625"/>
+            <a:ext cx="10515600" cy="4351338"/>
+          </a:xfrm>
+        </p:spPr>
+        <p:txBody>
+          <a:bodyPr>
+            <a:normAutofit/>
+          </a:bodyPr>
+          <a:lstStyle/>
+          <a:p>
+            <a:pPr marL="0" indent="0">
+              <a:buNone/>
+            </a:pPr>
+            <a:endParaRPr lang="en-US" altLang="ko-KR" sz="2400" dirty="0">
+              <a:latin typeface="BusanBada" panose="02000603000000000000" pitchFamily="2" charset="-127"/>
+              <a:ea typeface="BusanBada" panose="02000603000000000000" pitchFamily="2" charset="-127"/>
+              <a:cs typeface="FrankRuehl" panose="020E0503060101010101" pitchFamily="34" charset="-79"/>
+            </a:endParaRPr>
+          </a:p>
+        </p:txBody>
+      </p:sp>
+    </p:spTree>
+    <p:extLst>
+      <p:ext uri="{BB962C8B-B14F-4D97-AF65-F5344CB8AC3E}">
+        <p14:creationId xmlns:p14="http://schemas.microsoft.com/office/powerpoint/2010/main" val="3689640806"/>
       </p:ext>
     </p:extLst>
   </p:cSld>
@@ -22711,6 +24196,190 @@
     <p:extLst>
       <p:ext uri="{BB962C8B-B14F-4D97-AF65-F5344CB8AC3E}">
         <p14:creationId xmlns:p14="http://schemas.microsoft.com/office/powerpoint/2010/main" val="3713346454"/>
+      </p:ext>
+    </p:extLst>
+  </p:cSld>
+  <p:clrMapOvr>
+    <a:masterClrMapping/>
+  </p:clrMapOvr>
+</p:sld>
+</file>
+
+<file path=ppt/slides/slide40.xml><?xml version="1.0" encoding="utf-8"?>
+<p:sld xmlns:a="http://schemas.openxmlformats.org/drawingml/2006/main" xmlns:r="http://schemas.openxmlformats.org/officeDocument/2006/relationships" xmlns:p="http://schemas.openxmlformats.org/presentationml/2006/main">
+  <p:cSld>
+    <p:spTree>
+      <p:nvGrpSpPr>
+        <p:cNvPr id="1" name=""/>
+        <p:cNvGrpSpPr/>
+        <p:nvPr/>
+      </p:nvGrpSpPr>
+      <p:grpSpPr>
+        <a:xfrm>
+          <a:off x="0" y="0"/>
+          <a:ext cx="0" cy="0"/>
+          <a:chOff x="0" y="0"/>
+          <a:chExt cx="0" cy="0"/>
+        </a:xfrm>
+      </p:grpSpPr>
+      <p:sp>
+        <p:nvSpPr>
+          <p:cNvPr id="2" name="제목 1">
+            <a:extLst>
+              <a:ext uri="{FF2B5EF4-FFF2-40B4-BE49-F238E27FC236}">
+                <a16:creationId xmlns:a16="http://schemas.microsoft.com/office/drawing/2014/main" id="{DE938470-D5B9-47B5-9356-902610971B86}"/>
+              </a:ext>
+            </a:extLst>
+          </p:cNvPr>
+          <p:cNvSpPr>
+            <a:spLocks noGrp="1"/>
+          </p:cNvSpPr>
+          <p:nvPr>
+            <p:ph type="title"/>
+          </p:nvPr>
+        </p:nvSpPr>
+        <p:spPr/>
+        <p:txBody>
+          <a:bodyPr/>
+          <a:lstStyle/>
+          <a:p>
+            <a:r>
+              <a:rPr lang="en-US" altLang="ko-KR" dirty="0">
+                <a:latin typeface="FrankRuehl" panose="020E0503060101010101" pitchFamily="34" charset="-79"/>
+                <a:cs typeface="FrankRuehl" panose="020E0503060101010101" pitchFamily="34" charset="-79"/>
+              </a:rPr>
+              <a:t>Reference</a:t>
+            </a:r>
+            <a:endParaRPr lang="ko-KR" altLang="en-US" dirty="0">
+              <a:latin typeface="FrankRuehl" panose="020E0503060101010101" pitchFamily="34" charset="-79"/>
+              <a:cs typeface="FrankRuehl" panose="020E0503060101010101" pitchFamily="34" charset="-79"/>
+            </a:endParaRPr>
+          </a:p>
+        </p:txBody>
+      </p:sp>
+      <p:sp>
+        <p:nvSpPr>
+          <p:cNvPr id="3" name="부제목 2">
+            <a:extLst>
+              <a:ext uri="{FF2B5EF4-FFF2-40B4-BE49-F238E27FC236}">
+                <a16:creationId xmlns:a16="http://schemas.microsoft.com/office/drawing/2014/main" id="{7135E3CC-0384-4CDE-8F1D-C29734627E92}"/>
+              </a:ext>
+            </a:extLst>
+          </p:cNvPr>
+          <p:cNvSpPr>
+            <a:spLocks noGrp="1"/>
+          </p:cNvSpPr>
+          <p:nvPr>
+            <p:ph idx="1"/>
+          </p:nvPr>
+        </p:nvSpPr>
+        <p:spPr>
+          <a:xfrm>
+            <a:off x="838200" y="1825625"/>
+            <a:ext cx="10515600" cy="4351338"/>
+          </a:xfrm>
+        </p:spPr>
+        <p:txBody>
+          <a:bodyPr>
+            <a:normAutofit/>
+          </a:bodyPr>
+          <a:lstStyle/>
+          <a:p>
+            <a:r>
+              <a:rPr lang="ko-KR" altLang="en-US" sz="2400" dirty="0">
+                <a:latin typeface="BusanBada" panose="02000603000000000000" pitchFamily="2" charset="-127"/>
+                <a:ea typeface="BusanBada" panose="02000603000000000000" pitchFamily="2" charset="-127"/>
+              </a:rPr>
+              <a:t>실전 윈도우 디버깅 </a:t>
+            </a:r>
+            <a:r>
+              <a:rPr lang="en-US" altLang="ko-KR" sz="2400" dirty="0">
+                <a:latin typeface="BusanBada" panose="02000603000000000000" pitchFamily="2" charset="-127"/>
+                <a:ea typeface="BusanBada" panose="02000603000000000000" pitchFamily="2" charset="-127"/>
+              </a:rPr>
+              <a:t>( </a:t>
+            </a:r>
+            <a:r>
+              <a:rPr lang="ko-KR" altLang="en-US" sz="2400" dirty="0">
+                <a:latin typeface="BusanBada" panose="02000603000000000000" pitchFamily="2" charset="-127"/>
+                <a:ea typeface="BusanBada" panose="02000603000000000000" pitchFamily="2" charset="-127"/>
+              </a:rPr>
+              <a:t>원제</a:t>
+            </a:r>
+            <a:r>
+              <a:rPr lang="en-US" altLang="ko-KR" sz="2400" dirty="0">
+                <a:latin typeface="BusanBada" panose="02000603000000000000" pitchFamily="2" charset="-127"/>
+                <a:ea typeface="BusanBada" panose="02000603000000000000" pitchFamily="2" charset="-127"/>
+              </a:rPr>
+              <a:t>: </a:t>
+            </a:r>
+            <a:r>
+              <a:rPr lang="en-US" altLang="ko-KR" sz="2400" dirty="0">
+                <a:latin typeface="FrankRuehl" panose="020E0503060101010101" pitchFamily="34" charset="-79"/>
+                <a:ea typeface="BusanBada" panose="02000603000000000000" pitchFamily="2" charset="-127"/>
+                <a:cs typeface="FrankRuehl" panose="020E0503060101010101" pitchFamily="34" charset="-79"/>
+              </a:rPr>
+              <a:t>advanced windows debugging </a:t>
+            </a:r>
+            <a:r>
+              <a:rPr lang="en-US" altLang="ko-KR" sz="2400" dirty="0">
+                <a:latin typeface="BusanBada" panose="02000603000000000000" pitchFamily="2" charset="-127"/>
+                <a:ea typeface="BusanBada" panose="02000603000000000000" pitchFamily="2" charset="-127"/>
+              </a:rPr>
+              <a:t>)</a:t>
+            </a:r>
+          </a:p>
+          <a:p>
+            <a:r>
+              <a:rPr lang="en-US" altLang="ko-KR" sz="2400" dirty="0">
+                <a:latin typeface="FrankRuehl" panose="020E0503060101010101" pitchFamily="34" charset="-79"/>
+                <a:ea typeface="BusanBada" panose="02000603000000000000" pitchFamily="2" charset="-127"/>
+                <a:cs typeface="FrankRuehl" panose="020E0503060101010101" pitchFamily="34" charset="-79"/>
+                <a:hlinkClick r:id="rId2"/>
+              </a:rPr>
+              <a:t>WINDOWS 10 SEGMENT HEAP INTERNALS</a:t>
+            </a:r>
+            <a:endParaRPr lang="en-US" altLang="ko-KR" sz="2400" dirty="0">
+              <a:latin typeface="FrankRuehl" panose="020E0503060101010101" pitchFamily="34" charset="-79"/>
+              <a:ea typeface="BusanBada" panose="02000603000000000000" pitchFamily="2" charset="-127"/>
+              <a:cs typeface="FrankRuehl" panose="020E0503060101010101" pitchFamily="34" charset="-79"/>
+            </a:endParaRPr>
+          </a:p>
+          <a:p>
+            <a:r>
+              <a:rPr lang="en-US" altLang="ko-KR" sz="2400" dirty="0">
+                <a:latin typeface="FrankRuehl" panose="020E0503060101010101" pitchFamily="34" charset="-79"/>
+                <a:ea typeface="BusanBada" panose="02000603000000000000" pitchFamily="2" charset="-127"/>
+                <a:cs typeface="FrankRuehl" panose="020E0503060101010101" pitchFamily="34" charset="-79"/>
+                <a:hlinkClick r:id="rId3"/>
+              </a:rPr>
+              <a:t>Jemalloc Manual Page</a:t>
+            </a:r>
+            <a:endParaRPr lang="en-US" altLang="ko-KR" sz="2400" dirty="0">
+              <a:latin typeface="FrankRuehl" panose="020E0503060101010101" pitchFamily="34" charset="-79"/>
+              <a:ea typeface="BusanBada" panose="02000603000000000000" pitchFamily="2" charset="-127"/>
+              <a:cs typeface="FrankRuehl" panose="020E0503060101010101" pitchFamily="34" charset="-79"/>
+            </a:endParaRPr>
+          </a:p>
+          <a:p>
+            <a:r>
+              <a:rPr lang="en-US" altLang="ko-KR" sz="2400" dirty="0">
+                <a:hlinkClick r:id="rId4"/>
+              </a:rPr>
+              <a:t>Exploiting the jemalloc Memory Allocator: Owning Firefox's Heap</a:t>
+            </a:r>
+            <a:endParaRPr lang="ko-KR" altLang="en-US" sz="2400" dirty="0">
+              <a:latin typeface="FrankRuehl" panose="020E0503060101010101" pitchFamily="34" charset="-79"/>
+              <a:ea typeface="BusanBada" panose="02000603000000000000" pitchFamily="2" charset="-127"/>
+              <a:cs typeface="FrankRuehl" panose="020E0503060101010101" pitchFamily="34" charset="-79"/>
+            </a:endParaRPr>
+          </a:p>
+        </p:txBody>
+      </p:sp>
+    </p:spTree>
+    <p:extLst>
+      <p:ext uri="{BB962C8B-B14F-4D97-AF65-F5344CB8AC3E}">
+        <p14:creationId xmlns:p14="http://schemas.microsoft.com/office/powerpoint/2010/main" val="3915418649"/>
       </p:ext>
     </p:extLst>
   </p:cSld>
@@ -24074,10 +25743,13 @@
               </a:rPr>
               <a:t>의 최적화 계층</a:t>
             </a:r>
-            <a:endParaRPr lang="en-US" altLang="ko-KR" sz="2400" dirty="0">
-              <a:latin typeface="BusanBada" panose="02000603000000000000" pitchFamily="2" charset="-127"/>
-              <a:ea typeface="BusanBada" panose="02000603000000000000" pitchFamily="2" charset="-127"/>
-            </a:endParaRPr>
+            <a:r>
+              <a:rPr lang="en-US" altLang="ko-KR" sz="2400" dirty="0">
+                <a:latin typeface="BusanBada" panose="02000603000000000000" pitchFamily="2" charset="-127"/>
+                <a:ea typeface="BusanBada" panose="02000603000000000000" pitchFamily="2" charset="-127"/>
+              </a:rPr>
+              <a:t>.</a:t>
+            </a:r>
           </a:p>
           <a:p>
             <a:pPr marL="0" indent="0">
@@ -24311,7 +25983,21 @@
                 <a:latin typeface="BusanBada" panose="02000603000000000000" pitchFamily="2" charset="-127"/>
                 <a:ea typeface="BusanBada" panose="02000603000000000000" pitchFamily="2" charset="-127"/>
               </a:rPr>
-              <a:t>는 메타 데이터로 사용하므로 실제 사용 공간은 </a:t>
+              <a:t>는 메타 데이터로 사용함</a:t>
+            </a:r>
+            <a:r>
+              <a:rPr lang="en-US" altLang="ko-KR" sz="2400" dirty="0">
+                <a:latin typeface="BusanBada" panose="02000603000000000000" pitchFamily="2" charset="-127"/>
+                <a:ea typeface="BusanBada" panose="02000603000000000000" pitchFamily="2" charset="-127"/>
+              </a:rPr>
+              <a:t>. </a:t>
+            </a:r>
+            <a:r>
+              <a:rPr lang="ko-KR" altLang="en-US" sz="2400" dirty="0">
+                <a:latin typeface="BusanBada" panose="02000603000000000000" pitchFamily="2" charset="-127"/>
+                <a:ea typeface="BusanBada" panose="02000603000000000000" pitchFamily="2" charset="-127"/>
+              </a:rPr>
+              <a:t>실제 사용 공간은 </a:t>
             </a:r>
             <a:r>
               <a:rPr lang="en-US" altLang="ko-KR" sz="2400" dirty="0">
